--- a/Slide.pptx
+++ b/Slide.pptx
@@ -35,12 +35,18 @@
     <p:sldId id="294" r:id="rId29"/>
     <p:sldId id="270" r:id="rId30"/>
     <p:sldId id="297" r:id="rId31"/>
-    <p:sldId id="298" r:id="rId32"/>
-    <p:sldId id="273" r:id="rId33"/>
-    <p:sldId id="275" r:id="rId34"/>
-    <p:sldId id="276" r:id="rId35"/>
-    <p:sldId id="278" r:id="rId36"/>
-    <p:sldId id="279" r:id="rId37"/>
+    <p:sldId id="299" r:id="rId32"/>
+    <p:sldId id="300" r:id="rId33"/>
+    <p:sldId id="301" r:id="rId34"/>
+    <p:sldId id="302" r:id="rId35"/>
+    <p:sldId id="298" r:id="rId36"/>
+    <p:sldId id="273" r:id="rId37"/>
+    <p:sldId id="304" r:id="rId38"/>
+    <p:sldId id="275" r:id="rId39"/>
+    <p:sldId id="303" r:id="rId40"/>
+    <p:sldId id="276" r:id="rId41"/>
+    <p:sldId id="278" r:id="rId42"/>
+    <p:sldId id="279" r:id="rId43"/>
   </p:sldIdLst>
   <p:sldSz cx="12192000" cy="6858000"/>
   <p:notesSz cx="6858000" cy="9144000"/>
@@ -145,7 +151,7 @@
 <file path=ppt/revisionInfo.xml><?xml version="1.0" encoding="utf-8"?>
 <p1510:revInfo xmlns:a="http://schemas.openxmlformats.org/drawingml/2006/main" xmlns:r="http://schemas.openxmlformats.org/officeDocument/2006/relationships" xmlns:p1510="http://schemas.microsoft.com/office/powerpoint/2015/10/main">
   <p1510:revLst>
-    <p1510:client id="{827A363B-7D48-4E31-8D14-C53C430A7CDA}" v="76" dt="2021-01-15T19:22:19.676"/>
+    <p1510:client id="{827A363B-7D48-4E31-8D14-C53C430A7CDA}" v="97" dt="2021-01-16T03:14:34.933"/>
   </p1510:revLst>
 </p1510:revInfo>
 </file>
@@ -155,7 +161,7 @@
   <pc:docChgLst>
     <pc:chgData name="VŨ ĐĂNG HOÀNG LONG" userId="a7f37be1-0431-4d22-a98c-6d73ca78dda1" providerId="ADAL" clId="{827A363B-7D48-4E31-8D14-C53C430A7CDA}"/>
     <pc:docChg chg="undo custSel addSld delSld modSld sldOrd modMainMaster">
-      <pc:chgData name="VŨ ĐĂNG HOÀNG LONG" userId="a7f37be1-0431-4d22-a98c-6d73ca78dda1" providerId="ADAL" clId="{827A363B-7D48-4E31-8D14-C53C430A7CDA}" dt="2021-01-15T21:56:08.604" v="9123" actId="20577"/>
+      <pc:chgData name="VŨ ĐĂNG HOÀNG LONG" userId="a7f37be1-0431-4d22-a98c-6d73ca78dda1" providerId="ADAL" clId="{827A363B-7D48-4E31-8D14-C53C430A7CDA}" dt="2021-01-16T03:14:34.933" v="11045"/>
       <pc:docMkLst>
         <pc:docMk/>
       </pc:docMkLst>
@@ -506,7 +512,7 @@
         </pc:picChg>
       </pc:sldChg>
       <pc:sldChg chg="modSp add mod">
-        <pc:chgData name="VŨ ĐĂNG HOÀNG LONG" userId="a7f37be1-0431-4d22-a98c-6d73ca78dda1" providerId="ADAL" clId="{827A363B-7D48-4E31-8D14-C53C430A7CDA}" dt="2021-01-15T21:54:21.667" v="8866" actId="20577"/>
+        <pc:chgData name="VŨ ĐĂNG HOÀNG LONG" userId="a7f37be1-0431-4d22-a98c-6d73ca78dda1" providerId="ADAL" clId="{827A363B-7D48-4E31-8D14-C53C430A7CDA}" dt="2021-01-16T00:04:41.109" v="9569" actId="20577"/>
         <pc:sldMkLst>
           <pc:docMk/>
           <pc:sldMk cId="695566616" sldId="270"/>
@@ -520,7 +526,7 @@
           </ac:spMkLst>
         </pc:spChg>
         <pc:spChg chg="mod">
-          <ac:chgData name="VŨ ĐĂNG HOÀNG LONG" userId="a7f37be1-0431-4d22-a98c-6d73ca78dda1" providerId="ADAL" clId="{827A363B-7D48-4E31-8D14-C53C430A7CDA}" dt="2021-01-15T21:54:21.667" v="8866" actId="20577"/>
+          <ac:chgData name="VŨ ĐĂNG HOÀNG LONG" userId="a7f37be1-0431-4d22-a98c-6d73ca78dda1" providerId="ADAL" clId="{827A363B-7D48-4E31-8D14-C53C430A7CDA}" dt="2021-01-16T00:04:41.109" v="9569" actId="20577"/>
           <ac:spMkLst>
             <pc:docMk/>
             <pc:sldMk cId="695566616" sldId="270"/>
@@ -589,34 +595,58 @@
         </pc:spChg>
       </pc:sldChg>
       <pc:sldChg chg="modSp add mod">
-        <pc:chgData name="VŨ ĐĂNG HOÀNG LONG" userId="a7f37be1-0431-4d22-a98c-6d73ca78dda1" providerId="ADAL" clId="{827A363B-7D48-4E31-8D14-C53C430A7CDA}" dt="2021-01-15T17:52:17.576" v="2834" actId="20577"/>
+        <pc:chgData name="VŨ ĐĂNG HOÀNG LONG" userId="a7f37be1-0431-4d22-a98c-6d73ca78dda1" providerId="ADAL" clId="{827A363B-7D48-4E31-8D14-C53C430A7CDA}" dt="2021-01-16T03:14:34.933" v="11045"/>
         <pc:sldMkLst>
           <pc:docMk/>
           <pc:sldMk cId="3068223525" sldId="275"/>
         </pc:sldMkLst>
         <pc:spChg chg="mod">
-          <ac:chgData name="VŨ ĐĂNG HOÀNG LONG" userId="a7f37be1-0431-4d22-a98c-6d73ca78dda1" providerId="ADAL" clId="{827A363B-7D48-4E31-8D14-C53C430A7CDA}" dt="2021-01-15T17:52:17.576" v="2834" actId="20577"/>
+          <ac:chgData name="VŨ ĐĂNG HOÀNG LONG" userId="a7f37be1-0431-4d22-a98c-6d73ca78dda1" providerId="ADAL" clId="{827A363B-7D48-4E31-8D14-C53C430A7CDA}" dt="2021-01-16T01:02:58.881" v="10399" actId="20577"/>
           <ac:spMkLst>
             <pc:docMk/>
             <pc:sldMk cId="3068223525" sldId="275"/>
             <ac:spMk id="2" creationId="{4AD106DC-1A60-44EA-9B45-87C7691BCE09}"/>
           </ac:spMkLst>
         </pc:spChg>
+        <pc:spChg chg="mod">
+          <ac:chgData name="VŨ ĐĂNG HOÀNG LONG" userId="a7f37be1-0431-4d22-a98c-6d73ca78dda1" providerId="ADAL" clId="{827A363B-7D48-4E31-8D14-C53C430A7CDA}" dt="2021-01-16T03:14:34.933" v="11045"/>
+          <ac:spMkLst>
+            <pc:docMk/>
+            <pc:sldMk cId="3068223525" sldId="275"/>
+            <ac:spMk id="3" creationId="{36B77C27-FE88-4214-8173-C40E2F3F9948}"/>
+          </ac:spMkLst>
+        </pc:spChg>
       </pc:sldChg>
-      <pc:sldChg chg="modSp add mod">
-        <pc:chgData name="VŨ ĐĂNG HOÀNG LONG" userId="a7f37be1-0431-4d22-a98c-6d73ca78dda1" providerId="ADAL" clId="{827A363B-7D48-4E31-8D14-C53C430A7CDA}" dt="2021-01-15T17:52:57.262" v="2905" actId="20577"/>
+      <pc:sldChg chg="addSp modSp add mod">
+        <pc:chgData name="VŨ ĐĂNG HOÀNG LONG" userId="a7f37be1-0431-4d22-a98c-6d73ca78dda1" providerId="ADAL" clId="{827A363B-7D48-4E31-8D14-C53C430A7CDA}" dt="2021-01-16T03:13:50.130" v="11035" actId="1076"/>
         <pc:sldMkLst>
           <pc:docMk/>
           <pc:sldMk cId="546907594" sldId="276"/>
         </pc:sldMkLst>
         <pc:spChg chg="mod">
-          <ac:chgData name="VŨ ĐĂNG HOÀNG LONG" userId="a7f37be1-0431-4d22-a98c-6d73ca78dda1" providerId="ADAL" clId="{827A363B-7D48-4E31-8D14-C53C430A7CDA}" dt="2021-01-15T17:52:57.262" v="2905" actId="20577"/>
+          <ac:chgData name="VŨ ĐĂNG HOÀNG LONG" userId="a7f37be1-0431-4d22-a98c-6d73ca78dda1" providerId="ADAL" clId="{827A363B-7D48-4E31-8D14-C53C430A7CDA}" dt="2021-01-16T01:03:14.521" v="10468" actId="20577"/>
           <ac:spMkLst>
             <pc:docMk/>
             <pc:sldMk cId="546907594" sldId="276"/>
             <ac:spMk id="2" creationId="{4AD106DC-1A60-44EA-9B45-87C7691BCE09}"/>
           </ac:spMkLst>
         </pc:spChg>
+        <pc:spChg chg="mod">
+          <ac:chgData name="VŨ ĐĂNG HOÀNG LONG" userId="a7f37be1-0431-4d22-a98c-6d73ca78dda1" providerId="ADAL" clId="{827A363B-7D48-4E31-8D14-C53C430A7CDA}" dt="2021-01-16T03:13:43.251" v="11034" actId="20577"/>
+          <ac:spMkLst>
+            <pc:docMk/>
+            <pc:sldMk cId="546907594" sldId="276"/>
+            <ac:spMk id="3" creationId="{36B77C27-FE88-4214-8173-C40E2F3F9948}"/>
+          </ac:spMkLst>
+        </pc:spChg>
+        <pc:picChg chg="add mod">
+          <ac:chgData name="VŨ ĐĂNG HOÀNG LONG" userId="a7f37be1-0431-4d22-a98c-6d73ca78dda1" providerId="ADAL" clId="{827A363B-7D48-4E31-8D14-C53C430A7CDA}" dt="2021-01-16T03:13:50.130" v="11035" actId="1076"/>
+          <ac:picMkLst>
+            <pc:docMk/>
+            <pc:sldMk cId="546907594" sldId="276"/>
+            <ac:picMk id="5" creationId="{706DF6DF-D641-4131-A3D4-67B9983D0F82}"/>
+          </ac:picMkLst>
+        </pc:picChg>
       </pc:sldChg>
       <pc:sldChg chg="new del">
         <pc:chgData name="VŨ ĐĂNG HOÀNG LONG" userId="a7f37be1-0431-4d22-a98c-6d73ca78dda1" providerId="ADAL" clId="{827A363B-7D48-4E31-8D14-C53C430A7CDA}" dt="2021-01-15T17:53:12.945" v="2908" actId="47"/>
@@ -633,13 +663,13 @@
         </pc:sldMkLst>
       </pc:sldChg>
       <pc:sldChg chg="modSp new mod">
-        <pc:chgData name="VŨ ĐĂNG HOÀNG LONG" userId="a7f37be1-0431-4d22-a98c-6d73ca78dda1" providerId="ADAL" clId="{827A363B-7D48-4E31-8D14-C53C430A7CDA}" dt="2021-01-15T17:53:58.359" v="2936" actId="20577"/>
+        <pc:chgData name="VŨ ĐĂNG HOÀNG LONG" userId="a7f37be1-0431-4d22-a98c-6d73ca78dda1" providerId="ADAL" clId="{827A363B-7D48-4E31-8D14-C53C430A7CDA}" dt="2021-01-16T03:14:11.024" v="11039"/>
         <pc:sldMkLst>
           <pc:docMk/>
           <pc:sldMk cId="3522696618" sldId="278"/>
         </pc:sldMkLst>
         <pc:spChg chg="mod">
-          <ac:chgData name="VŨ ĐĂNG HOÀNG LONG" userId="a7f37be1-0431-4d22-a98c-6d73ca78dda1" providerId="ADAL" clId="{827A363B-7D48-4E31-8D14-C53C430A7CDA}" dt="2021-01-15T17:53:58.359" v="2936" actId="20577"/>
+          <ac:chgData name="VŨ ĐĂNG HOÀNG LONG" userId="a7f37be1-0431-4d22-a98c-6d73ca78dda1" providerId="ADAL" clId="{827A363B-7D48-4E31-8D14-C53C430A7CDA}" dt="2021-01-16T03:14:11.024" v="11039"/>
           <ac:spMkLst>
             <pc:docMk/>
             <pc:sldMk cId="3522696618" sldId="278"/>
@@ -648,7 +678,7 @@
         </pc:spChg>
       </pc:sldChg>
       <pc:sldChg chg="modSp new mod">
-        <pc:chgData name="VŨ ĐĂNG HOÀNG LONG" userId="a7f37be1-0431-4d22-a98c-6d73ca78dda1" providerId="ADAL" clId="{827A363B-7D48-4E31-8D14-C53C430A7CDA}" dt="2021-01-15T17:54:08.161" v="2951" actId="122"/>
+        <pc:chgData name="VŨ ĐĂNG HOÀNG LONG" userId="a7f37be1-0431-4d22-a98c-6d73ca78dda1" providerId="ADAL" clId="{827A363B-7D48-4E31-8D14-C53C430A7CDA}" dt="2021-01-16T03:13:18.090" v="11017" actId="27636"/>
         <pc:sldMkLst>
           <pc:docMk/>
           <pc:sldMk cId="1981201201" sldId="279"/>
@@ -659,6 +689,14 @@
             <pc:docMk/>
             <pc:sldMk cId="1981201201" sldId="279"/>
             <ac:spMk id="2" creationId="{3E07D542-6E83-4235-A531-BDEAA4F39E0D}"/>
+          </ac:spMkLst>
+        </pc:spChg>
+        <pc:spChg chg="mod">
+          <ac:chgData name="VŨ ĐĂNG HOÀNG LONG" userId="a7f37be1-0431-4d22-a98c-6d73ca78dda1" providerId="ADAL" clId="{827A363B-7D48-4E31-8D14-C53C430A7CDA}" dt="2021-01-16T03:13:18.090" v="11017" actId="27636"/>
+          <ac:spMkLst>
+            <pc:docMk/>
+            <pc:sldMk cId="1981201201" sldId="279"/>
+            <ac:spMk id="3" creationId="{E64A049A-7A8E-4520-B7E0-F5FA6AE968A4}"/>
           </ac:spMkLst>
         </pc:spChg>
       </pc:sldChg>
@@ -1038,13 +1076,13 @@
         </pc:picChg>
       </pc:sldChg>
       <pc:sldChg chg="addSp modSp add mod">
-        <pc:chgData name="VŨ ĐĂNG HOÀNG LONG" userId="a7f37be1-0431-4d22-a98c-6d73ca78dda1" providerId="ADAL" clId="{827A363B-7D48-4E31-8D14-C53C430A7CDA}" dt="2021-01-15T19:28:12.306" v="8111" actId="20577"/>
+        <pc:chgData name="VŨ ĐĂNG HOÀNG LONG" userId="a7f37be1-0431-4d22-a98c-6d73ca78dda1" providerId="ADAL" clId="{827A363B-7D48-4E31-8D14-C53C430A7CDA}" dt="2021-01-16T00:50:09.113" v="9704" actId="20577"/>
         <pc:sldMkLst>
           <pc:docMk/>
           <pc:sldMk cId="1335272250" sldId="295"/>
         </pc:sldMkLst>
         <pc:spChg chg="mod">
-          <ac:chgData name="VŨ ĐĂNG HOÀNG LONG" userId="a7f37be1-0431-4d22-a98c-6d73ca78dda1" providerId="ADAL" clId="{827A363B-7D48-4E31-8D14-C53C430A7CDA}" dt="2021-01-15T19:28:12.306" v="8111" actId="20577"/>
+          <ac:chgData name="VŨ ĐĂNG HOÀNG LONG" userId="a7f37be1-0431-4d22-a98c-6d73ca78dda1" providerId="ADAL" clId="{827A363B-7D48-4E31-8D14-C53C430A7CDA}" dt="2021-01-16T00:50:09.113" v="9704" actId="20577"/>
           <ac:spMkLst>
             <pc:docMk/>
             <pc:sldMk cId="1335272250" sldId="295"/>
@@ -1075,25 +1113,48 @@
           </ac:spMkLst>
         </pc:spChg>
       </pc:sldChg>
-      <pc:sldChg chg="add">
-        <pc:chgData name="VŨ ĐĂNG HOÀNG LONG" userId="a7f37be1-0431-4d22-a98c-6d73ca78dda1" providerId="ADAL" clId="{827A363B-7D48-4E31-8D14-C53C430A7CDA}" dt="2021-01-15T19:16:01.764" v="7435"/>
+      <pc:sldChg chg="modSp add mod">
+        <pc:chgData name="VŨ ĐĂNG HOÀNG LONG" userId="a7f37be1-0431-4d22-a98c-6d73ca78dda1" providerId="ADAL" clId="{827A363B-7D48-4E31-8D14-C53C430A7CDA}" dt="2021-01-16T00:03:45.645" v="9489" actId="20577"/>
         <pc:sldMkLst>
           <pc:docMk/>
           <pc:sldMk cId="1996564421" sldId="297"/>
         </pc:sldMkLst>
+        <pc:spChg chg="mod">
+          <ac:chgData name="VŨ ĐĂNG HOÀNG LONG" userId="a7f37be1-0431-4d22-a98c-6d73ca78dda1" providerId="ADAL" clId="{827A363B-7D48-4E31-8D14-C53C430A7CDA}" dt="2021-01-16T00:03:45.645" v="9489" actId="20577"/>
+          <ac:spMkLst>
+            <pc:docMk/>
+            <pc:sldMk cId="1996564421" sldId="297"/>
+            <ac:spMk id="2" creationId="{4AD106DC-1A60-44EA-9B45-87C7691BCE09}"/>
+          </ac:spMkLst>
+        </pc:spChg>
       </pc:sldChg>
       <pc:sldChg chg="modSp add mod">
-        <pc:chgData name="VŨ ĐĂNG HOÀNG LONG" userId="a7f37be1-0431-4d22-a98c-6d73ca78dda1" providerId="ADAL" clId="{827A363B-7D48-4E31-8D14-C53C430A7CDA}" dt="2021-01-15T21:56:08.604" v="9123" actId="20577"/>
+        <pc:chgData name="VŨ ĐĂNG HOÀNG LONG" userId="a7f37be1-0431-4d22-a98c-6d73ca78dda1" providerId="ADAL" clId="{827A363B-7D48-4E31-8D14-C53C430A7CDA}" dt="2021-01-16T01:08:59.415" v="10535" actId="20577"/>
         <pc:sldMkLst>
           <pc:docMk/>
           <pc:sldMk cId="2144853111" sldId="298"/>
         </pc:sldMkLst>
         <pc:spChg chg="mod">
-          <ac:chgData name="VŨ ĐĂNG HOÀNG LONG" userId="a7f37be1-0431-4d22-a98c-6d73ca78dda1" providerId="ADAL" clId="{827A363B-7D48-4E31-8D14-C53C430A7CDA}" dt="2021-01-15T21:56:08.604" v="9123" actId="20577"/>
+          <ac:chgData name="VŨ ĐĂNG HOÀNG LONG" userId="a7f37be1-0431-4d22-a98c-6d73ca78dda1" providerId="ADAL" clId="{827A363B-7D48-4E31-8D14-C53C430A7CDA}" dt="2021-01-16T01:08:59.415" v="10535" actId="20577"/>
           <ac:spMkLst>
             <pc:docMk/>
             <pc:sldMk cId="2144853111" sldId="298"/>
             <ac:spMk id="3" creationId="{36B77C27-FE88-4214-8173-C40E2F3F9948}"/>
+          </ac:spMkLst>
+        </pc:spChg>
+      </pc:sldChg>
+      <pc:sldChg chg="modSp add mod">
+        <pc:chgData name="VŨ ĐĂNG HOÀNG LONG" userId="a7f37be1-0431-4d22-a98c-6d73ca78dda1" providerId="ADAL" clId="{827A363B-7D48-4E31-8D14-C53C430A7CDA}" dt="2021-01-16T00:03:57.228" v="9512" actId="20577"/>
+        <pc:sldMkLst>
+          <pc:docMk/>
+          <pc:sldMk cId="2111348987" sldId="299"/>
+        </pc:sldMkLst>
+        <pc:spChg chg="mod">
+          <ac:chgData name="VŨ ĐĂNG HOÀNG LONG" userId="a7f37be1-0431-4d22-a98c-6d73ca78dda1" providerId="ADAL" clId="{827A363B-7D48-4E31-8D14-C53C430A7CDA}" dt="2021-01-16T00:03:57.228" v="9512" actId="20577"/>
+          <ac:spMkLst>
+            <pc:docMk/>
+            <pc:sldMk cId="2111348987" sldId="299"/>
+            <ac:spMk id="2" creationId="{4AD106DC-1A60-44EA-9B45-87C7691BCE09}"/>
           </ac:spMkLst>
         </pc:spChg>
       </pc:sldChg>
@@ -1103,6 +1164,104 @@
           <pc:docMk/>
           <pc:sldMk cId="2128853475" sldId="299"/>
         </pc:sldMkLst>
+      </pc:sldChg>
+      <pc:sldChg chg="modSp add mod">
+        <pc:chgData name="VŨ ĐĂNG HOÀNG LONG" userId="a7f37be1-0431-4d22-a98c-6d73ca78dda1" providerId="ADAL" clId="{827A363B-7D48-4E31-8D14-C53C430A7CDA}" dt="2021-01-16T00:04:09.482" v="9543" actId="20577"/>
+        <pc:sldMkLst>
+          <pc:docMk/>
+          <pc:sldMk cId="3923264112" sldId="300"/>
+        </pc:sldMkLst>
+        <pc:spChg chg="mod">
+          <ac:chgData name="VŨ ĐĂNG HOÀNG LONG" userId="a7f37be1-0431-4d22-a98c-6d73ca78dda1" providerId="ADAL" clId="{827A363B-7D48-4E31-8D14-C53C430A7CDA}" dt="2021-01-16T00:04:09.482" v="9543" actId="20577"/>
+          <ac:spMkLst>
+            <pc:docMk/>
+            <pc:sldMk cId="3923264112" sldId="300"/>
+            <ac:spMk id="2" creationId="{4AD106DC-1A60-44EA-9B45-87C7691BCE09}"/>
+          </ac:spMkLst>
+        </pc:spChg>
+      </pc:sldChg>
+      <pc:sldChg chg="modSp add mod">
+        <pc:chgData name="VŨ ĐĂNG HOÀNG LONG" userId="a7f37be1-0431-4d22-a98c-6d73ca78dda1" providerId="ADAL" clId="{827A363B-7D48-4E31-8D14-C53C430A7CDA}" dt="2021-01-16T00:04:28.342" v="9563" actId="20577"/>
+        <pc:sldMkLst>
+          <pc:docMk/>
+          <pc:sldMk cId="2051104062" sldId="301"/>
+        </pc:sldMkLst>
+        <pc:spChg chg="mod">
+          <ac:chgData name="VŨ ĐĂNG HOÀNG LONG" userId="a7f37be1-0431-4d22-a98c-6d73ca78dda1" providerId="ADAL" clId="{827A363B-7D48-4E31-8D14-C53C430A7CDA}" dt="2021-01-16T00:04:28.342" v="9563" actId="20577"/>
+          <ac:spMkLst>
+            <pc:docMk/>
+            <pc:sldMk cId="2051104062" sldId="301"/>
+            <ac:spMk id="2" creationId="{4AD106DC-1A60-44EA-9B45-87C7691BCE09}"/>
+          </ac:spMkLst>
+        </pc:spChg>
+      </pc:sldChg>
+      <pc:sldChg chg="modSp add mod">
+        <pc:chgData name="VŨ ĐĂNG HOÀNG LONG" userId="a7f37be1-0431-4d22-a98c-6d73ca78dda1" providerId="ADAL" clId="{827A363B-7D48-4E31-8D14-C53C430A7CDA}" dt="2021-01-16T00:04:34.923" v="9565" actId="20577"/>
+        <pc:sldMkLst>
+          <pc:docMk/>
+          <pc:sldMk cId="2187135573" sldId="302"/>
+        </pc:sldMkLst>
+        <pc:spChg chg="mod">
+          <ac:chgData name="VŨ ĐĂNG HOÀNG LONG" userId="a7f37be1-0431-4d22-a98c-6d73ca78dda1" providerId="ADAL" clId="{827A363B-7D48-4E31-8D14-C53C430A7CDA}" dt="2021-01-16T00:04:34.923" v="9565" actId="20577"/>
+          <ac:spMkLst>
+            <pc:docMk/>
+            <pc:sldMk cId="2187135573" sldId="302"/>
+            <ac:spMk id="2" creationId="{4AD106DC-1A60-44EA-9B45-87C7691BCE09}"/>
+          </ac:spMkLst>
+        </pc:spChg>
+      </pc:sldChg>
+      <pc:sldChg chg="modSp add mod">
+        <pc:chgData name="VŨ ĐĂNG HOÀNG LONG" userId="a7f37be1-0431-4d22-a98c-6d73ca78dda1" providerId="ADAL" clId="{827A363B-7D48-4E31-8D14-C53C430A7CDA}" dt="2021-01-16T03:14:26.216" v="11042"/>
+        <pc:sldMkLst>
+          <pc:docMk/>
+          <pc:sldMk cId="2622201153" sldId="303"/>
+        </pc:sldMkLst>
+        <pc:spChg chg="mod">
+          <ac:chgData name="VŨ ĐĂNG HOÀNG LONG" userId="a7f37be1-0431-4d22-a98c-6d73ca78dda1" providerId="ADAL" clId="{827A363B-7D48-4E31-8D14-C53C430A7CDA}" dt="2021-01-16T01:03:05.644" v="10426" actId="20577"/>
+          <ac:spMkLst>
+            <pc:docMk/>
+            <pc:sldMk cId="2622201153" sldId="303"/>
+            <ac:spMk id="2" creationId="{4AD106DC-1A60-44EA-9B45-87C7691BCE09}"/>
+          </ac:spMkLst>
+        </pc:spChg>
+        <pc:spChg chg="mod">
+          <ac:chgData name="VŨ ĐĂNG HOÀNG LONG" userId="a7f37be1-0431-4d22-a98c-6d73ca78dda1" providerId="ADAL" clId="{827A363B-7D48-4E31-8D14-C53C430A7CDA}" dt="2021-01-16T03:14:26.216" v="11042"/>
+          <ac:spMkLst>
+            <pc:docMk/>
+            <pc:sldMk cId="2622201153" sldId="303"/>
+            <ac:spMk id="3" creationId="{36B77C27-FE88-4214-8173-C40E2F3F9948}"/>
+          </ac:spMkLst>
+        </pc:spChg>
+      </pc:sldChg>
+      <pc:sldChg chg="new del">
+        <pc:chgData name="VŨ ĐĂNG HOÀNG LONG" userId="a7f37be1-0431-4d22-a98c-6d73ca78dda1" providerId="ADAL" clId="{827A363B-7D48-4E31-8D14-C53C430A7CDA}" dt="2021-01-16T00:59:36.142" v="10120" actId="680"/>
+        <pc:sldMkLst>
+          <pc:docMk/>
+          <pc:sldMk cId="3002105831" sldId="304"/>
+        </pc:sldMkLst>
+      </pc:sldChg>
+      <pc:sldChg chg="modSp add mod ord">
+        <pc:chgData name="VŨ ĐĂNG HOÀNG LONG" userId="a7f37be1-0431-4d22-a98c-6d73ca78dda1" providerId="ADAL" clId="{827A363B-7D48-4E31-8D14-C53C430A7CDA}" dt="2021-01-16T01:04:35.720" v="10513" actId="20577"/>
+        <pc:sldMkLst>
+          <pc:docMk/>
+          <pc:sldMk cId="3473368064" sldId="304"/>
+        </pc:sldMkLst>
+        <pc:spChg chg="mod">
+          <ac:chgData name="VŨ ĐĂNG HOÀNG LONG" userId="a7f37be1-0431-4d22-a98c-6d73ca78dda1" providerId="ADAL" clId="{827A363B-7D48-4E31-8D14-C53C430A7CDA}" dt="2021-01-16T00:59:44.101" v="10138" actId="20577"/>
+          <ac:spMkLst>
+            <pc:docMk/>
+            <pc:sldMk cId="3473368064" sldId="304"/>
+            <ac:spMk id="2" creationId="{4AD106DC-1A60-44EA-9B45-87C7691BCE09}"/>
+          </ac:spMkLst>
+        </pc:spChg>
+        <pc:spChg chg="mod">
+          <ac:chgData name="VŨ ĐĂNG HOÀNG LONG" userId="a7f37be1-0431-4d22-a98c-6d73ca78dda1" providerId="ADAL" clId="{827A363B-7D48-4E31-8D14-C53C430A7CDA}" dt="2021-01-16T01:04:35.720" v="10513" actId="20577"/>
+          <ac:spMkLst>
+            <pc:docMk/>
+            <pc:sldMk cId="3473368064" sldId="304"/>
+            <ac:spMk id="3" creationId="{36B77C27-FE88-4214-8173-C40E2F3F9948}"/>
+          </ac:spMkLst>
+        </pc:spChg>
       </pc:sldChg>
       <pc:sldMasterChg chg="modSp modSldLayout">
         <pc:chgData name="VŨ ĐĂNG HOÀNG LONG" userId="a7f37be1-0431-4d22-a98c-6d73ca78dda1" providerId="ADAL" clId="{827A363B-7D48-4E31-8D14-C53C430A7CDA}" dt="2021-01-15T17:03:19.593" v="25" actId="2711"/>
@@ -11593,7 +11752,39 @@
             </a:r>
             <a:r>
               <a:rPr lang="en-US" dirty="0"/>
-              <a:t> SVD </a:t>
+              <a:t> </a:t>
+            </a:r>
+            <a:r>
+              <a:rPr lang="en-US" dirty="0" err="1"/>
+              <a:t>phương</a:t>
+            </a:r>
+            <a:r>
+              <a:rPr lang="en-US" dirty="0"/>
+              <a:t> </a:t>
+            </a:r>
+            <a:r>
+              <a:rPr lang="en-US" dirty="0" err="1"/>
+              <a:t>pháp</a:t>
+            </a:r>
+            <a:r>
+              <a:rPr lang="en-US" dirty="0"/>
+              <a:t> Chi </a:t>
+            </a:r>
+            <a:r>
+              <a:rPr lang="en-US" dirty="0" err="1"/>
+              <a:t>bình</a:t>
+            </a:r>
+            <a:r>
+              <a:rPr lang="en-US" dirty="0"/>
+              <a:t> </a:t>
+            </a:r>
+            <a:r>
+              <a:rPr lang="en-US" dirty="0" err="1"/>
+              <a:t>phương</a:t>
+            </a:r>
+            <a:r>
+              <a:rPr lang="en-US" dirty="0"/>
+              <a:t> </a:t>
             </a:r>
             <a:r>
               <a:rPr lang="en-US" dirty="0" err="1"/>
@@ -11605,59 +11796,43 @@
             </a:r>
             <a:r>
               <a:rPr lang="en-US" dirty="0" err="1"/>
-              <a:t>giảm</a:t>
-            </a:r>
-            <a:r>
-              <a:rPr lang="en-US" dirty="0"/>
-              <a:t> </a:t>
-            </a:r>
-            <a:r>
-              <a:rPr lang="en-US" dirty="0" err="1"/>
-              <a:t>chiều</a:t>
-            </a:r>
-            <a:r>
-              <a:rPr lang="en-US" dirty="0"/>
-              <a:t> vector (</a:t>
-            </a:r>
-            <a:r>
-              <a:rPr lang="en-US" dirty="0" err="1"/>
-              <a:t>tương</a:t>
-            </a:r>
-            <a:r>
-              <a:rPr lang="en-US" dirty="0"/>
-              <a:t> </a:t>
-            </a:r>
-            <a:r>
-              <a:rPr lang="en-US" dirty="0" err="1"/>
-              <a:t>tự</a:t>
-            </a:r>
-            <a:r>
-              <a:rPr lang="en-US" dirty="0"/>
-              <a:t> PCA </a:t>
-            </a:r>
-            <a:r>
-              <a:rPr lang="en-US" dirty="0" err="1"/>
-              <a:t>nhưng</a:t>
-            </a:r>
-            <a:r>
-              <a:rPr lang="en-US" dirty="0"/>
-              <a:t> </a:t>
-            </a:r>
-            <a:r>
-              <a:rPr lang="en-US" dirty="0" err="1"/>
-              <a:t>tốt</a:t>
-            </a:r>
-            <a:r>
-              <a:rPr lang="en-US" dirty="0"/>
-              <a:t> </a:t>
-            </a:r>
-            <a:r>
-              <a:rPr lang="en-US" dirty="0" err="1"/>
-              <a:t>hơn</a:t>
-            </a:r>
-            <a:r>
-              <a:rPr lang="en-US" dirty="0"/>
-              <a:t>)</a:t>
+              <a:t>rút</a:t>
+            </a:r>
+            <a:r>
+              <a:rPr lang="en-US" dirty="0"/>
+              <a:t> </a:t>
+            </a:r>
+            <a:r>
+              <a:rPr lang="en-US" dirty="0" err="1"/>
+              <a:t>gọn</a:t>
+            </a:r>
+            <a:r>
+              <a:rPr lang="en-US" dirty="0"/>
+              <a:t> </a:t>
+            </a:r>
+            <a:r>
+              <a:rPr lang="en-US" dirty="0" err="1"/>
+              <a:t>đặc</a:t>
+            </a:r>
+            <a:r>
+              <a:rPr lang="en-US" dirty="0"/>
+              <a:t> </a:t>
+            </a:r>
+            <a:r>
+              <a:rPr lang="en-US" dirty="0" err="1"/>
+              <a:t>trưng</a:t>
+            </a:r>
+            <a:r>
+              <a:rPr lang="en-US" dirty="0"/>
+              <a:t> </a:t>
+            </a:r>
+            <a:r>
+              <a:rPr lang="en-US" dirty="0" err="1"/>
+              <a:t>của</a:t>
+            </a:r>
+            <a:r>
+              <a:rPr lang="en-US" dirty="0"/>
+              <a:t> vector TF-IDF.</a:t>
             </a:r>
           </a:p>
         </p:txBody>
@@ -12144,6 +12319,30 @@
             </a:r>
             <a:r>
               <a:rPr lang="en-US" dirty="0"/>
+              <a:t> </a:t>
+            </a:r>
+            <a:r>
+              <a:rPr lang="en-US" dirty="0" err="1"/>
+              <a:t>trên</a:t>
+            </a:r>
+            <a:r>
+              <a:rPr lang="en-US" dirty="0"/>
+              <a:t> 5% </a:t>
+            </a:r>
+            <a:r>
+              <a:rPr lang="en-US" dirty="0" err="1"/>
+              <a:t>dữ</a:t>
+            </a:r>
+            <a:r>
+              <a:rPr lang="en-US" dirty="0"/>
+              <a:t> </a:t>
+            </a:r>
+            <a:r>
+              <a:rPr lang="en-US" dirty="0" err="1"/>
+              <a:t>liệu</a:t>
+            </a:r>
+            <a:r>
+              <a:rPr lang="en-US" dirty="0"/>
               <a:t>:</a:t>
             </a:r>
           </a:p>
@@ -12155,50 +12354,86 @@
           </a:p>
           <a:p>
             <a:r>
-              <a:rPr lang="en-US" dirty="0" err="1"/>
-              <a:t>Softmax</a:t>
-            </a:r>
-            <a:r>
-              <a:rPr lang="en-US" dirty="0"/>
-              <a:t> Regression</a:t>
-            </a:r>
-          </a:p>
-          <a:p>
-            <a:r>
-              <a:rPr lang="en-US" dirty="0" err="1"/>
-              <a:t>Softmax</a:t>
-            </a:r>
-            <a:r>
-              <a:rPr lang="en-US" dirty="0"/>
-              <a:t> Regression có </a:t>
-            </a:r>
-            <a:r>
-              <a:rPr lang="en-US" dirty="0" err="1"/>
-              <a:t>sử</a:t>
-            </a:r>
-            <a:r>
-              <a:rPr lang="en-US" dirty="0"/>
-              <a:t> </a:t>
-            </a:r>
-            <a:r>
-              <a:rPr lang="en-US" dirty="0" err="1"/>
-              <a:t>dụng</a:t>
-            </a:r>
-            <a:r>
-              <a:rPr lang="en-US" dirty="0"/>
-              <a:t> </a:t>
-            </a:r>
-            <a:r>
-              <a:rPr lang="en-US" dirty="0" err="1"/>
-              <a:t>phương</a:t>
-            </a:r>
-            <a:r>
-              <a:rPr lang="en-US" dirty="0"/>
-              <a:t> </a:t>
-            </a:r>
-            <a:r>
-              <a:rPr lang="en-US" dirty="0" err="1"/>
-              <a:t>pháp</a:t>
+              <a:rPr lang="en-US" dirty="0"/>
+              <a:t>Logistic Regression</a:t>
+            </a:r>
+          </a:p>
+          <a:p>
+            <a:r>
+              <a:rPr lang="en-US" dirty="0"/>
+              <a:t>Logistic Regression </a:t>
+            </a:r>
+            <a:r>
+              <a:rPr lang="en-US" dirty="0" err="1"/>
+              <a:t>dùng</a:t>
+            </a:r>
+            <a:r>
+              <a:rPr lang="en-US" dirty="0"/>
+              <a:t> </a:t>
+            </a:r>
+            <a:r>
+              <a:rPr lang="en-US" dirty="0" err="1"/>
+              <a:t>với</a:t>
+            </a:r>
+            <a:r>
+              <a:rPr lang="en-US" dirty="0"/>
+              <a:t> </a:t>
+            </a:r>
+            <a:r>
+              <a:rPr lang="en-US" dirty="0" err="1"/>
+              <a:t>kỹ</a:t>
+            </a:r>
+            <a:r>
+              <a:rPr lang="en-US" dirty="0"/>
+              <a:t> </a:t>
+            </a:r>
+            <a:r>
+              <a:rPr lang="en-US" dirty="0" err="1"/>
+              <a:t>thuật</a:t>
+            </a:r>
+            <a:r>
+              <a:rPr lang="en-US" dirty="0"/>
+              <a:t> bagging</a:t>
+            </a:r>
+          </a:p>
+          <a:p>
+            <a:r>
+              <a:rPr lang="en-US" dirty="0"/>
+              <a:t>Neuron Network</a:t>
+            </a:r>
+          </a:p>
+          <a:p>
+            <a:r>
+              <a:rPr lang="en-US" dirty="0"/>
+              <a:t>Neuron Network </a:t>
+            </a:r>
+            <a:r>
+              <a:rPr lang="en-US" dirty="0" err="1"/>
+              <a:t>dùng</a:t>
+            </a:r>
+            <a:r>
+              <a:rPr lang="en-US" dirty="0"/>
+              <a:t> </a:t>
+            </a:r>
+            <a:r>
+              <a:rPr lang="en-US" dirty="0" err="1"/>
+              <a:t>với</a:t>
+            </a:r>
+            <a:r>
+              <a:rPr lang="en-US" dirty="0"/>
+              <a:t> </a:t>
+            </a:r>
+            <a:r>
+              <a:rPr lang="en-US" dirty="0" err="1"/>
+              <a:t>kỹ</a:t>
+            </a:r>
+            <a:r>
+              <a:rPr lang="en-US" dirty="0"/>
+              <a:t> </a:t>
+            </a:r>
+            <a:r>
+              <a:rPr lang="en-US" dirty="0" err="1"/>
+              <a:t>thuật</a:t>
             </a:r>
             <a:r>
               <a:rPr lang="en-US" dirty="0"/>
@@ -12384,56 +12619,8 @@
           <a:p>
             <a:pPr algn="ctr"/>
             <a:r>
-              <a:rPr lang="en-US" dirty="0" err="1"/>
-              <a:t>Xây</a:t>
-            </a:r>
-            <a:r>
-              <a:rPr lang="en-US" dirty="0"/>
-              <a:t> </a:t>
-            </a:r>
-            <a:r>
-              <a:rPr lang="en-US" dirty="0" err="1"/>
-              <a:t>dựng</a:t>
-            </a:r>
-            <a:r>
-              <a:rPr lang="en-US" dirty="0"/>
-              <a:t> </a:t>
-            </a:r>
-            <a:r>
-              <a:rPr lang="en-US" dirty="0" err="1"/>
-              <a:t>mô</a:t>
-            </a:r>
-            <a:r>
-              <a:rPr lang="en-US" dirty="0"/>
-              <a:t> </a:t>
-            </a:r>
-            <a:r>
-              <a:rPr lang="en-US" dirty="0" err="1"/>
-              <a:t>hình</a:t>
-            </a:r>
-            <a:r>
-              <a:rPr lang="en-US" dirty="0"/>
-              <a:t> </a:t>
-            </a:r>
-            <a:r>
-              <a:rPr lang="en-US" dirty="0" err="1"/>
-              <a:t>và</a:t>
-            </a:r>
-            <a:r>
-              <a:rPr lang="en-US" dirty="0"/>
-              <a:t> </a:t>
-            </a:r>
-            <a:r>
-              <a:rPr lang="en-US" dirty="0" err="1"/>
-              <a:t>thử</a:t>
-            </a:r>
-            <a:r>
-              <a:rPr lang="en-US" dirty="0"/>
-              <a:t> </a:t>
-            </a:r>
-            <a:r>
-              <a:rPr lang="en-US" dirty="0" err="1"/>
-              <a:t>nghiệm</a:t>
+              <a:rPr lang="en-US" dirty="0"/>
+              <a:t>Naive Bayes (5% data)</a:t>
             </a:r>
             <a:endParaRPr lang="vi-VN" dirty="0"/>
           </a:p>
@@ -12517,56 +12704,8 @@
           <a:p>
             <a:pPr algn="ctr"/>
             <a:r>
-              <a:rPr lang="en-US" dirty="0" err="1"/>
-              <a:t>Xây</a:t>
-            </a:r>
-            <a:r>
-              <a:rPr lang="en-US" dirty="0"/>
-              <a:t> </a:t>
-            </a:r>
-            <a:r>
-              <a:rPr lang="en-US" dirty="0" err="1"/>
-              <a:t>dựng</a:t>
-            </a:r>
-            <a:r>
-              <a:rPr lang="en-US" dirty="0"/>
-              <a:t> </a:t>
-            </a:r>
-            <a:r>
-              <a:rPr lang="en-US" dirty="0" err="1"/>
-              <a:t>mô</a:t>
-            </a:r>
-            <a:r>
-              <a:rPr lang="en-US" dirty="0"/>
-              <a:t> </a:t>
-            </a:r>
-            <a:r>
-              <a:rPr lang="en-US" dirty="0" err="1"/>
-              <a:t>hình</a:t>
-            </a:r>
-            <a:r>
-              <a:rPr lang="en-US" dirty="0"/>
-              <a:t> </a:t>
-            </a:r>
-            <a:r>
-              <a:rPr lang="en-US" dirty="0" err="1"/>
-              <a:t>và</a:t>
-            </a:r>
-            <a:r>
-              <a:rPr lang="en-US" dirty="0"/>
-              <a:t> </a:t>
-            </a:r>
-            <a:r>
-              <a:rPr lang="en-US" dirty="0" err="1"/>
-              <a:t>thử</a:t>
-            </a:r>
-            <a:r>
-              <a:rPr lang="en-US" dirty="0"/>
-              <a:t> </a:t>
-            </a:r>
-            <a:r>
-              <a:rPr lang="en-US" dirty="0" err="1"/>
-              <a:t>nghiệm</a:t>
+              <a:rPr lang="en-US" dirty="0"/>
+              <a:t>Logistic Regression (5% data)</a:t>
             </a:r>
             <a:endParaRPr lang="vi-VN" dirty="0"/>
           </a:p>
@@ -12593,129 +12732,14 @@
           <a:bodyPr/>
           <a:lstStyle/>
           <a:p>
-            <a:r>
-              <a:rPr lang="en-US" dirty="0"/>
-              <a:t>Do </a:t>
-            </a:r>
-            <a:r>
-              <a:rPr lang="en-US" dirty="0" err="1"/>
-              <a:t>khối</a:t>
-            </a:r>
-            <a:r>
-              <a:rPr lang="en-US" dirty="0"/>
-              <a:t> </a:t>
-            </a:r>
-            <a:r>
-              <a:rPr lang="en-US" dirty="0" err="1"/>
-              <a:t>lượng</a:t>
-            </a:r>
-            <a:r>
-              <a:rPr lang="en-US" dirty="0"/>
-              <a:t> </a:t>
-            </a:r>
-            <a:r>
-              <a:rPr lang="en-US" dirty="0" err="1"/>
-              <a:t>dữ</a:t>
-            </a:r>
-            <a:r>
-              <a:rPr lang="en-US" dirty="0"/>
-              <a:t> </a:t>
-            </a:r>
-            <a:r>
-              <a:rPr lang="en-US" dirty="0" err="1"/>
-              <a:t>liệu</a:t>
-            </a:r>
-            <a:r>
-              <a:rPr lang="en-US" dirty="0"/>
-              <a:t> </a:t>
-            </a:r>
-            <a:r>
-              <a:rPr lang="en-US" dirty="0" err="1"/>
-              <a:t>lớn</a:t>
-            </a:r>
-            <a:r>
-              <a:rPr lang="en-US" dirty="0"/>
-              <a:t>, </a:t>
-            </a:r>
-            <a:r>
-              <a:rPr lang="en-US" dirty="0" err="1"/>
-              <a:t>không</a:t>
-            </a:r>
-            <a:r>
-              <a:rPr lang="en-US" dirty="0"/>
-              <a:t> </a:t>
-            </a:r>
-            <a:r>
-              <a:rPr lang="en-US" dirty="0" err="1"/>
-              <a:t>thể</a:t>
-            </a:r>
-            <a:r>
-              <a:rPr lang="en-US" dirty="0"/>
-              <a:t> </a:t>
-            </a:r>
-            <a:r>
-              <a:rPr lang="en-US" dirty="0" err="1"/>
-              <a:t>chạy</a:t>
-            </a:r>
-            <a:r>
-              <a:rPr lang="en-US" dirty="0"/>
-              <a:t> </a:t>
-            </a:r>
-            <a:r>
-              <a:rPr lang="en-US" dirty="0" err="1"/>
-              <a:t>được</a:t>
-            </a:r>
-            <a:r>
-              <a:rPr lang="en-US" dirty="0"/>
-              <a:t> </a:t>
-            </a:r>
-            <a:r>
-              <a:rPr lang="en-US" dirty="0" err="1"/>
-              <a:t>các</a:t>
-            </a:r>
-            <a:r>
-              <a:rPr lang="en-US" dirty="0"/>
-              <a:t> </a:t>
-            </a:r>
-            <a:r>
-              <a:rPr lang="en-US" dirty="0" err="1"/>
-              <a:t>mô</a:t>
-            </a:r>
-            <a:r>
-              <a:rPr lang="en-US" dirty="0"/>
-              <a:t> </a:t>
-            </a:r>
-            <a:r>
-              <a:rPr lang="en-US" dirty="0" err="1"/>
-              <a:t>hình</a:t>
-            </a:r>
-            <a:r>
-              <a:rPr lang="en-US" dirty="0"/>
-              <a:t> </a:t>
-            </a:r>
-            <a:r>
-              <a:rPr lang="en-US" dirty="0" err="1"/>
-              <a:t>học</a:t>
-            </a:r>
-            <a:r>
-              <a:rPr lang="en-US" dirty="0"/>
-              <a:t> </a:t>
-            </a:r>
-            <a:r>
-              <a:rPr lang="en-US" dirty="0" err="1"/>
-              <a:t>như</a:t>
-            </a:r>
-            <a:r>
-              <a:rPr lang="en-US" dirty="0"/>
-              <a:t> SVM, Neuron Network,...</a:t>
-            </a:r>
+            <a:endParaRPr lang="en-US" dirty="0"/>
           </a:p>
         </p:txBody>
       </p:sp>
     </p:spTree>
     <p:extLst>
       <p:ext uri="{BB962C8B-B14F-4D97-AF65-F5344CB8AC3E}">
-        <p14:creationId xmlns:p14="http://schemas.microsoft.com/office/powerpoint/2010/main" val="2144853111"/>
+        <p14:creationId xmlns:p14="http://schemas.microsoft.com/office/powerpoint/2010/main" val="2111348987"/>
       </p:ext>
     </p:extLst>
   </p:cSld>
@@ -12747,7 +12771,7 @@
           <p:cNvPr id="2" name="Title 1">
             <a:extLst>
               <a:ext uri="{FF2B5EF4-FFF2-40B4-BE49-F238E27FC236}">
-                <a16:creationId xmlns:a16="http://schemas.microsoft.com/office/drawing/2014/main" id="{07A80883-2B13-4A49-B552-25325EC20374}"/>
+                <a16:creationId xmlns:a16="http://schemas.microsoft.com/office/drawing/2014/main" id="{4AD106DC-1A60-44EA-9B45-87C7691BCE09}"/>
               </a:ext>
             </a:extLst>
           </p:cNvPr>
@@ -12763,17 +12787,17 @@
           <a:bodyPr/>
           <a:lstStyle/>
           <a:p>
-            <a:r>
-              <a:rPr lang="en-US" dirty="0" err="1"/>
-              <a:t>Tổng</a:t>
-            </a:r>
-            <a:r>
-              <a:rPr lang="en-US" dirty="0"/>
-              <a:t> </a:t>
-            </a:r>
-            <a:r>
-              <a:rPr lang="en-US" dirty="0" err="1"/>
-              <a:t>kết</a:t>
+            <a:pPr algn="ctr"/>
+            <a:r>
+              <a:rPr lang="en-US" dirty="0"/>
+              <a:t>Bagging Logistic Regression</a:t>
+            </a:r>
+            <a:br>
+              <a:rPr lang="en-US" dirty="0"/>
+            </a:br>
+            <a:r>
+              <a:rPr lang="en-US" dirty="0"/>
+              <a:t>(5% data)</a:t>
             </a:r>
             <a:endParaRPr lang="vi-VN" dirty="0"/>
           </a:p>
@@ -12781,10 +12805,10 @@
       </p:sp>
       <p:sp>
         <p:nvSpPr>
-          <p:cNvPr id="3" name="Text Placeholder 2">
+          <p:cNvPr id="3" name="Content Placeholder 2">
             <a:extLst>
               <a:ext uri="{FF2B5EF4-FFF2-40B4-BE49-F238E27FC236}">
-                <a16:creationId xmlns:a16="http://schemas.microsoft.com/office/drawing/2014/main" id="{CE18A342-537F-4A53-AD53-14D01F922E4F}"/>
+                <a16:creationId xmlns:a16="http://schemas.microsoft.com/office/drawing/2014/main" id="{36B77C27-FE88-4214-8173-C40E2F3F9948}"/>
               </a:ext>
             </a:extLst>
           </p:cNvPr>
@@ -12792,7 +12816,7 @@
             <a:spLocks noGrp="1"/>
           </p:cNvSpPr>
           <p:nvPr>
-            <p:ph type="body" idx="1"/>
+            <p:ph idx="1"/>
           </p:nvPr>
         </p:nvSpPr>
         <p:spPr/>
@@ -12800,14 +12824,14 @@
           <a:bodyPr/>
           <a:lstStyle/>
           <a:p>
-            <a:endParaRPr lang="vi-VN"/>
+            <a:endParaRPr lang="en-US" dirty="0"/>
           </a:p>
         </p:txBody>
       </p:sp>
     </p:spTree>
     <p:extLst>
       <p:ext uri="{BB962C8B-B14F-4D97-AF65-F5344CB8AC3E}">
-        <p14:creationId xmlns:p14="http://schemas.microsoft.com/office/powerpoint/2010/main" val="334925204"/>
+        <p14:creationId xmlns:p14="http://schemas.microsoft.com/office/powerpoint/2010/main" val="3923264112"/>
       </p:ext>
     </p:extLst>
   </p:cSld>
@@ -12857,16 +12881,8 @@
           <a:p>
             <a:pPr algn="ctr"/>
             <a:r>
-              <a:rPr lang="en-US" dirty="0" err="1"/>
-              <a:t>Đánh</a:t>
-            </a:r>
-            <a:r>
-              <a:rPr lang="en-US" dirty="0"/>
-              <a:t> </a:t>
-            </a:r>
-            <a:r>
-              <a:rPr lang="en-US" dirty="0" err="1"/>
-              <a:t>giá</a:t>
+              <a:rPr lang="en-US" dirty="0"/>
+              <a:t>Neuron Network (5% data)</a:t>
             </a:r>
             <a:endParaRPr lang="vi-VN" dirty="0"/>
           </a:p>
@@ -12900,7 +12916,7 @@
     </p:spTree>
     <p:extLst>
       <p:ext uri="{BB962C8B-B14F-4D97-AF65-F5344CB8AC3E}">
-        <p14:creationId xmlns:p14="http://schemas.microsoft.com/office/powerpoint/2010/main" val="3068223525"/>
+        <p14:creationId xmlns:p14="http://schemas.microsoft.com/office/powerpoint/2010/main" val="2051104062"/>
       </p:ext>
     </p:extLst>
   </p:cSld>
@@ -12950,40 +12966,15 @@
           <a:p>
             <a:pPr algn="ctr"/>
             <a:r>
-              <a:rPr lang="en-US" dirty="0" err="1"/>
-              <a:t>Chiêm</a:t>
-            </a:r>
-            <a:r>
-              <a:rPr lang="en-US" dirty="0"/>
-              <a:t> </a:t>
-            </a:r>
-            <a:r>
-              <a:rPr lang="en-US" dirty="0" err="1"/>
-              <a:t>nghiệm</a:t>
-            </a:r>
-            <a:r>
-              <a:rPr lang="en-US" dirty="0"/>
-              <a:t> </a:t>
-            </a:r>
-            <a:r>
-              <a:rPr lang="en-US" dirty="0" err="1"/>
-              <a:t>và</a:t>
-            </a:r>
-            <a:r>
-              <a:rPr lang="en-US" dirty="0"/>
-              <a:t> </a:t>
-            </a:r>
-            <a:r>
-              <a:rPr lang="en-US" dirty="0" err="1"/>
-              <a:t>tương</a:t>
-            </a:r>
-            <a:r>
-              <a:rPr lang="en-US" dirty="0"/>
-              <a:t> </a:t>
-            </a:r>
-            <a:r>
-              <a:rPr lang="en-US" dirty="0" err="1"/>
-              <a:t>lai</a:t>
+              <a:rPr lang="en-US" dirty="0"/>
+              <a:t>Bagging Neuron Network</a:t>
+            </a:r>
+            <a:br>
+              <a:rPr lang="en-US" dirty="0"/>
+            </a:br>
+            <a:r>
+              <a:rPr lang="en-US" dirty="0"/>
+              <a:t>(5% data)</a:t>
             </a:r>
             <a:endParaRPr lang="vi-VN" dirty="0"/>
           </a:p>
@@ -13017,7 +13008,7 @@
     </p:spTree>
     <p:extLst>
       <p:ext uri="{BB962C8B-B14F-4D97-AF65-F5344CB8AC3E}">
-        <p14:creationId xmlns:p14="http://schemas.microsoft.com/office/powerpoint/2010/main" val="546907594"/>
+        <p14:creationId xmlns:p14="http://schemas.microsoft.com/office/powerpoint/2010/main" val="2187135573"/>
       </p:ext>
     </p:extLst>
   </p:cSld>
@@ -13049,7 +13040,7 @@
           <p:cNvPr id="2" name="Title 1">
             <a:extLst>
               <a:ext uri="{FF2B5EF4-FFF2-40B4-BE49-F238E27FC236}">
-                <a16:creationId xmlns:a16="http://schemas.microsoft.com/office/drawing/2014/main" id="{EF7B82BC-B167-464E-96FE-8AEC25F026BE}"/>
+                <a16:creationId xmlns:a16="http://schemas.microsoft.com/office/drawing/2014/main" id="{4AD106DC-1A60-44EA-9B45-87C7691BCE09}"/>
               </a:ext>
             </a:extLst>
           </p:cNvPr>
@@ -13057,7 +13048,7 @@
             <a:spLocks noGrp="1"/>
           </p:cNvSpPr>
           <p:nvPr>
-            <p:ph type="ctrTitle"/>
+            <p:ph type="title"/>
           </p:nvPr>
         </p:nvSpPr>
         <p:spPr/>
@@ -13065,17 +13056,58 @@
           <a:bodyPr/>
           <a:lstStyle/>
           <a:p>
-            <a:r>
-              <a:rPr lang="en-US" dirty="0" err="1"/>
-              <a:t>Kết</a:t>
-            </a:r>
-            <a:r>
-              <a:rPr lang="en-US" dirty="0"/>
-              <a:t> </a:t>
-            </a:r>
-            <a:r>
-              <a:rPr lang="en-US" dirty="0" err="1"/>
-              <a:t>thúc</a:t>
+            <a:pPr algn="ctr"/>
+            <a:r>
+              <a:rPr lang="en-US" dirty="0" err="1"/>
+              <a:t>Xây</a:t>
+            </a:r>
+            <a:r>
+              <a:rPr lang="en-US" dirty="0"/>
+              <a:t> </a:t>
+            </a:r>
+            <a:r>
+              <a:rPr lang="en-US" dirty="0" err="1"/>
+              <a:t>dựng</a:t>
+            </a:r>
+            <a:r>
+              <a:rPr lang="en-US" dirty="0"/>
+              <a:t> </a:t>
+            </a:r>
+            <a:r>
+              <a:rPr lang="en-US" dirty="0" err="1"/>
+              <a:t>mô</a:t>
+            </a:r>
+            <a:r>
+              <a:rPr lang="en-US" dirty="0"/>
+              <a:t> </a:t>
+            </a:r>
+            <a:r>
+              <a:rPr lang="en-US" dirty="0" err="1"/>
+              <a:t>hình</a:t>
+            </a:r>
+            <a:r>
+              <a:rPr lang="en-US" dirty="0"/>
+              <a:t> </a:t>
+            </a:r>
+            <a:r>
+              <a:rPr lang="en-US" dirty="0" err="1"/>
+              <a:t>và</a:t>
+            </a:r>
+            <a:r>
+              <a:rPr lang="en-US" dirty="0"/>
+              <a:t> </a:t>
+            </a:r>
+            <a:r>
+              <a:rPr lang="en-US" dirty="0" err="1"/>
+              <a:t>thử</a:t>
+            </a:r>
+            <a:r>
+              <a:rPr lang="en-US" dirty="0"/>
+              <a:t> </a:t>
+            </a:r>
+            <a:r>
+              <a:rPr lang="en-US" dirty="0" err="1"/>
+              <a:t>nghiệm</a:t>
             </a:r>
             <a:endParaRPr lang="vi-VN" dirty="0"/>
           </a:p>
@@ -13083,10 +13115,10 @@
       </p:sp>
       <p:sp>
         <p:nvSpPr>
-          <p:cNvPr id="3" name="Subtitle 2">
+          <p:cNvPr id="3" name="Content Placeholder 2">
             <a:extLst>
               <a:ext uri="{FF2B5EF4-FFF2-40B4-BE49-F238E27FC236}">
-                <a16:creationId xmlns:a16="http://schemas.microsoft.com/office/drawing/2014/main" id="{B1CAAD64-6DAD-49D4-9CA1-9D8A6F0FD691}"/>
+                <a16:creationId xmlns:a16="http://schemas.microsoft.com/office/drawing/2014/main" id="{36B77C27-FE88-4214-8173-C40E2F3F9948}"/>
               </a:ext>
             </a:extLst>
           </p:cNvPr>
@@ -13094,7 +13126,7 @@
             <a:spLocks noGrp="1"/>
           </p:cNvSpPr>
           <p:nvPr>
-            <p:ph type="subTitle" idx="1"/>
+            <p:ph idx="1"/>
           </p:nvPr>
         </p:nvSpPr>
         <p:spPr/>
@@ -13102,14 +13134,225 @@
           <a:bodyPr/>
           <a:lstStyle/>
           <a:p>
-            <a:endParaRPr lang="vi-VN"/>
+            <a:r>
+              <a:rPr lang="en-US" dirty="0"/>
+              <a:t>Do </a:t>
+            </a:r>
+            <a:r>
+              <a:rPr lang="en-US" dirty="0" err="1"/>
+              <a:t>khối</a:t>
+            </a:r>
+            <a:r>
+              <a:rPr lang="en-US" dirty="0"/>
+              <a:t> </a:t>
+            </a:r>
+            <a:r>
+              <a:rPr lang="en-US" dirty="0" err="1"/>
+              <a:t>lượng</a:t>
+            </a:r>
+            <a:r>
+              <a:rPr lang="en-US" dirty="0"/>
+              <a:t> </a:t>
+            </a:r>
+            <a:r>
+              <a:rPr lang="en-US" dirty="0" err="1"/>
+              <a:t>dữ</a:t>
+            </a:r>
+            <a:r>
+              <a:rPr lang="en-US" dirty="0"/>
+              <a:t> </a:t>
+            </a:r>
+            <a:r>
+              <a:rPr lang="en-US" dirty="0" err="1"/>
+              <a:t>liệu</a:t>
+            </a:r>
+            <a:r>
+              <a:rPr lang="en-US" dirty="0"/>
+              <a:t> </a:t>
+            </a:r>
+            <a:r>
+              <a:rPr lang="en-US" dirty="0" err="1"/>
+              <a:t>lớn</a:t>
+            </a:r>
+            <a:r>
+              <a:rPr lang="en-US" dirty="0"/>
+              <a:t>, </a:t>
+            </a:r>
+            <a:r>
+              <a:rPr lang="en-US" dirty="0" err="1"/>
+              <a:t>không</a:t>
+            </a:r>
+            <a:r>
+              <a:rPr lang="en-US" dirty="0"/>
+              <a:t> </a:t>
+            </a:r>
+            <a:r>
+              <a:rPr lang="en-US" dirty="0" err="1"/>
+              <a:t>thể</a:t>
+            </a:r>
+            <a:r>
+              <a:rPr lang="en-US" dirty="0"/>
+              <a:t> </a:t>
+            </a:r>
+            <a:r>
+              <a:rPr lang="en-US" dirty="0" err="1"/>
+              <a:t>thử</a:t>
+            </a:r>
+            <a:r>
+              <a:rPr lang="en-US" dirty="0"/>
+              <a:t> </a:t>
+            </a:r>
+            <a:r>
+              <a:rPr lang="en-US" dirty="0" err="1"/>
+              <a:t>nghiệm</a:t>
+            </a:r>
+            <a:r>
+              <a:rPr lang="en-US" dirty="0"/>
+              <a:t> </a:t>
+            </a:r>
+            <a:r>
+              <a:rPr lang="en-US" dirty="0" err="1"/>
+              <a:t>được</a:t>
+            </a:r>
+            <a:r>
+              <a:rPr lang="en-US" dirty="0"/>
+              <a:t> </a:t>
+            </a:r>
+            <a:r>
+              <a:rPr lang="en-US" dirty="0" err="1"/>
+              <a:t>mô</a:t>
+            </a:r>
+            <a:r>
+              <a:rPr lang="en-US" dirty="0"/>
+              <a:t> </a:t>
+            </a:r>
+            <a:r>
+              <a:rPr lang="en-US" dirty="0" err="1"/>
+              <a:t>hình</a:t>
+            </a:r>
+            <a:r>
+              <a:rPr lang="en-US" dirty="0"/>
+              <a:t> </a:t>
+            </a:r>
+            <a:r>
+              <a:rPr lang="en-US" dirty="0" err="1"/>
+              <a:t>học</a:t>
+            </a:r>
+            <a:r>
+              <a:rPr lang="en-US" dirty="0"/>
+              <a:t> SVM </a:t>
+            </a:r>
+            <a:r>
+              <a:rPr lang="en-US" dirty="0" err="1"/>
+              <a:t>cũng</a:t>
+            </a:r>
+            <a:r>
+              <a:rPr lang="en-US" dirty="0"/>
+              <a:t> </a:t>
+            </a:r>
+            <a:r>
+              <a:rPr lang="en-US" dirty="0" err="1"/>
+              <a:t>như</a:t>
+            </a:r>
+            <a:r>
+              <a:rPr lang="en-US" dirty="0"/>
+              <a:t> </a:t>
+            </a:r>
+            <a:r>
+              <a:rPr lang="en-US" dirty="0" err="1"/>
+              <a:t>thử</a:t>
+            </a:r>
+            <a:r>
+              <a:rPr lang="en-US" dirty="0"/>
+              <a:t> </a:t>
+            </a:r>
+            <a:r>
+              <a:rPr lang="en-US" dirty="0" err="1"/>
+              <a:t>nghiệm</a:t>
+            </a:r>
+            <a:r>
+              <a:rPr lang="en-US" dirty="0"/>
+              <a:t> </a:t>
+            </a:r>
+            <a:r>
+              <a:rPr lang="en-US" dirty="0" err="1"/>
+              <a:t>nhiều</a:t>
+            </a:r>
+            <a:r>
+              <a:rPr lang="en-US" dirty="0"/>
+              <a:t> </a:t>
+            </a:r>
+            <a:r>
+              <a:rPr lang="en-US" dirty="0" err="1"/>
+              <a:t>siêu</a:t>
+            </a:r>
+            <a:r>
+              <a:rPr lang="en-US" dirty="0"/>
+              <a:t> </a:t>
+            </a:r>
+            <a:r>
+              <a:rPr lang="en-US" dirty="0" err="1"/>
+              <a:t>tham</a:t>
+            </a:r>
+            <a:r>
+              <a:rPr lang="en-US" dirty="0"/>
+              <a:t> </a:t>
+            </a:r>
+            <a:r>
+              <a:rPr lang="en-US" dirty="0" err="1"/>
+              <a:t>số</a:t>
+            </a:r>
+            <a:r>
+              <a:rPr lang="en-US" dirty="0"/>
+              <a:t> </a:t>
+            </a:r>
+            <a:r>
+              <a:rPr lang="en-US" dirty="0" err="1"/>
+              <a:t>khác</a:t>
+            </a:r>
+            <a:r>
+              <a:rPr lang="en-US" dirty="0"/>
+              <a:t> </a:t>
+            </a:r>
+            <a:r>
+              <a:rPr lang="en-US" dirty="0" err="1"/>
+              <a:t>nhau</a:t>
+            </a:r>
+            <a:r>
+              <a:rPr lang="en-US" dirty="0"/>
+              <a:t> </a:t>
+            </a:r>
+            <a:r>
+              <a:rPr lang="en-US" dirty="0" err="1"/>
+              <a:t>của</a:t>
+            </a:r>
+            <a:r>
+              <a:rPr lang="en-US" dirty="0"/>
+              <a:t> </a:t>
+            </a:r>
+            <a:r>
+              <a:rPr lang="en-US" dirty="0" err="1"/>
+              <a:t>mô</a:t>
+            </a:r>
+            <a:r>
+              <a:rPr lang="en-US" dirty="0"/>
+              <a:t> </a:t>
+            </a:r>
+            <a:r>
+              <a:rPr lang="en-US" dirty="0" err="1"/>
+              <a:t>hình</a:t>
+            </a:r>
+            <a:r>
+              <a:rPr lang="en-US" dirty="0"/>
+              <a:t> Neuron Network</a:t>
+            </a:r>
           </a:p>
         </p:txBody>
       </p:sp>
     </p:spTree>
     <p:extLst>
       <p:ext uri="{BB962C8B-B14F-4D97-AF65-F5344CB8AC3E}">
-        <p14:creationId xmlns:p14="http://schemas.microsoft.com/office/powerpoint/2010/main" val="3522696618"/>
+        <p14:creationId xmlns:p14="http://schemas.microsoft.com/office/powerpoint/2010/main" val="2144853111"/>
       </p:ext>
     </p:extLst>
   </p:cSld>
@@ -13141,7 +13384,7 @@
           <p:cNvPr id="2" name="Title 1">
             <a:extLst>
               <a:ext uri="{FF2B5EF4-FFF2-40B4-BE49-F238E27FC236}">
-                <a16:creationId xmlns:a16="http://schemas.microsoft.com/office/drawing/2014/main" id="{3E07D542-6E83-4235-A531-BDEAA4F39E0D}"/>
+                <a16:creationId xmlns:a16="http://schemas.microsoft.com/office/drawing/2014/main" id="{07A80883-2B13-4A49-B552-25325EC20374}"/>
               </a:ext>
             </a:extLst>
           </p:cNvPr>
@@ -13157,18 +13400,126 @@
           <a:bodyPr/>
           <a:lstStyle/>
           <a:p>
+            <a:r>
+              <a:rPr lang="en-US" dirty="0" err="1"/>
+              <a:t>Tổng</a:t>
+            </a:r>
+            <a:r>
+              <a:rPr lang="en-US" dirty="0"/>
+              <a:t> </a:t>
+            </a:r>
+            <a:r>
+              <a:rPr lang="en-US" dirty="0" err="1"/>
+              <a:t>kết</a:t>
+            </a:r>
+            <a:endParaRPr lang="vi-VN" dirty="0"/>
+          </a:p>
+        </p:txBody>
+      </p:sp>
+      <p:sp>
+        <p:nvSpPr>
+          <p:cNvPr id="3" name="Text Placeholder 2">
+            <a:extLst>
+              <a:ext uri="{FF2B5EF4-FFF2-40B4-BE49-F238E27FC236}">
+                <a16:creationId xmlns:a16="http://schemas.microsoft.com/office/drawing/2014/main" id="{CE18A342-537F-4A53-AD53-14D01F922E4F}"/>
+              </a:ext>
+            </a:extLst>
+          </p:cNvPr>
+          <p:cNvSpPr>
+            <a:spLocks noGrp="1"/>
+          </p:cNvSpPr>
+          <p:nvPr>
+            <p:ph type="body" idx="1"/>
+          </p:nvPr>
+        </p:nvSpPr>
+        <p:spPr/>
+        <p:txBody>
+          <a:bodyPr/>
+          <a:lstStyle/>
+          <a:p>
+            <a:endParaRPr lang="vi-VN"/>
+          </a:p>
+        </p:txBody>
+      </p:sp>
+    </p:spTree>
+    <p:extLst>
+      <p:ext uri="{BB962C8B-B14F-4D97-AF65-F5344CB8AC3E}">
+        <p14:creationId xmlns:p14="http://schemas.microsoft.com/office/powerpoint/2010/main" val="334925204"/>
+      </p:ext>
+    </p:extLst>
+  </p:cSld>
+  <p:clrMapOvr>
+    <a:masterClrMapping/>
+  </p:clrMapOvr>
+</p:sld>
+</file>
+
+<file path=ppt/slides/slide37.xml><?xml version="1.0" encoding="utf-8"?>
+<p:sld xmlns:a="http://schemas.openxmlformats.org/drawingml/2006/main" xmlns:r="http://schemas.openxmlformats.org/officeDocument/2006/relationships" xmlns:p="http://schemas.openxmlformats.org/presentationml/2006/main">
+  <p:cSld>
+    <p:spTree>
+      <p:nvGrpSpPr>
+        <p:cNvPr id="1" name=""/>
+        <p:cNvGrpSpPr/>
+        <p:nvPr/>
+      </p:nvGrpSpPr>
+      <p:grpSpPr>
+        <a:xfrm>
+          <a:off x="0" y="0"/>
+          <a:ext cx="0" cy="0"/>
+          <a:chOff x="0" y="0"/>
+          <a:chExt cx="0" cy="0"/>
+        </a:xfrm>
+      </p:grpSpPr>
+      <p:sp>
+        <p:nvSpPr>
+          <p:cNvPr id="2" name="Title 1">
+            <a:extLst>
+              <a:ext uri="{FF2B5EF4-FFF2-40B4-BE49-F238E27FC236}">
+                <a16:creationId xmlns:a16="http://schemas.microsoft.com/office/drawing/2014/main" id="{4AD106DC-1A60-44EA-9B45-87C7691BCE09}"/>
+              </a:ext>
+            </a:extLst>
+          </p:cNvPr>
+          <p:cNvSpPr>
+            <a:spLocks noGrp="1"/>
+          </p:cNvSpPr>
+          <p:nvPr>
+            <p:ph type="title"/>
+          </p:nvPr>
+        </p:nvSpPr>
+        <p:spPr/>
+        <p:txBody>
+          <a:bodyPr/>
+          <a:lstStyle/>
+          <a:p>
             <a:pPr algn="ctr"/>
             <a:r>
               <a:rPr lang="en-US" dirty="0" err="1"/>
-              <a:t>Tham</a:t>
-            </a:r>
-            <a:r>
-              <a:rPr lang="en-US" dirty="0"/>
-              <a:t> </a:t>
-            </a:r>
-            <a:r>
-              <a:rPr lang="en-US" dirty="0" err="1"/>
-              <a:t>khảo</a:t>
+              <a:t>Đánh</a:t>
+            </a:r>
+            <a:r>
+              <a:rPr lang="en-US" dirty="0"/>
+              <a:t> </a:t>
+            </a:r>
+            <a:r>
+              <a:rPr lang="en-US" dirty="0" err="1"/>
+              <a:t>giá</a:t>
+            </a:r>
+            <a:r>
+              <a:rPr lang="en-US" dirty="0"/>
+              <a:t> </a:t>
+            </a:r>
+            <a:r>
+              <a:rPr lang="en-US" dirty="0" err="1"/>
+              <a:t>mô</a:t>
+            </a:r>
+            <a:r>
+              <a:rPr lang="en-US" dirty="0"/>
+              <a:t> </a:t>
+            </a:r>
+            <a:r>
+              <a:rPr lang="en-US" dirty="0" err="1"/>
+              <a:t>hình</a:t>
             </a:r>
             <a:endParaRPr lang="vi-VN" dirty="0"/>
           </a:p>
@@ -13179,7 +13530,7 @@
           <p:cNvPr id="3" name="Content Placeholder 2">
             <a:extLst>
               <a:ext uri="{FF2B5EF4-FFF2-40B4-BE49-F238E27FC236}">
-                <a16:creationId xmlns:a16="http://schemas.microsoft.com/office/drawing/2014/main" id="{E64A049A-7A8E-4520-B7E0-F5FA6AE968A4}"/>
+                <a16:creationId xmlns:a16="http://schemas.microsoft.com/office/drawing/2014/main" id="{36B77C27-FE88-4214-8173-C40E2F3F9948}"/>
               </a:ext>
             </a:extLst>
           </p:cNvPr>
@@ -13192,17 +13543,710 @@
         </p:nvSpPr>
         <p:spPr/>
         <p:txBody>
-          <a:bodyPr/>
+          <a:bodyPr>
+            <a:normAutofit/>
+          </a:bodyPr>
           <a:lstStyle/>
           <a:p>
+            <a:r>
+              <a:rPr lang="vi-VN" dirty="0"/>
+              <a:t>Độ chính xác không cao </a:t>
+            </a:r>
+            <a:r>
+              <a:rPr lang="en-US" dirty="0" err="1"/>
+              <a:t>nhưng</a:t>
+            </a:r>
+            <a:r>
+              <a:rPr lang="en-US" dirty="0"/>
+              <a:t> </a:t>
+            </a:r>
+            <a:r>
+              <a:rPr lang="en-US" dirty="0" err="1"/>
+              <a:t>cũng</a:t>
+            </a:r>
+            <a:r>
+              <a:rPr lang="en-US" dirty="0"/>
+              <a:t> </a:t>
+            </a:r>
+            <a:r>
+              <a:rPr lang="en-US" dirty="0" err="1"/>
+              <a:t>đủ</a:t>
+            </a:r>
+            <a:r>
+              <a:rPr lang="en-US" dirty="0"/>
+              <a:t> </a:t>
+            </a:r>
+            <a:r>
+              <a:rPr lang="en-US" dirty="0" err="1"/>
+              <a:t>tốt</a:t>
+            </a:r>
+            <a:br>
+              <a:rPr lang="en-US" dirty="0"/>
+            </a:br>
+            <a:r>
+              <a:rPr lang="vi-VN" dirty="0"/>
+              <a:t>(khoảng 75-80%)</a:t>
+            </a:r>
+          </a:p>
+          <a:p>
+            <a:r>
+              <a:rPr lang="vi-VN" dirty="0"/>
+              <a:t>Sử dụng phương pháp </a:t>
+            </a:r>
+            <a:r>
+              <a:rPr lang="vi-VN" dirty="0" err="1"/>
+              <a:t>bagging</a:t>
+            </a:r>
+            <a:r>
+              <a:rPr lang="vi-VN" dirty="0"/>
+              <a:t> để tăng tốc độ chạy mô hình </a:t>
+            </a:r>
+            <a:r>
+              <a:rPr lang="vi-VN" dirty="0" err="1"/>
+              <a:t>neuron</a:t>
+            </a:r>
+            <a:r>
+              <a:rPr lang="vi-VN" dirty="0"/>
+              <a:t> </a:t>
+            </a:r>
+            <a:r>
+              <a:rPr lang="vi-VN" dirty="0" err="1"/>
+              <a:t>network</a:t>
+            </a:r>
+            <a:r>
+              <a:rPr lang="vi-VN" dirty="0"/>
+              <a:t> mà lại giảm </a:t>
+            </a:r>
+            <a:r>
+              <a:rPr lang="vi-VN" dirty="0" err="1"/>
+              <a:t>overfit</a:t>
+            </a:r>
+            <a:r>
+              <a:rPr lang="en-US" dirty="0"/>
+              <a:t>, </a:t>
+            </a:r>
+            <a:r>
+              <a:rPr lang="en-US" dirty="0" err="1"/>
+              <a:t>giúp</a:t>
+            </a:r>
+            <a:r>
+              <a:rPr lang="en-US" dirty="0"/>
+              <a:t> </a:t>
+            </a:r>
+            <a:r>
+              <a:rPr lang="en-US" dirty="0" err="1"/>
+              <a:t>mô</a:t>
+            </a:r>
+            <a:r>
+              <a:rPr lang="en-US" dirty="0"/>
+              <a:t> </a:t>
+            </a:r>
+            <a:r>
+              <a:rPr lang="en-US" dirty="0" err="1"/>
+              <a:t>hình</a:t>
+            </a:r>
+            <a:r>
+              <a:rPr lang="en-US" dirty="0"/>
+              <a:t> </a:t>
+            </a:r>
+            <a:r>
+              <a:rPr lang="en-US" dirty="0" err="1"/>
+              <a:t>này</a:t>
+            </a:r>
+            <a:r>
+              <a:rPr lang="en-US" dirty="0"/>
+              <a:t> </a:t>
+            </a:r>
+            <a:r>
+              <a:rPr lang="en-US" dirty="0" err="1"/>
+              <a:t>đủ</a:t>
+            </a:r>
+            <a:r>
+              <a:rPr lang="en-US" dirty="0"/>
+              <a:t> </a:t>
+            </a:r>
+            <a:r>
+              <a:rPr lang="en-US" dirty="0" err="1"/>
+              <a:t>sức</a:t>
+            </a:r>
+            <a:r>
+              <a:rPr lang="en-US" dirty="0"/>
+              <a:t> </a:t>
+            </a:r>
+            <a:r>
+              <a:rPr lang="en-US" dirty="0" err="1"/>
+              <a:t>chạy</a:t>
+            </a:r>
+            <a:r>
+              <a:rPr lang="en-US" dirty="0"/>
+              <a:t> </a:t>
+            </a:r>
+            <a:r>
+              <a:rPr lang="en-US" dirty="0" err="1"/>
+              <a:t>trên</a:t>
+            </a:r>
+            <a:r>
+              <a:rPr lang="en-US" dirty="0"/>
+              <a:t> </a:t>
+            </a:r>
+            <a:r>
+              <a:rPr lang="en-US" dirty="0" err="1"/>
+              <a:t>toàn</a:t>
+            </a:r>
+            <a:r>
+              <a:rPr lang="en-US" dirty="0"/>
+              <a:t> </a:t>
+            </a:r>
+            <a:r>
+              <a:rPr lang="en-US" dirty="0" err="1"/>
+              <a:t>dữ</a:t>
+            </a:r>
+            <a:r>
+              <a:rPr lang="en-US" dirty="0"/>
+              <a:t> </a:t>
+            </a:r>
+            <a:r>
+              <a:rPr lang="en-US" dirty="0" err="1"/>
+              <a:t>liệu</a:t>
+            </a:r>
+            <a:r>
+              <a:rPr lang="en-US" dirty="0"/>
+              <a:t> </a:t>
+            </a:r>
+            <a:r>
+              <a:rPr lang="en-US" dirty="0" err="1"/>
+              <a:t>trong</a:t>
+            </a:r>
+            <a:r>
+              <a:rPr lang="en-US" dirty="0"/>
+              <a:t> </a:t>
+            </a:r>
+            <a:r>
+              <a:rPr lang="en-US" dirty="0" err="1"/>
+              <a:t>thời</a:t>
+            </a:r>
+            <a:r>
+              <a:rPr lang="en-US" dirty="0"/>
+              <a:t> </a:t>
+            </a:r>
+            <a:r>
+              <a:rPr lang="en-US" dirty="0" err="1"/>
+              <a:t>gian</a:t>
+            </a:r>
+            <a:r>
+              <a:rPr lang="en-US" dirty="0"/>
+              <a:t> </a:t>
+            </a:r>
+            <a:r>
+              <a:rPr lang="en-US" dirty="0" err="1"/>
+              <a:t>cho</a:t>
+            </a:r>
+            <a:r>
+              <a:rPr lang="en-US" dirty="0"/>
+              <a:t> </a:t>
+            </a:r>
+            <a:r>
+              <a:rPr lang="en-US" dirty="0" err="1"/>
+              <a:t>phép</a:t>
+            </a:r>
+            <a:br>
+              <a:rPr lang="en-US" dirty="0"/>
+            </a:br>
+            <a:r>
+              <a:rPr lang="en-US" dirty="0"/>
+              <a:t>(&lt; 20 </a:t>
+            </a:r>
+            <a:r>
+              <a:rPr lang="en-US" dirty="0" err="1"/>
+              <a:t>phút</a:t>
+            </a:r>
+            <a:r>
+              <a:rPr lang="en-US" dirty="0"/>
+              <a:t>)</a:t>
+            </a:r>
             <a:endParaRPr lang="vi-VN" dirty="0"/>
+          </a:p>
+          <a:p>
+            <a:r>
+              <a:rPr lang="vi-VN" dirty="0"/>
+              <a:t>Không đủ khả năng </a:t>
+            </a:r>
+            <a:r>
+              <a:rPr lang="en-US" dirty="0" err="1"/>
+              <a:t>thử</a:t>
+            </a:r>
+            <a:r>
+              <a:rPr lang="en-US" dirty="0"/>
+              <a:t> </a:t>
+            </a:r>
+            <a:r>
+              <a:rPr lang="en-US" dirty="0" err="1"/>
+              <a:t>nghiệm</a:t>
+            </a:r>
+            <a:r>
+              <a:rPr lang="en-US" dirty="0"/>
+              <a:t> </a:t>
+            </a:r>
+            <a:r>
+              <a:rPr lang="vi-VN" dirty="0"/>
+              <a:t>toàn bộ dữ liệu do thời gian xử lý khá lâu</a:t>
+            </a:r>
+            <a:endParaRPr lang="en-US" dirty="0"/>
           </a:p>
         </p:txBody>
       </p:sp>
     </p:spTree>
     <p:extLst>
       <p:ext uri="{BB962C8B-B14F-4D97-AF65-F5344CB8AC3E}">
-        <p14:creationId xmlns:p14="http://schemas.microsoft.com/office/powerpoint/2010/main" val="1981201201"/>
+        <p14:creationId xmlns:p14="http://schemas.microsoft.com/office/powerpoint/2010/main" val="3473368064"/>
+      </p:ext>
+    </p:extLst>
+  </p:cSld>
+  <p:clrMapOvr>
+    <a:masterClrMapping/>
+  </p:clrMapOvr>
+</p:sld>
+</file>
+
+<file path=ppt/slides/slide38.xml><?xml version="1.0" encoding="utf-8"?>
+<p:sld xmlns:a="http://schemas.openxmlformats.org/drawingml/2006/main" xmlns:r="http://schemas.openxmlformats.org/officeDocument/2006/relationships" xmlns:p="http://schemas.openxmlformats.org/presentationml/2006/main">
+  <p:cSld>
+    <p:spTree>
+      <p:nvGrpSpPr>
+        <p:cNvPr id="1" name=""/>
+        <p:cNvGrpSpPr/>
+        <p:nvPr/>
+      </p:nvGrpSpPr>
+      <p:grpSpPr>
+        <a:xfrm>
+          <a:off x="0" y="0"/>
+          <a:ext cx="0" cy="0"/>
+          <a:chOff x="0" y="0"/>
+          <a:chExt cx="0" cy="0"/>
+        </a:xfrm>
+      </p:grpSpPr>
+      <p:sp>
+        <p:nvSpPr>
+          <p:cNvPr id="2" name="Title 1">
+            <a:extLst>
+              <a:ext uri="{FF2B5EF4-FFF2-40B4-BE49-F238E27FC236}">
+                <a16:creationId xmlns:a16="http://schemas.microsoft.com/office/drawing/2014/main" id="{4AD106DC-1A60-44EA-9B45-87C7691BCE09}"/>
+              </a:ext>
+            </a:extLst>
+          </p:cNvPr>
+          <p:cNvSpPr>
+            <a:spLocks noGrp="1"/>
+          </p:cNvSpPr>
+          <p:nvPr>
+            <p:ph type="title"/>
+          </p:nvPr>
+        </p:nvSpPr>
+        <p:spPr/>
+        <p:txBody>
+          <a:bodyPr/>
+          <a:lstStyle/>
+          <a:p>
+            <a:pPr algn="ctr"/>
+            <a:r>
+              <a:rPr lang="en-US" dirty="0" err="1"/>
+              <a:t>Đánh</a:t>
+            </a:r>
+            <a:r>
+              <a:rPr lang="en-US" dirty="0"/>
+              <a:t> </a:t>
+            </a:r>
+            <a:r>
+              <a:rPr lang="en-US" dirty="0" err="1"/>
+              <a:t>giá</a:t>
+            </a:r>
+            <a:r>
+              <a:rPr lang="en-US" dirty="0"/>
+              <a:t> </a:t>
+            </a:r>
+            <a:r>
+              <a:rPr lang="en-US" dirty="0" err="1"/>
+              <a:t>đồ</a:t>
+            </a:r>
+            <a:r>
+              <a:rPr lang="en-US" dirty="0"/>
+              <a:t> </a:t>
+            </a:r>
+            <a:r>
+              <a:rPr lang="en-US" dirty="0" err="1"/>
+              <a:t>án</a:t>
+            </a:r>
+            <a:r>
+              <a:rPr lang="en-US" dirty="0"/>
+              <a:t> (</a:t>
+            </a:r>
+            <a:r>
+              <a:rPr lang="en-US" dirty="0" err="1"/>
+              <a:t>chiêm</a:t>
+            </a:r>
+            <a:r>
+              <a:rPr lang="en-US" dirty="0"/>
+              <a:t> </a:t>
+            </a:r>
+            <a:r>
+              <a:rPr lang="en-US" dirty="0" err="1"/>
+              <a:t>nghiệm</a:t>
+            </a:r>
+            <a:r>
+              <a:rPr lang="en-US" dirty="0"/>
+              <a:t>)</a:t>
+            </a:r>
+            <a:endParaRPr lang="vi-VN" dirty="0"/>
+          </a:p>
+        </p:txBody>
+      </p:sp>
+      <p:sp>
+        <p:nvSpPr>
+          <p:cNvPr id="3" name="Content Placeholder 2">
+            <a:extLst>
+              <a:ext uri="{FF2B5EF4-FFF2-40B4-BE49-F238E27FC236}">
+                <a16:creationId xmlns:a16="http://schemas.microsoft.com/office/drawing/2014/main" id="{36B77C27-FE88-4214-8173-C40E2F3F9948}"/>
+              </a:ext>
+            </a:extLst>
+          </p:cNvPr>
+          <p:cNvSpPr>
+            <a:spLocks noGrp="1"/>
+          </p:cNvSpPr>
+          <p:nvPr>
+            <p:ph idx="1"/>
+          </p:nvPr>
+        </p:nvSpPr>
+        <p:spPr/>
+        <p:txBody>
+          <a:bodyPr>
+            <a:normAutofit/>
+          </a:bodyPr>
+          <a:lstStyle/>
+          <a:p>
+            <a:pPr marL="0" indent="0">
+              <a:buNone/>
+            </a:pPr>
+            <a:r>
+              <a:rPr lang="vi-VN" dirty="0"/>
+              <a:t>Chưa tốt</a:t>
+            </a:r>
+            <a:r>
+              <a:rPr lang="en-US" dirty="0"/>
+              <a:t> 🙃</a:t>
+            </a:r>
+            <a:endParaRPr lang="vi-VN" dirty="0"/>
+          </a:p>
+          <a:p>
+            <a:r>
+              <a:rPr lang="vi-VN" dirty="0"/>
+              <a:t>Thời gian làm khá gấp rút do suy nghĩ đề tài muộn</a:t>
+            </a:r>
+          </a:p>
+          <a:p>
+            <a:r>
+              <a:rPr lang="vi-VN" dirty="0"/>
+              <a:t>Không hoàn thành sớm </a:t>
+            </a:r>
+            <a:r>
+              <a:rPr lang="en-US" dirty="0" err="1"/>
+              <a:t>được</a:t>
+            </a:r>
+            <a:r>
+              <a:rPr lang="vi-VN" dirty="0"/>
+              <a:t> đồ án</a:t>
+            </a:r>
+          </a:p>
+          <a:p>
+            <a:r>
+              <a:rPr lang="vi-VN" dirty="0"/>
+              <a:t>Không tìm được nguồn dữ liệu chuyên cho đề tài của nhóm</a:t>
+            </a:r>
+          </a:p>
+          <a:p>
+            <a:r>
+              <a:rPr lang="vi-VN" dirty="0"/>
+              <a:t>Chưa có </a:t>
+            </a:r>
+            <a:r>
+              <a:rPr lang="vi-VN" dirty="0" err="1"/>
+              <a:t>pipeline</a:t>
+            </a:r>
+            <a:r>
+              <a:rPr lang="vi-VN" dirty="0"/>
+              <a:t> tổng quát.</a:t>
+            </a:r>
+            <a:endParaRPr lang="en-US" dirty="0"/>
+          </a:p>
+        </p:txBody>
+      </p:sp>
+    </p:spTree>
+    <p:extLst>
+      <p:ext uri="{BB962C8B-B14F-4D97-AF65-F5344CB8AC3E}">
+        <p14:creationId xmlns:p14="http://schemas.microsoft.com/office/powerpoint/2010/main" val="3068223525"/>
+      </p:ext>
+    </p:extLst>
+  </p:cSld>
+  <p:clrMapOvr>
+    <a:masterClrMapping/>
+  </p:clrMapOvr>
+</p:sld>
+</file>
+
+<file path=ppt/slides/slide39.xml><?xml version="1.0" encoding="utf-8"?>
+<p:sld xmlns:a="http://schemas.openxmlformats.org/drawingml/2006/main" xmlns:r="http://schemas.openxmlformats.org/officeDocument/2006/relationships" xmlns:p="http://schemas.openxmlformats.org/presentationml/2006/main">
+  <p:cSld>
+    <p:spTree>
+      <p:nvGrpSpPr>
+        <p:cNvPr id="1" name=""/>
+        <p:cNvGrpSpPr/>
+        <p:nvPr/>
+      </p:nvGrpSpPr>
+      <p:grpSpPr>
+        <a:xfrm>
+          <a:off x="0" y="0"/>
+          <a:ext cx="0" cy="0"/>
+          <a:chOff x="0" y="0"/>
+          <a:chExt cx="0" cy="0"/>
+        </a:xfrm>
+      </p:grpSpPr>
+      <p:sp>
+        <p:nvSpPr>
+          <p:cNvPr id="2" name="Title 1">
+            <a:extLst>
+              <a:ext uri="{FF2B5EF4-FFF2-40B4-BE49-F238E27FC236}">
+                <a16:creationId xmlns:a16="http://schemas.microsoft.com/office/drawing/2014/main" id="{4AD106DC-1A60-44EA-9B45-87C7691BCE09}"/>
+              </a:ext>
+            </a:extLst>
+          </p:cNvPr>
+          <p:cNvSpPr>
+            <a:spLocks noGrp="1"/>
+          </p:cNvSpPr>
+          <p:nvPr>
+            <p:ph type="title"/>
+          </p:nvPr>
+        </p:nvSpPr>
+        <p:spPr/>
+        <p:txBody>
+          <a:bodyPr/>
+          <a:lstStyle/>
+          <a:p>
+            <a:pPr algn="ctr"/>
+            <a:r>
+              <a:rPr lang="en-US" dirty="0" err="1"/>
+              <a:t>Đánh</a:t>
+            </a:r>
+            <a:r>
+              <a:rPr lang="en-US" dirty="0"/>
+              <a:t> </a:t>
+            </a:r>
+            <a:r>
+              <a:rPr lang="en-US" dirty="0" err="1"/>
+              <a:t>giá</a:t>
+            </a:r>
+            <a:r>
+              <a:rPr lang="en-US" dirty="0"/>
+              <a:t> </a:t>
+            </a:r>
+            <a:r>
+              <a:rPr lang="en-US" dirty="0" err="1"/>
+              <a:t>đồ</a:t>
+            </a:r>
+            <a:r>
+              <a:rPr lang="en-US" dirty="0"/>
+              <a:t> </a:t>
+            </a:r>
+            <a:r>
+              <a:rPr lang="en-US" dirty="0" err="1"/>
+              <a:t>án</a:t>
+            </a:r>
+            <a:r>
+              <a:rPr lang="en-US" dirty="0"/>
+              <a:t> (</a:t>
+            </a:r>
+            <a:r>
+              <a:rPr lang="en-US" dirty="0" err="1"/>
+              <a:t>chiêm</a:t>
+            </a:r>
+            <a:r>
+              <a:rPr lang="en-US" dirty="0"/>
+              <a:t> </a:t>
+            </a:r>
+            <a:r>
+              <a:rPr lang="en-US" dirty="0" err="1"/>
+              <a:t>nghiệm</a:t>
+            </a:r>
+            <a:r>
+              <a:rPr lang="en-US" dirty="0"/>
+              <a:t>)</a:t>
+            </a:r>
+            <a:endParaRPr lang="vi-VN" dirty="0"/>
+          </a:p>
+        </p:txBody>
+      </p:sp>
+      <p:sp>
+        <p:nvSpPr>
+          <p:cNvPr id="3" name="Content Placeholder 2">
+            <a:extLst>
+              <a:ext uri="{FF2B5EF4-FFF2-40B4-BE49-F238E27FC236}">
+                <a16:creationId xmlns:a16="http://schemas.microsoft.com/office/drawing/2014/main" id="{36B77C27-FE88-4214-8173-C40E2F3F9948}"/>
+              </a:ext>
+            </a:extLst>
+          </p:cNvPr>
+          <p:cNvSpPr>
+            <a:spLocks noGrp="1"/>
+          </p:cNvSpPr>
+          <p:nvPr>
+            <p:ph idx="1"/>
+          </p:nvPr>
+        </p:nvSpPr>
+        <p:spPr>
+          <a:xfrm>
+            <a:off x="838200" y="1825625"/>
+            <a:ext cx="10655300" cy="4351338"/>
+          </a:xfrm>
+        </p:spPr>
+        <p:txBody>
+          <a:bodyPr>
+            <a:normAutofit/>
+          </a:bodyPr>
+          <a:lstStyle/>
+          <a:p>
+            <a:pPr marL="0" indent="0">
+              <a:buNone/>
+            </a:pPr>
+            <a:r>
+              <a:rPr lang="vi-VN" dirty="0"/>
+              <a:t>Tốt</a:t>
+            </a:r>
+            <a:r>
+              <a:rPr lang="en-US" dirty="0"/>
+              <a:t> 👍</a:t>
+            </a:r>
+            <a:endParaRPr lang="vi-VN" dirty="0"/>
+          </a:p>
+          <a:p>
+            <a:r>
+              <a:rPr lang="vi-VN" dirty="0"/>
+              <a:t>Thu thập được lượng lớn dữ liệu.</a:t>
+            </a:r>
+          </a:p>
+          <a:p>
+            <a:r>
+              <a:rPr lang="vi-VN" dirty="0"/>
+              <a:t>Có khả năng tìm hiểu được các kiến thức cần thiết.</a:t>
+            </a:r>
+          </a:p>
+          <a:p>
+            <a:r>
+              <a:rPr lang="en-US" dirty="0"/>
+              <a:t>P</a:t>
+            </a:r>
+            <a:r>
+              <a:rPr lang="vi-VN" dirty="0"/>
+              <a:t>hân chi</a:t>
+            </a:r>
+            <a:r>
+              <a:rPr lang="en-US" dirty="0"/>
+              <a:t>a</a:t>
+            </a:r>
+            <a:r>
+              <a:rPr lang="vi-VN" dirty="0"/>
+              <a:t> ra các quy trình khoa học dữ liệu riêng biệt và phân công mỗi thành viên nắm một quy trình riêng chứ không </a:t>
+            </a:r>
+            <a:r>
+              <a:rPr lang="en-US" dirty="0" err="1"/>
+              <a:t>cùng</a:t>
+            </a:r>
+            <a:r>
+              <a:rPr lang="en-US" dirty="0"/>
+              <a:t> </a:t>
+            </a:r>
+            <a:r>
+              <a:rPr lang="en-US" dirty="0" err="1"/>
+              <a:t>làm</a:t>
+            </a:r>
+            <a:r>
+              <a:rPr lang="vi-VN" dirty="0"/>
+              <a:t> chung (phần này nhóm không biết là điều xấu hay điều tốt</a:t>
+            </a:r>
+            <a:r>
+              <a:rPr lang="en-US" dirty="0"/>
+              <a:t>, </a:t>
+            </a:r>
+            <a:r>
+              <a:rPr lang="en-US" dirty="0" err="1"/>
+              <a:t>nhưng</a:t>
+            </a:r>
+            <a:r>
+              <a:rPr lang="en-US" dirty="0"/>
+              <a:t> </a:t>
+            </a:r>
+            <a:r>
+              <a:rPr lang="en-US" dirty="0" err="1"/>
+              <a:t>nhóm</a:t>
+            </a:r>
+            <a:r>
+              <a:rPr lang="en-US" dirty="0"/>
+              <a:t> </a:t>
+            </a:r>
+            <a:r>
+              <a:rPr lang="en-US" dirty="0" err="1"/>
+              <a:t>nghĩ</a:t>
+            </a:r>
+            <a:r>
+              <a:rPr lang="en-US" dirty="0"/>
+              <a:t> </a:t>
+            </a:r>
+            <a:r>
+              <a:rPr lang="en-US" dirty="0" err="1"/>
+              <a:t>khả</a:t>
+            </a:r>
+            <a:r>
+              <a:rPr lang="en-US" dirty="0"/>
+              <a:t> </a:t>
+            </a:r>
+            <a:r>
+              <a:rPr lang="en-US" dirty="0" err="1"/>
+              <a:t>năng</a:t>
+            </a:r>
+            <a:r>
+              <a:rPr lang="en-US" dirty="0"/>
+              <a:t> </a:t>
+            </a:r>
+            <a:r>
+              <a:rPr lang="en-US" dirty="0" err="1"/>
+              <a:t>cao</a:t>
+            </a:r>
+            <a:r>
+              <a:rPr lang="en-US" dirty="0"/>
+              <a:t> </a:t>
+            </a:r>
+            <a:r>
+              <a:rPr lang="en-US" dirty="0" err="1"/>
+              <a:t>là</a:t>
+            </a:r>
+            <a:r>
+              <a:rPr lang="en-US" dirty="0"/>
+              <a:t> </a:t>
+            </a:r>
+            <a:r>
+              <a:rPr lang="en-US" dirty="0" err="1"/>
+              <a:t>tốt</a:t>
+            </a:r>
+            <a:r>
+              <a:rPr lang="en-US" dirty="0"/>
+              <a:t> 👍</a:t>
+            </a:r>
+            <a:r>
+              <a:rPr lang="vi-VN" dirty="0"/>
+              <a:t>).</a:t>
+            </a:r>
+          </a:p>
+        </p:txBody>
+      </p:sp>
+    </p:spTree>
+    <p:extLst>
+      <p:ext uri="{BB962C8B-B14F-4D97-AF65-F5344CB8AC3E}">
+        <p14:creationId xmlns:p14="http://schemas.microsoft.com/office/powerpoint/2010/main" val="2622201153"/>
       </p:ext>
     </p:extLst>
   </p:cSld>
@@ -13548,6 +14592,679 @@
     <p:extLst>
       <p:ext uri="{BB962C8B-B14F-4D97-AF65-F5344CB8AC3E}">
         <p14:creationId xmlns:p14="http://schemas.microsoft.com/office/powerpoint/2010/main" val="2089239967"/>
+      </p:ext>
+    </p:extLst>
+  </p:cSld>
+  <p:clrMapOvr>
+    <a:masterClrMapping/>
+  </p:clrMapOvr>
+</p:sld>
+</file>
+
+<file path=ppt/slides/slide40.xml><?xml version="1.0" encoding="utf-8"?>
+<p:sld xmlns:a="http://schemas.openxmlformats.org/drawingml/2006/main" xmlns:r="http://schemas.openxmlformats.org/officeDocument/2006/relationships" xmlns:p="http://schemas.openxmlformats.org/presentationml/2006/main">
+  <p:cSld>
+    <p:spTree>
+      <p:nvGrpSpPr>
+        <p:cNvPr id="1" name=""/>
+        <p:cNvGrpSpPr/>
+        <p:nvPr/>
+      </p:nvGrpSpPr>
+      <p:grpSpPr>
+        <a:xfrm>
+          <a:off x="0" y="0"/>
+          <a:ext cx="0" cy="0"/>
+          <a:chOff x="0" y="0"/>
+          <a:chExt cx="0" cy="0"/>
+        </a:xfrm>
+      </p:grpSpPr>
+      <p:sp>
+        <p:nvSpPr>
+          <p:cNvPr id="2" name="Title 1">
+            <a:extLst>
+              <a:ext uri="{FF2B5EF4-FFF2-40B4-BE49-F238E27FC236}">
+                <a16:creationId xmlns:a16="http://schemas.microsoft.com/office/drawing/2014/main" id="{4AD106DC-1A60-44EA-9B45-87C7691BCE09}"/>
+              </a:ext>
+            </a:extLst>
+          </p:cNvPr>
+          <p:cNvSpPr>
+            <a:spLocks noGrp="1"/>
+          </p:cNvSpPr>
+          <p:nvPr>
+            <p:ph type="title"/>
+          </p:nvPr>
+        </p:nvSpPr>
+        <p:spPr/>
+        <p:txBody>
+          <a:bodyPr/>
+          <a:lstStyle/>
+          <a:p>
+            <a:pPr algn="ctr"/>
+            <a:r>
+              <a:rPr lang="en-US" dirty="0" err="1"/>
+              <a:t>Hướng</a:t>
+            </a:r>
+            <a:r>
+              <a:rPr lang="en-US" dirty="0"/>
+              <a:t> </a:t>
+            </a:r>
+            <a:r>
+              <a:rPr lang="en-US" dirty="0" err="1"/>
+              <a:t>phát</a:t>
+            </a:r>
+            <a:r>
+              <a:rPr lang="en-US" dirty="0"/>
+              <a:t> </a:t>
+            </a:r>
+            <a:r>
+              <a:rPr lang="en-US" dirty="0" err="1"/>
+              <a:t>triển</a:t>
+            </a:r>
+            <a:endParaRPr lang="vi-VN" dirty="0"/>
+          </a:p>
+        </p:txBody>
+      </p:sp>
+      <p:sp>
+        <p:nvSpPr>
+          <p:cNvPr id="3" name="Content Placeholder 2">
+            <a:extLst>
+              <a:ext uri="{FF2B5EF4-FFF2-40B4-BE49-F238E27FC236}">
+                <a16:creationId xmlns:a16="http://schemas.microsoft.com/office/drawing/2014/main" id="{36B77C27-FE88-4214-8173-C40E2F3F9948}"/>
+              </a:ext>
+            </a:extLst>
+          </p:cNvPr>
+          <p:cNvSpPr>
+            <a:spLocks noGrp="1"/>
+          </p:cNvSpPr>
+          <p:nvPr>
+            <p:ph idx="1"/>
+          </p:nvPr>
+        </p:nvSpPr>
+        <p:spPr/>
+        <p:txBody>
+          <a:bodyPr/>
+          <a:lstStyle/>
+          <a:p>
+            <a:r>
+              <a:rPr lang="en-US" dirty="0" err="1"/>
+              <a:t>Hoàn</a:t>
+            </a:r>
+            <a:r>
+              <a:rPr lang="en-US" dirty="0"/>
+              <a:t> </a:t>
+            </a:r>
+            <a:r>
+              <a:rPr lang="en-US" dirty="0" err="1"/>
+              <a:t>thiện</a:t>
+            </a:r>
+            <a:r>
+              <a:rPr lang="en-US" dirty="0"/>
+              <a:t> pipeline </a:t>
+            </a:r>
+            <a:r>
+              <a:rPr lang="en-US" dirty="0" err="1"/>
+              <a:t>tổng</a:t>
+            </a:r>
+            <a:r>
+              <a:rPr lang="en-US" dirty="0"/>
+              <a:t> </a:t>
+            </a:r>
+            <a:r>
+              <a:rPr lang="en-US" dirty="0" err="1"/>
+              <a:t>quát</a:t>
+            </a:r>
+            <a:endParaRPr lang="en-US" dirty="0"/>
+          </a:p>
+          <a:p>
+            <a:r>
+              <a:rPr lang="en-US" dirty="0" err="1"/>
+              <a:t>Tìm</a:t>
+            </a:r>
+            <a:r>
+              <a:rPr lang="en-US" dirty="0"/>
+              <a:t> </a:t>
+            </a:r>
+            <a:r>
+              <a:rPr lang="en-US" dirty="0" err="1"/>
+              <a:t>cách</a:t>
+            </a:r>
+            <a:r>
+              <a:rPr lang="en-US" dirty="0"/>
+              <a:t> </a:t>
+            </a:r>
+            <a:r>
+              <a:rPr lang="en-US" dirty="0" err="1"/>
+              <a:t>thử</a:t>
+            </a:r>
+            <a:r>
+              <a:rPr lang="en-US" dirty="0"/>
+              <a:t> </a:t>
+            </a:r>
+            <a:r>
+              <a:rPr lang="en-US" dirty="0" err="1"/>
+              <a:t>nghiệm</a:t>
+            </a:r>
+            <a:r>
+              <a:rPr lang="en-US" dirty="0"/>
+              <a:t> </a:t>
+            </a:r>
+            <a:r>
+              <a:rPr lang="en-US" dirty="0" err="1"/>
+              <a:t>nhiều</a:t>
+            </a:r>
+            <a:r>
+              <a:rPr lang="en-US" dirty="0"/>
+              <a:t> </a:t>
+            </a:r>
+            <a:r>
+              <a:rPr lang="en-US" dirty="0" err="1"/>
+              <a:t>hơn</a:t>
+            </a:r>
+            <a:r>
+              <a:rPr lang="en-US" dirty="0"/>
+              <a:t> </a:t>
+            </a:r>
+            <a:r>
+              <a:rPr lang="en-US" dirty="0" err="1"/>
+              <a:t>với</a:t>
+            </a:r>
+            <a:r>
+              <a:rPr lang="en-US" dirty="0"/>
+              <a:t> </a:t>
+            </a:r>
+            <a:r>
+              <a:rPr lang="en-US" dirty="0" err="1"/>
+              <a:t>mô</a:t>
+            </a:r>
+            <a:r>
+              <a:rPr lang="en-US" dirty="0"/>
+              <a:t> </a:t>
+            </a:r>
+            <a:r>
+              <a:rPr lang="en-US" dirty="0" err="1"/>
+              <a:t>hình</a:t>
+            </a:r>
+            <a:endParaRPr lang="en-US" dirty="0"/>
+          </a:p>
+          <a:p>
+            <a:r>
+              <a:rPr lang="en-US" dirty="0" err="1"/>
+              <a:t>Tìm</a:t>
+            </a:r>
+            <a:r>
+              <a:rPr lang="en-US" dirty="0"/>
+              <a:t> </a:t>
+            </a:r>
+            <a:r>
+              <a:rPr lang="en-US" dirty="0" err="1"/>
+              <a:t>hiểu</a:t>
+            </a:r>
+            <a:r>
+              <a:rPr lang="en-US" dirty="0"/>
+              <a:t> </a:t>
+            </a:r>
+            <a:r>
+              <a:rPr lang="en-US" dirty="0" err="1"/>
+              <a:t>các</a:t>
+            </a:r>
+            <a:r>
+              <a:rPr lang="en-US" dirty="0"/>
+              <a:t> </a:t>
+            </a:r>
+            <a:r>
+              <a:rPr lang="en-US" dirty="0" err="1"/>
+              <a:t>kỹ</a:t>
+            </a:r>
+            <a:r>
+              <a:rPr lang="en-US" dirty="0"/>
+              <a:t> </a:t>
+            </a:r>
+            <a:r>
+              <a:rPr lang="en-US" dirty="0" err="1"/>
+              <a:t>thuật</a:t>
+            </a:r>
+            <a:r>
+              <a:rPr lang="en-US" dirty="0"/>
+              <a:t>, </a:t>
+            </a:r>
+            <a:r>
+              <a:rPr lang="en-US" dirty="0" err="1"/>
+              <a:t>mô</a:t>
+            </a:r>
+            <a:r>
+              <a:rPr lang="en-US" dirty="0"/>
+              <a:t> </a:t>
+            </a:r>
+            <a:r>
+              <a:rPr lang="en-US" dirty="0" err="1"/>
+              <a:t>hình</a:t>
+            </a:r>
+            <a:r>
+              <a:rPr lang="en-US" dirty="0"/>
+              <a:t> </a:t>
+            </a:r>
+            <a:r>
+              <a:rPr lang="en-US" dirty="0" err="1"/>
+              <a:t>mới</a:t>
+            </a:r>
+            <a:r>
+              <a:rPr lang="en-US" dirty="0"/>
+              <a:t> </a:t>
+            </a:r>
+            <a:r>
+              <a:rPr lang="en-US" dirty="0" err="1"/>
+              <a:t>tốt</a:t>
+            </a:r>
+            <a:r>
+              <a:rPr lang="en-US" dirty="0"/>
+              <a:t> </a:t>
+            </a:r>
+            <a:r>
+              <a:rPr lang="en-US" dirty="0" err="1"/>
+              <a:t>hơn</a:t>
+            </a:r>
+            <a:r>
+              <a:rPr lang="en-US" dirty="0"/>
+              <a:t> (BERT, Word2Vec,...)</a:t>
+            </a:r>
+          </a:p>
+        </p:txBody>
+      </p:sp>
+      <p:pic>
+        <p:nvPicPr>
+          <p:cNvPr id="5" name="Picture 4" descr="A picture containing indoor&#10;&#10;Description automatically generated">
+            <a:extLst>
+              <a:ext uri="{FF2B5EF4-FFF2-40B4-BE49-F238E27FC236}">
+                <a16:creationId xmlns:a16="http://schemas.microsoft.com/office/drawing/2014/main" id="{706DF6DF-D641-4131-A3D4-67B9983D0F82}"/>
+              </a:ext>
+            </a:extLst>
+          </p:cNvPr>
+          <p:cNvPicPr>
+            <a:picLocks noChangeAspect="1"/>
+          </p:cNvPicPr>
+          <p:nvPr/>
+        </p:nvPicPr>
+        <p:blipFill>
+          <a:blip r:embed="rId2">
+            <a:extLst>
+              <a:ext uri="{28A0092B-C50C-407E-A947-70E740481C1C}">
+                <a14:useLocalDpi xmlns:a14="http://schemas.microsoft.com/office/drawing/2010/main" val="0"/>
+              </a:ext>
+            </a:extLst>
+          </a:blip>
+          <a:stretch>
+            <a:fillRect/>
+          </a:stretch>
+        </p:blipFill>
+        <p:spPr>
+          <a:xfrm>
+            <a:off x="3644900" y="3922733"/>
+            <a:ext cx="4902200" cy="2570142"/>
+          </a:xfrm>
+          <a:prstGeom prst="rect">
+            <a:avLst/>
+          </a:prstGeom>
+        </p:spPr>
+      </p:pic>
+    </p:spTree>
+    <p:extLst>
+      <p:ext uri="{BB962C8B-B14F-4D97-AF65-F5344CB8AC3E}">
+        <p14:creationId xmlns:p14="http://schemas.microsoft.com/office/powerpoint/2010/main" val="546907594"/>
+      </p:ext>
+    </p:extLst>
+  </p:cSld>
+  <p:clrMapOvr>
+    <a:masterClrMapping/>
+  </p:clrMapOvr>
+</p:sld>
+</file>
+
+<file path=ppt/slides/slide41.xml><?xml version="1.0" encoding="utf-8"?>
+<p:sld xmlns:a="http://schemas.openxmlformats.org/drawingml/2006/main" xmlns:r="http://schemas.openxmlformats.org/officeDocument/2006/relationships" xmlns:p="http://schemas.openxmlformats.org/presentationml/2006/main">
+  <p:cSld>
+    <p:spTree>
+      <p:nvGrpSpPr>
+        <p:cNvPr id="1" name=""/>
+        <p:cNvGrpSpPr/>
+        <p:nvPr/>
+      </p:nvGrpSpPr>
+      <p:grpSpPr>
+        <a:xfrm>
+          <a:off x="0" y="0"/>
+          <a:ext cx="0" cy="0"/>
+          <a:chOff x="0" y="0"/>
+          <a:chExt cx="0" cy="0"/>
+        </a:xfrm>
+      </p:grpSpPr>
+      <p:sp>
+        <p:nvSpPr>
+          <p:cNvPr id="2" name="Title 1">
+            <a:extLst>
+              <a:ext uri="{FF2B5EF4-FFF2-40B4-BE49-F238E27FC236}">
+                <a16:creationId xmlns:a16="http://schemas.microsoft.com/office/drawing/2014/main" id="{EF7B82BC-B167-464E-96FE-8AEC25F026BE}"/>
+              </a:ext>
+            </a:extLst>
+          </p:cNvPr>
+          <p:cNvSpPr>
+            <a:spLocks noGrp="1"/>
+          </p:cNvSpPr>
+          <p:nvPr>
+            <p:ph type="ctrTitle"/>
+          </p:nvPr>
+        </p:nvSpPr>
+        <p:spPr/>
+        <p:txBody>
+          <a:bodyPr/>
+          <a:lstStyle/>
+          <a:p>
+            <a:r>
+              <a:rPr lang="en-US" dirty="0"/>
+              <a:t>👏 </a:t>
+            </a:r>
+            <a:r>
+              <a:rPr lang="en-US" dirty="0" err="1"/>
+              <a:t>Kết</a:t>
+            </a:r>
+            <a:r>
+              <a:rPr lang="en-US" dirty="0"/>
+              <a:t> </a:t>
+            </a:r>
+            <a:r>
+              <a:rPr lang="en-US" dirty="0" err="1"/>
+              <a:t>thúc</a:t>
+            </a:r>
+            <a:r>
+              <a:rPr lang="en-US" dirty="0"/>
+              <a:t> 👏</a:t>
+            </a:r>
+            <a:endParaRPr lang="vi-VN" dirty="0"/>
+          </a:p>
+        </p:txBody>
+      </p:sp>
+      <p:sp>
+        <p:nvSpPr>
+          <p:cNvPr id="3" name="Subtitle 2">
+            <a:extLst>
+              <a:ext uri="{FF2B5EF4-FFF2-40B4-BE49-F238E27FC236}">
+                <a16:creationId xmlns:a16="http://schemas.microsoft.com/office/drawing/2014/main" id="{B1CAAD64-6DAD-49D4-9CA1-9D8A6F0FD691}"/>
+              </a:ext>
+            </a:extLst>
+          </p:cNvPr>
+          <p:cNvSpPr>
+            <a:spLocks noGrp="1"/>
+          </p:cNvSpPr>
+          <p:nvPr>
+            <p:ph type="subTitle" idx="1"/>
+          </p:nvPr>
+        </p:nvSpPr>
+        <p:spPr/>
+        <p:txBody>
+          <a:bodyPr/>
+          <a:lstStyle/>
+          <a:p>
+            <a:endParaRPr lang="vi-VN" dirty="0"/>
+          </a:p>
+        </p:txBody>
+      </p:sp>
+    </p:spTree>
+    <p:extLst>
+      <p:ext uri="{BB962C8B-B14F-4D97-AF65-F5344CB8AC3E}">
+        <p14:creationId xmlns:p14="http://schemas.microsoft.com/office/powerpoint/2010/main" val="3522696618"/>
+      </p:ext>
+    </p:extLst>
+  </p:cSld>
+  <p:clrMapOvr>
+    <a:masterClrMapping/>
+  </p:clrMapOvr>
+</p:sld>
+</file>
+
+<file path=ppt/slides/slide42.xml><?xml version="1.0" encoding="utf-8"?>
+<p:sld xmlns:a="http://schemas.openxmlformats.org/drawingml/2006/main" xmlns:r="http://schemas.openxmlformats.org/officeDocument/2006/relationships" xmlns:p="http://schemas.openxmlformats.org/presentationml/2006/main">
+  <p:cSld>
+    <p:spTree>
+      <p:nvGrpSpPr>
+        <p:cNvPr id="1" name=""/>
+        <p:cNvGrpSpPr/>
+        <p:nvPr/>
+      </p:nvGrpSpPr>
+      <p:grpSpPr>
+        <a:xfrm>
+          <a:off x="0" y="0"/>
+          <a:ext cx="0" cy="0"/>
+          <a:chOff x="0" y="0"/>
+          <a:chExt cx="0" cy="0"/>
+        </a:xfrm>
+      </p:grpSpPr>
+      <p:sp>
+        <p:nvSpPr>
+          <p:cNvPr id="2" name="Title 1">
+            <a:extLst>
+              <a:ext uri="{FF2B5EF4-FFF2-40B4-BE49-F238E27FC236}">
+                <a16:creationId xmlns:a16="http://schemas.microsoft.com/office/drawing/2014/main" id="{3E07D542-6E83-4235-A531-BDEAA4F39E0D}"/>
+              </a:ext>
+            </a:extLst>
+          </p:cNvPr>
+          <p:cNvSpPr>
+            <a:spLocks noGrp="1"/>
+          </p:cNvSpPr>
+          <p:nvPr>
+            <p:ph type="title"/>
+          </p:nvPr>
+        </p:nvSpPr>
+        <p:spPr/>
+        <p:txBody>
+          <a:bodyPr/>
+          <a:lstStyle/>
+          <a:p>
+            <a:pPr algn="ctr"/>
+            <a:r>
+              <a:rPr lang="en-US" dirty="0" err="1"/>
+              <a:t>Tham</a:t>
+            </a:r>
+            <a:r>
+              <a:rPr lang="en-US" dirty="0"/>
+              <a:t> </a:t>
+            </a:r>
+            <a:r>
+              <a:rPr lang="en-US" dirty="0" err="1"/>
+              <a:t>khảo</a:t>
+            </a:r>
+            <a:endParaRPr lang="vi-VN" dirty="0"/>
+          </a:p>
+        </p:txBody>
+      </p:sp>
+      <p:sp>
+        <p:nvSpPr>
+          <p:cNvPr id="3" name="Content Placeholder 2">
+            <a:extLst>
+              <a:ext uri="{FF2B5EF4-FFF2-40B4-BE49-F238E27FC236}">
+                <a16:creationId xmlns:a16="http://schemas.microsoft.com/office/drawing/2014/main" id="{E64A049A-7A8E-4520-B7E0-F5FA6AE968A4}"/>
+              </a:ext>
+            </a:extLst>
+          </p:cNvPr>
+          <p:cNvSpPr>
+            <a:spLocks noGrp="1"/>
+          </p:cNvSpPr>
+          <p:nvPr>
+            <p:ph idx="1"/>
+          </p:nvPr>
+        </p:nvSpPr>
+        <p:spPr/>
+        <p:txBody>
+          <a:bodyPr>
+            <a:normAutofit/>
+          </a:bodyPr>
+          <a:lstStyle/>
+          <a:p>
+            <a:r>
+              <a:rPr lang="vi-VN" dirty="0"/>
+              <a:t>Các </a:t>
+            </a:r>
+            <a:r>
+              <a:rPr lang="vi-VN" dirty="0" err="1"/>
+              <a:t>notebook</a:t>
+            </a:r>
+            <a:r>
+              <a:rPr lang="vi-VN" dirty="0"/>
+              <a:t> </a:t>
+            </a:r>
+            <a:r>
+              <a:rPr lang="vi-VN" dirty="0" err="1"/>
+              <a:t>demo</a:t>
+            </a:r>
+            <a:r>
+              <a:rPr lang="vi-VN" dirty="0"/>
+              <a:t> và bài tập của thầy (đặc biệt là bài tập 3 ❤)</a:t>
+            </a:r>
+          </a:p>
+          <a:p>
+            <a:r>
+              <a:rPr lang="vi-VN" sz="1200" dirty="0">
+                <a:hlinkClick r:id="rId2"/>
+              </a:rPr>
+              <a:t>https://www.scraping-bot.io/how-to-scrape-infinite-scroll-pages/</a:t>
+            </a:r>
+            <a:r>
+              <a:rPr lang="en-US" sz="1200" dirty="0"/>
+              <a:t> </a:t>
+            </a:r>
+            <a:endParaRPr lang="vi-VN" sz="1200" dirty="0"/>
+          </a:p>
+          <a:p>
+            <a:r>
+              <a:rPr lang="vi-VN" sz="1200" dirty="0">
+                <a:hlinkClick r:id="rId3"/>
+              </a:rPr>
+              <a:t>https://prodevsblog.com/questions/128808/python-requests-requests-exceptions-toomanyredirects-exceeded-30-redirects</a:t>
+            </a:r>
+            <a:r>
+              <a:rPr lang="en-US" sz="1200" dirty="0">
+                <a:hlinkClick r:id="rId3"/>
+              </a:rPr>
+              <a:t>/</a:t>
+            </a:r>
+            <a:r>
+              <a:rPr lang="en-US" sz="1200" dirty="0"/>
+              <a:t> </a:t>
+            </a:r>
+            <a:endParaRPr lang="vi-VN" sz="1200" dirty="0"/>
+          </a:p>
+          <a:p>
+            <a:r>
+              <a:rPr lang="vi-VN" sz="1200" dirty="0">
+                <a:hlinkClick r:id="rId4"/>
+              </a:rPr>
+              <a:t>https://towardsdatascience.com/text-classification-with-nlp-tf-idf-vs-word2vec-vs-bert-41ff868d1794</a:t>
+            </a:r>
+            <a:r>
+              <a:rPr lang="en-US" sz="1200" dirty="0"/>
+              <a:t> </a:t>
+            </a:r>
+            <a:endParaRPr lang="vi-VN" sz="1200" dirty="0"/>
+          </a:p>
+          <a:p>
+            <a:r>
+              <a:rPr lang="vi-VN" sz="1200" dirty="0">
+                <a:hlinkClick r:id="rId5"/>
+              </a:rPr>
+              <a:t>https://nguyenvanhieu.vn/phan-loai-van-ban-tieng-viet/</a:t>
+            </a:r>
+            <a:r>
+              <a:rPr lang="en-US" sz="1200" dirty="0"/>
+              <a:t> </a:t>
+            </a:r>
+            <a:endParaRPr lang="vi-VN" sz="1200" dirty="0"/>
+          </a:p>
+          <a:p>
+            <a:r>
+              <a:rPr lang="vi-VN" sz="1200" dirty="0">
+                <a:hlinkClick r:id="rId6"/>
+              </a:rPr>
+              <a:t>https://quan.hoabinh.vn/blog/2020/7/85-chuyen-doi-unicode-dung-san-to-hop-voi-python</a:t>
+            </a:r>
+            <a:r>
+              <a:rPr lang="en-US" sz="1200" dirty="0"/>
+              <a:t> </a:t>
+            </a:r>
+          </a:p>
+          <a:p>
+            <a:r>
+              <a:rPr lang="vi-VN" sz="1200" dirty="0">
+                <a:hlinkClick r:id="rId7"/>
+              </a:rPr>
+              <a:t>https://kipalog.com/posts/Gioi-thieu-tien-xu-ly-trong-xu-ly-ngon-ngu-tu-nhien</a:t>
+            </a:r>
+            <a:r>
+              <a:rPr lang="en-US" sz="1200" dirty="0"/>
+              <a:t> </a:t>
+            </a:r>
+            <a:endParaRPr lang="vi-VN" sz="1200" dirty="0"/>
+          </a:p>
+          <a:p>
+            <a:r>
+              <a:rPr lang="vi-VN" dirty="0" err="1"/>
+              <a:t>Document</a:t>
+            </a:r>
+            <a:r>
+              <a:rPr lang="vi-VN" dirty="0"/>
+              <a:t> của </a:t>
+            </a:r>
+            <a:r>
+              <a:rPr lang="vi-VN" dirty="0" err="1"/>
+              <a:t>scikit-learn</a:t>
+            </a:r>
+            <a:r>
+              <a:rPr lang="vi-VN" dirty="0"/>
+              <a:t>, </a:t>
+            </a:r>
+            <a:r>
+              <a:rPr lang="vi-VN" dirty="0" err="1"/>
+              <a:t>pandas</a:t>
+            </a:r>
+            <a:r>
+              <a:rPr lang="vi-VN" dirty="0"/>
+              <a:t>, </a:t>
+            </a:r>
+            <a:r>
+              <a:rPr lang="vi-VN" dirty="0" err="1"/>
+              <a:t>tqdm</a:t>
+            </a:r>
+            <a:r>
+              <a:rPr lang="vi-VN" dirty="0"/>
+              <a:t>, </a:t>
+            </a:r>
+            <a:r>
+              <a:rPr lang="vi-VN" dirty="0" err="1"/>
+              <a:t>pandarallel</a:t>
+            </a:r>
+            <a:endParaRPr lang="vi-VN" dirty="0"/>
+          </a:p>
+          <a:p>
+            <a:r>
+              <a:rPr lang="vi-VN" dirty="0"/>
+              <a:t>Và hằng hà sa số câu trả lời cho những câu hỏi ngu ngốc của nhóm tụi em trên </a:t>
+            </a:r>
+            <a:r>
+              <a:rPr lang="vi-VN" dirty="0" err="1"/>
+              <a:t>stackoverflow</a:t>
+            </a:r>
+            <a:r>
+              <a:rPr lang="vi-VN" dirty="0"/>
+              <a:t> và </a:t>
+            </a:r>
+            <a:r>
+              <a:rPr lang="vi-VN" dirty="0" err="1"/>
+              <a:t>google</a:t>
+            </a:r>
+            <a:endParaRPr lang="vi-VN" dirty="0"/>
+          </a:p>
+        </p:txBody>
+      </p:sp>
+    </p:spTree>
+    <p:extLst>
+      <p:ext uri="{BB962C8B-B14F-4D97-AF65-F5344CB8AC3E}">
+        <p14:creationId xmlns:p14="http://schemas.microsoft.com/office/powerpoint/2010/main" val="1981201201"/>
       </p:ext>
     </p:extLst>
   </p:cSld>

--- a/Slide.pptx
+++ b/Slide.pptx
@@ -35,18 +35,31 @@
     <p:sldId id="294" r:id="rId29"/>
     <p:sldId id="270" r:id="rId30"/>
     <p:sldId id="297" r:id="rId31"/>
-    <p:sldId id="299" r:id="rId32"/>
-    <p:sldId id="300" r:id="rId33"/>
-    <p:sldId id="301" r:id="rId34"/>
-    <p:sldId id="302" r:id="rId35"/>
-    <p:sldId id="298" r:id="rId36"/>
-    <p:sldId id="273" r:id="rId37"/>
-    <p:sldId id="304" r:id="rId38"/>
-    <p:sldId id="275" r:id="rId39"/>
-    <p:sldId id="303" r:id="rId40"/>
-    <p:sldId id="276" r:id="rId41"/>
-    <p:sldId id="278" r:id="rId42"/>
-    <p:sldId id="279" r:id="rId43"/>
+    <p:sldId id="305" r:id="rId32"/>
+    <p:sldId id="306" r:id="rId33"/>
+    <p:sldId id="310" r:id="rId34"/>
+    <p:sldId id="309" r:id="rId35"/>
+    <p:sldId id="307" r:id="rId36"/>
+    <p:sldId id="308" r:id="rId37"/>
+    <p:sldId id="311" r:id="rId38"/>
+    <p:sldId id="302" r:id="rId39"/>
+    <p:sldId id="298" r:id="rId40"/>
+    <p:sldId id="312" r:id="rId41"/>
+    <p:sldId id="313" r:id="rId42"/>
+    <p:sldId id="314" r:id="rId43"/>
+    <p:sldId id="315" r:id="rId44"/>
+    <p:sldId id="316" r:id="rId45"/>
+    <p:sldId id="317" r:id="rId46"/>
+    <p:sldId id="318" r:id="rId47"/>
+    <p:sldId id="319" r:id="rId48"/>
+    <p:sldId id="320" r:id="rId49"/>
+    <p:sldId id="273" r:id="rId50"/>
+    <p:sldId id="304" r:id="rId51"/>
+    <p:sldId id="275" r:id="rId52"/>
+    <p:sldId id="303" r:id="rId53"/>
+    <p:sldId id="276" r:id="rId54"/>
+    <p:sldId id="278" r:id="rId55"/>
+    <p:sldId id="279" r:id="rId56"/>
   </p:sldIdLst>
   <p:sldSz cx="12192000" cy="6858000"/>
   <p:notesSz cx="6858000" cy="9144000"/>
@@ -151,7 +164,7 @@
 <file path=ppt/revisionInfo.xml><?xml version="1.0" encoding="utf-8"?>
 <p1510:revInfo xmlns:a="http://schemas.openxmlformats.org/drawingml/2006/main" xmlns:r="http://schemas.openxmlformats.org/officeDocument/2006/relationships" xmlns:p1510="http://schemas.microsoft.com/office/powerpoint/2015/10/main">
   <p1510:revLst>
-    <p1510:client id="{827A363B-7D48-4E31-8D14-C53C430A7CDA}" v="97" dt="2021-01-16T03:14:34.933"/>
+    <p1510:client id="{827A363B-7D48-4E31-8D14-C53C430A7CDA}" v="160" dt="2021-01-16T05:27:34.015"/>
   </p1510:revLst>
 </p1510:revInfo>
 </file>
@@ -161,7 +174,7 @@
   <pc:docChgLst>
     <pc:chgData name="VŨ ĐĂNG HOÀNG LONG" userId="a7f37be1-0431-4d22-a98c-6d73ca78dda1" providerId="ADAL" clId="{827A363B-7D48-4E31-8D14-C53C430A7CDA}"/>
     <pc:docChg chg="undo custSel addSld delSld modSld sldOrd modMainMaster">
-      <pc:chgData name="VŨ ĐĂNG HOÀNG LONG" userId="a7f37be1-0431-4d22-a98c-6d73ca78dda1" providerId="ADAL" clId="{827A363B-7D48-4E31-8D14-C53C430A7CDA}" dt="2021-01-16T03:14:34.933" v="11045"/>
+      <pc:chgData name="VŨ ĐĂNG HOÀNG LONG" userId="a7f37be1-0431-4d22-a98c-6d73ca78dda1" providerId="ADAL" clId="{827A363B-7D48-4E31-8D14-C53C430A7CDA}" dt="2021-01-16T05:27:38.087" v="13739" actId="20577"/>
       <pc:docMkLst>
         <pc:docMk/>
       </pc:docMkLst>
@@ -512,7 +525,7 @@
         </pc:picChg>
       </pc:sldChg>
       <pc:sldChg chg="modSp add mod">
-        <pc:chgData name="VŨ ĐĂNG HOÀNG LONG" userId="a7f37be1-0431-4d22-a98c-6d73ca78dda1" providerId="ADAL" clId="{827A363B-7D48-4E31-8D14-C53C430A7CDA}" dt="2021-01-16T00:04:41.109" v="9569" actId="20577"/>
+        <pc:chgData name="VŨ ĐĂNG HOÀNG LONG" userId="a7f37be1-0431-4d22-a98c-6d73ca78dda1" providerId="ADAL" clId="{827A363B-7D48-4E31-8D14-C53C430A7CDA}" dt="2021-01-16T04:45:04.139" v="12566" actId="20577"/>
         <pc:sldMkLst>
           <pc:docMk/>
           <pc:sldMk cId="695566616" sldId="270"/>
@@ -526,7 +539,7 @@
           </ac:spMkLst>
         </pc:spChg>
         <pc:spChg chg="mod">
-          <ac:chgData name="VŨ ĐĂNG HOÀNG LONG" userId="a7f37be1-0431-4d22-a98c-6d73ca78dda1" providerId="ADAL" clId="{827A363B-7D48-4E31-8D14-C53C430A7CDA}" dt="2021-01-16T00:04:41.109" v="9569" actId="20577"/>
+          <ac:chgData name="VŨ ĐĂNG HOÀNG LONG" userId="a7f37be1-0431-4d22-a98c-6d73ca78dda1" providerId="ADAL" clId="{827A363B-7D48-4E31-8D14-C53C430A7CDA}" dt="2021-01-16T04:45:04.139" v="12566" actId="20577"/>
           <ac:spMkLst>
             <pc:docMk/>
             <pc:sldMk cId="695566616" sldId="270"/>
@@ -564,8 +577,8 @@
           </ac:spMkLst>
         </pc:spChg>
       </pc:sldChg>
-      <pc:sldChg chg="modSp add mod">
-        <pc:chgData name="VŨ ĐĂNG HOÀNG LONG" userId="a7f37be1-0431-4d22-a98c-6d73ca78dda1" providerId="ADAL" clId="{827A363B-7D48-4E31-8D14-C53C430A7CDA}" dt="2021-01-15T17:51:52.555" v="2779" actId="20577"/>
+      <pc:sldChg chg="modSp add mod ord">
+        <pc:chgData name="VŨ ĐĂNG HOÀNG LONG" userId="a7f37be1-0431-4d22-a98c-6d73ca78dda1" providerId="ADAL" clId="{827A363B-7D48-4E31-8D14-C53C430A7CDA}" dt="2021-01-16T04:58:25.059" v="13504"/>
         <pc:sldMkLst>
           <pc:docMk/>
           <pc:sldMk cId="334925204" sldId="273"/>
@@ -1113,29 +1126,61 @@
           </ac:spMkLst>
         </pc:spChg>
       </pc:sldChg>
-      <pc:sldChg chg="modSp add mod">
-        <pc:chgData name="VŨ ĐĂNG HOÀNG LONG" userId="a7f37be1-0431-4d22-a98c-6d73ca78dda1" providerId="ADAL" clId="{827A363B-7D48-4E31-8D14-C53C430A7CDA}" dt="2021-01-16T00:03:45.645" v="9489" actId="20577"/>
+      <pc:sldChg chg="addSp delSp modSp add mod modClrScheme chgLayout">
+        <pc:chgData name="VŨ ĐĂNG HOÀNG LONG" userId="a7f37be1-0431-4d22-a98c-6d73ca78dda1" providerId="ADAL" clId="{827A363B-7D48-4E31-8D14-C53C430A7CDA}" dt="2021-01-16T04:06:37.826" v="11300" actId="20577"/>
         <pc:sldMkLst>
           <pc:docMk/>
           <pc:sldMk cId="1996564421" sldId="297"/>
         </pc:sldMkLst>
-        <pc:spChg chg="mod">
-          <ac:chgData name="VŨ ĐĂNG HOÀNG LONG" userId="a7f37be1-0431-4d22-a98c-6d73ca78dda1" providerId="ADAL" clId="{827A363B-7D48-4E31-8D14-C53C430A7CDA}" dt="2021-01-16T00:03:45.645" v="9489" actId="20577"/>
+        <pc:spChg chg="mod ord">
+          <ac:chgData name="VŨ ĐĂNG HOÀNG LONG" userId="a7f37be1-0431-4d22-a98c-6d73ca78dda1" providerId="ADAL" clId="{827A363B-7D48-4E31-8D14-C53C430A7CDA}" dt="2021-01-16T04:03:30.621" v="11206" actId="1076"/>
           <ac:spMkLst>
             <pc:docMk/>
             <pc:sldMk cId="1996564421" sldId="297"/>
             <ac:spMk id="2" creationId="{4AD106DC-1A60-44EA-9B45-87C7691BCE09}"/>
           </ac:spMkLst>
         </pc:spChg>
+        <pc:spChg chg="mod ord">
+          <ac:chgData name="VŨ ĐĂNG HOÀNG LONG" userId="a7f37be1-0431-4d22-a98c-6d73ca78dda1" providerId="ADAL" clId="{827A363B-7D48-4E31-8D14-C53C430A7CDA}" dt="2021-01-16T04:06:37.826" v="11300" actId="20577"/>
+          <ac:spMkLst>
+            <pc:docMk/>
+            <pc:sldMk cId="1996564421" sldId="297"/>
+            <ac:spMk id="3" creationId="{36B77C27-FE88-4214-8173-C40E2F3F9948}"/>
+          </ac:spMkLst>
+        </pc:spChg>
+        <pc:spChg chg="add del">
+          <ac:chgData name="VŨ ĐĂNG HOÀNG LONG" userId="a7f37be1-0431-4d22-a98c-6d73ca78dda1" providerId="ADAL" clId="{827A363B-7D48-4E31-8D14-C53C430A7CDA}" dt="2021-01-16T03:42:06.937" v="11137"/>
+          <ac:spMkLst>
+            <pc:docMk/>
+            <pc:sldMk cId="1996564421" sldId="297"/>
+            <ac:spMk id="4" creationId="{AF65F5B1-2D50-40F1-8F2E-D9EEFAD911F6}"/>
+          </ac:spMkLst>
+        </pc:spChg>
+        <pc:spChg chg="add mod ord">
+          <ac:chgData name="VŨ ĐĂNG HOÀNG LONG" userId="a7f37be1-0431-4d22-a98c-6d73ca78dda1" providerId="ADAL" clId="{827A363B-7D48-4E31-8D14-C53C430A7CDA}" dt="2021-01-16T04:03:00.031" v="11202" actId="700"/>
+          <ac:spMkLst>
+            <pc:docMk/>
+            <pc:sldMk cId="1996564421" sldId="297"/>
+            <ac:spMk id="5" creationId="{64CB05E5-566A-4E13-B367-53A829FB9874}"/>
+          </ac:spMkLst>
+        </pc:spChg>
+        <pc:picChg chg="add mod">
+          <ac:chgData name="VŨ ĐĂNG HOÀNG LONG" userId="a7f37be1-0431-4d22-a98c-6d73ca78dda1" providerId="ADAL" clId="{827A363B-7D48-4E31-8D14-C53C430A7CDA}" dt="2021-01-16T04:03:07.244" v="11204" actId="1076"/>
+          <ac:picMkLst>
+            <pc:docMk/>
+            <pc:sldMk cId="1996564421" sldId="297"/>
+            <ac:picMk id="5123" creationId="{48202634-1EBB-45A5-9843-C695302AD4F4}"/>
+          </ac:picMkLst>
+        </pc:picChg>
       </pc:sldChg>
       <pc:sldChg chg="modSp add mod">
-        <pc:chgData name="VŨ ĐĂNG HOÀNG LONG" userId="a7f37be1-0431-4d22-a98c-6d73ca78dda1" providerId="ADAL" clId="{827A363B-7D48-4E31-8D14-C53C430A7CDA}" dt="2021-01-16T01:08:59.415" v="10535" actId="20577"/>
+        <pc:chgData name="VŨ ĐĂNG HOÀNG LONG" userId="a7f37be1-0431-4d22-a98c-6d73ca78dda1" providerId="ADAL" clId="{827A363B-7D48-4E31-8D14-C53C430A7CDA}" dt="2021-01-16T04:42:38.391" v="12214" actId="20577"/>
         <pc:sldMkLst>
           <pc:docMk/>
           <pc:sldMk cId="2144853111" sldId="298"/>
         </pc:sldMkLst>
         <pc:spChg chg="mod">
-          <ac:chgData name="VŨ ĐĂNG HOÀNG LONG" userId="a7f37be1-0431-4d22-a98c-6d73ca78dda1" providerId="ADAL" clId="{827A363B-7D48-4E31-8D14-C53C430A7CDA}" dt="2021-01-16T01:08:59.415" v="10535" actId="20577"/>
+          <ac:chgData name="VŨ ĐĂNG HOÀNG LONG" userId="a7f37be1-0431-4d22-a98c-6d73ca78dda1" providerId="ADAL" clId="{827A363B-7D48-4E31-8D14-C53C430A7CDA}" dt="2021-01-16T04:42:38.391" v="12214" actId="20577"/>
           <ac:spMkLst>
             <pc:docMk/>
             <pc:sldMk cId="2144853111" sldId="298"/>
@@ -1143,8 +1188,8 @@
           </ac:spMkLst>
         </pc:spChg>
       </pc:sldChg>
-      <pc:sldChg chg="modSp add mod">
-        <pc:chgData name="VŨ ĐĂNG HOÀNG LONG" userId="a7f37be1-0431-4d22-a98c-6d73ca78dda1" providerId="ADAL" clId="{827A363B-7D48-4E31-8D14-C53C430A7CDA}" dt="2021-01-16T00:03:57.228" v="9512" actId="20577"/>
+      <pc:sldChg chg="modSp add del mod">
+        <pc:chgData name="VŨ ĐĂNG HOÀNG LONG" userId="a7f37be1-0431-4d22-a98c-6d73ca78dda1" providerId="ADAL" clId="{827A363B-7D48-4E31-8D14-C53C430A7CDA}" dt="2021-01-16T04:17:08.083" v="11564" actId="47"/>
         <pc:sldMkLst>
           <pc:docMk/>
           <pc:sldMk cId="2111348987" sldId="299"/>
@@ -1165,8 +1210,8 @@
           <pc:sldMk cId="2128853475" sldId="299"/>
         </pc:sldMkLst>
       </pc:sldChg>
-      <pc:sldChg chg="modSp add mod">
-        <pc:chgData name="VŨ ĐĂNG HOÀNG LONG" userId="a7f37be1-0431-4d22-a98c-6d73ca78dda1" providerId="ADAL" clId="{827A363B-7D48-4E31-8D14-C53C430A7CDA}" dt="2021-01-16T00:04:09.482" v="9543" actId="20577"/>
+      <pc:sldChg chg="modSp add del mod">
+        <pc:chgData name="VŨ ĐĂNG HOÀNG LONG" userId="a7f37be1-0431-4d22-a98c-6d73ca78dda1" providerId="ADAL" clId="{827A363B-7D48-4E31-8D14-C53C430A7CDA}" dt="2021-01-16T04:25:27.096" v="11740" actId="47"/>
         <pc:sldMkLst>
           <pc:docMk/>
           <pc:sldMk cId="3923264112" sldId="300"/>
@@ -1180,8 +1225,8 @@
           </ac:spMkLst>
         </pc:spChg>
       </pc:sldChg>
-      <pc:sldChg chg="modSp add mod">
-        <pc:chgData name="VŨ ĐĂNG HOÀNG LONG" userId="a7f37be1-0431-4d22-a98c-6d73ca78dda1" providerId="ADAL" clId="{827A363B-7D48-4E31-8D14-C53C430A7CDA}" dt="2021-01-16T00:04:28.342" v="9563" actId="20577"/>
+      <pc:sldChg chg="modSp add del mod ord">
+        <pc:chgData name="VŨ ĐĂNG HOÀNG LONG" userId="a7f37be1-0431-4d22-a98c-6d73ca78dda1" providerId="ADAL" clId="{827A363B-7D48-4E31-8D14-C53C430A7CDA}" dt="2021-01-16T04:31:49.933" v="11800" actId="47"/>
         <pc:sldMkLst>
           <pc:docMk/>
           <pc:sldMk cId="2051104062" sldId="301"/>
@@ -1194,9 +1239,17 @@
             <ac:spMk id="2" creationId="{4AD106DC-1A60-44EA-9B45-87C7691BCE09}"/>
           </ac:spMkLst>
         </pc:spChg>
+        <pc:spChg chg="mod">
+          <ac:chgData name="VŨ ĐĂNG HOÀNG LONG" userId="a7f37be1-0431-4d22-a98c-6d73ca78dda1" providerId="ADAL" clId="{827A363B-7D48-4E31-8D14-C53C430A7CDA}" dt="2021-01-16T04:31:29.070" v="11788"/>
+          <ac:spMkLst>
+            <pc:docMk/>
+            <pc:sldMk cId="2051104062" sldId="301"/>
+            <ac:spMk id="3" creationId="{36B77C27-FE88-4214-8173-C40E2F3F9948}"/>
+          </ac:spMkLst>
+        </pc:spChg>
       </pc:sldChg>
-      <pc:sldChg chg="modSp add mod">
-        <pc:chgData name="VŨ ĐĂNG HOÀNG LONG" userId="a7f37be1-0431-4d22-a98c-6d73ca78dda1" providerId="ADAL" clId="{827A363B-7D48-4E31-8D14-C53C430A7CDA}" dt="2021-01-16T00:04:34.923" v="9565" actId="20577"/>
+      <pc:sldChg chg="addSp delSp modSp add mod">
+        <pc:chgData name="VŨ ĐĂNG HOÀNG LONG" userId="a7f37be1-0431-4d22-a98c-6d73ca78dda1" providerId="ADAL" clId="{827A363B-7D48-4E31-8D14-C53C430A7CDA}" dt="2021-01-16T04:41:26.619" v="12061"/>
         <pc:sldMkLst>
           <pc:docMk/>
           <pc:sldMk cId="2187135573" sldId="302"/>
@@ -1207,6 +1260,22 @@
             <pc:docMk/>
             <pc:sldMk cId="2187135573" sldId="302"/>
             <ac:spMk id="2" creationId="{4AD106DC-1A60-44EA-9B45-87C7691BCE09}"/>
+          </ac:spMkLst>
+        </pc:spChg>
+        <pc:spChg chg="add del mod">
+          <ac:chgData name="VŨ ĐĂNG HOÀNG LONG" userId="a7f37be1-0431-4d22-a98c-6d73ca78dda1" providerId="ADAL" clId="{827A363B-7D48-4E31-8D14-C53C430A7CDA}" dt="2021-01-16T04:41:26.619" v="12061"/>
+          <ac:spMkLst>
+            <pc:docMk/>
+            <pc:sldMk cId="2187135573" sldId="302"/>
+            <ac:spMk id="3" creationId="{36B77C27-FE88-4214-8173-C40E2F3F9948}"/>
+          </ac:spMkLst>
+        </pc:spChg>
+        <pc:spChg chg="add del mod">
+          <ac:chgData name="VŨ ĐĂNG HOÀNG LONG" userId="a7f37be1-0431-4d22-a98c-6d73ca78dda1" providerId="ADAL" clId="{827A363B-7D48-4E31-8D14-C53C430A7CDA}" dt="2021-01-16T04:37:46.392" v="11836"/>
+          <ac:spMkLst>
+            <pc:docMk/>
+            <pc:sldMk cId="2187135573" sldId="302"/>
+            <ac:spMk id="4" creationId="{CA1780D5-EEF7-4A44-8EF4-3551EC98449D}"/>
           </ac:spMkLst>
         </pc:spChg>
       </pc:sldChg>
@@ -1262,6 +1331,646 @@
             <ac:spMk id="3" creationId="{36B77C27-FE88-4214-8173-C40E2F3F9948}"/>
           </ac:spMkLst>
         </pc:spChg>
+      </pc:sldChg>
+      <pc:sldChg chg="delSp modSp add mod">
+        <pc:chgData name="VŨ ĐĂNG HOÀNG LONG" userId="a7f37be1-0431-4d22-a98c-6d73ca78dda1" providerId="ADAL" clId="{827A363B-7D48-4E31-8D14-C53C430A7CDA}" dt="2021-01-16T04:08:33.220" v="11361" actId="20577"/>
+        <pc:sldMkLst>
+          <pc:docMk/>
+          <pc:sldMk cId="3375244659" sldId="305"/>
+        </pc:sldMkLst>
+        <pc:spChg chg="mod">
+          <ac:chgData name="VŨ ĐĂNG HOÀNG LONG" userId="a7f37be1-0431-4d22-a98c-6d73ca78dda1" providerId="ADAL" clId="{827A363B-7D48-4E31-8D14-C53C430A7CDA}" dt="2021-01-16T04:08:33.220" v="11361" actId="20577"/>
+          <ac:spMkLst>
+            <pc:docMk/>
+            <pc:sldMk cId="3375244659" sldId="305"/>
+            <ac:spMk id="3" creationId="{36B77C27-FE88-4214-8173-C40E2F3F9948}"/>
+          </ac:spMkLst>
+        </pc:spChg>
+        <pc:picChg chg="del">
+          <ac:chgData name="VŨ ĐĂNG HOÀNG LONG" userId="a7f37be1-0431-4d22-a98c-6d73ca78dda1" providerId="ADAL" clId="{827A363B-7D48-4E31-8D14-C53C430A7CDA}" dt="2021-01-16T04:03:49.722" v="11208" actId="478"/>
+          <ac:picMkLst>
+            <pc:docMk/>
+            <pc:sldMk cId="3375244659" sldId="305"/>
+            <ac:picMk id="5123" creationId="{48202634-1EBB-45A5-9843-C695302AD4F4}"/>
+          </ac:picMkLst>
+        </pc:picChg>
+      </pc:sldChg>
+      <pc:sldChg chg="addSp delSp modSp add mod ord">
+        <pc:chgData name="VŨ ĐĂNG HOÀNG LONG" userId="a7f37be1-0431-4d22-a98c-6d73ca78dda1" providerId="ADAL" clId="{827A363B-7D48-4E31-8D14-C53C430A7CDA}" dt="2021-01-16T04:16:29.901" v="11563" actId="20577"/>
+        <pc:sldMkLst>
+          <pc:docMk/>
+          <pc:sldMk cId="1280546671" sldId="306"/>
+        </pc:sldMkLst>
+        <pc:spChg chg="mod">
+          <ac:chgData name="VŨ ĐĂNG HOÀNG LONG" userId="a7f37be1-0431-4d22-a98c-6d73ca78dda1" providerId="ADAL" clId="{827A363B-7D48-4E31-8D14-C53C430A7CDA}" dt="2021-01-16T04:13:56.918" v="11390" actId="20577"/>
+          <ac:spMkLst>
+            <pc:docMk/>
+            <pc:sldMk cId="1280546671" sldId="306"/>
+            <ac:spMk id="2" creationId="{4AD106DC-1A60-44EA-9B45-87C7691BCE09}"/>
+          </ac:spMkLst>
+        </pc:spChg>
+        <pc:spChg chg="mod">
+          <ac:chgData name="VŨ ĐĂNG HOÀNG LONG" userId="a7f37be1-0431-4d22-a98c-6d73ca78dda1" providerId="ADAL" clId="{827A363B-7D48-4E31-8D14-C53C430A7CDA}" dt="2021-01-16T04:16:29.901" v="11563" actId="20577"/>
+          <ac:spMkLst>
+            <pc:docMk/>
+            <pc:sldMk cId="1280546671" sldId="306"/>
+            <ac:spMk id="3" creationId="{36B77C27-FE88-4214-8173-C40E2F3F9948}"/>
+          </ac:spMkLst>
+        </pc:spChg>
+        <pc:spChg chg="add del">
+          <ac:chgData name="VŨ ĐĂNG HOÀNG LONG" userId="a7f37be1-0431-4d22-a98c-6d73ca78dda1" providerId="ADAL" clId="{827A363B-7D48-4E31-8D14-C53C430A7CDA}" dt="2021-01-16T04:14:31.448" v="11397"/>
+          <ac:spMkLst>
+            <pc:docMk/>
+            <pc:sldMk cId="1280546671" sldId="306"/>
+            <ac:spMk id="4" creationId="{B3D078C8-7455-48A1-B887-4BA7ADA5C0EC}"/>
+          </ac:spMkLst>
+        </pc:spChg>
+        <pc:spChg chg="del">
+          <ac:chgData name="VŨ ĐĂNG HOÀNG LONG" userId="a7f37be1-0431-4d22-a98c-6d73ca78dda1" providerId="ADAL" clId="{827A363B-7D48-4E31-8D14-C53C430A7CDA}" dt="2021-01-16T04:15:01.771" v="11407" actId="478"/>
+          <ac:spMkLst>
+            <pc:docMk/>
+            <pc:sldMk cId="1280546671" sldId="306"/>
+            <ac:spMk id="5" creationId="{64CB05E5-566A-4E13-B367-53A829FB9874}"/>
+          </ac:spMkLst>
+        </pc:spChg>
+        <pc:picChg chg="del">
+          <ac:chgData name="VŨ ĐĂNG HOÀNG LONG" userId="a7f37be1-0431-4d22-a98c-6d73ca78dda1" providerId="ADAL" clId="{827A363B-7D48-4E31-8D14-C53C430A7CDA}" dt="2021-01-16T04:15:00.036" v="11406" actId="478"/>
+          <ac:picMkLst>
+            <pc:docMk/>
+            <pc:sldMk cId="1280546671" sldId="306"/>
+            <ac:picMk id="5123" creationId="{48202634-1EBB-45A5-9843-C695302AD4F4}"/>
+          </ac:picMkLst>
+        </pc:picChg>
+        <pc:picChg chg="add mod">
+          <ac:chgData name="VŨ ĐĂNG HOÀNG LONG" userId="a7f37be1-0431-4d22-a98c-6d73ca78dda1" providerId="ADAL" clId="{827A363B-7D48-4E31-8D14-C53C430A7CDA}" dt="2021-01-16T04:15:13.781" v="11409" actId="1076"/>
+          <ac:picMkLst>
+            <pc:docMk/>
+            <pc:sldMk cId="1280546671" sldId="306"/>
+            <ac:picMk id="9219" creationId="{93D53042-9555-49B7-B2F9-208A5B7CE914}"/>
+          </ac:picMkLst>
+        </pc:picChg>
+      </pc:sldChg>
+      <pc:sldChg chg="addSp delSp modSp add mod ord">
+        <pc:chgData name="VŨ ĐĂNG HOÀNG LONG" userId="a7f37be1-0431-4d22-a98c-6d73ca78dda1" providerId="ADAL" clId="{827A363B-7D48-4E31-8D14-C53C430A7CDA}" dt="2021-01-16T04:26:38.450" v="11762" actId="1076"/>
+        <pc:sldMkLst>
+          <pc:docMk/>
+          <pc:sldMk cId="2465867372" sldId="307"/>
+        </pc:sldMkLst>
+        <pc:spChg chg="mod">
+          <ac:chgData name="VŨ ĐĂNG HOÀNG LONG" userId="a7f37be1-0431-4d22-a98c-6d73ca78dda1" providerId="ADAL" clId="{827A363B-7D48-4E31-8D14-C53C430A7CDA}" dt="2021-01-16T04:17:27.818" v="11573" actId="20577"/>
+          <ac:spMkLst>
+            <pc:docMk/>
+            <pc:sldMk cId="2465867372" sldId="307"/>
+            <ac:spMk id="2" creationId="{4AD106DC-1A60-44EA-9B45-87C7691BCE09}"/>
+          </ac:spMkLst>
+        </pc:spChg>
+        <pc:spChg chg="mod">
+          <ac:chgData name="VŨ ĐĂNG HOÀNG LONG" userId="a7f37be1-0431-4d22-a98c-6d73ca78dda1" providerId="ADAL" clId="{827A363B-7D48-4E31-8D14-C53C430A7CDA}" dt="2021-01-16T04:23:55.308" v="11703" actId="20577"/>
+          <ac:spMkLst>
+            <pc:docMk/>
+            <pc:sldMk cId="2465867372" sldId="307"/>
+            <ac:spMk id="3" creationId="{36B77C27-FE88-4214-8173-C40E2F3F9948}"/>
+          </ac:spMkLst>
+        </pc:spChg>
+        <pc:spChg chg="add del">
+          <ac:chgData name="VŨ ĐĂNG HOÀNG LONG" userId="a7f37be1-0431-4d22-a98c-6d73ca78dda1" providerId="ADAL" clId="{827A363B-7D48-4E31-8D14-C53C430A7CDA}" dt="2021-01-16T04:21:37.252" v="11624"/>
+          <ac:spMkLst>
+            <pc:docMk/>
+            <pc:sldMk cId="2465867372" sldId="307"/>
+            <ac:spMk id="4" creationId="{6631119E-FB78-4AB7-A130-2BAE0F9C4D53}"/>
+          </ac:spMkLst>
+        </pc:spChg>
+        <pc:spChg chg="del">
+          <ac:chgData name="VŨ ĐĂNG HOÀNG LONG" userId="a7f37be1-0431-4d22-a98c-6d73ca78dda1" providerId="ADAL" clId="{827A363B-7D48-4E31-8D14-C53C430A7CDA}" dt="2021-01-16T04:26:34.677" v="11760" actId="478"/>
+          <ac:spMkLst>
+            <pc:docMk/>
+            <pc:sldMk cId="2465867372" sldId="307"/>
+            <ac:spMk id="5" creationId="{64CB05E5-566A-4E13-B367-53A829FB9874}"/>
+          </ac:spMkLst>
+        </pc:spChg>
+        <pc:picChg chg="del">
+          <ac:chgData name="VŨ ĐĂNG HOÀNG LONG" userId="a7f37be1-0431-4d22-a98c-6d73ca78dda1" providerId="ADAL" clId="{827A363B-7D48-4E31-8D14-C53C430A7CDA}" dt="2021-01-16T04:26:33.107" v="11759" actId="478"/>
+          <ac:picMkLst>
+            <pc:docMk/>
+            <pc:sldMk cId="2465867372" sldId="307"/>
+            <ac:picMk id="5123" creationId="{48202634-1EBB-45A5-9843-C695302AD4F4}"/>
+          </ac:picMkLst>
+        </pc:picChg>
+        <pc:picChg chg="add mod">
+          <ac:chgData name="VŨ ĐĂNG HOÀNG LONG" userId="a7f37be1-0431-4d22-a98c-6d73ca78dda1" providerId="ADAL" clId="{827A363B-7D48-4E31-8D14-C53C430A7CDA}" dt="2021-01-16T04:26:38.450" v="11762" actId="1076"/>
+          <ac:picMkLst>
+            <pc:docMk/>
+            <pc:sldMk cId="2465867372" sldId="307"/>
+            <ac:picMk id="8195" creationId="{04A90648-394A-474B-8806-C2B06F82776F}"/>
+          </ac:picMkLst>
+        </pc:picChg>
+      </pc:sldChg>
+      <pc:sldChg chg="addSp delSp modSp add mod ord">
+        <pc:chgData name="VŨ ĐĂNG HOÀNG LONG" userId="a7f37be1-0431-4d22-a98c-6d73ca78dda1" providerId="ADAL" clId="{827A363B-7D48-4E31-8D14-C53C430A7CDA}" dt="2021-01-16T04:25:13.416" v="11739" actId="20577"/>
+        <pc:sldMkLst>
+          <pc:docMk/>
+          <pc:sldMk cId="1827392394" sldId="308"/>
+        </pc:sldMkLst>
+        <pc:spChg chg="mod">
+          <ac:chgData name="VŨ ĐĂNG HOÀNG LONG" userId="a7f37be1-0431-4d22-a98c-6d73ca78dda1" providerId="ADAL" clId="{827A363B-7D48-4E31-8D14-C53C430A7CDA}" dt="2021-01-16T04:23:37.172" v="11698" actId="20577"/>
+          <ac:spMkLst>
+            <pc:docMk/>
+            <pc:sldMk cId="1827392394" sldId="308"/>
+            <ac:spMk id="2" creationId="{4AD106DC-1A60-44EA-9B45-87C7691BCE09}"/>
+          </ac:spMkLst>
+        </pc:spChg>
+        <pc:spChg chg="mod">
+          <ac:chgData name="VŨ ĐĂNG HOÀNG LONG" userId="a7f37be1-0431-4d22-a98c-6d73ca78dda1" providerId="ADAL" clId="{827A363B-7D48-4E31-8D14-C53C430A7CDA}" dt="2021-01-16T04:25:13.416" v="11739" actId="20577"/>
+          <ac:spMkLst>
+            <pc:docMk/>
+            <pc:sldMk cId="1827392394" sldId="308"/>
+            <ac:spMk id="3" creationId="{36B77C27-FE88-4214-8173-C40E2F3F9948}"/>
+          </ac:spMkLst>
+        </pc:spChg>
+        <pc:spChg chg="add del">
+          <ac:chgData name="VŨ ĐĂNG HOÀNG LONG" userId="a7f37be1-0431-4d22-a98c-6d73ca78dda1" providerId="ADAL" clId="{827A363B-7D48-4E31-8D14-C53C430A7CDA}" dt="2021-01-16T04:19:15.512" v="11614"/>
+          <ac:spMkLst>
+            <pc:docMk/>
+            <pc:sldMk cId="1827392394" sldId="308"/>
+            <ac:spMk id="4" creationId="{8754E9E0-E8C8-4C89-9EDA-5A28972B2C0D}"/>
+          </ac:spMkLst>
+        </pc:spChg>
+      </pc:sldChg>
+      <pc:sldChg chg="modSp add mod ord">
+        <pc:chgData name="VŨ ĐĂNG HOÀNG LONG" userId="a7f37be1-0431-4d22-a98c-6d73ca78dda1" providerId="ADAL" clId="{827A363B-7D48-4E31-8D14-C53C430A7CDA}" dt="2021-01-16T04:22:55.178" v="11680"/>
+        <pc:sldMkLst>
+          <pc:docMk/>
+          <pc:sldMk cId="3051488852" sldId="309"/>
+        </pc:sldMkLst>
+        <pc:spChg chg="mod">
+          <ac:chgData name="VŨ ĐĂNG HOÀNG LONG" userId="a7f37be1-0431-4d22-a98c-6d73ca78dda1" providerId="ADAL" clId="{827A363B-7D48-4E31-8D14-C53C430A7CDA}" dt="2021-01-16T04:22:22.625" v="11677" actId="20577"/>
+          <ac:spMkLst>
+            <pc:docMk/>
+            <pc:sldMk cId="3051488852" sldId="309"/>
+            <ac:spMk id="2" creationId="{4AD106DC-1A60-44EA-9B45-87C7691BCE09}"/>
+          </ac:spMkLst>
+        </pc:spChg>
+        <pc:spChg chg="mod">
+          <ac:chgData name="VŨ ĐĂNG HOÀNG LONG" userId="a7f37be1-0431-4d22-a98c-6d73ca78dda1" providerId="ADAL" clId="{827A363B-7D48-4E31-8D14-C53C430A7CDA}" dt="2021-01-16T04:22:24.877" v="11678" actId="20577"/>
+          <ac:spMkLst>
+            <pc:docMk/>
+            <pc:sldMk cId="3051488852" sldId="309"/>
+            <ac:spMk id="3" creationId="{36B77C27-FE88-4214-8173-C40E2F3F9948}"/>
+          </ac:spMkLst>
+        </pc:spChg>
+      </pc:sldChg>
+      <pc:sldChg chg="addSp delSp modSp add mod">
+        <pc:chgData name="VŨ ĐĂNG HOÀNG LONG" userId="a7f37be1-0431-4d22-a98c-6d73ca78dda1" providerId="ADAL" clId="{827A363B-7D48-4E31-8D14-C53C430A7CDA}" dt="2021-01-16T04:32:41.936" v="11806" actId="1076"/>
+        <pc:sldMkLst>
+          <pc:docMk/>
+          <pc:sldMk cId="1021318325" sldId="310"/>
+        </pc:sldMkLst>
+        <pc:spChg chg="mod">
+          <ac:chgData name="VŨ ĐĂNG HOÀNG LONG" userId="a7f37be1-0431-4d22-a98c-6d73ca78dda1" providerId="ADAL" clId="{827A363B-7D48-4E31-8D14-C53C430A7CDA}" dt="2021-01-16T04:25:39.964" v="11757" actId="20577"/>
+          <ac:spMkLst>
+            <pc:docMk/>
+            <pc:sldMk cId="1021318325" sldId="310"/>
+            <ac:spMk id="2" creationId="{4AD106DC-1A60-44EA-9B45-87C7691BCE09}"/>
+          </ac:spMkLst>
+        </pc:spChg>
+        <pc:spChg chg="mod">
+          <ac:chgData name="VŨ ĐĂNG HOÀNG LONG" userId="a7f37be1-0431-4d22-a98c-6d73ca78dda1" providerId="ADAL" clId="{827A363B-7D48-4E31-8D14-C53C430A7CDA}" dt="2021-01-16T04:31:42.208" v="11799" actId="20577"/>
+          <ac:spMkLst>
+            <pc:docMk/>
+            <pc:sldMk cId="1021318325" sldId="310"/>
+            <ac:spMk id="3" creationId="{36B77C27-FE88-4214-8173-C40E2F3F9948}"/>
+          </ac:spMkLst>
+        </pc:spChg>
+        <pc:picChg chg="del">
+          <ac:chgData name="VŨ ĐĂNG HOÀNG LONG" userId="a7f37be1-0431-4d22-a98c-6d73ca78dda1" providerId="ADAL" clId="{827A363B-7D48-4E31-8D14-C53C430A7CDA}" dt="2021-01-16T04:26:05.035" v="11758" actId="478"/>
+          <ac:picMkLst>
+            <pc:docMk/>
+            <pc:sldMk cId="1021318325" sldId="310"/>
+            <ac:picMk id="9219" creationId="{93D53042-9555-49B7-B2F9-208A5B7CE914}"/>
+          </ac:picMkLst>
+        </pc:picChg>
+        <pc:picChg chg="add del mod">
+          <ac:chgData name="VŨ ĐĂNG HOÀNG LONG" userId="a7f37be1-0431-4d22-a98c-6d73ca78dda1" providerId="ADAL" clId="{827A363B-7D48-4E31-8D14-C53C430A7CDA}" dt="2021-01-16T04:32:19.570" v="11804" actId="478"/>
+          <ac:picMkLst>
+            <pc:docMk/>
+            <pc:sldMk cId="1021318325" sldId="310"/>
+            <ac:picMk id="11266" creationId="{818544E7-5D04-4926-85CD-B55C95C69833}"/>
+          </ac:picMkLst>
+        </pc:picChg>
+        <pc:picChg chg="add mod">
+          <ac:chgData name="VŨ ĐĂNG HOÀNG LONG" userId="a7f37be1-0431-4d22-a98c-6d73ca78dda1" providerId="ADAL" clId="{827A363B-7D48-4E31-8D14-C53C430A7CDA}" dt="2021-01-16T04:32:41.936" v="11806" actId="1076"/>
+          <ac:picMkLst>
+            <pc:docMk/>
+            <pc:sldMk cId="1021318325" sldId="310"/>
+            <ac:picMk id="11268" creationId="{508981F5-5261-404D-8101-962D1DB49A98}"/>
+          </ac:picMkLst>
+        </pc:picChg>
+      </pc:sldChg>
+      <pc:sldChg chg="addSp delSp modSp add mod ord">
+        <pc:chgData name="VŨ ĐĂNG HOÀNG LONG" userId="a7f37be1-0431-4d22-a98c-6d73ca78dda1" providerId="ADAL" clId="{827A363B-7D48-4E31-8D14-C53C430A7CDA}" dt="2021-01-16T04:39:52.408" v="11972" actId="20577"/>
+        <pc:sldMkLst>
+          <pc:docMk/>
+          <pc:sldMk cId="3052768704" sldId="311"/>
+        </pc:sldMkLst>
+        <pc:spChg chg="mod">
+          <ac:chgData name="VŨ ĐĂNG HOÀNG LONG" userId="a7f37be1-0431-4d22-a98c-6d73ca78dda1" providerId="ADAL" clId="{827A363B-7D48-4E31-8D14-C53C430A7CDA}" dt="2021-01-16T04:33:00.969" v="11819" actId="20577"/>
+          <ac:spMkLst>
+            <pc:docMk/>
+            <pc:sldMk cId="3052768704" sldId="311"/>
+            <ac:spMk id="2" creationId="{4AD106DC-1A60-44EA-9B45-87C7691BCE09}"/>
+          </ac:spMkLst>
+        </pc:spChg>
+        <pc:spChg chg="mod">
+          <ac:chgData name="VŨ ĐĂNG HOÀNG LONG" userId="a7f37be1-0431-4d22-a98c-6d73ca78dda1" providerId="ADAL" clId="{827A363B-7D48-4E31-8D14-C53C430A7CDA}" dt="2021-01-16T04:39:52.408" v="11972" actId="20577"/>
+          <ac:spMkLst>
+            <pc:docMk/>
+            <pc:sldMk cId="3052768704" sldId="311"/>
+            <ac:spMk id="3" creationId="{36B77C27-FE88-4214-8173-C40E2F3F9948}"/>
+          </ac:spMkLst>
+        </pc:spChg>
+        <pc:picChg chg="del">
+          <ac:chgData name="VŨ ĐĂNG HOÀNG LONG" userId="a7f37be1-0431-4d22-a98c-6d73ca78dda1" providerId="ADAL" clId="{827A363B-7D48-4E31-8D14-C53C430A7CDA}" dt="2021-01-16T04:34:10.438" v="11832" actId="478"/>
+          <ac:picMkLst>
+            <pc:docMk/>
+            <pc:sldMk cId="3052768704" sldId="311"/>
+            <ac:picMk id="8195" creationId="{04A90648-394A-474B-8806-C2B06F82776F}"/>
+          </ac:picMkLst>
+        </pc:picChg>
+        <pc:picChg chg="add mod">
+          <ac:chgData name="VŨ ĐĂNG HOÀNG LONG" userId="a7f37be1-0431-4d22-a98c-6d73ca78dda1" providerId="ADAL" clId="{827A363B-7D48-4E31-8D14-C53C430A7CDA}" dt="2021-01-16T04:34:14.888" v="11834" actId="1076"/>
+          <ac:picMkLst>
+            <pc:docMk/>
+            <pc:sldMk cId="3052768704" sldId="311"/>
+            <ac:picMk id="13314" creationId="{483FD499-2919-495B-A0B6-A97BF8AA560D}"/>
+          </ac:picMkLst>
+        </pc:picChg>
+      </pc:sldChg>
+      <pc:sldChg chg="addSp delSp modSp new mod">
+        <pc:chgData name="VŨ ĐĂNG HOÀNG LONG" userId="a7f37be1-0431-4d22-a98c-6d73ca78dda1" providerId="ADAL" clId="{827A363B-7D48-4E31-8D14-C53C430A7CDA}" dt="2021-01-16T04:52:10.595" v="13247" actId="20577"/>
+        <pc:sldMkLst>
+          <pc:docMk/>
+          <pc:sldMk cId="154365696" sldId="312"/>
+        </pc:sldMkLst>
+        <pc:spChg chg="mod">
+          <ac:chgData name="VŨ ĐĂNG HOÀNG LONG" userId="a7f37be1-0431-4d22-a98c-6d73ca78dda1" providerId="ADAL" clId="{827A363B-7D48-4E31-8D14-C53C430A7CDA}" dt="2021-01-16T04:45:20.612" v="12584" actId="20577"/>
+          <ac:spMkLst>
+            <pc:docMk/>
+            <pc:sldMk cId="154365696" sldId="312"/>
+            <ac:spMk id="2" creationId="{20A8FBFB-058F-473D-B2AF-96DCE3D33766}"/>
+          </ac:spMkLst>
+        </pc:spChg>
+        <pc:spChg chg="del mod">
+          <ac:chgData name="VŨ ĐĂNG HOÀNG LONG" userId="a7f37be1-0431-4d22-a98c-6d73ca78dda1" providerId="ADAL" clId="{827A363B-7D48-4E31-8D14-C53C430A7CDA}" dt="2021-01-16T04:46:12.992" v="12614" actId="3680"/>
+          <ac:spMkLst>
+            <pc:docMk/>
+            <pc:sldMk cId="154365696" sldId="312"/>
+            <ac:spMk id="3" creationId="{ACA61895-C812-4E78-80BC-D94917B5BF62}"/>
+          </ac:spMkLst>
+        </pc:spChg>
+        <pc:spChg chg="add mod">
+          <ac:chgData name="VŨ ĐĂNG HOÀNG LONG" userId="a7f37be1-0431-4d22-a98c-6d73ca78dda1" providerId="ADAL" clId="{827A363B-7D48-4E31-8D14-C53C430A7CDA}" dt="2021-01-16T04:52:10.595" v="13247" actId="20577"/>
+          <ac:spMkLst>
+            <pc:docMk/>
+            <pc:sldMk cId="154365696" sldId="312"/>
+            <ac:spMk id="5" creationId="{89106465-7A42-46F4-BCB2-51CC201BAD9C}"/>
+          </ac:spMkLst>
+        </pc:spChg>
+        <pc:graphicFrameChg chg="add mod ord modGraphic">
+          <ac:chgData name="VŨ ĐĂNG HOÀNG LONG" userId="a7f37be1-0431-4d22-a98c-6d73ca78dda1" providerId="ADAL" clId="{827A363B-7D48-4E31-8D14-C53C430A7CDA}" dt="2021-01-16T04:49:54.212" v="12848" actId="2062"/>
+          <ac:graphicFrameMkLst>
+            <pc:docMk/>
+            <pc:sldMk cId="154365696" sldId="312"/>
+            <ac:graphicFrameMk id="4" creationId="{6ADE5E3E-B409-498B-8476-9B99DC1DCB20}"/>
+          </ac:graphicFrameMkLst>
+        </pc:graphicFrameChg>
+      </pc:sldChg>
+      <pc:sldChg chg="modSp new mod">
+        <pc:chgData name="VŨ ĐĂNG HOÀNG LONG" userId="a7f37be1-0431-4d22-a98c-6d73ca78dda1" providerId="ADAL" clId="{827A363B-7D48-4E31-8D14-C53C430A7CDA}" dt="2021-01-16T04:55:41.478" v="13420" actId="20577"/>
+        <pc:sldMkLst>
+          <pc:docMk/>
+          <pc:sldMk cId="1746133109" sldId="313"/>
+        </pc:sldMkLst>
+        <pc:spChg chg="mod">
+          <ac:chgData name="VŨ ĐĂNG HOÀNG LONG" userId="a7f37be1-0431-4d22-a98c-6d73ca78dda1" providerId="ADAL" clId="{827A363B-7D48-4E31-8D14-C53C430A7CDA}" dt="2021-01-16T04:52:44.310" v="13303" actId="20577"/>
+          <ac:spMkLst>
+            <pc:docMk/>
+            <pc:sldMk cId="1746133109" sldId="313"/>
+            <ac:spMk id="2" creationId="{A8180B1D-52AD-4A13-BA51-BB4BD2E3038A}"/>
+          </ac:spMkLst>
+        </pc:spChg>
+        <pc:spChg chg="mod">
+          <ac:chgData name="VŨ ĐĂNG HOÀNG LONG" userId="a7f37be1-0431-4d22-a98c-6d73ca78dda1" providerId="ADAL" clId="{827A363B-7D48-4E31-8D14-C53C430A7CDA}" dt="2021-01-16T04:55:41.478" v="13420" actId="20577"/>
+          <ac:spMkLst>
+            <pc:docMk/>
+            <pc:sldMk cId="1746133109" sldId="313"/>
+            <ac:spMk id="3" creationId="{FF8215E8-8AD2-4EDF-BCD5-7A5A12E6069E}"/>
+          </ac:spMkLst>
+        </pc:spChg>
+      </pc:sldChg>
+      <pc:sldChg chg="addSp delSp modSp new mod">
+        <pc:chgData name="VŨ ĐĂNG HOÀNG LONG" userId="a7f37be1-0431-4d22-a98c-6d73ca78dda1" providerId="ADAL" clId="{827A363B-7D48-4E31-8D14-C53C430A7CDA}" dt="2021-01-16T04:56:40.269" v="13443" actId="122"/>
+        <pc:sldMkLst>
+          <pc:docMk/>
+          <pc:sldMk cId="46661726" sldId="314"/>
+        </pc:sldMkLst>
+        <pc:spChg chg="mod">
+          <ac:chgData name="VŨ ĐĂNG HOÀNG LONG" userId="a7f37be1-0431-4d22-a98c-6d73ca78dda1" providerId="ADAL" clId="{827A363B-7D48-4E31-8D14-C53C430A7CDA}" dt="2021-01-16T04:56:40.269" v="13443" actId="122"/>
+          <ac:spMkLst>
+            <pc:docMk/>
+            <pc:sldMk cId="46661726" sldId="314"/>
+            <ac:spMk id="2" creationId="{938617CB-349E-4BB4-9681-BC6864DF6DA3}"/>
+          </ac:spMkLst>
+        </pc:spChg>
+        <pc:spChg chg="del">
+          <ac:chgData name="VŨ ĐĂNG HOÀNG LONG" userId="a7f37be1-0431-4d22-a98c-6d73ca78dda1" providerId="ADAL" clId="{827A363B-7D48-4E31-8D14-C53C430A7CDA}" dt="2021-01-16T04:56:20.445" v="13422" actId="22"/>
+          <ac:spMkLst>
+            <pc:docMk/>
+            <pc:sldMk cId="46661726" sldId="314"/>
+            <ac:spMk id="3" creationId="{659B9D6C-8CFD-4274-93AB-3F74430036DA}"/>
+          </ac:spMkLst>
+        </pc:spChg>
+        <pc:picChg chg="add mod ord">
+          <ac:chgData name="VŨ ĐĂNG HOÀNG LONG" userId="a7f37be1-0431-4d22-a98c-6d73ca78dda1" providerId="ADAL" clId="{827A363B-7D48-4E31-8D14-C53C430A7CDA}" dt="2021-01-16T04:56:20.445" v="13422" actId="22"/>
+          <ac:picMkLst>
+            <pc:docMk/>
+            <pc:sldMk cId="46661726" sldId="314"/>
+            <ac:picMk id="5" creationId="{0F69A9AA-CBBC-4300-81FB-33AAF860C447}"/>
+          </ac:picMkLst>
+        </pc:picChg>
+      </pc:sldChg>
+      <pc:sldChg chg="addSp delSp modSp new mod">
+        <pc:chgData name="VŨ ĐĂNG HOÀNG LONG" userId="a7f37be1-0431-4d22-a98c-6d73ca78dda1" providerId="ADAL" clId="{827A363B-7D48-4E31-8D14-C53C430A7CDA}" dt="2021-01-16T04:57:28.707" v="13480" actId="22"/>
+        <pc:sldMkLst>
+          <pc:docMk/>
+          <pc:sldMk cId="979220208" sldId="315"/>
+        </pc:sldMkLst>
+        <pc:spChg chg="mod">
+          <ac:chgData name="VŨ ĐĂNG HOÀNG LONG" userId="a7f37be1-0431-4d22-a98c-6d73ca78dda1" providerId="ADAL" clId="{827A363B-7D48-4E31-8D14-C53C430A7CDA}" dt="2021-01-16T04:57:07.739" v="13475" actId="122"/>
+          <ac:spMkLst>
+            <pc:docMk/>
+            <pc:sldMk cId="979220208" sldId="315"/>
+            <ac:spMk id="2" creationId="{D4EF14A5-9369-4799-9A59-DEB376199EE1}"/>
+          </ac:spMkLst>
+        </pc:spChg>
+        <pc:spChg chg="del">
+          <ac:chgData name="VŨ ĐĂNG HOÀNG LONG" userId="a7f37be1-0431-4d22-a98c-6d73ca78dda1" providerId="ADAL" clId="{827A363B-7D48-4E31-8D14-C53C430A7CDA}" dt="2021-01-16T04:57:28.707" v="13480" actId="22"/>
+          <ac:spMkLst>
+            <pc:docMk/>
+            <pc:sldMk cId="979220208" sldId="315"/>
+            <ac:spMk id="3" creationId="{A44A5704-664D-417B-BEA3-FB3D95E65E34}"/>
+          </ac:spMkLst>
+        </pc:spChg>
+        <pc:picChg chg="add del mod">
+          <ac:chgData name="VŨ ĐĂNG HOÀNG LONG" userId="a7f37be1-0431-4d22-a98c-6d73ca78dda1" providerId="ADAL" clId="{827A363B-7D48-4E31-8D14-C53C430A7CDA}" dt="2021-01-16T04:57:27.687" v="13479" actId="22"/>
+          <ac:picMkLst>
+            <pc:docMk/>
+            <pc:sldMk cId="979220208" sldId="315"/>
+            <ac:picMk id="5" creationId="{1D139BD4-DEC0-4B1F-8EA4-4A54B54CAB51}"/>
+          </ac:picMkLst>
+        </pc:picChg>
+        <pc:picChg chg="add mod ord">
+          <ac:chgData name="VŨ ĐĂNG HOÀNG LONG" userId="a7f37be1-0431-4d22-a98c-6d73ca78dda1" providerId="ADAL" clId="{827A363B-7D48-4E31-8D14-C53C430A7CDA}" dt="2021-01-16T04:57:28.707" v="13480" actId="22"/>
+          <ac:picMkLst>
+            <pc:docMk/>
+            <pc:sldMk cId="979220208" sldId="315"/>
+            <ac:picMk id="7" creationId="{3FB49029-0B1E-479E-BC4E-3F45A16EF032}"/>
+          </ac:picMkLst>
+        </pc:picChg>
+      </pc:sldChg>
+      <pc:sldChg chg="addSp delSp modSp add mod">
+        <pc:chgData name="VŨ ĐĂNG HOÀNG LONG" userId="a7f37be1-0431-4d22-a98c-6d73ca78dda1" providerId="ADAL" clId="{827A363B-7D48-4E31-8D14-C53C430A7CDA}" dt="2021-01-16T04:58:08.293" v="13501"/>
+        <pc:sldMkLst>
+          <pc:docMk/>
+          <pc:sldMk cId="2151105609" sldId="316"/>
+        </pc:sldMkLst>
+        <pc:spChg chg="mod">
+          <ac:chgData name="VŨ ĐĂNG HOÀNG LONG" userId="a7f37be1-0431-4d22-a98c-6d73ca78dda1" providerId="ADAL" clId="{827A363B-7D48-4E31-8D14-C53C430A7CDA}" dt="2021-01-16T04:58:08.293" v="13501"/>
+          <ac:spMkLst>
+            <pc:docMk/>
+            <pc:sldMk cId="2151105609" sldId="316"/>
+            <ac:spMk id="2" creationId="{D4EF14A5-9369-4799-9A59-DEB376199EE1}"/>
+          </ac:spMkLst>
+        </pc:spChg>
+        <pc:spChg chg="add del mod">
+          <ac:chgData name="VŨ ĐĂNG HOÀNG LONG" userId="a7f37be1-0431-4d22-a98c-6d73ca78dda1" providerId="ADAL" clId="{827A363B-7D48-4E31-8D14-C53C430A7CDA}" dt="2021-01-16T04:57:47.154" v="13483" actId="22"/>
+          <ac:spMkLst>
+            <pc:docMk/>
+            <pc:sldMk cId="2151105609" sldId="316"/>
+            <ac:spMk id="4" creationId="{A69CE1EA-0FFF-4C72-BF87-F0ECB9C9B421}"/>
+          </ac:spMkLst>
+        </pc:spChg>
+        <pc:picChg chg="add mod ord">
+          <ac:chgData name="VŨ ĐĂNG HOÀNG LONG" userId="a7f37be1-0431-4d22-a98c-6d73ca78dda1" providerId="ADAL" clId="{827A363B-7D48-4E31-8D14-C53C430A7CDA}" dt="2021-01-16T04:57:47.154" v="13483" actId="22"/>
+          <ac:picMkLst>
+            <pc:docMk/>
+            <pc:sldMk cId="2151105609" sldId="316"/>
+            <ac:picMk id="6" creationId="{F23F6405-C464-4E1C-8F8F-2730B1C5C074}"/>
+          </ac:picMkLst>
+        </pc:picChg>
+        <pc:picChg chg="del">
+          <ac:chgData name="VŨ ĐĂNG HOÀNG LONG" userId="a7f37be1-0431-4d22-a98c-6d73ca78dda1" providerId="ADAL" clId="{827A363B-7D48-4E31-8D14-C53C430A7CDA}" dt="2021-01-16T04:57:35.540" v="13482" actId="478"/>
+          <ac:picMkLst>
+            <pc:docMk/>
+            <pc:sldMk cId="2151105609" sldId="316"/>
+            <ac:picMk id="7" creationId="{3FB49029-0B1E-479E-BC4E-3F45A16EF032}"/>
+          </ac:picMkLst>
+        </pc:picChg>
+      </pc:sldChg>
+      <pc:sldChg chg="addSp delSp modSp add mod">
+        <pc:chgData name="VŨ ĐĂNG HOÀNG LONG" userId="a7f37be1-0431-4d22-a98c-6d73ca78dda1" providerId="ADAL" clId="{827A363B-7D48-4E31-8D14-C53C430A7CDA}" dt="2021-01-16T05:21:57.083" v="13701"/>
+        <pc:sldMkLst>
+          <pc:docMk/>
+          <pc:sldMk cId="1983969482" sldId="317"/>
+        </pc:sldMkLst>
+        <pc:spChg chg="mod">
+          <ac:chgData name="VŨ ĐĂNG HOÀNG LONG" userId="a7f37be1-0431-4d22-a98c-6d73ca78dda1" providerId="ADAL" clId="{827A363B-7D48-4E31-8D14-C53C430A7CDA}" dt="2021-01-16T05:21:57.083" v="13701"/>
+          <ac:spMkLst>
+            <pc:docMk/>
+            <pc:sldMk cId="1983969482" sldId="317"/>
+            <ac:spMk id="3" creationId="{FF8215E8-8AD2-4EDF-BCD5-7A5A12E6069E}"/>
+          </ac:spMkLst>
+        </pc:spChg>
+        <pc:picChg chg="add del mod">
+          <ac:chgData name="VŨ ĐĂNG HOÀNG LONG" userId="a7f37be1-0431-4d22-a98c-6d73ca78dda1" providerId="ADAL" clId="{827A363B-7D48-4E31-8D14-C53C430A7CDA}" dt="2021-01-16T05:21:28.902" v="13693" actId="478"/>
+          <ac:picMkLst>
+            <pc:docMk/>
+            <pc:sldMk cId="1983969482" sldId="317"/>
+            <ac:picMk id="5" creationId="{2453B8E9-2511-4CD6-A1D1-F940491A980D}"/>
+          </ac:picMkLst>
+        </pc:picChg>
+        <pc:picChg chg="add mod">
+          <ac:chgData name="VŨ ĐĂNG HOÀNG LONG" userId="a7f37be1-0431-4d22-a98c-6d73ca78dda1" providerId="ADAL" clId="{827A363B-7D48-4E31-8D14-C53C430A7CDA}" dt="2021-01-16T05:21:33.633" v="13695" actId="1076"/>
+          <ac:picMkLst>
+            <pc:docMk/>
+            <pc:sldMk cId="1983969482" sldId="317"/>
+            <ac:picMk id="7" creationId="{40BA6384-5BAD-41B9-90B2-051F25CBB3A6}"/>
+          </ac:picMkLst>
+        </pc:picChg>
+      </pc:sldChg>
+      <pc:sldChg chg="addSp delSp modSp add mod">
+        <pc:chgData name="VŨ ĐĂNG HOÀNG LONG" userId="a7f37be1-0431-4d22-a98c-6d73ca78dda1" providerId="ADAL" clId="{827A363B-7D48-4E31-8D14-C53C430A7CDA}" dt="2021-01-16T05:26:02.711" v="13715" actId="20577"/>
+        <pc:sldMkLst>
+          <pc:docMk/>
+          <pc:sldMk cId="108669584" sldId="318"/>
+        </pc:sldMkLst>
+        <pc:spChg chg="mod">
+          <ac:chgData name="VŨ ĐĂNG HOÀNG LONG" userId="a7f37be1-0431-4d22-a98c-6d73ca78dda1" providerId="ADAL" clId="{827A363B-7D48-4E31-8D14-C53C430A7CDA}" dt="2021-01-16T05:26:02.711" v="13715" actId="20577"/>
+          <ac:spMkLst>
+            <pc:docMk/>
+            <pc:sldMk cId="108669584" sldId="318"/>
+            <ac:spMk id="2" creationId="{938617CB-349E-4BB4-9681-BC6864DF6DA3}"/>
+          </ac:spMkLst>
+        </pc:spChg>
+        <pc:spChg chg="add del mod">
+          <ac:chgData name="VŨ ĐĂNG HOÀNG LONG" userId="a7f37be1-0431-4d22-a98c-6d73ca78dda1" providerId="ADAL" clId="{827A363B-7D48-4E31-8D14-C53C430A7CDA}" dt="2021-01-16T05:18:29.236" v="13677" actId="22"/>
+          <ac:spMkLst>
+            <pc:docMk/>
+            <pc:sldMk cId="108669584" sldId="318"/>
+            <ac:spMk id="4" creationId="{B1137EFE-9B53-411E-9F52-6B52EF67BABA}"/>
+          </ac:spMkLst>
+        </pc:spChg>
+        <pc:spChg chg="add del mod">
+          <ac:chgData name="VŨ ĐĂNG HOÀNG LONG" userId="a7f37be1-0431-4d22-a98c-6d73ca78dda1" providerId="ADAL" clId="{827A363B-7D48-4E31-8D14-C53C430A7CDA}" dt="2021-01-16T05:25:24.920" v="13703" actId="22"/>
+          <ac:spMkLst>
+            <pc:docMk/>
+            <pc:sldMk cId="108669584" sldId="318"/>
+            <ac:spMk id="9" creationId="{7A4C23B6-33E9-47AD-A9A7-A2E822C7FA27}"/>
+          </ac:spMkLst>
+        </pc:spChg>
+        <pc:picChg chg="del">
+          <ac:chgData name="VŨ ĐĂNG HOÀNG LONG" userId="a7f37be1-0431-4d22-a98c-6d73ca78dda1" providerId="ADAL" clId="{827A363B-7D48-4E31-8D14-C53C430A7CDA}" dt="2021-01-16T05:18:12.901" v="13676" actId="478"/>
+          <ac:picMkLst>
+            <pc:docMk/>
+            <pc:sldMk cId="108669584" sldId="318"/>
+            <ac:picMk id="5" creationId="{0F69A9AA-CBBC-4300-81FB-33AAF860C447}"/>
+          </ac:picMkLst>
+        </pc:picChg>
+        <pc:picChg chg="add del mod ord">
+          <ac:chgData name="VŨ ĐĂNG HOÀNG LONG" userId="a7f37be1-0431-4d22-a98c-6d73ca78dda1" providerId="ADAL" clId="{827A363B-7D48-4E31-8D14-C53C430A7CDA}" dt="2021-01-16T05:25:23.493" v="13702" actId="478"/>
+          <ac:picMkLst>
+            <pc:docMk/>
+            <pc:sldMk cId="108669584" sldId="318"/>
+            <ac:picMk id="7" creationId="{A625A967-F72B-464E-8A91-A814BE52998C}"/>
+          </ac:picMkLst>
+        </pc:picChg>
+        <pc:picChg chg="add mod ord">
+          <ac:chgData name="VŨ ĐĂNG HOÀNG LONG" userId="a7f37be1-0431-4d22-a98c-6d73ca78dda1" providerId="ADAL" clId="{827A363B-7D48-4E31-8D14-C53C430A7CDA}" dt="2021-01-16T05:25:24.920" v="13703" actId="22"/>
+          <ac:picMkLst>
+            <pc:docMk/>
+            <pc:sldMk cId="108669584" sldId="318"/>
+            <ac:picMk id="11" creationId="{F9B1B594-57A6-4F7F-93D0-F4F0422D3C6B}"/>
+          </ac:picMkLst>
+        </pc:picChg>
+      </pc:sldChg>
+      <pc:sldChg chg="addSp delSp modSp add mod">
+        <pc:chgData name="VŨ ĐĂNG HOÀNG LONG" userId="a7f37be1-0431-4d22-a98c-6d73ca78dda1" providerId="ADAL" clId="{827A363B-7D48-4E31-8D14-C53C430A7CDA}" dt="2021-01-16T05:26:36.812" v="13724" actId="20577"/>
+        <pc:sldMkLst>
+          <pc:docMk/>
+          <pc:sldMk cId="1774980071" sldId="319"/>
+        </pc:sldMkLst>
+        <pc:spChg chg="mod">
+          <ac:chgData name="VŨ ĐĂNG HOÀNG LONG" userId="a7f37be1-0431-4d22-a98c-6d73ca78dda1" providerId="ADAL" clId="{827A363B-7D48-4E31-8D14-C53C430A7CDA}" dt="2021-01-16T05:26:36.812" v="13724" actId="20577"/>
+          <ac:spMkLst>
+            <pc:docMk/>
+            <pc:sldMk cId="1774980071" sldId="319"/>
+            <ac:spMk id="2" creationId="{D4EF14A5-9369-4799-9A59-DEB376199EE1}"/>
+          </ac:spMkLst>
+        </pc:spChg>
+        <pc:spChg chg="add del mod">
+          <ac:chgData name="VŨ ĐĂNG HOÀNG LONG" userId="a7f37be1-0431-4d22-a98c-6d73ca78dda1" providerId="ADAL" clId="{827A363B-7D48-4E31-8D14-C53C430A7CDA}" dt="2021-01-16T05:19:19.600" v="13687" actId="22"/>
+          <ac:spMkLst>
+            <pc:docMk/>
+            <pc:sldMk cId="1774980071" sldId="319"/>
+            <ac:spMk id="4" creationId="{650F4838-EC97-49BA-908E-D71E257036DD}"/>
+          </ac:spMkLst>
+        </pc:spChg>
+        <pc:spChg chg="add del mod">
+          <ac:chgData name="VŨ ĐĂNG HOÀNG LONG" userId="a7f37be1-0431-4d22-a98c-6d73ca78dda1" providerId="ADAL" clId="{827A363B-7D48-4E31-8D14-C53C430A7CDA}" dt="2021-01-16T05:26:17.078" v="13717" actId="22"/>
+          <ac:spMkLst>
+            <pc:docMk/>
+            <pc:sldMk cId="1774980071" sldId="319"/>
+            <ac:spMk id="9" creationId="{0C6B9536-9D8D-4812-874E-F45F1A352B1A}"/>
+          </ac:spMkLst>
+        </pc:spChg>
+        <pc:picChg chg="add del mod ord">
+          <ac:chgData name="VŨ ĐĂNG HOÀNG LONG" userId="a7f37be1-0431-4d22-a98c-6d73ca78dda1" providerId="ADAL" clId="{827A363B-7D48-4E31-8D14-C53C430A7CDA}" dt="2021-01-16T05:26:05.658" v="13716" actId="478"/>
+          <ac:picMkLst>
+            <pc:docMk/>
+            <pc:sldMk cId="1774980071" sldId="319"/>
+            <ac:picMk id="6" creationId="{6D0CFF19-C177-4CB0-A3F9-A77C68F73432}"/>
+          </ac:picMkLst>
+        </pc:picChg>
+        <pc:picChg chg="del">
+          <ac:chgData name="VŨ ĐĂNG HOÀNG LONG" userId="a7f37be1-0431-4d22-a98c-6d73ca78dda1" providerId="ADAL" clId="{827A363B-7D48-4E31-8D14-C53C430A7CDA}" dt="2021-01-16T05:19:07.462" v="13686" actId="478"/>
+          <ac:picMkLst>
+            <pc:docMk/>
+            <pc:sldMk cId="1774980071" sldId="319"/>
+            <ac:picMk id="7" creationId="{3FB49029-0B1E-479E-BC4E-3F45A16EF032}"/>
+          </ac:picMkLst>
+        </pc:picChg>
+        <pc:picChg chg="add mod ord">
+          <ac:chgData name="VŨ ĐĂNG HOÀNG LONG" userId="a7f37be1-0431-4d22-a98c-6d73ca78dda1" providerId="ADAL" clId="{827A363B-7D48-4E31-8D14-C53C430A7CDA}" dt="2021-01-16T05:26:17.078" v="13717" actId="22"/>
+          <ac:picMkLst>
+            <pc:docMk/>
+            <pc:sldMk cId="1774980071" sldId="319"/>
+            <ac:picMk id="11" creationId="{2A797F1A-793B-49DF-999F-49FC3B28CD61}"/>
+          </ac:picMkLst>
+        </pc:picChg>
+      </pc:sldChg>
+      <pc:sldChg chg="addSp delSp modSp add mod">
+        <pc:chgData name="VŨ ĐĂNG HOÀNG LONG" userId="a7f37be1-0431-4d22-a98c-6d73ca78dda1" providerId="ADAL" clId="{827A363B-7D48-4E31-8D14-C53C430A7CDA}" dt="2021-01-16T05:27:38.087" v="13739" actId="20577"/>
+        <pc:sldMkLst>
+          <pc:docMk/>
+          <pc:sldMk cId="2586978152" sldId="320"/>
+        </pc:sldMkLst>
+        <pc:spChg chg="mod">
+          <ac:chgData name="VŨ ĐĂNG HOÀNG LONG" userId="a7f37be1-0431-4d22-a98c-6d73ca78dda1" providerId="ADAL" clId="{827A363B-7D48-4E31-8D14-C53C430A7CDA}" dt="2021-01-16T05:27:38.087" v="13739" actId="20577"/>
+          <ac:spMkLst>
+            <pc:docMk/>
+            <pc:sldMk cId="2586978152" sldId="320"/>
+            <ac:spMk id="2" creationId="{D4EF14A5-9369-4799-9A59-DEB376199EE1}"/>
+          </ac:spMkLst>
+        </pc:spChg>
+        <pc:spChg chg="add del mod">
+          <ac:chgData name="VŨ ĐĂNG HOÀNG LONG" userId="a7f37be1-0431-4d22-a98c-6d73ca78dda1" providerId="ADAL" clId="{827A363B-7D48-4E31-8D14-C53C430A7CDA}" dt="2021-01-16T05:19:42.205" v="13692" actId="22"/>
+          <ac:spMkLst>
+            <pc:docMk/>
+            <pc:sldMk cId="2586978152" sldId="320"/>
+            <ac:spMk id="4" creationId="{F2A728D5-37CE-4388-878F-C008585FA791}"/>
+          </ac:spMkLst>
+        </pc:spChg>
+        <pc:spChg chg="add del mod">
+          <ac:chgData name="VŨ ĐĂNG HOÀNG LONG" userId="a7f37be1-0431-4d22-a98c-6d73ca78dda1" providerId="ADAL" clId="{827A363B-7D48-4E31-8D14-C53C430A7CDA}" dt="2021-01-16T05:27:05.739" v="13726" actId="22"/>
+          <ac:spMkLst>
+            <pc:docMk/>
+            <pc:sldMk cId="2586978152" sldId="320"/>
+            <ac:spMk id="9" creationId="{39EEE197-C722-4EE8-BDE2-5AC4FABC93A3}"/>
+          </ac:spMkLst>
+        </pc:spChg>
+        <pc:picChg chg="del">
+          <ac:chgData name="VŨ ĐĂNG HOÀNG LONG" userId="a7f37be1-0431-4d22-a98c-6d73ca78dda1" providerId="ADAL" clId="{827A363B-7D48-4E31-8D14-C53C430A7CDA}" dt="2021-01-16T05:19:31.781" v="13691" actId="478"/>
+          <ac:picMkLst>
+            <pc:docMk/>
+            <pc:sldMk cId="2586978152" sldId="320"/>
+            <ac:picMk id="6" creationId="{F23F6405-C464-4E1C-8F8F-2730B1C5C074}"/>
+          </ac:picMkLst>
+        </pc:picChg>
+        <pc:picChg chg="add del mod ord">
+          <ac:chgData name="VŨ ĐĂNG HOÀNG LONG" userId="a7f37be1-0431-4d22-a98c-6d73ca78dda1" providerId="ADAL" clId="{827A363B-7D48-4E31-8D14-C53C430A7CDA}" dt="2021-01-16T05:26:51.229" v="13725" actId="478"/>
+          <ac:picMkLst>
+            <pc:docMk/>
+            <pc:sldMk cId="2586978152" sldId="320"/>
+            <ac:picMk id="7" creationId="{40099178-D8C9-4708-9DFC-45D29727A2DD}"/>
+          </ac:picMkLst>
+        </pc:picChg>
+        <pc:picChg chg="add mod ord">
+          <ac:chgData name="VŨ ĐĂNG HOÀNG LONG" userId="a7f37be1-0431-4d22-a98c-6d73ca78dda1" providerId="ADAL" clId="{827A363B-7D48-4E31-8D14-C53C430A7CDA}" dt="2021-01-16T05:27:05.739" v="13726" actId="22"/>
+          <ac:picMkLst>
+            <pc:docMk/>
+            <pc:sldMk cId="2586978152" sldId="320"/>
+            <ac:picMk id="11" creationId="{0B9632E7-893A-4DD0-825F-9360A3EE003A}"/>
+          </ac:picMkLst>
+        </pc:picChg>
       </pc:sldChg>
       <pc:sldMasterChg chg="modSp modSldLayout">
         <pc:chgData name="VŨ ĐĂNG HOÀNG LONG" userId="a7f37be1-0431-4d22-a98c-6d73ca78dda1" providerId="ADAL" clId="{827A363B-7D48-4E31-8D14-C53C430A7CDA}" dt="2021-01-15T17:03:19.593" v="25" actId="2711"/>
@@ -12251,7 +12960,9 @@
         </p:nvSpPr>
         <p:spPr/>
         <p:txBody>
-          <a:bodyPr/>
+          <a:bodyPr>
+            <a:normAutofit lnSpcReduction="10000"/>
+          </a:bodyPr>
           <a:lstStyle/>
           <a:p>
             <a:pPr marL="0" indent="0">
@@ -12438,6 +13149,186 @@
             <a:r>
               <a:rPr lang="en-US" dirty="0"/>
               <a:t> bagging</a:t>
+            </a:r>
+          </a:p>
+          <a:p>
+            <a:endParaRPr lang="en-US" dirty="0"/>
+          </a:p>
+          <a:p>
+            <a:pPr marL="0" indent="0">
+              <a:buNone/>
+            </a:pPr>
+            <a:r>
+              <a:rPr lang="en-US" dirty="0"/>
+              <a:t>Do </a:t>
+            </a:r>
+            <a:r>
+              <a:rPr lang="en-US" dirty="0" err="1"/>
+              <a:t>ít</a:t>
+            </a:r>
+            <a:r>
+              <a:rPr lang="en-US" dirty="0"/>
+              <a:t> </a:t>
+            </a:r>
+            <a:r>
+              <a:rPr lang="en-US" dirty="0" err="1"/>
+              <a:t>dữ</a:t>
+            </a:r>
+            <a:r>
+              <a:rPr lang="en-US" dirty="0"/>
+              <a:t> </a:t>
+            </a:r>
+            <a:r>
+              <a:rPr lang="en-US" dirty="0" err="1"/>
+              <a:t>liệu</a:t>
+            </a:r>
+            <a:r>
+              <a:rPr lang="en-US" dirty="0"/>
+              <a:t>, có </a:t>
+            </a:r>
+            <a:r>
+              <a:rPr lang="en-US" dirty="0" err="1"/>
+              <a:t>một</a:t>
+            </a:r>
+            <a:r>
+              <a:rPr lang="en-US" dirty="0"/>
+              <a:t> </a:t>
+            </a:r>
+            <a:r>
+              <a:rPr lang="en-US" dirty="0" err="1"/>
+              <a:t>số</a:t>
+            </a:r>
+            <a:r>
+              <a:rPr lang="en-US" dirty="0"/>
+              <a:t> </a:t>
+            </a:r>
+            <a:r>
+              <a:rPr lang="en-US" dirty="0" err="1"/>
+              <a:t>phân</a:t>
+            </a:r>
+            <a:r>
+              <a:rPr lang="en-US" dirty="0"/>
+              <a:t> </a:t>
+            </a:r>
+            <a:r>
+              <a:rPr lang="en-US" dirty="0" err="1"/>
+              <a:t>lớp</a:t>
+            </a:r>
+            <a:r>
+              <a:rPr lang="en-US" dirty="0"/>
+              <a:t> </a:t>
+            </a:r>
+            <a:r>
+              <a:rPr lang="en-US" dirty="0" err="1"/>
+              <a:t>dù</a:t>
+            </a:r>
+            <a:r>
+              <a:rPr lang="en-US" dirty="0"/>
+              <a:t> </a:t>
+            </a:r>
+            <a:r>
+              <a:rPr lang="en-US" dirty="0" err="1"/>
+              <a:t>được</a:t>
+            </a:r>
+            <a:r>
+              <a:rPr lang="en-US" dirty="0"/>
+              <a:t> </a:t>
+            </a:r>
+            <a:r>
+              <a:rPr lang="en-US" dirty="0" err="1"/>
+              <a:t>chọn</a:t>
+            </a:r>
+            <a:r>
+              <a:rPr lang="en-US" dirty="0"/>
+              <a:t> </a:t>
+            </a:r>
+            <a:r>
+              <a:rPr lang="en-US" dirty="0" err="1"/>
+              <a:t>nhưng</a:t>
+            </a:r>
+            <a:r>
+              <a:rPr lang="en-US" dirty="0"/>
+              <a:t> </a:t>
+            </a:r>
+            <a:r>
+              <a:rPr lang="en-US" dirty="0" err="1"/>
+              <a:t>buộc</a:t>
+            </a:r>
+            <a:r>
+              <a:rPr lang="en-US" dirty="0"/>
+              <a:t> </a:t>
+            </a:r>
+            <a:r>
+              <a:rPr lang="en-US" dirty="0" err="1"/>
+              <a:t>phải</a:t>
+            </a:r>
+            <a:r>
+              <a:rPr lang="en-US" dirty="0"/>
+              <a:t> </a:t>
+            </a:r>
+            <a:r>
+              <a:rPr lang="en-US" dirty="0" err="1"/>
+              <a:t>loại</a:t>
+            </a:r>
+            <a:r>
+              <a:rPr lang="en-US" dirty="0"/>
+              <a:t> </a:t>
+            </a:r>
+            <a:r>
+              <a:rPr lang="en-US" dirty="0" err="1"/>
+              <a:t>đi</a:t>
+            </a:r>
+            <a:r>
+              <a:rPr lang="en-US" dirty="0"/>
+              <a:t> </a:t>
+            </a:r>
+            <a:r>
+              <a:rPr lang="en-US" dirty="0" err="1"/>
+              <a:t>vì</a:t>
+            </a:r>
+            <a:r>
+              <a:rPr lang="en-US" dirty="0"/>
+              <a:t> </a:t>
+            </a:r>
+            <a:r>
+              <a:rPr lang="en-US" dirty="0" err="1"/>
+              <a:t>quá</a:t>
+            </a:r>
+            <a:r>
+              <a:rPr lang="en-US" dirty="0"/>
+              <a:t> </a:t>
+            </a:r>
+            <a:r>
+              <a:rPr lang="en-US" dirty="0" err="1"/>
+              <a:t>ít</a:t>
+            </a:r>
+            <a:r>
+              <a:rPr lang="en-US" dirty="0"/>
+              <a:t> (</a:t>
+            </a:r>
+            <a:r>
+              <a:rPr lang="en-US" dirty="0" err="1"/>
+              <a:t>ngưỡng</a:t>
+            </a:r>
+            <a:r>
+              <a:rPr lang="en-US" dirty="0"/>
+              <a:t> max(10, 0.1% </a:t>
+            </a:r>
+            <a:r>
+              <a:rPr lang="en-US" dirty="0" err="1"/>
+              <a:t>dữ</a:t>
+            </a:r>
+            <a:r>
+              <a:rPr lang="en-US" dirty="0"/>
+              <a:t> </a:t>
+            </a:r>
+            <a:r>
+              <a:rPr lang="en-US" dirty="0" err="1"/>
+              <a:t>liệu</a:t>
+            </a:r>
+            <a:r>
+              <a:rPr lang="en-US" dirty="0"/>
+              <a:t>))</a:t>
             </a:r>
           </a:p>
         </p:txBody>
@@ -12612,7 +13503,12 @@
             <p:ph type="title"/>
           </p:nvPr>
         </p:nvSpPr>
-        <p:spPr/>
+        <p:spPr>
+          <a:xfrm>
+            <a:off x="346076" y="457200"/>
+            <a:ext cx="3932237" cy="1600200"/>
+          </a:xfrm>
+        </p:spPr>
         <p:txBody>
           <a:bodyPr/>
           <a:lstStyle/>
@@ -12620,11 +13516,36 @@
             <a:pPr algn="ctr"/>
             <a:r>
               <a:rPr lang="en-US" dirty="0"/>
-              <a:t>Naive Bayes (5% data)</a:t>
+              <a:t>Naive Bayes </a:t>
+            </a:r>
+            <a:br>
+              <a:rPr lang="en-US" dirty="0"/>
+            </a:br>
+            <a:r>
+              <a:rPr lang="en-US" dirty="0"/>
+              <a:t>(5% data)</a:t>
             </a:r>
             <a:endParaRPr lang="vi-VN" dirty="0"/>
           </a:p>
         </p:txBody>
+      </p:sp>
+      <p:sp>
+        <p:nvSpPr>
+          <p:cNvPr id="5" name="Picture Placeholder 4">
+            <a:extLst>
+              <a:ext uri="{FF2B5EF4-FFF2-40B4-BE49-F238E27FC236}">
+                <a16:creationId xmlns:a16="http://schemas.microsoft.com/office/drawing/2014/main" id="{64CB05E5-566A-4E13-B367-53A829FB9874}"/>
+              </a:ext>
+            </a:extLst>
+          </p:cNvPr>
+          <p:cNvSpPr>
+            <a:spLocks noGrp="1"/>
+          </p:cNvSpPr>
+          <p:nvPr>
+            <p:ph type="pic" idx="1"/>
+          </p:nvPr>
+        </p:nvSpPr>
+        <p:spPr/>
       </p:sp>
       <p:sp>
         <p:nvSpPr>
@@ -12639,18 +13560,239 @@
             <a:spLocks noGrp="1"/>
           </p:cNvSpPr>
           <p:nvPr>
-            <p:ph idx="1"/>
+            <p:ph type="body" sz="half" idx="2"/>
           </p:nvPr>
         </p:nvSpPr>
-        <p:spPr/>
+        <p:spPr>
+          <a:xfrm>
+            <a:off x="839788" y="2186246"/>
+            <a:ext cx="2967441" cy="3682741"/>
+          </a:xfrm>
+        </p:spPr>
         <p:txBody>
-          <a:bodyPr/>
+          <a:bodyPr>
+            <a:normAutofit/>
+          </a:bodyPr>
           <a:lstStyle/>
           <a:p>
+            <a:r>
+              <a:rPr lang="en-US" dirty="0" err="1"/>
+              <a:t>Thời</a:t>
+            </a:r>
+            <a:r>
+              <a:rPr lang="en-US" dirty="0"/>
+              <a:t> </a:t>
+            </a:r>
+            <a:r>
+              <a:rPr lang="en-US" dirty="0" err="1"/>
+              <a:t>gian</a:t>
+            </a:r>
+            <a:r>
+              <a:rPr lang="en-US" dirty="0"/>
+              <a:t> </a:t>
+            </a:r>
+            <a:r>
+              <a:rPr lang="en-US" dirty="0" err="1"/>
+              <a:t>học</a:t>
+            </a:r>
+            <a:r>
+              <a:rPr lang="en-US" dirty="0"/>
+              <a:t>: &lt;1s</a:t>
+            </a:r>
+          </a:p>
+          <a:p>
+            <a:r>
+              <a:rPr lang="en-US" dirty="0" err="1"/>
+              <a:t>Đánh</a:t>
+            </a:r>
+            <a:r>
+              <a:rPr lang="en-US" dirty="0"/>
+              <a:t> </a:t>
+            </a:r>
+            <a:r>
+              <a:rPr lang="en-US" dirty="0" err="1"/>
+              <a:t>giá</a:t>
+            </a:r>
+            <a:r>
+              <a:rPr lang="en-US" dirty="0"/>
+              <a:t> </a:t>
+            </a:r>
+            <a:r>
+              <a:rPr lang="en-US" dirty="0" err="1"/>
+              <a:t>trên</a:t>
+            </a:r>
+            <a:r>
+              <a:rPr lang="en-US" dirty="0"/>
+              <a:t> </a:t>
+            </a:r>
+            <a:r>
+              <a:rPr lang="en-US" dirty="0" err="1"/>
+              <a:t>tập</a:t>
+            </a:r>
+            <a:r>
+              <a:rPr lang="en-US" dirty="0"/>
+              <a:t> train: 77.35%</a:t>
+            </a:r>
+          </a:p>
+          <a:p>
+            <a:r>
+              <a:rPr lang="en-US" dirty="0" err="1"/>
+              <a:t>Đánh</a:t>
+            </a:r>
+            <a:r>
+              <a:rPr lang="en-US" dirty="0"/>
+              <a:t> </a:t>
+            </a:r>
+            <a:r>
+              <a:rPr lang="en-US" dirty="0" err="1"/>
+              <a:t>giá</a:t>
+            </a:r>
+            <a:r>
+              <a:rPr lang="en-US" dirty="0"/>
+              <a:t> </a:t>
+            </a:r>
+            <a:r>
+              <a:rPr lang="en-US" dirty="0" err="1"/>
+              <a:t>trên</a:t>
+            </a:r>
+            <a:r>
+              <a:rPr lang="en-US" dirty="0"/>
+              <a:t> </a:t>
+            </a:r>
+            <a:r>
+              <a:rPr lang="en-US" dirty="0" err="1"/>
+              <a:t>tập</a:t>
+            </a:r>
+            <a:r>
+              <a:rPr lang="en-US" dirty="0"/>
+              <a:t> validate: 74.63%</a:t>
+            </a:r>
+          </a:p>
+          <a:p>
+            <a:r>
+              <a:rPr lang="en-US" dirty="0">
+                <a:latin typeface="Montserrat" panose="00000500000000000000" pitchFamily="2" charset="0"/>
+              </a:rPr>
+              <a:t>▷ </a:t>
+            </a:r>
+            <a:r>
+              <a:rPr lang="en-US" dirty="0"/>
+              <a:t>P</a:t>
+            </a:r>
+            <a:r>
+              <a:rPr lang="vi-VN" dirty="0" err="1"/>
+              <a:t>redict</a:t>
+            </a:r>
+            <a:r>
+              <a:rPr lang="vi-VN" dirty="0"/>
+              <a:t> có xu hướng tập trung vào </a:t>
+            </a:r>
+            <a:r>
+              <a:rPr lang="vi-VN" dirty="0" err="1"/>
+              <a:t>class</a:t>
+            </a:r>
+            <a:r>
+              <a:rPr lang="vi-VN" dirty="0"/>
+              <a:t> "thời sự trong nước“</a:t>
+            </a:r>
             <a:endParaRPr lang="en-US" dirty="0"/>
+          </a:p>
+          <a:p>
+            <a:r>
+              <a:rPr lang="en-US" dirty="0">
+                <a:latin typeface="Montserrat" panose="00000500000000000000" pitchFamily="2" charset="0"/>
+              </a:rPr>
+              <a:t>▷ </a:t>
+            </a:r>
+            <a:r>
+              <a:rPr lang="en-US" dirty="0"/>
+              <a:t>Class “</a:t>
+            </a:r>
+            <a:r>
+              <a:rPr lang="en-US" dirty="0" err="1"/>
+              <a:t>xe</a:t>
+            </a:r>
+            <a:r>
+              <a:rPr lang="en-US" dirty="0"/>
+              <a:t>” </a:t>
+            </a:r>
+            <a:r>
+              <a:rPr lang="en-US" dirty="0" err="1"/>
+              <a:t>dự</a:t>
+            </a:r>
+            <a:r>
+              <a:rPr lang="en-US" dirty="0"/>
+              <a:t> </a:t>
+            </a:r>
+            <a:r>
+              <a:rPr lang="en-US" dirty="0" err="1"/>
+              <a:t>đoán</a:t>
+            </a:r>
+            <a:r>
+              <a:rPr lang="en-US" dirty="0"/>
+              <a:t> </a:t>
+            </a:r>
+            <a:br>
+              <a:rPr lang="en-US" dirty="0"/>
+            </a:br>
+            <a:r>
+              <a:rPr lang="en-US" dirty="0" err="1"/>
+              <a:t>sai</a:t>
+            </a:r>
+            <a:r>
+              <a:rPr lang="en-US" dirty="0"/>
+              <a:t> 100%</a:t>
+            </a:r>
           </a:p>
         </p:txBody>
       </p:sp>
+      <p:pic>
+        <p:nvPicPr>
+          <p:cNvPr id="5123" name="Picture 3">
+            <a:extLst>
+              <a:ext uri="{FF2B5EF4-FFF2-40B4-BE49-F238E27FC236}">
+                <a16:creationId xmlns:a16="http://schemas.microsoft.com/office/drawing/2014/main" id="{48202634-1EBB-45A5-9843-C695302AD4F4}"/>
+              </a:ext>
+            </a:extLst>
+          </p:cNvPr>
+          <p:cNvPicPr>
+            <a:picLocks noChangeAspect="1" noChangeArrowheads="1"/>
+          </p:cNvPicPr>
+          <p:nvPr/>
+        </p:nvPicPr>
+        <p:blipFill>
+          <a:blip r:embed="rId2">
+            <a:extLst>
+              <a:ext uri="{28A0092B-C50C-407E-A947-70E740481C1C}">
+                <a14:useLocalDpi xmlns:a14="http://schemas.microsoft.com/office/drawing/2010/main" val="0"/>
+              </a:ext>
+            </a:extLst>
+          </a:blip>
+          <a:srcRect/>
+          <a:stretch>
+            <a:fillRect/>
+          </a:stretch>
+        </p:blipFill>
+        <p:spPr bwMode="auto">
+          <a:xfrm>
+            <a:off x="4075113" y="0"/>
+            <a:ext cx="7926387" cy="6858000"/>
+          </a:xfrm>
+          <a:prstGeom prst="rect">
+            <a:avLst/>
+          </a:prstGeom>
+          <a:noFill/>
+          <a:extLst>
+            <a:ext uri="{909E8E84-426E-40DD-AFC4-6F175D3DCCD1}">
+              <a14:hiddenFill xmlns:a14="http://schemas.microsoft.com/office/drawing/2010/main">
+                <a:solidFill>
+                  <a:srgbClr val="FFFFFF"/>
+                </a:solidFill>
+              </a14:hiddenFill>
+            </a:ext>
+          </a:extLst>
+        </p:spPr>
+      </p:pic>
     </p:spTree>
     <p:extLst>
       <p:ext uri="{BB962C8B-B14F-4D97-AF65-F5344CB8AC3E}">
@@ -12705,7 +13847,7 @@
             <a:pPr algn="ctr"/>
             <a:r>
               <a:rPr lang="en-US" dirty="0"/>
-              <a:t>Logistic Regression (5% data)</a:t>
+              <a:t>Naive Bayes (5% data)</a:t>
             </a:r>
             <a:endParaRPr lang="vi-VN" dirty="0"/>
           </a:p>
@@ -12732,6 +13874,159 @@
           <a:bodyPr/>
           <a:lstStyle/>
           <a:p>
+            <a:r>
+              <a:rPr lang="en-US" dirty="0"/>
+              <a:t>R</a:t>
+            </a:r>
+            <a:r>
+              <a:rPr lang="vi-VN" dirty="0"/>
+              <a:t>ất nhanh </a:t>
+            </a:r>
+            <a:r>
+              <a:rPr lang="en-US" dirty="0" err="1"/>
+              <a:t>nhưng</a:t>
+            </a:r>
+            <a:r>
+              <a:rPr lang="vi-VN" dirty="0"/>
+              <a:t> kết quả kém nhất. </a:t>
+            </a:r>
+            <a:endParaRPr lang="en-US" dirty="0"/>
+          </a:p>
+          <a:p>
+            <a:r>
+              <a:rPr lang="en-US" dirty="0"/>
+              <a:t>P</a:t>
+            </a:r>
+            <a:r>
+              <a:rPr lang="vi-VN" dirty="0" err="1"/>
+              <a:t>redict</a:t>
+            </a:r>
+            <a:r>
+              <a:rPr lang="vi-VN" dirty="0"/>
+              <a:t> có xu hướng tập trung vào </a:t>
+            </a:r>
+            <a:r>
+              <a:rPr lang="vi-VN" dirty="0" err="1"/>
+              <a:t>class</a:t>
+            </a:r>
+            <a:r>
+              <a:rPr lang="vi-VN" dirty="0"/>
+              <a:t> "thời sự trong nước".</a:t>
+            </a:r>
+            <a:endParaRPr lang="en-US" dirty="0"/>
+          </a:p>
+          <a:p>
+            <a:r>
+              <a:rPr lang="en-US" dirty="0"/>
+              <a:t>Class “</a:t>
+            </a:r>
+            <a:r>
+              <a:rPr lang="en-US" dirty="0" err="1"/>
+              <a:t>xe</a:t>
+            </a:r>
+            <a:r>
+              <a:rPr lang="en-US" dirty="0"/>
+              <a:t>” </a:t>
+            </a:r>
+            <a:r>
+              <a:rPr lang="en-US" dirty="0" err="1"/>
+              <a:t>dự</a:t>
+            </a:r>
+            <a:r>
+              <a:rPr lang="en-US" dirty="0"/>
+              <a:t> </a:t>
+            </a:r>
+            <a:r>
+              <a:rPr lang="en-US" dirty="0" err="1"/>
+              <a:t>đoán</a:t>
+            </a:r>
+            <a:r>
+              <a:rPr lang="en-US" dirty="0"/>
+              <a:t> </a:t>
+            </a:r>
+            <a:r>
+              <a:rPr lang="en-US" dirty="0" err="1"/>
+              <a:t>sai</a:t>
+            </a:r>
+            <a:r>
+              <a:rPr lang="en-US" dirty="0"/>
+              <a:t> 100%</a:t>
+            </a:r>
+            <a:endParaRPr lang="vi-VN" dirty="0"/>
+          </a:p>
+          <a:p>
+            <a:pPr marL="0" indent="0">
+              <a:buNone/>
+            </a:pPr>
+            <a:r>
+              <a:rPr lang="en-US" dirty="0">
+                <a:latin typeface="Montserrat" panose="00000500000000000000" pitchFamily="2" charset="0"/>
+              </a:rPr>
+              <a:t>▷ </a:t>
+            </a:r>
+            <a:r>
+              <a:rPr lang="en-US" dirty="0"/>
+              <a:t>D</a:t>
+            </a:r>
+            <a:r>
+              <a:rPr lang="vi-VN" dirty="0"/>
+              <a:t>ễ hiểu vì</a:t>
+            </a:r>
+            <a:r>
+              <a:rPr lang="en-US" dirty="0"/>
+              <a:t>:</a:t>
+            </a:r>
+            <a:r>
+              <a:rPr lang="vi-VN" dirty="0"/>
+              <a:t> </a:t>
+            </a:r>
+            <a:endParaRPr lang="en-US" dirty="0"/>
+          </a:p>
+          <a:p>
+            <a:pPr lvl="1"/>
+            <a:r>
+              <a:rPr lang="en-US" dirty="0"/>
+              <a:t>T</a:t>
+            </a:r>
+            <a:r>
+              <a:rPr lang="vi-VN" dirty="0"/>
+              <a:t>ập dữ liệu khá nhỏ so với số lượng thuộc tính tạo bởi TF-IDF</a:t>
+            </a:r>
+            <a:r>
+              <a:rPr lang="en-US" dirty="0"/>
+              <a:t> (</a:t>
+            </a:r>
+            <a:r>
+              <a:rPr lang="en-US" dirty="0" err="1"/>
+              <a:t>hơn</a:t>
+            </a:r>
+            <a:r>
+              <a:rPr lang="en-US" dirty="0"/>
+              <a:t> 10.000)</a:t>
+            </a:r>
+          </a:p>
+          <a:p>
+            <a:pPr lvl="1"/>
+            <a:r>
+              <a:rPr lang="en-US" dirty="0" err="1"/>
+              <a:t>Phân</a:t>
+            </a:r>
+            <a:r>
+              <a:rPr lang="en-US" dirty="0"/>
+              <a:t> </a:t>
+            </a:r>
+            <a:r>
+              <a:rPr lang="en-US" dirty="0" err="1"/>
+              <a:t>lớp</a:t>
+            </a:r>
+            <a:r>
+              <a:rPr lang="en-US" dirty="0"/>
+              <a:t> </a:t>
+            </a:r>
+            <a:r>
+              <a:rPr lang="vi-VN" dirty="0"/>
+              <a:t>bị lệch khá là nặng về vài lớp chiếm đa số.</a:t>
+            </a:r>
             <a:endParaRPr lang="en-US" dirty="0"/>
           </a:p>
         </p:txBody>
@@ -12739,7 +14034,7 @@
     </p:spTree>
     <p:extLst>
       <p:ext uri="{BB962C8B-B14F-4D97-AF65-F5344CB8AC3E}">
-        <p14:creationId xmlns:p14="http://schemas.microsoft.com/office/powerpoint/2010/main" val="2111348987"/>
+        <p14:creationId xmlns:p14="http://schemas.microsoft.com/office/powerpoint/2010/main" val="3375244659"/>
       </p:ext>
     </p:extLst>
   </p:cSld>
@@ -12782,7 +14077,12 @@
             <p:ph type="title"/>
           </p:nvPr>
         </p:nvSpPr>
-        <p:spPr/>
+        <p:spPr>
+          <a:xfrm>
+            <a:off x="346076" y="457200"/>
+            <a:ext cx="3932237" cy="1600200"/>
+          </a:xfrm>
+        </p:spPr>
         <p:txBody>
           <a:bodyPr/>
           <a:lstStyle/>
@@ -12790,7 +14090,7 @@
             <a:pPr algn="ctr"/>
             <a:r>
               <a:rPr lang="en-US" dirty="0"/>
-              <a:t>Bagging Logistic Regression</a:t>
+              <a:t>Logistic Regress_</a:t>
             </a:r>
             <a:br>
               <a:rPr lang="en-US" dirty="0"/>
@@ -12816,22 +14116,284 @@
             <a:spLocks noGrp="1"/>
           </p:cNvSpPr>
           <p:nvPr>
-            <p:ph idx="1"/>
+            <p:ph type="body" sz="half" idx="2"/>
           </p:nvPr>
         </p:nvSpPr>
-        <p:spPr/>
+        <p:spPr>
+          <a:xfrm>
+            <a:off x="839788" y="2186246"/>
+            <a:ext cx="2967441" cy="3682741"/>
+          </a:xfrm>
+        </p:spPr>
         <p:txBody>
-          <a:bodyPr/>
+          <a:bodyPr>
+            <a:normAutofit/>
+          </a:bodyPr>
           <a:lstStyle/>
           <a:p>
+            <a:r>
+              <a:rPr lang="en-US" dirty="0" err="1"/>
+              <a:t>Thời</a:t>
+            </a:r>
+            <a:r>
+              <a:rPr lang="en-US" dirty="0"/>
+              <a:t> </a:t>
+            </a:r>
+            <a:r>
+              <a:rPr lang="en-US" dirty="0" err="1"/>
+              <a:t>gian</a:t>
+            </a:r>
+            <a:r>
+              <a:rPr lang="en-US" dirty="0"/>
+              <a:t> </a:t>
+            </a:r>
+            <a:r>
+              <a:rPr lang="en-US" dirty="0" err="1"/>
+              <a:t>học</a:t>
+            </a:r>
+            <a:r>
+              <a:rPr lang="en-US" dirty="0"/>
+              <a:t>: 10-15s</a:t>
+            </a:r>
+          </a:p>
+          <a:p>
+            <a:r>
+              <a:rPr lang="en-US" dirty="0" err="1"/>
+              <a:t>Đánh</a:t>
+            </a:r>
+            <a:r>
+              <a:rPr lang="en-US" dirty="0"/>
+              <a:t> </a:t>
+            </a:r>
+            <a:r>
+              <a:rPr lang="en-US" dirty="0" err="1"/>
+              <a:t>giá</a:t>
+            </a:r>
+            <a:r>
+              <a:rPr lang="en-US" dirty="0"/>
+              <a:t> </a:t>
+            </a:r>
+            <a:r>
+              <a:rPr lang="en-US" dirty="0" err="1"/>
+              <a:t>trên</a:t>
+            </a:r>
+            <a:r>
+              <a:rPr lang="en-US" dirty="0"/>
+              <a:t> </a:t>
+            </a:r>
+            <a:r>
+              <a:rPr lang="en-US" dirty="0" err="1"/>
+              <a:t>tập</a:t>
+            </a:r>
+            <a:r>
+              <a:rPr lang="en-US" dirty="0"/>
+              <a:t> train: 87.68%</a:t>
+            </a:r>
+          </a:p>
+          <a:p>
+            <a:r>
+              <a:rPr lang="en-US" dirty="0" err="1"/>
+              <a:t>Đánh</a:t>
+            </a:r>
+            <a:r>
+              <a:rPr lang="en-US" dirty="0"/>
+              <a:t> </a:t>
+            </a:r>
+            <a:r>
+              <a:rPr lang="en-US" dirty="0" err="1"/>
+              <a:t>giá</a:t>
+            </a:r>
+            <a:r>
+              <a:rPr lang="en-US" dirty="0"/>
+              <a:t> </a:t>
+            </a:r>
+            <a:r>
+              <a:rPr lang="en-US" dirty="0" err="1"/>
+              <a:t>trên</a:t>
+            </a:r>
+            <a:r>
+              <a:rPr lang="en-US" dirty="0"/>
+              <a:t> </a:t>
+            </a:r>
+            <a:r>
+              <a:rPr lang="en-US" dirty="0" err="1"/>
+              <a:t>tập</a:t>
+            </a:r>
+            <a:r>
+              <a:rPr lang="en-US" dirty="0"/>
+              <a:t> validate: 81.78%</a:t>
+            </a:r>
+          </a:p>
+          <a:p>
+            <a:r>
+              <a:rPr lang="en-US" dirty="0">
+                <a:latin typeface="Montserrat" panose="00000500000000000000" pitchFamily="2" charset="0"/>
+              </a:rPr>
+              <a:t>▷ </a:t>
+            </a:r>
+            <a:r>
+              <a:rPr lang="en-US" dirty="0" err="1"/>
+              <a:t>Chạy</a:t>
+            </a:r>
+            <a:r>
+              <a:rPr lang="en-US" dirty="0"/>
+              <a:t> </a:t>
+            </a:r>
+            <a:r>
+              <a:rPr lang="en-US" dirty="0" err="1"/>
+              <a:t>chậm</a:t>
+            </a:r>
+            <a:r>
+              <a:rPr lang="en-US" dirty="0"/>
+              <a:t> </a:t>
+            </a:r>
+            <a:r>
+              <a:rPr lang="en-US" dirty="0" err="1"/>
+              <a:t>hơn</a:t>
+            </a:r>
+            <a:r>
+              <a:rPr lang="en-US" dirty="0"/>
+              <a:t> </a:t>
+            </a:r>
+            <a:r>
+              <a:rPr lang="en-US" dirty="0" err="1"/>
+              <a:t>rất</a:t>
+            </a:r>
+            <a:r>
+              <a:rPr lang="en-US" dirty="0"/>
+              <a:t> </a:t>
+            </a:r>
+            <a:r>
+              <a:rPr lang="en-US" dirty="0" err="1"/>
+              <a:t>nhiều</a:t>
+            </a:r>
             <a:endParaRPr lang="en-US" dirty="0"/>
+          </a:p>
+          <a:p>
+            <a:r>
+              <a:rPr lang="en-US" dirty="0">
+                <a:latin typeface="Montserrat" panose="00000500000000000000" pitchFamily="2" charset="0"/>
+              </a:rPr>
+              <a:t>▷ </a:t>
+            </a:r>
+            <a:r>
+              <a:rPr lang="en-US" dirty="0" err="1"/>
+              <a:t>Dự</a:t>
+            </a:r>
+            <a:r>
+              <a:rPr lang="en-US" dirty="0"/>
+              <a:t> </a:t>
+            </a:r>
+            <a:r>
+              <a:rPr lang="en-US" dirty="0" err="1"/>
+              <a:t>đoán</a:t>
+            </a:r>
+            <a:r>
+              <a:rPr lang="en-US" dirty="0"/>
+              <a:t> </a:t>
+            </a:r>
+            <a:r>
+              <a:rPr lang="en-US" dirty="0" err="1"/>
+              <a:t>tốt</a:t>
+            </a:r>
+            <a:r>
+              <a:rPr lang="en-US" dirty="0"/>
+              <a:t> </a:t>
+            </a:r>
+            <a:r>
+              <a:rPr lang="en-US" dirty="0" err="1"/>
+              <a:t>hơn</a:t>
+            </a:r>
+            <a:r>
+              <a:rPr lang="en-US" dirty="0"/>
+              <a:t> (</a:t>
+            </a:r>
+            <a:r>
+              <a:rPr lang="en-US" dirty="0" err="1"/>
+              <a:t>không</a:t>
+            </a:r>
+            <a:r>
+              <a:rPr lang="en-US" dirty="0"/>
+              <a:t> </a:t>
+            </a:r>
+            <a:r>
+              <a:rPr lang="en-US" dirty="0" err="1"/>
+              <a:t>bất</a:t>
+            </a:r>
+            <a:r>
+              <a:rPr lang="en-US" dirty="0"/>
+              <a:t> </a:t>
+            </a:r>
+            <a:r>
+              <a:rPr lang="en-US" dirty="0" err="1"/>
+              <a:t>ngờ</a:t>
+            </a:r>
+            <a:r>
+              <a:rPr lang="en-US" dirty="0"/>
+              <a:t> </a:t>
+            </a:r>
+            <a:r>
+              <a:rPr lang="en-US" dirty="0" err="1"/>
+              <a:t>lắm</a:t>
+            </a:r>
+            <a:r>
+              <a:rPr lang="en-US" dirty="0"/>
+              <a:t>)</a:t>
+            </a:r>
           </a:p>
         </p:txBody>
       </p:sp>
+      <p:pic>
+        <p:nvPicPr>
+          <p:cNvPr id="9219" name="Picture 3">
+            <a:extLst>
+              <a:ext uri="{FF2B5EF4-FFF2-40B4-BE49-F238E27FC236}">
+                <a16:creationId xmlns:a16="http://schemas.microsoft.com/office/drawing/2014/main" id="{93D53042-9555-49B7-B2F9-208A5B7CE914}"/>
+              </a:ext>
+            </a:extLst>
+          </p:cNvPr>
+          <p:cNvPicPr>
+            <a:picLocks noChangeAspect="1" noChangeArrowheads="1"/>
+          </p:cNvPicPr>
+          <p:nvPr/>
+        </p:nvPicPr>
+        <p:blipFill>
+          <a:blip r:embed="rId2">
+            <a:extLst>
+              <a:ext uri="{28A0092B-C50C-407E-A947-70E740481C1C}">
+                <a14:useLocalDpi xmlns:a14="http://schemas.microsoft.com/office/drawing/2010/main" val="0"/>
+              </a:ext>
+            </a:extLst>
+          </a:blip>
+          <a:srcRect/>
+          <a:stretch>
+            <a:fillRect/>
+          </a:stretch>
+        </p:blipFill>
+        <p:spPr bwMode="auto">
+          <a:xfrm>
+            <a:off x="4130705" y="0"/>
+            <a:ext cx="7870825" cy="6858000"/>
+          </a:xfrm>
+          <a:prstGeom prst="rect">
+            <a:avLst/>
+          </a:prstGeom>
+          <a:noFill/>
+          <a:extLst>
+            <a:ext uri="{909E8E84-426E-40DD-AFC4-6F175D3DCCD1}">
+              <a14:hiddenFill xmlns:a14="http://schemas.microsoft.com/office/drawing/2010/main">
+                <a:solidFill>
+                  <a:srgbClr val="FFFFFF"/>
+                </a:solidFill>
+              </a14:hiddenFill>
+            </a:ext>
+          </a:extLst>
+        </p:spPr>
+      </p:pic>
     </p:spTree>
     <p:extLst>
       <p:ext uri="{BB962C8B-B14F-4D97-AF65-F5344CB8AC3E}">
-        <p14:creationId xmlns:p14="http://schemas.microsoft.com/office/powerpoint/2010/main" val="3923264112"/>
+        <p14:creationId xmlns:p14="http://schemas.microsoft.com/office/powerpoint/2010/main" val="1280546671"/>
       </p:ext>
     </p:extLst>
   </p:cSld>
@@ -12874,7 +14436,12 @@
             <p:ph type="title"/>
           </p:nvPr>
         </p:nvSpPr>
-        <p:spPr/>
+        <p:spPr>
+          <a:xfrm>
+            <a:off x="346076" y="457200"/>
+            <a:ext cx="3932237" cy="1600200"/>
+          </a:xfrm>
+        </p:spPr>
         <p:txBody>
           <a:bodyPr/>
           <a:lstStyle/>
@@ -12882,7 +14449,14 @@
             <a:pPr algn="ctr"/>
             <a:r>
               <a:rPr lang="en-US" dirty="0"/>
-              <a:t>Neuron Network (5% data)</a:t>
+              <a:t>Neuron Network</a:t>
+            </a:r>
+            <a:br>
+              <a:rPr lang="en-US" dirty="0"/>
+            </a:br>
+            <a:r>
+              <a:rPr lang="en-US" dirty="0"/>
+              <a:t>(5% data)</a:t>
             </a:r>
             <a:endParaRPr lang="vi-VN" dirty="0"/>
           </a:p>
@@ -12901,22 +14475,229 @@
             <a:spLocks noGrp="1"/>
           </p:cNvSpPr>
           <p:nvPr>
-            <p:ph idx="1"/>
+            <p:ph type="body" sz="half" idx="2"/>
           </p:nvPr>
         </p:nvSpPr>
-        <p:spPr/>
+        <p:spPr>
+          <a:xfrm>
+            <a:off x="839788" y="2186246"/>
+            <a:ext cx="2967441" cy="3682741"/>
+          </a:xfrm>
+        </p:spPr>
         <p:txBody>
-          <a:bodyPr/>
+          <a:bodyPr>
+            <a:normAutofit/>
+          </a:bodyPr>
           <a:lstStyle/>
           <a:p>
+            <a:r>
+              <a:rPr lang="en-US" dirty="0" err="1"/>
+              <a:t>Thời</a:t>
+            </a:r>
+            <a:r>
+              <a:rPr lang="en-US" dirty="0"/>
+              <a:t> </a:t>
+            </a:r>
+            <a:r>
+              <a:rPr lang="en-US" dirty="0" err="1"/>
+              <a:t>gian</a:t>
+            </a:r>
+            <a:r>
+              <a:rPr lang="en-US" dirty="0"/>
+              <a:t> </a:t>
+            </a:r>
+            <a:r>
+              <a:rPr lang="en-US" dirty="0" err="1"/>
+              <a:t>học</a:t>
+            </a:r>
+            <a:r>
+              <a:rPr lang="en-US" dirty="0"/>
+              <a:t>: ~26s</a:t>
+            </a:r>
+          </a:p>
+          <a:p>
+            <a:r>
+              <a:rPr lang="en-US" dirty="0" err="1"/>
+              <a:t>Đánh</a:t>
+            </a:r>
+            <a:r>
+              <a:rPr lang="en-US" dirty="0"/>
+              <a:t> </a:t>
+            </a:r>
+            <a:r>
+              <a:rPr lang="en-US" dirty="0" err="1"/>
+              <a:t>giá</a:t>
+            </a:r>
+            <a:r>
+              <a:rPr lang="en-US" dirty="0"/>
+              <a:t> </a:t>
+            </a:r>
+            <a:r>
+              <a:rPr lang="en-US" dirty="0" err="1"/>
+              <a:t>trên</a:t>
+            </a:r>
+            <a:r>
+              <a:rPr lang="en-US" dirty="0"/>
+              <a:t> </a:t>
+            </a:r>
+            <a:r>
+              <a:rPr lang="en-US" dirty="0" err="1"/>
+              <a:t>tập</a:t>
+            </a:r>
+            <a:r>
+              <a:rPr lang="en-US" dirty="0"/>
+              <a:t> train: 100%</a:t>
+            </a:r>
+          </a:p>
+          <a:p>
+            <a:r>
+              <a:rPr lang="en-US" dirty="0" err="1"/>
+              <a:t>Đánh</a:t>
+            </a:r>
+            <a:r>
+              <a:rPr lang="en-US" dirty="0"/>
+              <a:t> </a:t>
+            </a:r>
+            <a:r>
+              <a:rPr lang="en-US" dirty="0" err="1"/>
+              <a:t>giá</a:t>
+            </a:r>
+            <a:r>
+              <a:rPr lang="en-US" dirty="0"/>
+              <a:t> </a:t>
+            </a:r>
+            <a:r>
+              <a:rPr lang="en-US" dirty="0" err="1"/>
+              <a:t>trên</a:t>
+            </a:r>
+            <a:r>
+              <a:rPr lang="en-US" dirty="0"/>
+              <a:t> </a:t>
+            </a:r>
+            <a:r>
+              <a:rPr lang="en-US" dirty="0" err="1"/>
+              <a:t>tập</a:t>
+            </a:r>
+            <a:r>
+              <a:rPr lang="en-US" dirty="0"/>
+              <a:t> validate: 78.37%</a:t>
+            </a:r>
+          </a:p>
+          <a:p>
+            <a:r>
+              <a:rPr lang="en-US" dirty="0">
+                <a:latin typeface="Montserrat" panose="00000500000000000000" pitchFamily="2" charset="0"/>
+              </a:rPr>
+              <a:t>▷ </a:t>
+            </a:r>
+            <a:r>
+              <a:rPr lang="en-US" dirty="0"/>
+              <a:t>C</a:t>
+            </a:r>
+            <a:r>
+              <a:rPr lang="vi-VN" dirty="0" err="1"/>
+              <a:t>hạy</a:t>
+            </a:r>
+            <a:r>
+              <a:rPr lang="vi-VN" dirty="0"/>
+              <a:t> chậm (gấp 2 lần </a:t>
+            </a:r>
+            <a:r>
+              <a:rPr lang="vi-VN" dirty="0" err="1"/>
+              <a:t>logistic</a:t>
+            </a:r>
+            <a:r>
+              <a:rPr lang="vi-VN" dirty="0"/>
+              <a:t>) mà lại bị </a:t>
+            </a:r>
+            <a:r>
+              <a:rPr lang="vi-VN" dirty="0" err="1"/>
+              <a:t>overfit</a:t>
+            </a:r>
+            <a:endParaRPr lang="vi-VN" dirty="0"/>
+          </a:p>
+          <a:p>
+            <a:r>
+              <a:rPr lang="en-US" dirty="0">
+                <a:latin typeface="Montserrat" panose="00000500000000000000" pitchFamily="2" charset="0"/>
+              </a:rPr>
+              <a:t>▷ </a:t>
+            </a:r>
+            <a:r>
+              <a:rPr lang="vi-VN" dirty="0"/>
+              <a:t>Mô hình </a:t>
+            </a:r>
+            <a:r>
+              <a:rPr lang="vi-VN" dirty="0" err="1"/>
+              <a:t>neuron</a:t>
+            </a:r>
+            <a:r>
+              <a:rPr lang="vi-VN" dirty="0"/>
+              <a:t> </a:t>
+            </a:r>
+            <a:r>
+              <a:rPr lang="vi-VN" dirty="0" err="1"/>
+              <a:t>network</a:t>
+            </a:r>
+            <a:r>
+              <a:rPr lang="vi-VN" dirty="0"/>
+              <a:t> học "tốt quá" mà lại gặp dữ liệu khá thưa :v</a:t>
+            </a:r>
             <a:endParaRPr lang="en-US" dirty="0"/>
           </a:p>
         </p:txBody>
       </p:sp>
+      <p:pic>
+        <p:nvPicPr>
+          <p:cNvPr id="11268" name="Picture 4">
+            <a:extLst>
+              <a:ext uri="{FF2B5EF4-FFF2-40B4-BE49-F238E27FC236}">
+                <a16:creationId xmlns:a16="http://schemas.microsoft.com/office/drawing/2014/main" id="{508981F5-5261-404D-8101-962D1DB49A98}"/>
+              </a:ext>
+            </a:extLst>
+          </p:cNvPr>
+          <p:cNvPicPr>
+            <a:picLocks noChangeAspect="1" noChangeArrowheads="1"/>
+          </p:cNvPicPr>
+          <p:nvPr/>
+        </p:nvPicPr>
+        <p:blipFill>
+          <a:blip r:embed="rId2">
+            <a:extLst>
+              <a:ext uri="{28A0092B-C50C-407E-A947-70E740481C1C}">
+                <a14:useLocalDpi xmlns:a14="http://schemas.microsoft.com/office/drawing/2010/main" val="0"/>
+              </a:ext>
+            </a:extLst>
+          </a:blip>
+          <a:srcRect/>
+          <a:stretch>
+            <a:fillRect/>
+          </a:stretch>
+        </p:blipFill>
+        <p:spPr bwMode="auto">
+          <a:xfrm>
+            <a:off x="4077191" y="0"/>
+            <a:ext cx="7926387" cy="6858000"/>
+          </a:xfrm>
+          <a:prstGeom prst="rect">
+            <a:avLst/>
+          </a:prstGeom>
+          <a:noFill/>
+          <a:extLst>
+            <a:ext uri="{909E8E84-426E-40DD-AFC4-6F175D3DCCD1}">
+              <a14:hiddenFill xmlns:a14="http://schemas.microsoft.com/office/drawing/2010/main">
+                <a:solidFill>
+                  <a:srgbClr val="FFFFFF"/>
+                </a:solidFill>
+              </a14:hiddenFill>
+            </a:ext>
+          </a:extLst>
+        </p:spPr>
+      </p:pic>
     </p:spTree>
     <p:extLst>
       <p:ext uri="{BB962C8B-B14F-4D97-AF65-F5344CB8AC3E}">
-        <p14:creationId xmlns:p14="http://schemas.microsoft.com/office/powerpoint/2010/main" val="2051104062"/>
+        <p14:creationId xmlns:p14="http://schemas.microsoft.com/office/powerpoint/2010/main" val="1021318325"/>
       </p:ext>
     </p:extLst>
   </p:cSld>
@@ -12967,14 +14748,15 @@
             <a:pPr algn="ctr"/>
             <a:r>
               <a:rPr lang="en-US" dirty="0"/>
-              <a:t>Bagging Neuron Network</a:t>
-            </a:r>
-            <a:br>
-              <a:rPr lang="en-US" dirty="0"/>
-            </a:br>
-            <a:r>
-              <a:rPr lang="en-US" dirty="0"/>
-              <a:t>(5% data)</a:t>
+              <a:t>Phương </a:t>
+            </a:r>
+            <a:r>
+              <a:rPr lang="en-US" dirty="0" err="1"/>
+              <a:t>pháp</a:t>
+            </a:r>
+            <a:r>
+              <a:rPr lang="en-US" dirty="0"/>
+              <a:t> Bagging</a:t>
             </a:r>
             <a:endParaRPr lang="vi-VN" dirty="0"/>
           </a:p>
@@ -13008,7 +14790,7 @@
     </p:spTree>
     <p:extLst>
       <p:ext uri="{BB962C8B-B14F-4D97-AF65-F5344CB8AC3E}">
-        <p14:creationId xmlns:p14="http://schemas.microsoft.com/office/powerpoint/2010/main" val="2187135573"/>
+        <p14:creationId xmlns:p14="http://schemas.microsoft.com/office/powerpoint/2010/main" val="3051488852"/>
       </p:ext>
     </p:extLst>
   </p:cSld>
@@ -13051,63 +14833,34 @@
             <p:ph type="title"/>
           </p:nvPr>
         </p:nvSpPr>
-        <p:spPr/>
+        <p:spPr>
+          <a:xfrm>
+            <a:off x="346076" y="457200"/>
+            <a:ext cx="3932237" cy="1600200"/>
+          </a:xfrm>
+        </p:spPr>
         <p:txBody>
           <a:bodyPr/>
           <a:lstStyle/>
           <a:p>
             <a:pPr algn="ctr"/>
             <a:r>
-              <a:rPr lang="en-US" dirty="0" err="1"/>
-              <a:t>Xây</a:t>
-            </a:r>
-            <a:r>
-              <a:rPr lang="en-US" dirty="0"/>
-              <a:t> </a:t>
-            </a:r>
-            <a:r>
-              <a:rPr lang="en-US" dirty="0" err="1"/>
-              <a:t>dựng</a:t>
-            </a:r>
-            <a:r>
-              <a:rPr lang="en-US" dirty="0"/>
-              <a:t> </a:t>
-            </a:r>
-            <a:r>
-              <a:rPr lang="en-US" dirty="0" err="1"/>
-              <a:t>mô</a:t>
-            </a:r>
-            <a:r>
-              <a:rPr lang="en-US" dirty="0"/>
-              <a:t> </a:t>
-            </a:r>
-            <a:r>
-              <a:rPr lang="en-US" dirty="0" err="1"/>
-              <a:t>hình</a:t>
-            </a:r>
-            <a:r>
-              <a:rPr lang="en-US" dirty="0"/>
-              <a:t> </a:t>
-            </a:r>
-            <a:r>
-              <a:rPr lang="en-US" dirty="0" err="1"/>
-              <a:t>và</a:t>
-            </a:r>
-            <a:r>
-              <a:rPr lang="en-US" dirty="0"/>
-              <a:t> </a:t>
-            </a:r>
-            <a:r>
-              <a:rPr lang="en-US" dirty="0" err="1"/>
-              <a:t>thử</a:t>
-            </a:r>
-            <a:r>
-              <a:rPr lang="en-US" dirty="0"/>
-              <a:t> </a:t>
-            </a:r>
-            <a:r>
-              <a:rPr lang="en-US" dirty="0" err="1"/>
-              <a:t>nghiệm</a:t>
+              <a:rPr lang="en-US" dirty="0"/>
+              <a:t>Bagging</a:t>
+            </a:r>
+            <a:br>
+              <a:rPr lang="en-US" dirty="0"/>
+            </a:br>
+            <a:r>
+              <a:rPr lang="en-US" dirty="0"/>
+              <a:t>Logistic Regress_</a:t>
+            </a:r>
+            <a:br>
+              <a:rPr lang="en-US" dirty="0"/>
+            </a:br>
+            <a:r>
+              <a:rPr lang="en-US" dirty="0"/>
+              <a:t>(5% data)</a:t>
             </a:r>
             <a:endParaRPr lang="vi-VN" dirty="0"/>
           </a:p>
@@ -13126,109 +14879,32 @@
             <a:spLocks noGrp="1"/>
           </p:cNvSpPr>
           <p:nvPr>
-            <p:ph idx="1"/>
+            <p:ph type="body" sz="half" idx="2"/>
           </p:nvPr>
         </p:nvSpPr>
-        <p:spPr/>
+        <p:spPr>
+          <a:xfrm>
+            <a:off x="839788" y="2186246"/>
+            <a:ext cx="2967441" cy="3682741"/>
+          </a:xfrm>
+        </p:spPr>
         <p:txBody>
-          <a:bodyPr/>
+          <a:bodyPr>
+            <a:normAutofit/>
+          </a:bodyPr>
           <a:lstStyle/>
           <a:p>
             <a:r>
-              <a:rPr lang="en-US" dirty="0"/>
-              <a:t>Do </a:t>
-            </a:r>
-            <a:r>
-              <a:rPr lang="en-US" dirty="0" err="1"/>
-              <a:t>khối</a:t>
-            </a:r>
-            <a:r>
-              <a:rPr lang="en-US" dirty="0"/>
-              <a:t> </a:t>
-            </a:r>
-            <a:r>
-              <a:rPr lang="en-US" dirty="0" err="1"/>
-              <a:t>lượng</a:t>
-            </a:r>
-            <a:r>
-              <a:rPr lang="en-US" dirty="0"/>
-              <a:t> </a:t>
-            </a:r>
-            <a:r>
-              <a:rPr lang="en-US" dirty="0" err="1"/>
-              <a:t>dữ</a:t>
-            </a:r>
-            <a:r>
-              <a:rPr lang="en-US" dirty="0"/>
-              <a:t> </a:t>
-            </a:r>
-            <a:r>
-              <a:rPr lang="en-US" dirty="0" err="1"/>
-              <a:t>liệu</a:t>
-            </a:r>
-            <a:r>
-              <a:rPr lang="en-US" dirty="0"/>
-              <a:t> </a:t>
-            </a:r>
-            <a:r>
-              <a:rPr lang="en-US" dirty="0" err="1"/>
-              <a:t>lớn</a:t>
-            </a:r>
-            <a:r>
-              <a:rPr lang="en-US" dirty="0"/>
-              <a:t>, </a:t>
-            </a:r>
-            <a:r>
-              <a:rPr lang="en-US" dirty="0" err="1"/>
-              <a:t>không</a:t>
-            </a:r>
-            <a:r>
-              <a:rPr lang="en-US" dirty="0"/>
-              <a:t> </a:t>
-            </a:r>
-            <a:r>
-              <a:rPr lang="en-US" dirty="0" err="1"/>
-              <a:t>thể</a:t>
-            </a:r>
-            <a:r>
-              <a:rPr lang="en-US" dirty="0"/>
-              <a:t> </a:t>
-            </a:r>
-            <a:r>
-              <a:rPr lang="en-US" dirty="0" err="1"/>
-              <a:t>thử</a:t>
-            </a:r>
-            <a:r>
-              <a:rPr lang="en-US" dirty="0"/>
-              <a:t> </a:t>
-            </a:r>
-            <a:r>
-              <a:rPr lang="en-US" dirty="0" err="1"/>
-              <a:t>nghiệm</a:t>
-            </a:r>
-            <a:r>
-              <a:rPr lang="en-US" dirty="0"/>
-              <a:t> </a:t>
-            </a:r>
-            <a:r>
-              <a:rPr lang="en-US" dirty="0" err="1"/>
-              <a:t>được</a:t>
-            </a:r>
-            <a:r>
-              <a:rPr lang="en-US" dirty="0"/>
-              <a:t> </a:t>
-            </a:r>
-            <a:r>
-              <a:rPr lang="en-US" dirty="0" err="1"/>
-              <a:t>mô</a:t>
-            </a:r>
-            <a:r>
-              <a:rPr lang="en-US" dirty="0"/>
-              <a:t> </a:t>
-            </a:r>
-            <a:r>
-              <a:rPr lang="en-US" dirty="0" err="1"/>
-              <a:t>hình</a:t>
+              <a:rPr lang="en-US" dirty="0" err="1"/>
+              <a:t>Thời</a:t>
+            </a:r>
+            <a:r>
+              <a:rPr lang="en-US" dirty="0"/>
+              <a:t> </a:t>
+            </a:r>
+            <a:r>
+              <a:rPr lang="en-US" dirty="0" err="1"/>
+              <a:t>gian</a:t>
             </a:r>
             <a:r>
               <a:rPr lang="en-US" dirty="0"/>
@@ -13240,119 +14916,194 @@
             </a:r>
             <a:r>
               <a:rPr lang="en-US" dirty="0"/>
-              <a:t> SVM </a:t>
-            </a:r>
-            <a:r>
-              <a:rPr lang="en-US" dirty="0" err="1"/>
-              <a:t>cũng</a:t>
-            </a:r>
-            <a:r>
-              <a:rPr lang="en-US" dirty="0"/>
-              <a:t> </a:t>
-            </a:r>
-            <a:r>
-              <a:rPr lang="en-US" dirty="0" err="1"/>
-              <a:t>như</a:t>
-            </a:r>
-            <a:r>
-              <a:rPr lang="en-US" dirty="0"/>
-              <a:t> </a:t>
-            </a:r>
-            <a:r>
-              <a:rPr lang="en-US" dirty="0" err="1"/>
-              <a:t>thử</a:t>
-            </a:r>
-            <a:r>
-              <a:rPr lang="en-US" dirty="0"/>
-              <a:t> </a:t>
-            </a:r>
-            <a:r>
-              <a:rPr lang="en-US" dirty="0" err="1"/>
-              <a:t>nghiệm</a:t>
-            </a:r>
-            <a:r>
-              <a:rPr lang="en-US" dirty="0"/>
-              <a:t> </a:t>
-            </a:r>
-            <a:r>
-              <a:rPr lang="en-US" dirty="0" err="1"/>
-              <a:t>nhiều</a:t>
-            </a:r>
-            <a:r>
-              <a:rPr lang="en-US" dirty="0"/>
-              <a:t> </a:t>
-            </a:r>
-            <a:r>
-              <a:rPr lang="en-US" dirty="0" err="1"/>
-              <a:t>siêu</a:t>
-            </a:r>
-            <a:r>
-              <a:rPr lang="en-US" dirty="0"/>
-              <a:t> </a:t>
-            </a:r>
-            <a:r>
-              <a:rPr lang="en-US" dirty="0" err="1"/>
-              <a:t>tham</a:t>
-            </a:r>
-            <a:r>
-              <a:rPr lang="en-US" dirty="0"/>
-              <a:t> </a:t>
-            </a:r>
-            <a:r>
-              <a:rPr lang="en-US" dirty="0" err="1"/>
-              <a:t>số</a:t>
-            </a:r>
-            <a:r>
-              <a:rPr lang="en-US" dirty="0"/>
-              <a:t> </a:t>
-            </a:r>
-            <a:r>
-              <a:rPr lang="en-US" dirty="0" err="1"/>
-              <a:t>khác</a:t>
-            </a:r>
-            <a:r>
-              <a:rPr lang="en-US" dirty="0"/>
-              <a:t> </a:t>
-            </a:r>
-            <a:r>
-              <a:rPr lang="en-US" dirty="0" err="1"/>
-              <a:t>nhau</a:t>
-            </a:r>
-            <a:r>
-              <a:rPr lang="en-US" dirty="0"/>
-              <a:t> </a:t>
-            </a:r>
-            <a:r>
-              <a:rPr lang="en-US" dirty="0" err="1"/>
-              <a:t>của</a:t>
-            </a:r>
-            <a:r>
-              <a:rPr lang="en-US" dirty="0"/>
-              <a:t> </a:t>
-            </a:r>
-            <a:r>
-              <a:rPr lang="en-US" dirty="0" err="1"/>
-              <a:t>mô</a:t>
-            </a:r>
-            <a:r>
-              <a:rPr lang="en-US" dirty="0"/>
-              <a:t> </a:t>
-            </a:r>
-            <a:r>
-              <a:rPr lang="en-US" dirty="0" err="1"/>
-              <a:t>hình</a:t>
-            </a:r>
-            <a:r>
-              <a:rPr lang="en-US" dirty="0"/>
-              <a:t> Neuron Network</a:t>
+              <a:t>: ~1p30s</a:t>
+            </a:r>
+          </a:p>
+          <a:p>
+            <a:r>
+              <a:rPr lang="en-US" dirty="0" err="1"/>
+              <a:t>Đánh</a:t>
+            </a:r>
+            <a:r>
+              <a:rPr lang="en-US" dirty="0"/>
+              <a:t> </a:t>
+            </a:r>
+            <a:r>
+              <a:rPr lang="en-US" dirty="0" err="1"/>
+              <a:t>giá</a:t>
+            </a:r>
+            <a:r>
+              <a:rPr lang="en-US" dirty="0"/>
+              <a:t> </a:t>
+            </a:r>
+            <a:r>
+              <a:rPr lang="en-US" dirty="0" err="1"/>
+              <a:t>trên</a:t>
+            </a:r>
+            <a:r>
+              <a:rPr lang="en-US" dirty="0"/>
+              <a:t> </a:t>
+            </a:r>
+            <a:r>
+              <a:rPr lang="en-US" dirty="0" err="1"/>
+              <a:t>tập</a:t>
+            </a:r>
+            <a:r>
+              <a:rPr lang="en-US" dirty="0"/>
+              <a:t> train: 80.57%</a:t>
+            </a:r>
+          </a:p>
+          <a:p>
+            <a:r>
+              <a:rPr lang="en-US" dirty="0" err="1"/>
+              <a:t>Đánh</a:t>
+            </a:r>
+            <a:r>
+              <a:rPr lang="en-US" dirty="0"/>
+              <a:t> </a:t>
+            </a:r>
+            <a:r>
+              <a:rPr lang="en-US" dirty="0" err="1"/>
+              <a:t>giá</a:t>
+            </a:r>
+            <a:r>
+              <a:rPr lang="en-US" dirty="0"/>
+              <a:t> </a:t>
+            </a:r>
+            <a:r>
+              <a:rPr lang="en-US" dirty="0" err="1"/>
+              <a:t>trên</a:t>
+            </a:r>
+            <a:r>
+              <a:rPr lang="en-US" dirty="0"/>
+              <a:t> </a:t>
+            </a:r>
+            <a:r>
+              <a:rPr lang="en-US" dirty="0" err="1"/>
+              <a:t>tập</a:t>
+            </a:r>
+            <a:r>
+              <a:rPr lang="en-US" dirty="0"/>
+              <a:t> validate: 78.41%</a:t>
+            </a:r>
+          </a:p>
+          <a:p>
+            <a:r>
+              <a:rPr lang="en-US" dirty="0">
+                <a:latin typeface="Montserrat" panose="00000500000000000000" pitchFamily="2" charset="0"/>
+              </a:rPr>
+              <a:t>▷ </a:t>
+            </a:r>
+            <a:r>
+              <a:rPr lang="en-US" dirty="0"/>
+              <a:t>T</a:t>
+            </a:r>
+            <a:r>
+              <a:rPr lang="vi-VN" dirty="0"/>
+              <a:t>hời gian chạy gấp lên xấp sỉ số lượng </a:t>
+            </a:r>
+            <a:r>
+              <a:rPr lang="vi-VN" dirty="0" err="1"/>
+              <a:t>estimator</a:t>
+            </a:r>
+            <a:r>
+              <a:rPr lang="en-US" dirty="0"/>
+              <a:t> (</a:t>
+            </a:r>
+            <a:r>
+              <a:rPr lang="en-US" dirty="0" err="1"/>
+              <a:t>gấp</a:t>
+            </a:r>
+            <a:r>
+              <a:rPr lang="en-US" dirty="0"/>
+              <a:t> 10)</a:t>
+            </a:r>
+          </a:p>
+          <a:p>
+            <a:r>
+              <a:rPr lang="en-US" dirty="0">
+                <a:latin typeface="Montserrat" panose="00000500000000000000" pitchFamily="2" charset="0"/>
+              </a:rPr>
+              <a:t>▷ </a:t>
+            </a:r>
+            <a:r>
+              <a:rPr lang="en-US" dirty="0"/>
+              <a:t>T</a:t>
+            </a:r>
+            <a:r>
+              <a:rPr lang="vi-VN" dirty="0" err="1"/>
+              <a:t>ại</a:t>
+            </a:r>
+            <a:r>
+              <a:rPr lang="vi-VN" dirty="0"/>
+              <a:t> lớp có số lượng ít như "xe“</a:t>
+            </a:r>
+            <a:r>
+              <a:rPr lang="en-US" dirty="0"/>
+              <a:t> </a:t>
+            </a:r>
+            <a:r>
+              <a:rPr lang="vi-VN" dirty="0"/>
+              <a:t>dự đoán sai hoàn toà</a:t>
+            </a:r>
+            <a:r>
+              <a:rPr lang="en-US" dirty="0"/>
+              <a:t>n</a:t>
             </a:r>
           </a:p>
         </p:txBody>
       </p:sp>
+      <p:pic>
+        <p:nvPicPr>
+          <p:cNvPr id="8195" name="Picture 3">
+            <a:extLst>
+              <a:ext uri="{FF2B5EF4-FFF2-40B4-BE49-F238E27FC236}">
+                <a16:creationId xmlns:a16="http://schemas.microsoft.com/office/drawing/2014/main" id="{04A90648-394A-474B-8806-C2B06F82776F}"/>
+              </a:ext>
+            </a:extLst>
+          </p:cNvPr>
+          <p:cNvPicPr>
+            <a:picLocks noChangeAspect="1" noChangeArrowheads="1"/>
+          </p:cNvPicPr>
+          <p:nvPr/>
+        </p:nvPicPr>
+        <p:blipFill>
+          <a:blip r:embed="rId2">
+            <a:extLst>
+              <a:ext uri="{28A0092B-C50C-407E-A947-70E740481C1C}">
+                <a14:useLocalDpi xmlns:a14="http://schemas.microsoft.com/office/drawing/2010/main" val="0"/>
+              </a:ext>
+            </a:extLst>
+          </a:blip>
+          <a:srcRect/>
+          <a:stretch>
+            <a:fillRect/>
+          </a:stretch>
+        </p:blipFill>
+        <p:spPr bwMode="auto">
+          <a:xfrm>
+            <a:off x="4093817" y="0"/>
+            <a:ext cx="7926387" cy="6858000"/>
+          </a:xfrm>
+          <a:prstGeom prst="rect">
+            <a:avLst/>
+          </a:prstGeom>
+          <a:noFill/>
+          <a:extLst>
+            <a:ext uri="{909E8E84-426E-40DD-AFC4-6F175D3DCCD1}">
+              <a14:hiddenFill xmlns:a14="http://schemas.microsoft.com/office/drawing/2010/main">
+                <a:solidFill>
+                  <a:srgbClr val="FFFFFF"/>
+                </a:solidFill>
+              </a14:hiddenFill>
+            </a:ext>
+          </a:extLst>
+        </p:spPr>
+      </p:pic>
     </p:spTree>
     <p:extLst>
       <p:ext uri="{BB962C8B-B14F-4D97-AF65-F5344CB8AC3E}">
-        <p14:creationId xmlns:p14="http://schemas.microsoft.com/office/powerpoint/2010/main" val="2144853111"/>
+        <p14:creationId xmlns:p14="http://schemas.microsoft.com/office/powerpoint/2010/main" val="2465867372"/>
       </p:ext>
     </p:extLst>
   </p:cSld>
@@ -13384,7 +15135,7 @@
           <p:cNvPr id="2" name="Title 1">
             <a:extLst>
               <a:ext uri="{FF2B5EF4-FFF2-40B4-BE49-F238E27FC236}">
-                <a16:creationId xmlns:a16="http://schemas.microsoft.com/office/drawing/2014/main" id="{07A80883-2B13-4A49-B552-25325EC20374}"/>
+                <a16:creationId xmlns:a16="http://schemas.microsoft.com/office/drawing/2014/main" id="{4AD106DC-1A60-44EA-9B45-87C7691BCE09}"/>
               </a:ext>
             </a:extLst>
           </p:cNvPr>
@@ -13397,20 +15148,22 @@
         </p:nvSpPr>
         <p:spPr/>
         <p:txBody>
-          <a:bodyPr/>
+          <a:bodyPr>
+            <a:normAutofit/>
+          </a:bodyPr>
           <a:lstStyle/>
           <a:p>
-            <a:r>
-              <a:rPr lang="en-US" dirty="0" err="1"/>
-              <a:t>Tổng</a:t>
-            </a:r>
-            <a:r>
-              <a:rPr lang="en-US" dirty="0"/>
-              <a:t> </a:t>
-            </a:r>
-            <a:r>
-              <a:rPr lang="en-US" dirty="0" err="1"/>
-              <a:t>kết</a:t>
+            <a:pPr algn="ctr"/>
+            <a:r>
+              <a:rPr lang="en-US" dirty="0"/>
+              <a:t>Bagging Logistic Regression</a:t>
+            </a:r>
+            <a:br>
+              <a:rPr lang="en-US" dirty="0"/>
+            </a:br>
+            <a:r>
+              <a:rPr lang="en-US" dirty="0"/>
+              <a:t>(5% data)</a:t>
             </a:r>
             <a:endParaRPr lang="vi-VN" dirty="0"/>
           </a:p>
@@ -13418,10 +15171,10 @@
       </p:sp>
       <p:sp>
         <p:nvSpPr>
-          <p:cNvPr id="3" name="Text Placeholder 2">
+          <p:cNvPr id="3" name="Content Placeholder 2">
             <a:extLst>
               <a:ext uri="{FF2B5EF4-FFF2-40B4-BE49-F238E27FC236}">
-                <a16:creationId xmlns:a16="http://schemas.microsoft.com/office/drawing/2014/main" id="{CE18A342-537F-4A53-AD53-14D01F922E4F}"/>
+                <a16:creationId xmlns:a16="http://schemas.microsoft.com/office/drawing/2014/main" id="{36B77C27-FE88-4214-8173-C40E2F3F9948}"/>
               </a:ext>
             </a:extLst>
           </p:cNvPr>
@@ -13429,22 +15182,121 @@
             <a:spLocks noGrp="1"/>
           </p:cNvSpPr>
           <p:nvPr>
-            <p:ph type="body" idx="1"/>
+            <p:ph idx="1"/>
           </p:nvPr>
         </p:nvSpPr>
         <p:spPr/>
         <p:txBody>
-          <a:bodyPr/>
+          <a:bodyPr>
+            <a:normAutofit/>
+          </a:bodyPr>
           <a:lstStyle/>
           <a:p>
-            <a:endParaRPr lang="vi-VN"/>
+            <a:r>
+              <a:rPr lang="en-US" dirty="0"/>
+              <a:t>T</a:t>
+            </a:r>
+            <a:r>
+              <a:rPr lang="vi-VN" dirty="0"/>
+              <a:t>hời gian chạy gấp lên xấp sỉ số lượng </a:t>
+            </a:r>
+            <a:r>
+              <a:rPr lang="vi-VN" dirty="0" err="1"/>
+              <a:t>estimator</a:t>
+            </a:r>
+            <a:r>
+              <a:rPr lang="en-US" dirty="0"/>
+              <a:t> (</a:t>
+            </a:r>
+            <a:r>
+              <a:rPr lang="en-US" dirty="0" err="1"/>
+              <a:t>gấp</a:t>
+            </a:r>
+            <a:r>
+              <a:rPr lang="en-US" dirty="0"/>
+              <a:t> 10)</a:t>
+            </a:r>
+          </a:p>
+          <a:p>
+            <a:r>
+              <a:rPr lang="en-US" dirty="0"/>
+              <a:t>T</a:t>
+            </a:r>
+            <a:r>
+              <a:rPr lang="vi-VN" dirty="0" err="1"/>
+              <a:t>ại</a:t>
+            </a:r>
+            <a:r>
+              <a:rPr lang="vi-VN" dirty="0"/>
+              <a:t> lớp có số lượng ít như "xe“</a:t>
+            </a:r>
+            <a:r>
+              <a:rPr lang="en-US" dirty="0"/>
+              <a:t> </a:t>
+            </a:r>
+            <a:r>
+              <a:rPr lang="vi-VN" dirty="0"/>
+              <a:t>dự đoán sai hoàn toà</a:t>
+            </a:r>
+            <a:r>
+              <a:rPr lang="en-US" dirty="0"/>
+              <a:t>n</a:t>
+            </a:r>
+          </a:p>
+          <a:p>
+            <a:pPr marL="0" indent="0">
+              <a:buNone/>
+            </a:pPr>
+            <a:r>
+              <a:rPr lang="en-US" dirty="0">
+                <a:latin typeface="Montserrat" panose="00000500000000000000" pitchFamily="2" charset="0"/>
+              </a:rPr>
+              <a:t>▷ </a:t>
+            </a:r>
+            <a:r>
+              <a:rPr lang="vi-VN" dirty="0" err="1"/>
+              <a:t>Bagging</a:t>
+            </a:r>
+            <a:r>
+              <a:rPr lang="vi-VN" dirty="0"/>
+              <a:t> chia nhỏ dữ liệu ra cho 10 mô hình cùng học</a:t>
+            </a:r>
+            <a:endParaRPr lang="en-US" dirty="0"/>
+          </a:p>
+          <a:p>
+            <a:pPr marL="0" indent="0">
+              <a:buNone/>
+            </a:pPr>
+            <a:r>
+              <a:rPr lang="en-US" dirty="0">
+                <a:latin typeface="Montserrat" panose="00000500000000000000" pitchFamily="2" charset="0"/>
+              </a:rPr>
+              <a:t>▷ </a:t>
+            </a:r>
+            <a:r>
+              <a:rPr lang="en-US" dirty="0"/>
+              <a:t>D</a:t>
+            </a:r>
+            <a:r>
+              <a:rPr lang="vi-VN" dirty="0"/>
+              <a:t>ữ liệu đã nhỏ sẵn nay còn nhỏ hơn. Việc bị </a:t>
+            </a:r>
+            <a:r>
+              <a:rPr lang="vi-VN" dirty="0" err="1"/>
+              <a:t>fit</a:t>
+            </a:r>
+            <a:r>
+              <a:rPr lang="vi-VN" dirty="0"/>
+              <a:t> vào một vài lớp chiếm đa số là không thể tránh khỏi.</a:t>
+            </a:r>
+            <a:endParaRPr lang="en-US" dirty="0"/>
           </a:p>
         </p:txBody>
       </p:sp>
     </p:spTree>
     <p:extLst>
       <p:ext uri="{BB962C8B-B14F-4D97-AF65-F5344CB8AC3E}">
-        <p14:creationId xmlns:p14="http://schemas.microsoft.com/office/powerpoint/2010/main" val="334925204"/>
+        <p14:creationId xmlns:p14="http://schemas.microsoft.com/office/powerpoint/2010/main" val="1827392394"/>
       </p:ext>
     </p:extLst>
   </p:cSld>
@@ -13487,39 +15339,34 @@
             <p:ph type="title"/>
           </p:nvPr>
         </p:nvSpPr>
-        <p:spPr/>
+        <p:spPr>
+          <a:xfrm>
+            <a:off x="346076" y="457200"/>
+            <a:ext cx="3932237" cy="1600200"/>
+          </a:xfrm>
+        </p:spPr>
         <p:txBody>
           <a:bodyPr/>
           <a:lstStyle/>
           <a:p>
             <a:pPr algn="ctr"/>
             <a:r>
-              <a:rPr lang="en-US" dirty="0" err="1"/>
-              <a:t>Đánh</a:t>
-            </a:r>
-            <a:r>
-              <a:rPr lang="en-US" dirty="0"/>
-              <a:t> </a:t>
-            </a:r>
-            <a:r>
-              <a:rPr lang="en-US" dirty="0" err="1"/>
-              <a:t>giá</a:t>
-            </a:r>
-            <a:r>
-              <a:rPr lang="en-US" dirty="0"/>
-              <a:t> </a:t>
-            </a:r>
-            <a:r>
-              <a:rPr lang="en-US" dirty="0" err="1"/>
-              <a:t>mô</a:t>
-            </a:r>
-            <a:r>
-              <a:rPr lang="en-US" dirty="0"/>
-              <a:t> </a:t>
-            </a:r>
-            <a:r>
-              <a:rPr lang="en-US" dirty="0" err="1"/>
-              <a:t>hình</a:t>
+              <a:rPr lang="en-US" dirty="0"/>
+              <a:t>Bagging</a:t>
+            </a:r>
+            <a:br>
+              <a:rPr lang="en-US" dirty="0"/>
+            </a:br>
+            <a:r>
+              <a:rPr lang="en-US" dirty="0"/>
+              <a:t>Neuron Net_</a:t>
+            </a:r>
+            <a:br>
+              <a:rPr lang="en-US" dirty="0"/>
+            </a:br>
+            <a:r>
+              <a:rPr lang="en-US" dirty="0"/>
+              <a:t>(5% data)</a:t>
             </a:r>
             <a:endParaRPr lang="vi-VN" dirty="0"/>
           </a:p>
@@ -13538,10 +15385,15 @@
             <a:spLocks noGrp="1"/>
           </p:cNvSpPr>
           <p:nvPr>
-            <p:ph idx="1"/>
+            <p:ph type="body" sz="half" idx="2"/>
           </p:nvPr>
         </p:nvSpPr>
-        <p:spPr/>
+        <p:spPr>
+          <a:xfrm>
+            <a:off x="839788" y="2186246"/>
+            <a:ext cx="2967441" cy="3682741"/>
+          </a:xfrm>
+        </p:spPr>
         <p:txBody>
           <a:bodyPr>
             <a:normAutofit/>
@@ -13549,57 +15401,112 @@
           <a:lstStyle/>
           <a:p>
             <a:r>
+              <a:rPr lang="en-US" dirty="0" err="1"/>
+              <a:t>Thời</a:t>
+            </a:r>
+            <a:r>
+              <a:rPr lang="en-US" dirty="0"/>
+              <a:t> </a:t>
+            </a:r>
+            <a:r>
+              <a:rPr lang="en-US" dirty="0" err="1"/>
+              <a:t>gian</a:t>
+            </a:r>
+            <a:r>
+              <a:rPr lang="en-US" dirty="0"/>
+              <a:t> </a:t>
+            </a:r>
+            <a:r>
+              <a:rPr lang="en-US" dirty="0" err="1"/>
+              <a:t>học</a:t>
+            </a:r>
+            <a:r>
+              <a:rPr lang="en-US" dirty="0"/>
+              <a:t>: ~40s</a:t>
+            </a:r>
+          </a:p>
+          <a:p>
+            <a:r>
+              <a:rPr lang="en-US" dirty="0" err="1"/>
+              <a:t>Đánh</a:t>
+            </a:r>
+            <a:r>
+              <a:rPr lang="en-US" dirty="0"/>
+              <a:t> </a:t>
+            </a:r>
+            <a:r>
+              <a:rPr lang="en-US" dirty="0" err="1"/>
+              <a:t>giá</a:t>
+            </a:r>
+            <a:r>
+              <a:rPr lang="en-US" dirty="0"/>
+              <a:t> </a:t>
+            </a:r>
+            <a:r>
+              <a:rPr lang="en-US" dirty="0" err="1"/>
+              <a:t>trên</a:t>
+            </a:r>
+            <a:r>
+              <a:rPr lang="en-US" dirty="0"/>
+              <a:t> </a:t>
+            </a:r>
+            <a:r>
+              <a:rPr lang="en-US" dirty="0" err="1"/>
+              <a:t>tập</a:t>
+            </a:r>
+            <a:r>
+              <a:rPr lang="en-US" dirty="0"/>
+              <a:t> train: 86.27%</a:t>
+            </a:r>
+          </a:p>
+          <a:p>
+            <a:r>
+              <a:rPr lang="en-US" dirty="0" err="1"/>
+              <a:t>Đánh</a:t>
+            </a:r>
+            <a:r>
+              <a:rPr lang="en-US" dirty="0"/>
+              <a:t> </a:t>
+            </a:r>
+            <a:r>
+              <a:rPr lang="en-US" dirty="0" err="1"/>
+              <a:t>giá</a:t>
+            </a:r>
+            <a:r>
+              <a:rPr lang="en-US" dirty="0"/>
+              <a:t> </a:t>
+            </a:r>
+            <a:r>
+              <a:rPr lang="en-US" dirty="0" err="1"/>
+              <a:t>trên</a:t>
+            </a:r>
+            <a:r>
+              <a:rPr lang="en-US" dirty="0"/>
+              <a:t> </a:t>
+            </a:r>
+            <a:r>
+              <a:rPr lang="en-US" dirty="0" err="1"/>
+              <a:t>tập</a:t>
+            </a:r>
+            <a:r>
+              <a:rPr lang="en-US" dirty="0"/>
+              <a:t> validate: 81.18%</a:t>
+            </a:r>
+          </a:p>
+          <a:p>
+            <a:r>
+              <a:rPr lang="en-US" dirty="0">
+                <a:latin typeface="Montserrat" panose="00000500000000000000" pitchFamily="2" charset="0"/>
+              </a:rPr>
+              <a:t>▷ </a:t>
+            </a:r>
+            <a:r>
+              <a:rPr lang="en-US" dirty="0"/>
+              <a:t>T</a:t>
+            </a:r>
+            <a:r>
               <a:rPr lang="vi-VN" dirty="0"/>
-              <a:t>Độ chính xác không cao </a:t>
-            </a:r>
-            <a:r>
-              <a:rPr lang="en-US" dirty="0" err="1"/>
-              <a:t>nhưng</a:t>
-            </a:r>
-            <a:r>
-              <a:rPr lang="en-US" dirty="0"/>
-              <a:t> </a:t>
-            </a:r>
-            <a:r>
-              <a:rPr lang="en-US" dirty="0" err="1"/>
-              <a:t>cũng</a:t>
-            </a:r>
-            <a:r>
-              <a:rPr lang="en-US" dirty="0"/>
-              <a:t> </a:t>
-            </a:r>
-            <a:r>
-              <a:rPr lang="en-US" dirty="0" err="1"/>
-              <a:t>đủ</a:t>
-            </a:r>
-            <a:r>
-              <a:rPr lang="en-US" dirty="0"/>
-              <a:t> </a:t>
-            </a:r>
-            <a:r>
-              <a:rPr lang="en-US" dirty="0" err="1"/>
-              <a:t>tốt</a:t>
-            </a:r>
-            <a:br>
-              <a:rPr lang="en-US" dirty="0"/>
-            </a:br>
-            <a:r>
-              <a:rPr lang="vi-VN" dirty="0"/>
-              <a:t>(khoảng 75-80%)</a:t>
-            </a:r>
-          </a:p>
-          <a:p>
-            <a:r>
-              <a:rPr lang="vi-VN" dirty="0"/>
-              <a:t>Sử dụng phương pháp </a:t>
-            </a:r>
-            <a:r>
-              <a:rPr lang="vi-VN" dirty="0" err="1"/>
-              <a:t>bagging</a:t>
-            </a:r>
-            <a:r>
-              <a:rPr lang="vi-VN" dirty="0"/>
-              <a:t> để tăng tốc độ chạy mô hình </a:t>
+              <a:t>ốc độ chạy chậm gấp đôi so với </a:t>
             </a:r>
             <a:r>
               <a:rPr lang="vi-VN" dirty="0" err="1"/>
@@ -13615,173 +15522,28 @@
             </a:r>
             <a:r>
               <a:rPr lang="vi-VN" dirty="0"/>
-              <a:t> mà lại giảm </a:t>
+              <a:t> </a:t>
+            </a:r>
+            <a:endParaRPr lang="en-US" dirty="0"/>
+          </a:p>
+          <a:p>
+            <a:r>
+              <a:rPr lang="en-US" dirty="0">
+                <a:latin typeface="Montserrat" panose="00000500000000000000" pitchFamily="2" charset="0"/>
+              </a:rPr>
+              <a:t>▷ </a:t>
+            </a:r>
+            <a:r>
+              <a:rPr lang="en-US" dirty="0"/>
+              <a:t>T</a:t>
             </a:r>
             <a:r>
               <a:rPr lang="vi-VN" dirty="0" err="1"/>
-              <a:t>overfit</a:t>
-            </a:r>
-            <a:r>
-              <a:rPr lang="en-US" dirty="0"/>
-              <a:t>, </a:t>
-            </a:r>
-            <a:r>
-              <a:rPr lang="en-US" dirty="0" err="1"/>
-              <a:t>giúp</a:t>
-            </a:r>
-            <a:r>
-              <a:rPr lang="en-US" dirty="0"/>
-              <a:t> </a:t>
-            </a:r>
-            <a:r>
-              <a:rPr lang="en-US" dirty="0" err="1"/>
-              <a:t>mô</a:t>
-            </a:r>
-            <a:r>
-              <a:rPr lang="en-US" dirty="0"/>
-              <a:t> </a:t>
-            </a:r>
-            <a:r>
-              <a:rPr lang="en-US" dirty="0" err="1"/>
-              <a:t>hình</a:t>
-            </a:r>
-            <a:r>
-              <a:rPr lang="en-US" dirty="0"/>
-              <a:t> </a:t>
-            </a:r>
-            <a:r>
-              <a:rPr lang="en-US" dirty="0" err="1"/>
-              <a:t>này</a:t>
-            </a:r>
-            <a:r>
-              <a:rPr lang="en-US" dirty="0"/>
-              <a:t> </a:t>
-            </a:r>
-            <a:r>
-              <a:rPr lang="en-US" dirty="0" err="1"/>
-              <a:t>đủ</a:t>
-            </a:r>
-            <a:r>
-              <a:rPr lang="en-US" dirty="0"/>
-              <a:t> </a:t>
-            </a:r>
-            <a:r>
-              <a:rPr lang="en-US" dirty="0" err="1"/>
-              <a:t>sức</a:t>
-            </a:r>
-            <a:r>
-              <a:rPr lang="en-US" dirty="0"/>
-              <a:t> </a:t>
-            </a:r>
-            <a:r>
-              <a:rPr lang="en-US" dirty="0" err="1"/>
-              <a:t>chạy</a:t>
-            </a:r>
-            <a:r>
-              <a:rPr lang="en-US" dirty="0"/>
-              <a:t> </a:t>
-            </a:r>
-            <a:r>
-              <a:rPr lang="en-US" dirty="0" err="1"/>
-              <a:t>trên</a:t>
-            </a:r>
-            <a:r>
-              <a:rPr lang="en-US" dirty="0"/>
-              <a:t> </a:t>
-            </a:r>
-            <a:r>
-              <a:rPr lang="en-US" dirty="0" err="1"/>
-              <a:t>toàn</a:t>
-            </a:r>
-            <a:r>
-              <a:rPr lang="en-US" dirty="0"/>
-              <a:t> </a:t>
-            </a:r>
-            <a:r>
-              <a:rPr lang="en-US" dirty="0" err="1"/>
-              <a:t>dữ</a:t>
-            </a:r>
-            <a:r>
-              <a:rPr lang="en-US" dirty="0"/>
-              <a:t> </a:t>
-            </a:r>
-            <a:r>
-              <a:rPr lang="en-US" dirty="0" err="1"/>
-              <a:t>liệu</a:t>
-            </a:r>
-            <a:r>
-              <a:rPr lang="en-US" dirty="0"/>
-              <a:t> </a:t>
-            </a:r>
-            <a:r>
-              <a:rPr lang="en-US" dirty="0" err="1"/>
-              <a:t>trong</a:t>
-            </a:r>
-            <a:r>
-              <a:rPr lang="en-US" dirty="0"/>
-              <a:t> </a:t>
-            </a:r>
-            <a:r>
-              <a:rPr lang="en-US" dirty="0" err="1"/>
-              <a:t>thời</a:t>
-            </a:r>
-            <a:r>
-              <a:rPr lang="en-US" dirty="0"/>
-              <a:t> </a:t>
-            </a:r>
-            <a:r>
-              <a:rPr lang="en-US" dirty="0" err="1"/>
-              <a:t>gian</a:t>
-            </a:r>
-            <a:r>
-              <a:rPr lang="en-US" dirty="0"/>
-              <a:t> </a:t>
-            </a:r>
-            <a:r>
-              <a:rPr lang="en-US" dirty="0" err="1"/>
-              <a:t>cho</a:t>
-            </a:r>
-            <a:r>
-              <a:rPr lang="en-US" dirty="0"/>
-              <a:t> </a:t>
-            </a:r>
-            <a:r>
-              <a:rPr lang="en-US" dirty="0" err="1"/>
-              <a:t>phép</a:t>
-            </a:r>
-            <a:br>
-              <a:rPr lang="en-US" dirty="0"/>
-            </a:br>
-            <a:r>
-              <a:rPr lang="en-US" dirty="0"/>
-              <a:t>(&lt; 20 </a:t>
-            </a:r>
-            <a:r>
-              <a:rPr lang="en-US" dirty="0" err="1"/>
-              <a:t>phút</a:t>
-            </a:r>
-            <a:r>
-              <a:rPr lang="en-US" dirty="0"/>
-              <a:t>)</a:t>
-            </a:r>
-            <a:endParaRPr lang="vi-VN" dirty="0"/>
-          </a:p>
-          <a:p>
+              <a:t>ại</a:t>
+            </a:r>
             <a:r>
               <a:rPr lang="vi-VN" dirty="0"/>
-              <a:t>Không đủ khả năng </a:t>
-            </a:r>
-            <a:r>
-              <a:rPr lang="en-US" dirty="0" err="1"/>
-              <a:t>thử</a:t>
-            </a:r>
-            <a:r>
-              <a:rPr lang="en-US" dirty="0"/>
-              <a:t> </a:t>
-            </a:r>
-            <a:r>
-              <a:rPr lang="en-US" dirty="0" err="1"/>
-              <a:t>nghiệm</a:t>
+              <a:t> lớp có số lượng ít như "xe“</a:t>
             </a:r>
             <a:r>
               <a:rPr lang="en-US" dirty="0"/>
@@ -13789,16 +15551,83 @@
             </a:r>
             <a:r>
               <a:rPr lang="vi-VN" dirty="0"/>
-              <a:t>toàn bộ dữ liệu do thời gian xử lý khá lâu</a:t>
+              <a:t>dự đoán </a:t>
+            </a:r>
+            <a:r>
+              <a:rPr lang="en-US" dirty="0" err="1"/>
+              <a:t>chỉ</a:t>
+            </a:r>
+            <a:r>
+              <a:rPr lang="en-US" dirty="0"/>
+              <a:t> </a:t>
+            </a:r>
+            <a:r>
+              <a:rPr lang="en-US" dirty="0" err="1"/>
+              <a:t>kém</a:t>
+            </a:r>
+            <a:r>
+              <a:rPr lang="en-US" dirty="0"/>
+              <a:t> neuron network </a:t>
+            </a:r>
+            <a:r>
+              <a:rPr lang="en-US" dirty="0" err="1"/>
+              <a:t>thuần</a:t>
             </a:r>
             <a:endParaRPr lang="en-US" dirty="0"/>
           </a:p>
         </p:txBody>
       </p:sp>
+      <p:pic>
+        <p:nvPicPr>
+          <p:cNvPr id="13314" name="Picture 2">
+            <a:extLst>
+              <a:ext uri="{FF2B5EF4-FFF2-40B4-BE49-F238E27FC236}">
+                <a16:creationId xmlns:a16="http://schemas.microsoft.com/office/drawing/2014/main" id="{483FD499-2919-495B-A0B6-A97BF8AA560D}"/>
+              </a:ext>
+            </a:extLst>
+          </p:cNvPr>
+          <p:cNvPicPr>
+            <a:picLocks noChangeAspect="1" noChangeArrowheads="1"/>
+          </p:cNvPicPr>
+          <p:nvPr/>
+        </p:nvPicPr>
+        <p:blipFill>
+          <a:blip r:embed="rId2">
+            <a:extLst>
+              <a:ext uri="{28A0092B-C50C-407E-A947-70E740481C1C}">
+                <a14:useLocalDpi xmlns:a14="http://schemas.microsoft.com/office/drawing/2010/main" val="0"/>
+              </a:ext>
+            </a:extLst>
+          </a:blip>
+          <a:srcRect/>
+          <a:stretch>
+            <a:fillRect/>
+          </a:stretch>
+        </p:blipFill>
+        <p:spPr bwMode="auto">
+          <a:xfrm>
+            <a:off x="4035627" y="0"/>
+            <a:ext cx="7926387" cy="6858000"/>
+          </a:xfrm>
+          <a:prstGeom prst="rect">
+            <a:avLst/>
+          </a:prstGeom>
+          <a:noFill/>
+          <a:extLst>
+            <a:ext uri="{909E8E84-426E-40DD-AFC4-6F175D3DCCD1}">
+              <a14:hiddenFill xmlns:a14="http://schemas.microsoft.com/office/drawing/2010/main">
+                <a:solidFill>
+                  <a:srgbClr val="FFFFFF"/>
+                </a:solidFill>
+              </a14:hiddenFill>
+            </a:ext>
+          </a:extLst>
+        </p:spPr>
+      </p:pic>
     </p:spTree>
     <p:extLst>
       <p:ext uri="{BB962C8B-B14F-4D97-AF65-F5344CB8AC3E}">
-        <p14:creationId xmlns:p14="http://schemas.microsoft.com/office/powerpoint/2010/main" val="3473368064"/>
+        <p14:creationId xmlns:p14="http://schemas.microsoft.com/office/powerpoint/2010/main" val="3052768704"/>
       </p:ext>
     </p:extLst>
   </p:cSld>
@@ -13848,52 +15677,15 @@
           <a:p>
             <a:pPr algn="ctr"/>
             <a:r>
-              <a:rPr lang="en-US" dirty="0" err="1"/>
-              <a:t>Đánh</a:t>
-            </a:r>
-            <a:r>
-              <a:rPr lang="en-US" dirty="0"/>
-              <a:t> </a:t>
-            </a:r>
-            <a:r>
-              <a:rPr lang="en-US" dirty="0" err="1"/>
-              <a:t>giá</a:t>
-            </a:r>
-            <a:r>
-              <a:rPr lang="en-US" dirty="0"/>
-              <a:t> </a:t>
-            </a:r>
-            <a:r>
-              <a:rPr lang="en-US" dirty="0" err="1"/>
-              <a:t>đồ</a:t>
-            </a:r>
-            <a:r>
-              <a:rPr lang="en-US" dirty="0"/>
-              <a:t> </a:t>
-            </a:r>
-            <a:r>
-              <a:rPr lang="en-US" dirty="0" err="1"/>
-              <a:t>án</a:t>
-            </a:r>
-            <a:r>
-              <a:rPr lang="en-US" dirty="0"/>
-              <a:t> (</a:t>
-            </a:r>
-            <a:r>
-              <a:rPr lang="en-US" dirty="0" err="1"/>
-              <a:t>chiêm</a:t>
-            </a:r>
-            <a:r>
-              <a:rPr lang="en-US" dirty="0"/>
-              <a:t> </a:t>
-            </a:r>
-            <a:r>
-              <a:rPr lang="en-US" dirty="0" err="1"/>
-              <a:t>nghiệm</a:t>
-            </a:r>
-            <a:r>
-              <a:rPr lang="en-US" dirty="0"/>
-              <a:t>)</a:t>
+              <a:rPr lang="en-US" dirty="0"/>
+              <a:t>Bagging Neuron Network</a:t>
+            </a:r>
+            <a:br>
+              <a:rPr lang="en-US" dirty="0"/>
+            </a:br>
+            <a:r>
+              <a:rPr lang="en-US" dirty="0"/>
+              <a:t>(5% data)</a:t>
             </a:r>
             <a:endParaRPr lang="vi-VN" dirty="0"/>
           </a:p>
@@ -13922,57 +15714,192 @@
           </a:bodyPr>
           <a:lstStyle/>
           <a:p>
+            <a:r>
+              <a:rPr lang="en-US" dirty="0"/>
+              <a:t>T</a:t>
+            </a:r>
+            <a:r>
+              <a:rPr lang="vi-VN" dirty="0"/>
+              <a:t>ốc độ chạy chậm gấp đôi so với </a:t>
+            </a:r>
+            <a:r>
+              <a:rPr lang="vi-VN" dirty="0" err="1"/>
+              <a:t>neuron</a:t>
+            </a:r>
+            <a:r>
+              <a:rPr lang="vi-VN" dirty="0"/>
+              <a:t> </a:t>
+            </a:r>
+            <a:r>
+              <a:rPr lang="vi-VN" dirty="0" err="1"/>
+              <a:t>network</a:t>
+            </a:r>
+            <a:r>
+              <a:rPr lang="vi-VN" dirty="0"/>
+              <a:t> trước nhưng lại</a:t>
+            </a:r>
+            <a:r>
+              <a:rPr lang="en-US" dirty="0"/>
+              <a:t> </a:t>
+            </a:r>
+            <a:r>
+              <a:rPr lang="vi-VN" dirty="0"/>
+              <a:t>cho độ chính xác cao ngang mô hình </a:t>
+            </a:r>
+            <a:r>
+              <a:rPr lang="vi-VN" dirty="0" err="1"/>
+              <a:t>logistic</a:t>
+            </a:r>
+            <a:endParaRPr lang="en-US" dirty="0"/>
+          </a:p>
+          <a:p>
+            <a:r>
+              <a:rPr lang="en-US" dirty="0"/>
+              <a:t>T</a:t>
+            </a:r>
+            <a:r>
+              <a:rPr lang="vi-VN" dirty="0" err="1"/>
+              <a:t>ại</a:t>
+            </a:r>
+            <a:r>
+              <a:rPr lang="vi-VN" dirty="0"/>
+              <a:t> lớp có số lượng ít như "xe“</a:t>
+            </a:r>
+            <a:r>
+              <a:rPr lang="en-US" dirty="0"/>
+              <a:t> </a:t>
+            </a:r>
+            <a:r>
+              <a:rPr lang="vi-VN" dirty="0"/>
+              <a:t>dự đoán </a:t>
+            </a:r>
+            <a:r>
+              <a:rPr lang="en-US" dirty="0" err="1"/>
+              <a:t>chỉ</a:t>
+            </a:r>
+            <a:r>
+              <a:rPr lang="en-US" dirty="0"/>
+              <a:t> </a:t>
+            </a:r>
+            <a:r>
+              <a:rPr lang="en-US" dirty="0" err="1"/>
+              <a:t>kém</a:t>
+            </a:r>
+            <a:r>
+              <a:rPr lang="en-US" dirty="0"/>
+              <a:t> neuron network </a:t>
+            </a:r>
+            <a:r>
+              <a:rPr lang="en-US" dirty="0" err="1"/>
+              <a:t>thuần</a:t>
+            </a:r>
+            <a:endParaRPr lang="vi-VN" dirty="0"/>
+          </a:p>
+          <a:p>
             <a:pPr marL="0" indent="0">
               <a:buNone/>
             </a:pPr>
             <a:r>
+              <a:rPr lang="en-US" dirty="0">
+                <a:latin typeface="Montserrat" panose="00000500000000000000" pitchFamily="2" charset="0"/>
+              </a:rPr>
+              <a:t>▷ </a:t>
+            </a:r>
+            <a:r>
+              <a:rPr lang="en-US" dirty="0"/>
+              <a:t>B</a:t>
+            </a:r>
+            <a:r>
+              <a:rPr lang="vi-VN" dirty="0" err="1"/>
+              <a:t>agging</a:t>
+            </a:r>
+            <a:r>
               <a:rPr lang="vi-VN" dirty="0"/>
-              <a:t>Chưa tốt</a:t>
-            </a:r>
-            <a:r>
-              <a:rPr lang="en-US" dirty="0"/>
-              <a:t> 🙃</a:t>
-            </a:r>
-            <a:endParaRPr lang="vi-VN" dirty="0"/>
-          </a:p>
-          <a:p>
+              <a:t> biến bất lợi của </a:t>
+            </a:r>
+            <a:r>
+              <a:rPr lang="vi-VN" dirty="0" err="1"/>
+              <a:t>neuron</a:t>
+            </a:r>
             <a:r>
               <a:rPr lang="vi-VN" dirty="0"/>
-              <a:t>Thời gian làm khá gấp rút do suy nghĩ đề tài muộn</a:t>
-            </a:r>
-          </a:p>
-          <a:p>
+              <a:t> </a:t>
+            </a:r>
+            <a:r>
+              <a:rPr lang="vi-VN" dirty="0" err="1"/>
+              <a:t>network</a:t>
+            </a:r>
             <a:r>
               <a:rPr lang="vi-VN" dirty="0"/>
-              <a:t>Không hoàn thành sớm </a:t>
-            </a:r>
-            <a:r>
-              <a:rPr lang="en-US" dirty="0" err="1"/>
-              <a:t>được</a:t>
+              <a:t> </a:t>
+            </a:r>
+            <a:r>
+              <a:rPr lang="en-US" dirty="0" err="1"/>
+              <a:t>trong</a:t>
+            </a:r>
+            <a:r>
+              <a:rPr lang="en-US" dirty="0"/>
+              <a:t> </a:t>
+            </a:r>
+            <a:r>
+              <a:rPr lang="en-US" dirty="0" err="1"/>
+              <a:t>trường</a:t>
+            </a:r>
+            <a:r>
+              <a:rPr lang="en-US" dirty="0"/>
+              <a:t> </a:t>
+            </a:r>
+            <a:r>
+              <a:rPr lang="en-US" dirty="0" err="1"/>
+              <a:t>hợp</a:t>
+            </a:r>
+            <a:r>
+              <a:rPr lang="en-US" dirty="0"/>
+              <a:t> </a:t>
+            </a:r>
+            <a:r>
+              <a:rPr lang="en-US" dirty="0" err="1"/>
+              <a:t>này</a:t>
+            </a:r>
+            <a:r>
+              <a:rPr lang="en-US" dirty="0"/>
+              <a:t> </a:t>
             </a:r>
             <a:r>
               <a:rPr lang="vi-VN" dirty="0"/>
-              <a:t> đồ án</a:t>
-            </a:r>
-          </a:p>
-          <a:p>
+              <a:t>là dễ bị </a:t>
+            </a:r>
+            <a:r>
+              <a:rPr lang="vi-VN" dirty="0" err="1"/>
+              <a:t>overfit</a:t>
+            </a:r>
             <a:r>
               <a:rPr lang="vi-VN" dirty="0"/>
-              <a:t>Không tìm được nguồn dữ liệu chuyên cho đề tài của nhóm</a:t>
-            </a:r>
-          </a:p>
-          <a:p>
+              <a:t> khi dữ liệu ít thành lợi thế.</a:t>
+            </a:r>
+            <a:endParaRPr lang="en-US" dirty="0"/>
+          </a:p>
+          <a:p>
+            <a:pPr marL="0" indent="0">
+              <a:buNone/>
+            </a:pPr>
+            <a:r>
+              <a:rPr lang="en-US" dirty="0">
+                <a:latin typeface="Montserrat" panose="00000500000000000000" pitchFamily="2" charset="0"/>
+              </a:rPr>
+              <a:t>▷ </a:t>
+            </a:r>
+            <a:r>
+              <a:rPr lang="en-US" dirty="0"/>
+              <a:t>L</a:t>
+            </a:r>
+            <a:r>
+              <a:rPr lang="vi-VN" dirty="0" err="1"/>
+              <a:t>ớp</a:t>
+            </a:r>
             <a:r>
               <a:rPr lang="vi-VN" dirty="0"/>
-              <a:t>Chưa có </a:t>
-            </a:r>
-            <a:r>
-              <a:rPr lang="vi-VN" dirty="0" err="1"/>
-              <a:t>pipeline</a:t>
-            </a:r>
-            <a:r>
-              <a:rPr lang="vi-VN" dirty="0"/>
-              <a:t> tổng quát.</a:t>
+              <a:t> có số mẫu rất thấp như là "xe" được dự đoán tốt hơn, những lớp còn lại vẫn giữ được khả năng dự đoán chứ không bị giảm đi</a:t>
             </a:r>
             <a:endParaRPr lang="en-US" dirty="0"/>
           </a:p>
@@ -13981,7 +15908,7 @@
     </p:spTree>
     <p:extLst>
       <p:ext uri="{BB962C8B-B14F-4D97-AF65-F5344CB8AC3E}">
-        <p14:creationId xmlns:p14="http://schemas.microsoft.com/office/powerpoint/2010/main" val="3068223525"/>
+        <p14:creationId xmlns:p14="http://schemas.microsoft.com/office/powerpoint/2010/main" val="2187135573"/>
       </p:ext>
     </p:extLst>
   </p:cSld>
@@ -14032,39 +15959,47 @@
             <a:pPr algn="ctr"/>
             <a:r>
               <a:rPr lang="en-US" dirty="0" err="1"/>
-              <a:t>Đánh</a:t>
-            </a:r>
-            <a:r>
-              <a:rPr lang="en-US" dirty="0"/>
-              <a:t> </a:t>
-            </a:r>
-            <a:r>
-              <a:rPr lang="en-US" dirty="0" err="1"/>
-              <a:t>giá</a:t>
-            </a:r>
-            <a:r>
-              <a:rPr lang="en-US" dirty="0"/>
-              <a:t> </a:t>
-            </a:r>
-            <a:r>
-              <a:rPr lang="en-US" dirty="0" err="1"/>
-              <a:t>đồ</a:t>
-            </a:r>
-            <a:r>
-              <a:rPr lang="en-US" dirty="0"/>
-              <a:t> </a:t>
-            </a:r>
-            <a:r>
-              <a:rPr lang="en-US" dirty="0" err="1"/>
-              <a:t>án</a:t>
-            </a:r>
-            <a:r>
-              <a:rPr lang="en-US" dirty="0"/>
-              <a:t> (</a:t>
-            </a:r>
-            <a:r>
-              <a:rPr lang="en-US" dirty="0" err="1"/>
-              <a:t>chiêm</a:t>
+              <a:t>Xây</a:t>
+            </a:r>
+            <a:r>
+              <a:rPr lang="en-US" dirty="0"/>
+              <a:t> </a:t>
+            </a:r>
+            <a:r>
+              <a:rPr lang="en-US" dirty="0" err="1"/>
+              <a:t>dựng</a:t>
+            </a:r>
+            <a:r>
+              <a:rPr lang="en-US" dirty="0"/>
+              <a:t> </a:t>
+            </a:r>
+            <a:r>
+              <a:rPr lang="en-US" dirty="0" err="1"/>
+              <a:t>mô</a:t>
+            </a:r>
+            <a:r>
+              <a:rPr lang="en-US" dirty="0"/>
+              <a:t> </a:t>
+            </a:r>
+            <a:r>
+              <a:rPr lang="en-US" dirty="0" err="1"/>
+              <a:t>hình</a:t>
+            </a:r>
+            <a:r>
+              <a:rPr lang="en-US" dirty="0"/>
+              <a:t> </a:t>
+            </a:r>
+            <a:r>
+              <a:rPr lang="en-US" dirty="0" err="1"/>
+              <a:t>và</a:t>
+            </a:r>
+            <a:r>
+              <a:rPr lang="en-US" dirty="0"/>
+              <a:t> </a:t>
+            </a:r>
+            <a:r>
+              <a:rPr lang="en-US" dirty="0" err="1"/>
+              <a:t>thử</a:t>
             </a:r>
             <a:r>
               <a:rPr lang="en-US" dirty="0"/>
@@ -14073,10 +16008,6 @@
             <a:r>
               <a:rPr lang="en-US" dirty="0" err="1"/>
               <a:t>nghiệm</a:t>
-            </a:r>
-            <a:r>
-              <a:rPr lang="en-US" dirty="0"/>
-              <a:t>)</a:t>
             </a:r>
             <a:endParaRPr lang="vi-VN" dirty="0"/>
           </a:p>
@@ -14098,75 +16029,50 @@
             <p:ph idx="1"/>
           </p:nvPr>
         </p:nvSpPr>
-        <p:spPr>
-          <a:xfrm>
-            <a:off x="838200" y="1825625"/>
-            <a:ext cx="10655300" cy="4351338"/>
-          </a:xfrm>
-        </p:spPr>
+        <p:spPr/>
         <p:txBody>
-          <a:bodyPr>
-            <a:normAutofit/>
-          </a:bodyPr>
+          <a:bodyPr/>
           <a:lstStyle/>
           <a:p>
-            <a:pPr marL="0" indent="0">
-              <a:buNone/>
-            </a:pPr>
-            <a:r>
-              <a:rPr lang="vi-VN" dirty="0"/>
-              <a:t>Tốt</a:t>
-            </a:r>
-            <a:r>
-              <a:rPr lang="en-US" dirty="0"/>
-              <a:t> 👍</a:t>
-            </a:r>
-            <a:endParaRPr lang="vi-VN" dirty="0"/>
-          </a:p>
-          <a:p>
-            <a:r>
-              <a:rPr lang="vi-VN" dirty="0"/>
-              <a:t>Thu thập được lượng lớn dữ liệu.</a:t>
-            </a:r>
-          </a:p>
-          <a:p>
-            <a:r>
-              <a:rPr lang="vi-VN" dirty="0"/>
-              <a:t>Có khả năng tìm hiểu được các kiến thức cần thiết.</a:t>
-            </a:r>
-          </a:p>
-          <a:p>
-            <a:r>
-              <a:rPr lang="en-US" dirty="0"/>
-              <a:t>P</a:t>
-            </a:r>
-            <a:r>
-              <a:rPr lang="vi-VN" dirty="0"/>
-              <a:t>hân chi</a:t>
-            </a:r>
-            <a:r>
-              <a:rPr lang="en-US" dirty="0"/>
-              <a:t>a</a:t>
-            </a:r>
-            <a:r>
-              <a:rPr lang="vi-VN" dirty="0"/>
-              <a:t> ra các quy trình khoa học dữ liệu riêng biệt và phân công mỗi thành viên nắm một quy trình riêng chứ không </a:t>
-            </a:r>
-            <a:r>
-              <a:rPr lang="en-US" dirty="0" err="1"/>
-              <a:t>cùng</a:t>
-            </a:r>
-            <a:r>
-              <a:rPr lang="en-US" dirty="0"/>
-              <a:t> </a:t>
-            </a:r>
-            <a:r>
-              <a:rPr lang="en-US" dirty="0" err="1"/>
-              <a:t>làm</a:t>
-            </a:r>
-            <a:r>
-              <a:rPr lang="vi-VN" dirty="0"/>
-              <a:t> chung (phần này nhóm không biết là điều xấu hay điều tốt</a:t>
+            <a:r>
+              <a:rPr lang="en-US" dirty="0"/>
+              <a:t>Do </a:t>
+            </a:r>
+            <a:r>
+              <a:rPr lang="en-US" dirty="0" err="1"/>
+              <a:t>khối</a:t>
+            </a:r>
+            <a:r>
+              <a:rPr lang="en-US" dirty="0"/>
+              <a:t> </a:t>
+            </a:r>
+            <a:r>
+              <a:rPr lang="en-US" dirty="0" err="1"/>
+              <a:t>lượng</a:t>
+            </a:r>
+            <a:r>
+              <a:rPr lang="en-US" dirty="0"/>
+              <a:t> </a:t>
+            </a:r>
+            <a:r>
+              <a:rPr lang="en-US" dirty="0" err="1"/>
+              <a:t>dữ</a:t>
+            </a:r>
+            <a:r>
+              <a:rPr lang="en-US" dirty="0"/>
+              <a:t> </a:t>
+            </a:r>
+            <a:r>
+              <a:rPr lang="en-US" dirty="0" err="1"/>
+              <a:t>liệu</a:t>
+            </a:r>
+            <a:r>
+              <a:rPr lang="en-US" dirty="0"/>
+              <a:t> </a:t>
+            </a:r>
+            <a:r>
+              <a:rPr lang="en-US" dirty="0" err="1"/>
+              <a:t>lớn</a:t>
             </a:r>
             <a:r>
               <a:rPr lang="en-US" dirty="0"/>
@@ -14174,71 +16080,258 @@
             </a:r>
             <a:r>
               <a:rPr lang="en-US" dirty="0" err="1"/>
-              <a:t>nhưng</a:t>
-            </a:r>
-            <a:r>
-              <a:rPr lang="en-US" dirty="0"/>
-              <a:t> </a:t>
-            </a:r>
-            <a:r>
-              <a:rPr lang="en-US" dirty="0" err="1"/>
-              <a:t>nhóm</a:t>
-            </a:r>
-            <a:r>
-              <a:rPr lang="en-US" dirty="0"/>
-              <a:t> </a:t>
-            </a:r>
-            <a:r>
-              <a:rPr lang="en-US" dirty="0" err="1"/>
-              <a:t>nghĩ</a:t>
-            </a:r>
-            <a:r>
-              <a:rPr lang="en-US" dirty="0"/>
-              <a:t> </a:t>
-            </a:r>
-            <a:r>
-              <a:rPr lang="en-US" dirty="0" err="1"/>
-              <a:t>khả</a:t>
-            </a:r>
-            <a:r>
-              <a:rPr lang="en-US" dirty="0"/>
-              <a:t> </a:t>
-            </a:r>
-            <a:r>
-              <a:rPr lang="en-US" dirty="0" err="1"/>
-              <a:t>năng</a:t>
-            </a:r>
-            <a:r>
-              <a:rPr lang="en-US" dirty="0"/>
-              <a:t> </a:t>
-            </a:r>
-            <a:r>
-              <a:rPr lang="en-US" dirty="0" err="1"/>
-              <a:t>cao</a:t>
-            </a:r>
-            <a:r>
-              <a:rPr lang="en-US" dirty="0"/>
-              <a:t> </a:t>
-            </a:r>
-            <a:r>
-              <a:rPr lang="en-US" dirty="0" err="1"/>
-              <a:t>là</a:t>
-            </a:r>
-            <a:r>
-              <a:rPr lang="en-US" dirty="0"/>
-              <a:t> </a:t>
-            </a:r>
-            <a:r>
-              <a:rPr lang="en-US" dirty="0" err="1"/>
-              <a:t>tốt</a:t>
-            </a:r>
-            <a:r>
-              <a:rPr lang="en-US" dirty="0"/>
-              <a:t> 👍</a:t>
-            </a:r>
-            <a:r>
-              <a:rPr lang="vi-VN" dirty="0"/>
-              <a:t>).</a:t>
+              <a:t>không</a:t>
+            </a:r>
+            <a:r>
+              <a:rPr lang="en-US" dirty="0"/>
+              <a:t> </a:t>
+            </a:r>
+            <a:r>
+              <a:rPr lang="en-US" dirty="0" err="1"/>
+              <a:t>thể</a:t>
+            </a:r>
+            <a:r>
+              <a:rPr lang="en-US" dirty="0"/>
+              <a:t> </a:t>
+            </a:r>
+            <a:r>
+              <a:rPr lang="en-US" dirty="0" err="1"/>
+              <a:t>thử</a:t>
+            </a:r>
+            <a:r>
+              <a:rPr lang="en-US" dirty="0"/>
+              <a:t> </a:t>
+            </a:r>
+            <a:r>
+              <a:rPr lang="en-US" dirty="0" err="1"/>
+              <a:t>nghiệm</a:t>
+            </a:r>
+            <a:r>
+              <a:rPr lang="en-US" dirty="0"/>
+              <a:t> </a:t>
+            </a:r>
+            <a:r>
+              <a:rPr lang="en-US" dirty="0" err="1"/>
+              <a:t>được</a:t>
+            </a:r>
+            <a:r>
+              <a:rPr lang="en-US" dirty="0"/>
+              <a:t> </a:t>
+            </a:r>
+            <a:r>
+              <a:rPr lang="en-US" dirty="0" err="1"/>
+              <a:t>mô</a:t>
+            </a:r>
+            <a:r>
+              <a:rPr lang="en-US" dirty="0"/>
+              <a:t> </a:t>
+            </a:r>
+            <a:r>
+              <a:rPr lang="en-US" dirty="0" err="1"/>
+              <a:t>hình</a:t>
+            </a:r>
+            <a:r>
+              <a:rPr lang="en-US" dirty="0"/>
+              <a:t> </a:t>
+            </a:r>
+            <a:r>
+              <a:rPr lang="en-US" dirty="0" err="1"/>
+              <a:t>học</a:t>
+            </a:r>
+            <a:r>
+              <a:rPr lang="en-US" dirty="0"/>
+              <a:t> SVM </a:t>
+            </a:r>
+            <a:r>
+              <a:rPr lang="en-US" dirty="0" err="1"/>
+              <a:t>cũng</a:t>
+            </a:r>
+            <a:r>
+              <a:rPr lang="en-US" dirty="0"/>
+              <a:t> </a:t>
+            </a:r>
+            <a:r>
+              <a:rPr lang="en-US" dirty="0" err="1"/>
+              <a:t>như</a:t>
+            </a:r>
+            <a:r>
+              <a:rPr lang="en-US" dirty="0"/>
+              <a:t> </a:t>
+            </a:r>
+            <a:r>
+              <a:rPr lang="en-US" dirty="0" err="1"/>
+              <a:t>thử</a:t>
+            </a:r>
+            <a:r>
+              <a:rPr lang="en-US" dirty="0"/>
+              <a:t> </a:t>
+            </a:r>
+            <a:r>
+              <a:rPr lang="en-US" dirty="0" err="1"/>
+              <a:t>nghiệm</a:t>
+            </a:r>
+            <a:r>
+              <a:rPr lang="en-US" dirty="0"/>
+              <a:t> </a:t>
+            </a:r>
+            <a:r>
+              <a:rPr lang="en-US" dirty="0" err="1"/>
+              <a:t>nhiều</a:t>
+            </a:r>
+            <a:r>
+              <a:rPr lang="en-US" dirty="0"/>
+              <a:t> </a:t>
+            </a:r>
+            <a:r>
+              <a:rPr lang="en-US" dirty="0" err="1"/>
+              <a:t>siêu</a:t>
+            </a:r>
+            <a:r>
+              <a:rPr lang="en-US" dirty="0"/>
+              <a:t> </a:t>
+            </a:r>
+            <a:r>
+              <a:rPr lang="en-US" dirty="0" err="1"/>
+              <a:t>tham</a:t>
+            </a:r>
+            <a:r>
+              <a:rPr lang="en-US" dirty="0"/>
+              <a:t> </a:t>
+            </a:r>
+            <a:r>
+              <a:rPr lang="en-US" dirty="0" err="1"/>
+              <a:t>số</a:t>
+            </a:r>
+            <a:r>
+              <a:rPr lang="en-US" dirty="0"/>
+              <a:t> </a:t>
+            </a:r>
+            <a:r>
+              <a:rPr lang="en-US" dirty="0" err="1"/>
+              <a:t>khác</a:t>
+            </a:r>
+            <a:r>
+              <a:rPr lang="en-US" dirty="0"/>
+              <a:t> </a:t>
+            </a:r>
+            <a:r>
+              <a:rPr lang="en-US" dirty="0" err="1"/>
+              <a:t>nhau</a:t>
+            </a:r>
+            <a:r>
+              <a:rPr lang="en-US" dirty="0"/>
+              <a:t> </a:t>
+            </a:r>
+            <a:r>
+              <a:rPr lang="en-US" dirty="0" err="1"/>
+              <a:t>của</a:t>
+            </a:r>
+            <a:r>
+              <a:rPr lang="en-US" dirty="0"/>
+              <a:t> </a:t>
+            </a:r>
+            <a:r>
+              <a:rPr lang="en-US" dirty="0" err="1"/>
+              <a:t>mô</a:t>
+            </a:r>
+            <a:r>
+              <a:rPr lang="en-US" dirty="0"/>
+              <a:t> </a:t>
+            </a:r>
+            <a:r>
+              <a:rPr lang="en-US" dirty="0" err="1"/>
+              <a:t>hình</a:t>
+            </a:r>
+            <a:r>
+              <a:rPr lang="en-US" dirty="0"/>
+              <a:t> Neuron Network</a:t>
+            </a:r>
+          </a:p>
+          <a:p>
+            <a:r>
+              <a:rPr lang="en-US" dirty="0" err="1"/>
+              <a:t>Chọn</a:t>
+            </a:r>
+            <a:r>
+              <a:rPr lang="en-US" dirty="0"/>
+              <a:t> 3 </a:t>
+            </a:r>
+            <a:r>
+              <a:rPr lang="en-US" dirty="0" err="1"/>
+              <a:t>mô</a:t>
+            </a:r>
+            <a:r>
+              <a:rPr lang="en-US" dirty="0"/>
+              <a:t> </a:t>
+            </a:r>
+            <a:r>
+              <a:rPr lang="en-US" dirty="0" err="1"/>
+              <a:t>hình</a:t>
+            </a:r>
+            <a:r>
+              <a:rPr lang="en-US" dirty="0"/>
+              <a:t> </a:t>
+            </a:r>
+            <a:r>
+              <a:rPr lang="en-US" dirty="0" err="1"/>
+              <a:t>từ</a:t>
+            </a:r>
+            <a:r>
+              <a:rPr lang="en-US" dirty="0"/>
+              <a:t> </a:t>
+            </a:r>
+            <a:r>
+              <a:rPr lang="en-US" dirty="0" err="1"/>
+              <a:t>các</a:t>
+            </a:r>
+            <a:r>
+              <a:rPr lang="en-US" dirty="0"/>
+              <a:t> </a:t>
+            </a:r>
+            <a:r>
+              <a:rPr lang="en-US" dirty="0" err="1"/>
+              <a:t>thử</a:t>
+            </a:r>
+            <a:r>
+              <a:rPr lang="en-US" dirty="0"/>
+              <a:t> </a:t>
+            </a:r>
+            <a:r>
+              <a:rPr lang="en-US" dirty="0" err="1"/>
+              <a:t>nghiệm</a:t>
+            </a:r>
+            <a:r>
+              <a:rPr lang="en-US" dirty="0"/>
+              <a:t> </a:t>
+            </a:r>
+            <a:r>
+              <a:rPr lang="en-US" dirty="0" err="1"/>
+              <a:t>trước</a:t>
+            </a:r>
+            <a:r>
+              <a:rPr lang="en-US" dirty="0"/>
+              <a:t>:</a:t>
+            </a:r>
+          </a:p>
+          <a:p>
+            <a:pPr lvl="1"/>
+            <a:r>
+              <a:rPr lang="en-US" dirty="0"/>
+              <a:t>Naive Bayes</a:t>
+            </a:r>
+          </a:p>
+          <a:p>
+            <a:pPr lvl="1"/>
+            <a:r>
+              <a:rPr lang="en-US" dirty="0"/>
+              <a:t>Logistic Regression</a:t>
+            </a:r>
+          </a:p>
+          <a:p>
+            <a:pPr lvl="1"/>
+            <a:r>
+              <a:rPr lang="en-US" dirty="0"/>
+              <a:t>Bagging Neuron Network</a:t>
             </a:r>
           </a:p>
         </p:txBody>
@@ -14246,7 +16339,7 @@
     </p:spTree>
     <p:extLst>
       <p:ext uri="{BB962C8B-B14F-4D97-AF65-F5344CB8AC3E}">
-        <p14:creationId xmlns:p14="http://schemas.microsoft.com/office/powerpoint/2010/main" val="2622201153"/>
+        <p14:creationId xmlns:p14="http://schemas.microsoft.com/office/powerpoint/2010/main" val="2144853111"/>
       </p:ext>
     </p:extLst>
   </p:cSld>
@@ -14602,6 +16695,3209 @@
 </file>
 
 <file path=ppt/slides/slide40.xml><?xml version="1.0" encoding="utf-8"?>
+<p:sld xmlns:a="http://schemas.openxmlformats.org/drawingml/2006/main" xmlns:r="http://schemas.openxmlformats.org/officeDocument/2006/relationships" xmlns:p="http://schemas.openxmlformats.org/presentationml/2006/main">
+  <p:cSld>
+    <p:spTree>
+      <p:nvGrpSpPr>
+        <p:cNvPr id="1" name=""/>
+        <p:cNvGrpSpPr/>
+        <p:nvPr/>
+      </p:nvGrpSpPr>
+      <p:grpSpPr>
+        <a:xfrm>
+          <a:off x="0" y="0"/>
+          <a:ext cx="0" cy="0"/>
+          <a:chOff x="0" y="0"/>
+          <a:chExt cx="0" cy="0"/>
+        </a:xfrm>
+      </p:grpSpPr>
+      <p:sp>
+        <p:nvSpPr>
+          <p:cNvPr id="2" name="Title 1">
+            <a:extLst>
+              <a:ext uri="{FF2B5EF4-FFF2-40B4-BE49-F238E27FC236}">
+                <a16:creationId xmlns:a16="http://schemas.microsoft.com/office/drawing/2014/main" id="{20A8FBFB-058F-473D-B2AF-96DCE3D33766}"/>
+              </a:ext>
+            </a:extLst>
+          </p:cNvPr>
+          <p:cNvSpPr>
+            <a:spLocks noGrp="1"/>
+          </p:cNvSpPr>
+          <p:nvPr>
+            <p:ph type="title"/>
+          </p:nvPr>
+        </p:nvSpPr>
+        <p:spPr/>
+        <p:txBody>
+          <a:bodyPr/>
+          <a:lstStyle/>
+          <a:p>
+            <a:pPr algn="ctr"/>
+            <a:r>
+              <a:rPr lang="en-US" dirty="0" err="1"/>
+              <a:t>Thử</a:t>
+            </a:r>
+            <a:r>
+              <a:rPr lang="en-US" dirty="0"/>
+              <a:t> </a:t>
+            </a:r>
+            <a:r>
+              <a:rPr lang="en-US" dirty="0" err="1"/>
+              <a:t>nghiệm</a:t>
+            </a:r>
+            <a:r>
+              <a:rPr lang="en-US" dirty="0"/>
+              <a:t> </a:t>
+            </a:r>
+            <a:r>
+              <a:rPr lang="en-US" dirty="0" err="1"/>
+              <a:t>toàn</a:t>
+            </a:r>
+            <a:r>
+              <a:rPr lang="en-US" dirty="0"/>
+              <a:t> </a:t>
+            </a:r>
+            <a:r>
+              <a:rPr lang="en-US" dirty="0" err="1"/>
+              <a:t>dữ</a:t>
+            </a:r>
+            <a:r>
+              <a:rPr lang="en-US" dirty="0"/>
+              <a:t> </a:t>
+            </a:r>
+            <a:r>
+              <a:rPr lang="en-US" dirty="0" err="1"/>
+              <a:t>liệu</a:t>
+            </a:r>
+            <a:br>
+              <a:rPr lang="en-US" dirty="0"/>
+            </a:br>
+            <a:r>
+              <a:rPr lang="en-US" dirty="0"/>
+              <a:t>(có chia </a:t>
+            </a:r>
+            <a:r>
+              <a:rPr lang="en-US" dirty="0" err="1"/>
+              <a:t>tập</a:t>
+            </a:r>
+            <a:r>
+              <a:rPr lang="en-US" dirty="0"/>
+              <a:t> </a:t>
+            </a:r>
+            <a:r>
+              <a:rPr lang="en-US" dirty="0" err="1"/>
+              <a:t>tỉ</a:t>
+            </a:r>
+            <a:r>
+              <a:rPr lang="en-US" dirty="0"/>
+              <a:t> </a:t>
+            </a:r>
+            <a:r>
+              <a:rPr lang="en-US" dirty="0" err="1"/>
+              <a:t>lệ</a:t>
+            </a:r>
+            <a:r>
+              <a:rPr lang="en-US" dirty="0"/>
+              <a:t> 70/30)</a:t>
+            </a:r>
+            <a:endParaRPr lang="vi-VN" dirty="0"/>
+          </a:p>
+        </p:txBody>
+      </p:sp>
+      <p:graphicFrame>
+        <p:nvGraphicFramePr>
+          <p:cNvPr id="4" name="Table 4">
+            <a:extLst>
+              <a:ext uri="{FF2B5EF4-FFF2-40B4-BE49-F238E27FC236}">
+                <a16:creationId xmlns:a16="http://schemas.microsoft.com/office/drawing/2014/main" id="{6ADE5E3E-B409-498B-8476-9B99DC1DCB20}"/>
+              </a:ext>
+            </a:extLst>
+          </p:cNvPr>
+          <p:cNvGraphicFramePr>
+            <a:graphicFrameLocks noGrp="1"/>
+          </p:cNvGraphicFramePr>
+          <p:nvPr>
+            <p:ph idx="1"/>
+            <p:extLst>
+              <p:ext uri="{D42A27DB-BD31-4B8C-83A1-F6EECF244321}">
+                <p14:modId xmlns:p14="http://schemas.microsoft.com/office/powerpoint/2010/main" val="3570741697"/>
+              </p:ext>
+            </p:extLst>
+          </p:nvPr>
+        </p:nvGraphicFramePr>
+        <p:xfrm>
+          <a:off x="838200" y="1825625"/>
+          <a:ext cx="10515600" cy="1622771"/>
+        </p:xfrm>
+        <a:graphic>
+          <a:graphicData uri="http://schemas.openxmlformats.org/drawingml/2006/table">
+            <a:tbl>
+              <a:tblPr firstRow="1" bandRow="1">
+                <a:tableStyleId>{5C22544A-7EE6-4342-B048-85BDC9FD1C3A}</a:tableStyleId>
+              </a:tblPr>
+              <a:tblGrid>
+                <a:gridCol w="2628900">
+                  <a:extLst>
+                    <a:ext uri="{9D8B030D-6E8A-4147-A177-3AD203B41FA5}">
+                      <a16:colId xmlns:a16="http://schemas.microsoft.com/office/drawing/2014/main" val="708713783"/>
+                    </a:ext>
+                  </a:extLst>
+                </a:gridCol>
+                <a:gridCol w="2628900">
+                  <a:extLst>
+                    <a:ext uri="{9D8B030D-6E8A-4147-A177-3AD203B41FA5}">
+                      <a16:colId xmlns:a16="http://schemas.microsoft.com/office/drawing/2014/main" val="593554150"/>
+                    </a:ext>
+                  </a:extLst>
+                </a:gridCol>
+                <a:gridCol w="2628900">
+                  <a:extLst>
+                    <a:ext uri="{9D8B030D-6E8A-4147-A177-3AD203B41FA5}">
+                      <a16:colId xmlns:a16="http://schemas.microsoft.com/office/drawing/2014/main" val="3890729277"/>
+                    </a:ext>
+                  </a:extLst>
+                </a:gridCol>
+                <a:gridCol w="2628900">
+                  <a:extLst>
+                    <a:ext uri="{9D8B030D-6E8A-4147-A177-3AD203B41FA5}">
+                      <a16:colId xmlns:a16="http://schemas.microsoft.com/office/drawing/2014/main" val="3058670646"/>
+                    </a:ext>
+                  </a:extLst>
+                </a:gridCol>
+              </a:tblGrid>
+              <a:tr h="510251">
+                <a:tc>
+                  <a:txBody>
+                    <a:bodyPr/>
+                    <a:lstStyle/>
+                    <a:p>
+                      <a:endParaRPr lang="vi-VN" dirty="0">
+                        <a:latin typeface="Lexend Deca" pitchFamily="2" charset="0"/>
+                        <a:cs typeface="Lexend Deca" pitchFamily="2" charset="0"/>
+                      </a:endParaRPr>
+                    </a:p>
+                  </a:txBody>
+                  <a:tcPr/>
+                </a:tc>
+                <a:tc>
+                  <a:txBody>
+                    <a:bodyPr/>
+                    <a:lstStyle/>
+                    <a:p>
+                      <a:pPr algn="ctr"/>
+                      <a:r>
+                        <a:rPr lang="en-US" dirty="0">
+                          <a:latin typeface="Lexend Deca" pitchFamily="2" charset="0"/>
+                          <a:cs typeface="Lexend Deca" pitchFamily="2" charset="0"/>
+                        </a:rPr>
+                        <a:t>Naive Bayes</a:t>
+                      </a:r>
+                      <a:endParaRPr lang="vi-VN" dirty="0">
+                        <a:latin typeface="Lexend Deca" pitchFamily="2" charset="0"/>
+                        <a:cs typeface="Lexend Deca" pitchFamily="2" charset="0"/>
+                      </a:endParaRPr>
+                    </a:p>
+                  </a:txBody>
+                  <a:tcPr anchor="ctr"/>
+                </a:tc>
+                <a:tc>
+                  <a:txBody>
+                    <a:bodyPr/>
+                    <a:lstStyle/>
+                    <a:p>
+                      <a:pPr algn="ctr"/>
+                      <a:r>
+                        <a:rPr lang="en-US" dirty="0">
+                          <a:latin typeface="Lexend Deca" pitchFamily="2" charset="0"/>
+                          <a:cs typeface="Lexend Deca" pitchFamily="2" charset="0"/>
+                        </a:rPr>
+                        <a:t>Logistic Regression</a:t>
+                      </a:r>
+                      <a:endParaRPr lang="vi-VN" dirty="0">
+                        <a:latin typeface="Lexend Deca" pitchFamily="2" charset="0"/>
+                        <a:cs typeface="Lexend Deca" pitchFamily="2" charset="0"/>
+                      </a:endParaRPr>
+                    </a:p>
+                  </a:txBody>
+                  <a:tcPr anchor="ctr"/>
+                </a:tc>
+                <a:tc>
+                  <a:txBody>
+                    <a:bodyPr/>
+                    <a:lstStyle/>
+                    <a:p>
+                      <a:pPr algn="ctr"/>
+                      <a:r>
+                        <a:rPr lang="en-US" dirty="0">
+                          <a:latin typeface="Lexend Deca" pitchFamily="2" charset="0"/>
+                          <a:cs typeface="Lexend Deca" pitchFamily="2" charset="0"/>
+                        </a:rPr>
+                        <a:t>Bagging NN</a:t>
+                      </a:r>
+                      <a:endParaRPr lang="vi-VN" dirty="0">
+                        <a:latin typeface="Lexend Deca" pitchFamily="2" charset="0"/>
+                        <a:cs typeface="Lexend Deca" pitchFamily="2" charset="0"/>
+                      </a:endParaRPr>
+                    </a:p>
+                  </a:txBody>
+                  <a:tcPr anchor="ctr"/>
+                </a:tc>
+                <a:extLst>
+                  <a:ext uri="{0D108BD9-81ED-4DB2-BD59-A6C34878D82A}">
+                    <a16:rowId xmlns:a16="http://schemas.microsoft.com/office/drawing/2014/main" val="2364254512"/>
+                  </a:ext>
+                </a:extLst>
+              </a:tr>
+              <a:tr h="370840">
+                <a:tc>
+                  <a:txBody>
+                    <a:bodyPr/>
+                    <a:lstStyle/>
+                    <a:p>
+                      <a:r>
+                        <a:rPr lang="en-US" dirty="0" err="1">
+                          <a:solidFill>
+                            <a:schemeClr val="bg1"/>
+                          </a:solidFill>
+                          <a:latin typeface="Lexend Deca" pitchFamily="2" charset="0"/>
+                          <a:cs typeface="Lexend Deca" pitchFamily="2" charset="0"/>
+                        </a:rPr>
+                        <a:t>Thời</a:t>
+                      </a:r>
+                      <a:r>
+                        <a:rPr lang="en-US" dirty="0">
+                          <a:solidFill>
+                            <a:schemeClr val="bg1"/>
+                          </a:solidFill>
+                          <a:latin typeface="Lexend Deca" pitchFamily="2" charset="0"/>
+                          <a:cs typeface="Lexend Deca" pitchFamily="2" charset="0"/>
+                        </a:rPr>
+                        <a:t> </a:t>
+                      </a:r>
+                      <a:r>
+                        <a:rPr lang="en-US" dirty="0" err="1">
+                          <a:solidFill>
+                            <a:schemeClr val="bg1"/>
+                          </a:solidFill>
+                          <a:latin typeface="Lexend Deca" pitchFamily="2" charset="0"/>
+                          <a:cs typeface="Lexend Deca" pitchFamily="2" charset="0"/>
+                        </a:rPr>
+                        <a:t>gian</a:t>
+                      </a:r>
+                      <a:r>
+                        <a:rPr lang="en-US" dirty="0">
+                          <a:solidFill>
+                            <a:schemeClr val="bg1"/>
+                          </a:solidFill>
+                          <a:latin typeface="Lexend Deca" pitchFamily="2" charset="0"/>
+                          <a:cs typeface="Lexend Deca" pitchFamily="2" charset="0"/>
+                        </a:rPr>
+                        <a:t> </a:t>
+                      </a:r>
+                      <a:r>
+                        <a:rPr lang="en-US" dirty="0" err="1">
+                          <a:solidFill>
+                            <a:schemeClr val="bg1"/>
+                          </a:solidFill>
+                          <a:latin typeface="Lexend Deca" pitchFamily="2" charset="0"/>
+                          <a:cs typeface="Lexend Deca" pitchFamily="2" charset="0"/>
+                        </a:rPr>
+                        <a:t>chạy</a:t>
+                      </a:r>
+                      <a:endParaRPr lang="vi-VN" dirty="0">
+                        <a:solidFill>
+                          <a:schemeClr val="bg1"/>
+                        </a:solidFill>
+                        <a:latin typeface="Lexend Deca" pitchFamily="2" charset="0"/>
+                        <a:cs typeface="Lexend Deca" pitchFamily="2" charset="0"/>
+                      </a:endParaRPr>
+                    </a:p>
+                  </a:txBody>
+                  <a:tcPr>
+                    <a:solidFill>
+                      <a:schemeClr val="accent1"/>
+                    </a:solidFill>
+                  </a:tcPr>
+                </a:tc>
+                <a:tc>
+                  <a:txBody>
+                    <a:bodyPr/>
+                    <a:lstStyle/>
+                    <a:p>
+                      <a:pPr algn="ctr"/>
+                      <a:r>
+                        <a:rPr lang="en-US" dirty="0">
+                          <a:latin typeface="Lexend Deca" pitchFamily="2" charset="0"/>
+                          <a:cs typeface="Lexend Deca" pitchFamily="2" charset="0"/>
+                        </a:rPr>
+                        <a:t>2.6s</a:t>
+                      </a:r>
+                      <a:endParaRPr lang="vi-VN" dirty="0">
+                        <a:latin typeface="Lexend Deca" pitchFamily="2" charset="0"/>
+                        <a:cs typeface="Lexend Deca" pitchFamily="2" charset="0"/>
+                      </a:endParaRPr>
+                    </a:p>
+                  </a:txBody>
+                  <a:tcPr/>
+                </a:tc>
+                <a:tc>
+                  <a:txBody>
+                    <a:bodyPr/>
+                    <a:lstStyle/>
+                    <a:p>
+                      <a:pPr algn="ctr"/>
+                      <a:r>
+                        <a:rPr lang="en-US" dirty="0">
+                          <a:latin typeface="Lexend Deca" pitchFamily="2" charset="0"/>
+                          <a:cs typeface="Lexend Deca" pitchFamily="2" charset="0"/>
+                        </a:rPr>
+                        <a:t>3p08s</a:t>
+                      </a:r>
+                      <a:endParaRPr lang="vi-VN" dirty="0">
+                        <a:latin typeface="Lexend Deca" pitchFamily="2" charset="0"/>
+                        <a:cs typeface="Lexend Deca" pitchFamily="2" charset="0"/>
+                      </a:endParaRPr>
+                    </a:p>
+                  </a:txBody>
+                  <a:tcPr/>
+                </a:tc>
+                <a:tc>
+                  <a:txBody>
+                    <a:bodyPr/>
+                    <a:lstStyle/>
+                    <a:p>
+                      <a:pPr algn="ctr"/>
+                      <a:r>
+                        <a:rPr lang="en-US" dirty="0">
+                          <a:latin typeface="Lexend Deca" pitchFamily="2" charset="0"/>
+                          <a:cs typeface="Lexend Deca" pitchFamily="2" charset="0"/>
+                        </a:rPr>
+                        <a:t>12p34s</a:t>
+                      </a:r>
+                      <a:endParaRPr lang="vi-VN" dirty="0">
+                        <a:latin typeface="Lexend Deca" pitchFamily="2" charset="0"/>
+                        <a:cs typeface="Lexend Deca" pitchFamily="2" charset="0"/>
+                      </a:endParaRPr>
+                    </a:p>
+                  </a:txBody>
+                  <a:tcPr/>
+                </a:tc>
+                <a:extLst>
+                  <a:ext uri="{0D108BD9-81ED-4DB2-BD59-A6C34878D82A}">
+                    <a16:rowId xmlns:a16="http://schemas.microsoft.com/office/drawing/2014/main" val="1843836616"/>
+                  </a:ext>
+                </a:extLst>
+              </a:tr>
+              <a:tr h="370840">
+                <a:tc>
+                  <a:txBody>
+                    <a:bodyPr/>
+                    <a:lstStyle/>
+                    <a:p>
+                      <a:r>
+                        <a:rPr lang="en-US" dirty="0" err="1">
+                          <a:solidFill>
+                            <a:schemeClr val="bg1"/>
+                          </a:solidFill>
+                          <a:latin typeface="Lexend Deca" pitchFamily="2" charset="0"/>
+                          <a:cs typeface="Lexend Deca" pitchFamily="2" charset="0"/>
+                        </a:rPr>
+                        <a:t>Đánh</a:t>
+                      </a:r>
+                      <a:r>
+                        <a:rPr lang="en-US" dirty="0">
+                          <a:solidFill>
+                            <a:schemeClr val="bg1"/>
+                          </a:solidFill>
+                          <a:latin typeface="Lexend Deca" pitchFamily="2" charset="0"/>
+                          <a:cs typeface="Lexend Deca" pitchFamily="2" charset="0"/>
+                        </a:rPr>
+                        <a:t> </a:t>
+                      </a:r>
+                      <a:r>
+                        <a:rPr lang="en-US" dirty="0" err="1">
+                          <a:solidFill>
+                            <a:schemeClr val="bg1"/>
+                          </a:solidFill>
+                          <a:latin typeface="Lexend Deca" pitchFamily="2" charset="0"/>
+                          <a:cs typeface="Lexend Deca" pitchFamily="2" charset="0"/>
+                        </a:rPr>
+                        <a:t>giá</a:t>
+                      </a:r>
+                      <a:r>
+                        <a:rPr lang="en-US" dirty="0">
+                          <a:solidFill>
+                            <a:schemeClr val="bg1"/>
+                          </a:solidFill>
+                          <a:latin typeface="Lexend Deca" pitchFamily="2" charset="0"/>
+                          <a:cs typeface="Lexend Deca" pitchFamily="2" charset="0"/>
+                        </a:rPr>
+                        <a:t> </a:t>
+                      </a:r>
+                      <a:r>
+                        <a:rPr lang="en-US" dirty="0" err="1">
+                          <a:solidFill>
+                            <a:schemeClr val="bg1"/>
+                          </a:solidFill>
+                          <a:latin typeface="Lexend Deca" pitchFamily="2" charset="0"/>
+                          <a:cs typeface="Lexend Deca" pitchFamily="2" charset="0"/>
+                        </a:rPr>
+                        <a:t>tập</a:t>
+                      </a:r>
+                      <a:r>
+                        <a:rPr lang="en-US" dirty="0">
+                          <a:solidFill>
+                            <a:schemeClr val="bg1"/>
+                          </a:solidFill>
+                          <a:latin typeface="Lexend Deca" pitchFamily="2" charset="0"/>
+                          <a:cs typeface="Lexend Deca" pitchFamily="2" charset="0"/>
+                        </a:rPr>
+                        <a:t> train</a:t>
+                      </a:r>
+                      <a:endParaRPr lang="vi-VN" dirty="0">
+                        <a:solidFill>
+                          <a:schemeClr val="bg1"/>
+                        </a:solidFill>
+                        <a:latin typeface="Lexend Deca" pitchFamily="2" charset="0"/>
+                        <a:cs typeface="Lexend Deca" pitchFamily="2" charset="0"/>
+                      </a:endParaRPr>
+                    </a:p>
+                  </a:txBody>
+                  <a:tcPr>
+                    <a:solidFill>
+                      <a:schemeClr val="accent1"/>
+                    </a:solidFill>
+                  </a:tcPr>
+                </a:tc>
+                <a:tc>
+                  <a:txBody>
+                    <a:bodyPr/>
+                    <a:lstStyle/>
+                    <a:p>
+                      <a:pPr algn="ctr"/>
+                      <a:r>
+                        <a:rPr lang="en-US" dirty="0">
+                          <a:latin typeface="Lexend Deca" pitchFamily="2" charset="0"/>
+                          <a:cs typeface="Lexend Deca" pitchFamily="2" charset="0"/>
+                        </a:rPr>
+                        <a:t>76.52%</a:t>
+                      </a:r>
+                      <a:endParaRPr lang="vi-VN" dirty="0">
+                        <a:latin typeface="Lexend Deca" pitchFamily="2" charset="0"/>
+                        <a:cs typeface="Lexend Deca" pitchFamily="2" charset="0"/>
+                      </a:endParaRPr>
+                    </a:p>
+                  </a:txBody>
+                  <a:tcPr/>
+                </a:tc>
+                <a:tc>
+                  <a:txBody>
+                    <a:bodyPr/>
+                    <a:lstStyle/>
+                    <a:p>
+                      <a:pPr algn="ctr"/>
+                      <a:r>
+                        <a:rPr lang="en-US" dirty="0">
+                          <a:latin typeface="Lexend Deca" pitchFamily="2" charset="0"/>
+                          <a:cs typeface="Lexend Deca" pitchFamily="2" charset="0"/>
+                        </a:rPr>
+                        <a:t>81.18%</a:t>
+                      </a:r>
+                      <a:endParaRPr lang="vi-VN" dirty="0">
+                        <a:latin typeface="Lexend Deca" pitchFamily="2" charset="0"/>
+                        <a:cs typeface="Lexend Deca" pitchFamily="2" charset="0"/>
+                      </a:endParaRPr>
+                    </a:p>
+                  </a:txBody>
+                  <a:tcPr/>
+                </a:tc>
+                <a:tc>
+                  <a:txBody>
+                    <a:bodyPr/>
+                    <a:lstStyle/>
+                    <a:p>
+                      <a:pPr algn="ctr"/>
+                      <a:r>
+                        <a:rPr lang="en-US" dirty="0">
+                          <a:latin typeface="Lexend Deca" pitchFamily="2" charset="0"/>
+                          <a:cs typeface="Lexend Deca" pitchFamily="2" charset="0"/>
+                        </a:rPr>
+                        <a:t>80.80%</a:t>
+                      </a:r>
+                      <a:endParaRPr lang="vi-VN" dirty="0">
+                        <a:latin typeface="Lexend Deca" pitchFamily="2" charset="0"/>
+                        <a:cs typeface="Lexend Deca" pitchFamily="2" charset="0"/>
+                      </a:endParaRPr>
+                    </a:p>
+                  </a:txBody>
+                  <a:tcPr/>
+                </a:tc>
+                <a:extLst>
+                  <a:ext uri="{0D108BD9-81ED-4DB2-BD59-A6C34878D82A}">
+                    <a16:rowId xmlns:a16="http://schemas.microsoft.com/office/drawing/2014/main" val="1516138268"/>
+                  </a:ext>
+                </a:extLst>
+              </a:tr>
+              <a:tr h="370840">
+                <a:tc>
+                  <a:txBody>
+                    <a:bodyPr/>
+                    <a:lstStyle/>
+                    <a:p>
+                      <a:r>
+                        <a:rPr lang="en-US" dirty="0" err="1">
+                          <a:solidFill>
+                            <a:schemeClr val="bg1"/>
+                          </a:solidFill>
+                          <a:latin typeface="Lexend Deca" pitchFamily="2" charset="0"/>
+                          <a:cs typeface="Lexend Deca" pitchFamily="2" charset="0"/>
+                        </a:rPr>
+                        <a:t>Đánh</a:t>
+                      </a:r>
+                      <a:r>
+                        <a:rPr lang="en-US" dirty="0">
+                          <a:solidFill>
+                            <a:schemeClr val="bg1"/>
+                          </a:solidFill>
+                          <a:latin typeface="Lexend Deca" pitchFamily="2" charset="0"/>
+                          <a:cs typeface="Lexend Deca" pitchFamily="2" charset="0"/>
+                        </a:rPr>
+                        <a:t> </a:t>
+                      </a:r>
+                      <a:r>
+                        <a:rPr lang="en-US" dirty="0" err="1">
+                          <a:solidFill>
+                            <a:schemeClr val="bg1"/>
+                          </a:solidFill>
+                          <a:latin typeface="Lexend Deca" pitchFamily="2" charset="0"/>
+                          <a:cs typeface="Lexend Deca" pitchFamily="2" charset="0"/>
+                        </a:rPr>
+                        <a:t>giá</a:t>
+                      </a:r>
+                      <a:r>
+                        <a:rPr lang="en-US" dirty="0">
+                          <a:solidFill>
+                            <a:schemeClr val="bg1"/>
+                          </a:solidFill>
+                          <a:latin typeface="Lexend Deca" pitchFamily="2" charset="0"/>
+                          <a:cs typeface="Lexend Deca" pitchFamily="2" charset="0"/>
+                        </a:rPr>
+                        <a:t> </a:t>
+                      </a:r>
+                      <a:r>
+                        <a:rPr lang="en-US" dirty="0" err="1">
+                          <a:solidFill>
+                            <a:schemeClr val="bg1"/>
+                          </a:solidFill>
+                          <a:latin typeface="Lexend Deca" pitchFamily="2" charset="0"/>
+                          <a:cs typeface="Lexend Deca" pitchFamily="2" charset="0"/>
+                        </a:rPr>
+                        <a:t>tập</a:t>
+                      </a:r>
+                      <a:r>
+                        <a:rPr lang="en-US" dirty="0">
+                          <a:solidFill>
+                            <a:schemeClr val="bg1"/>
+                          </a:solidFill>
+                          <a:latin typeface="Lexend Deca" pitchFamily="2" charset="0"/>
+                          <a:cs typeface="Lexend Deca" pitchFamily="2" charset="0"/>
+                        </a:rPr>
+                        <a:t> validate</a:t>
+                      </a:r>
+                      <a:endParaRPr lang="vi-VN" dirty="0">
+                        <a:solidFill>
+                          <a:schemeClr val="bg1"/>
+                        </a:solidFill>
+                        <a:latin typeface="Lexend Deca" pitchFamily="2" charset="0"/>
+                        <a:cs typeface="Lexend Deca" pitchFamily="2" charset="0"/>
+                      </a:endParaRPr>
+                    </a:p>
+                  </a:txBody>
+                  <a:tcPr>
+                    <a:solidFill>
+                      <a:schemeClr val="accent1"/>
+                    </a:solidFill>
+                  </a:tcPr>
+                </a:tc>
+                <a:tc>
+                  <a:txBody>
+                    <a:bodyPr/>
+                    <a:lstStyle/>
+                    <a:p>
+                      <a:pPr algn="ctr"/>
+                      <a:r>
+                        <a:rPr lang="en-US" dirty="0">
+                          <a:latin typeface="Lexend Deca" pitchFamily="2" charset="0"/>
+                          <a:cs typeface="Lexend Deca" pitchFamily="2" charset="0"/>
+                        </a:rPr>
+                        <a:t>76.22%</a:t>
+                      </a:r>
+                      <a:endParaRPr lang="vi-VN" dirty="0">
+                        <a:latin typeface="Lexend Deca" pitchFamily="2" charset="0"/>
+                        <a:cs typeface="Lexend Deca" pitchFamily="2" charset="0"/>
+                      </a:endParaRPr>
+                    </a:p>
+                  </a:txBody>
+                  <a:tcPr/>
+                </a:tc>
+                <a:tc>
+                  <a:txBody>
+                    <a:bodyPr/>
+                    <a:lstStyle/>
+                    <a:p>
+                      <a:pPr algn="ctr"/>
+                      <a:r>
+                        <a:rPr lang="en-US" dirty="0">
+                          <a:latin typeface="Lexend Deca" pitchFamily="2" charset="0"/>
+                          <a:cs typeface="Lexend Deca" pitchFamily="2" charset="0"/>
+                        </a:rPr>
+                        <a:t>79.73%</a:t>
+                      </a:r>
+                      <a:endParaRPr lang="vi-VN" dirty="0">
+                        <a:latin typeface="Lexend Deca" pitchFamily="2" charset="0"/>
+                        <a:cs typeface="Lexend Deca" pitchFamily="2" charset="0"/>
+                      </a:endParaRPr>
+                    </a:p>
+                  </a:txBody>
+                  <a:tcPr/>
+                </a:tc>
+                <a:tc>
+                  <a:txBody>
+                    <a:bodyPr/>
+                    <a:lstStyle/>
+                    <a:p>
+                      <a:pPr algn="ctr"/>
+                      <a:r>
+                        <a:rPr lang="en-US" dirty="0">
+                          <a:latin typeface="Lexend Deca" pitchFamily="2" charset="0"/>
+                          <a:cs typeface="Lexend Deca" pitchFamily="2" charset="0"/>
+                        </a:rPr>
+                        <a:t>79.57%</a:t>
+                      </a:r>
+                      <a:endParaRPr lang="vi-VN" dirty="0">
+                        <a:latin typeface="Lexend Deca" pitchFamily="2" charset="0"/>
+                        <a:cs typeface="Lexend Deca" pitchFamily="2" charset="0"/>
+                      </a:endParaRPr>
+                    </a:p>
+                  </a:txBody>
+                  <a:tcPr/>
+                </a:tc>
+                <a:extLst>
+                  <a:ext uri="{0D108BD9-81ED-4DB2-BD59-A6C34878D82A}">
+                    <a16:rowId xmlns:a16="http://schemas.microsoft.com/office/drawing/2014/main" val="1821846500"/>
+                  </a:ext>
+                </a:extLst>
+              </a:tr>
+            </a:tbl>
+          </a:graphicData>
+        </a:graphic>
+      </p:graphicFrame>
+      <p:sp>
+        <p:nvSpPr>
+          <p:cNvPr id="5" name="TextBox 4">
+            <a:extLst>
+              <a:ext uri="{FF2B5EF4-FFF2-40B4-BE49-F238E27FC236}">
+                <a16:creationId xmlns:a16="http://schemas.microsoft.com/office/drawing/2014/main" id="{89106465-7A42-46F4-BCB2-51CC201BAD9C}"/>
+              </a:ext>
+            </a:extLst>
+          </p:cNvPr>
+          <p:cNvSpPr txBox="1"/>
+          <p:nvPr/>
+        </p:nvSpPr>
+        <p:spPr>
+          <a:xfrm>
+            <a:off x="838200" y="3709262"/>
+            <a:ext cx="10515600" cy="923330"/>
+          </a:xfrm>
+          <a:prstGeom prst="rect">
+            <a:avLst/>
+          </a:prstGeom>
+          <a:noFill/>
+        </p:spPr>
+        <p:txBody>
+          <a:bodyPr wrap="square" rtlCol="0">
+            <a:spAutoFit/>
+          </a:bodyPr>
+          <a:lstStyle/>
+          <a:p>
+            <a:pPr marL="285750" indent="-285750">
+              <a:buFont typeface="Arial" panose="020B0604020202020204" pitchFamily="34" charset="0"/>
+              <a:buChar char="•"/>
+            </a:pPr>
+            <a:r>
+              <a:rPr lang="en-US" dirty="0" err="1">
+                <a:latin typeface="Lexend Deca" pitchFamily="2" charset="0"/>
+                <a:cs typeface="Lexend Deca" pitchFamily="2" charset="0"/>
+              </a:rPr>
+              <a:t>Kết</a:t>
+            </a:r>
+            <a:r>
+              <a:rPr lang="en-US" dirty="0">
+                <a:latin typeface="Lexend Deca" pitchFamily="2" charset="0"/>
+                <a:cs typeface="Lexend Deca" pitchFamily="2" charset="0"/>
+              </a:rPr>
+              <a:t> </a:t>
+            </a:r>
+            <a:r>
+              <a:rPr lang="en-US" dirty="0" err="1">
+                <a:latin typeface="Lexend Deca" pitchFamily="2" charset="0"/>
+                <a:cs typeface="Lexend Deca" pitchFamily="2" charset="0"/>
+              </a:rPr>
+              <a:t>quả</a:t>
+            </a:r>
+            <a:r>
+              <a:rPr lang="en-US" dirty="0">
+                <a:latin typeface="Lexend Deca" pitchFamily="2" charset="0"/>
+                <a:cs typeface="Lexend Deca" pitchFamily="2" charset="0"/>
+              </a:rPr>
+              <a:t> </a:t>
+            </a:r>
+            <a:r>
+              <a:rPr lang="en-US" dirty="0" err="1">
+                <a:latin typeface="Lexend Deca" pitchFamily="2" charset="0"/>
+                <a:cs typeface="Lexend Deca" pitchFamily="2" charset="0"/>
+              </a:rPr>
+              <a:t>gần</a:t>
+            </a:r>
+            <a:r>
+              <a:rPr lang="en-US" dirty="0">
+                <a:latin typeface="Lexend Deca" pitchFamily="2" charset="0"/>
+                <a:cs typeface="Lexend Deca" pitchFamily="2" charset="0"/>
+              </a:rPr>
+              <a:t> </a:t>
+            </a:r>
+            <a:r>
+              <a:rPr lang="en-US" dirty="0" err="1">
+                <a:latin typeface="Lexend Deca" pitchFamily="2" charset="0"/>
+                <a:cs typeface="Lexend Deca" pitchFamily="2" charset="0"/>
+              </a:rPr>
+              <a:t>tương</a:t>
+            </a:r>
+            <a:r>
+              <a:rPr lang="en-US" dirty="0">
+                <a:latin typeface="Lexend Deca" pitchFamily="2" charset="0"/>
+                <a:cs typeface="Lexend Deca" pitchFamily="2" charset="0"/>
+              </a:rPr>
+              <a:t> </a:t>
+            </a:r>
+            <a:r>
+              <a:rPr lang="en-US" dirty="0" err="1">
+                <a:latin typeface="Lexend Deca" pitchFamily="2" charset="0"/>
+                <a:cs typeface="Lexend Deca" pitchFamily="2" charset="0"/>
+              </a:rPr>
+              <a:t>tự</a:t>
+            </a:r>
+            <a:r>
+              <a:rPr lang="en-US" dirty="0">
+                <a:latin typeface="Lexend Deca" pitchFamily="2" charset="0"/>
+                <a:cs typeface="Lexend Deca" pitchFamily="2" charset="0"/>
+              </a:rPr>
+              <a:t> </a:t>
+            </a:r>
+            <a:r>
+              <a:rPr lang="en-US" dirty="0" err="1">
+                <a:latin typeface="Lexend Deca" pitchFamily="2" charset="0"/>
+                <a:cs typeface="Lexend Deca" pitchFamily="2" charset="0"/>
+              </a:rPr>
+              <a:t>như</a:t>
+            </a:r>
+            <a:r>
+              <a:rPr lang="en-US" dirty="0">
+                <a:latin typeface="Lexend Deca" pitchFamily="2" charset="0"/>
+                <a:cs typeface="Lexend Deca" pitchFamily="2" charset="0"/>
+              </a:rPr>
+              <a:t> </a:t>
+            </a:r>
+            <a:r>
+              <a:rPr lang="en-US" dirty="0" err="1">
+                <a:latin typeface="Lexend Deca" pitchFamily="2" charset="0"/>
+                <a:cs typeface="Lexend Deca" pitchFamily="2" charset="0"/>
+              </a:rPr>
+              <a:t>thử</a:t>
+            </a:r>
+            <a:r>
+              <a:rPr lang="en-US" dirty="0">
+                <a:latin typeface="Lexend Deca" pitchFamily="2" charset="0"/>
+                <a:cs typeface="Lexend Deca" pitchFamily="2" charset="0"/>
+              </a:rPr>
+              <a:t> </a:t>
+            </a:r>
+            <a:r>
+              <a:rPr lang="en-US" dirty="0" err="1">
+                <a:latin typeface="Lexend Deca" pitchFamily="2" charset="0"/>
+                <a:cs typeface="Lexend Deca" pitchFamily="2" charset="0"/>
+              </a:rPr>
+              <a:t>nghiệm</a:t>
+            </a:r>
+            <a:r>
+              <a:rPr lang="en-US" dirty="0">
+                <a:latin typeface="Lexend Deca" pitchFamily="2" charset="0"/>
+                <a:cs typeface="Lexend Deca" pitchFamily="2" charset="0"/>
+              </a:rPr>
+              <a:t> </a:t>
+            </a:r>
+            <a:r>
+              <a:rPr lang="en-US" dirty="0" err="1">
+                <a:latin typeface="Lexend Deca" pitchFamily="2" charset="0"/>
+                <a:cs typeface="Lexend Deca" pitchFamily="2" charset="0"/>
+              </a:rPr>
+              <a:t>trên</a:t>
+            </a:r>
+            <a:r>
+              <a:rPr lang="en-US" dirty="0">
+                <a:latin typeface="Lexend Deca" pitchFamily="2" charset="0"/>
+                <a:cs typeface="Lexend Deca" pitchFamily="2" charset="0"/>
+              </a:rPr>
+              <a:t> 5%</a:t>
+            </a:r>
+          </a:p>
+          <a:p>
+            <a:pPr marL="285750" indent="-285750">
+              <a:buFont typeface="Arial" panose="020B0604020202020204" pitchFamily="34" charset="0"/>
+              <a:buChar char="•"/>
+            </a:pPr>
+            <a:r>
+              <a:rPr lang="en-US" dirty="0">
+                <a:latin typeface="Lexend Deca" pitchFamily="2" charset="0"/>
+                <a:cs typeface="Lexend Deca" pitchFamily="2" charset="0"/>
+              </a:rPr>
+              <a:t>Bagging Neuron Network </a:t>
+            </a:r>
+            <a:r>
+              <a:rPr lang="en-US" dirty="0" err="1">
+                <a:latin typeface="Lexend Deca" pitchFamily="2" charset="0"/>
+                <a:cs typeface="Lexend Deca" pitchFamily="2" charset="0"/>
+              </a:rPr>
+              <a:t>chạy</a:t>
+            </a:r>
+            <a:r>
+              <a:rPr lang="en-US" dirty="0">
+                <a:latin typeface="Lexend Deca" pitchFamily="2" charset="0"/>
+                <a:cs typeface="Lexend Deca" pitchFamily="2" charset="0"/>
+              </a:rPr>
+              <a:t> </a:t>
+            </a:r>
+            <a:r>
+              <a:rPr lang="en-US" dirty="0" err="1">
+                <a:latin typeface="Lexend Deca" pitchFamily="2" charset="0"/>
+                <a:cs typeface="Lexend Deca" pitchFamily="2" charset="0"/>
+              </a:rPr>
+              <a:t>nhanh</a:t>
+            </a:r>
+            <a:r>
+              <a:rPr lang="en-US" dirty="0">
+                <a:latin typeface="Lexend Deca" pitchFamily="2" charset="0"/>
+                <a:cs typeface="Lexend Deca" pitchFamily="2" charset="0"/>
+              </a:rPr>
+              <a:t> </a:t>
+            </a:r>
+            <a:r>
+              <a:rPr lang="en-US" dirty="0" err="1">
+                <a:latin typeface="Lexend Deca" pitchFamily="2" charset="0"/>
+                <a:cs typeface="Lexend Deca" pitchFamily="2" charset="0"/>
+              </a:rPr>
+              <a:t>hơn</a:t>
+            </a:r>
+            <a:r>
+              <a:rPr lang="en-US" dirty="0">
+                <a:latin typeface="Lexend Deca" pitchFamily="2" charset="0"/>
+                <a:cs typeface="Lexend Deca" pitchFamily="2" charset="0"/>
+              </a:rPr>
+              <a:t> </a:t>
+            </a:r>
+            <a:r>
+              <a:rPr lang="en-US" dirty="0" err="1">
+                <a:latin typeface="Lexend Deca" pitchFamily="2" charset="0"/>
+                <a:cs typeface="Lexend Deca" pitchFamily="2" charset="0"/>
+              </a:rPr>
+              <a:t>thử</a:t>
+            </a:r>
+            <a:r>
+              <a:rPr lang="en-US" dirty="0">
+                <a:latin typeface="Lexend Deca" pitchFamily="2" charset="0"/>
+                <a:cs typeface="Lexend Deca" pitchFamily="2" charset="0"/>
+              </a:rPr>
+              <a:t> </a:t>
+            </a:r>
+            <a:r>
+              <a:rPr lang="en-US" dirty="0" err="1">
+                <a:latin typeface="Lexend Deca" pitchFamily="2" charset="0"/>
+                <a:cs typeface="Lexend Deca" pitchFamily="2" charset="0"/>
+              </a:rPr>
+              <a:t>nghiệm</a:t>
+            </a:r>
+            <a:r>
+              <a:rPr lang="en-US" dirty="0">
+                <a:latin typeface="Lexend Deca" pitchFamily="2" charset="0"/>
+                <a:cs typeface="Lexend Deca" pitchFamily="2" charset="0"/>
+              </a:rPr>
+              <a:t> </a:t>
+            </a:r>
+            <a:r>
+              <a:rPr lang="en-US" dirty="0" err="1">
+                <a:latin typeface="Lexend Deca" pitchFamily="2" charset="0"/>
+                <a:cs typeface="Lexend Deca" pitchFamily="2" charset="0"/>
+              </a:rPr>
+              <a:t>cũ</a:t>
+            </a:r>
+            <a:r>
+              <a:rPr lang="en-US" dirty="0">
+                <a:latin typeface="Lexend Deca" pitchFamily="2" charset="0"/>
+                <a:cs typeface="Lexend Deca" pitchFamily="2" charset="0"/>
+              </a:rPr>
+              <a:t> </a:t>
+            </a:r>
+            <a:r>
+              <a:rPr lang="en-US" dirty="0" err="1">
+                <a:latin typeface="Lexend Deca" pitchFamily="2" charset="0"/>
+                <a:cs typeface="Lexend Deca" pitchFamily="2" charset="0"/>
+              </a:rPr>
+              <a:t>với</a:t>
+            </a:r>
+            <a:r>
+              <a:rPr lang="en-US" dirty="0">
+                <a:latin typeface="Lexend Deca" pitchFamily="2" charset="0"/>
+                <a:cs typeface="Lexend Deca" pitchFamily="2" charset="0"/>
+              </a:rPr>
+              <a:t> </a:t>
+            </a:r>
+            <a:r>
+              <a:rPr lang="en-US" dirty="0" err="1">
+                <a:latin typeface="Lexend Deca" pitchFamily="2" charset="0"/>
+                <a:cs typeface="Lexend Deca" pitchFamily="2" charset="0"/>
+              </a:rPr>
+              <a:t>phiên</a:t>
+            </a:r>
+            <a:r>
+              <a:rPr lang="en-US" dirty="0">
+                <a:latin typeface="Lexend Deca" pitchFamily="2" charset="0"/>
+                <a:cs typeface="Lexend Deca" pitchFamily="2" charset="0"/>
+              </a:rPr>
+              <a:t> bản </a:t>
+            </a:r>
+            <a:r>
+              <a:rPr lang="en-US" dirty="0" err="1">
+                <a:latin typeface="Lexend Deca" pitchFamily="2" charset="0"/>
+                <a:cs typeface="Lexend Deca" pitchFamily="2" charset="0"/>
+              </a:rPr>
+              <a:t>gốc</a:t>
+            </a:r>
+            <a:r>
+              <a:rPr lang="en-US" dirty="0">
+                <a:latin typeface="Lexend Deca" pitchFamily="2" charset="0"/>
+                <a:cs typeface="Lexend Deca" pitchFamily="2" charset="0"/>
+              </a:rPr>
+              <a:t> (</a:t>
+            </a:r>
+            <a:r>
+              <a:rPr lang="en-US" dirty="0" err="1">
+                <a:latin typeface="Lexend Deca" pitchFamily="2" charset="0"/>
+                <a:cs typeface="Lexend Deca" pitchFamily="2" charset="0"/>
+              </a:rPr>
+              <a:t>mất</a:t>
+            </a:r>
+            <a:r>
+              <a:rPr lang="en-US" dirty="0">
+                <a:latin typeface="Lexend Deca" pitchFamily="2" charset="0"/>
+                <a:cs typeface="Lexend Deca" pitchFamily="2" charset="0"/>
+              </a:rPr>
+              <a:t> </a:t>
+            </a:r>
+            <a:r>
+              <a:rPr lang="en-US" dirty="0" err="1">
+                <a:latin typeface="Lexend Deca" pitchFamily="2" charset="0"/>
+                <a:cs typeface="Lexend Deca" pitchFamily="2" charset="0"/>
+              </a:rPr>
+              <a:t>khoảng</a:t>
+            </a:r>
+            <a:r>
+              <a:rPr lang="en-US" dirty="0">
+                <a:latin typeface="Lexend Deca" pitchFamily="2" charset="0"/>
+                <a:cs typeface="Lexend Deca" pitchFamily="2" charset="0"/>
+              </a:rPr>
+              <a:t> 1h train) </a:t>
+            </a:r>
+            <a:r>
+              <a:rPr lang="en-US" dirty="0" err="1">
+                <a:latin typeface="Lexend Deca" pitchFamily="2" charset="0"/>
+                <a:cs typeface="Lexend Deca" pitchFamily="2" charset="0"/>
+              </a:rPr>
+              <a:t>nhưng</a:t>
+            </a:r>
+            <a:r>
+              <a:rPr lang="en-US" dirty="0">
+                <a:latin typeface="Lexend Deca" pitchFamily="2" charset="0"/>
+                <a:cs typeface="Lexend Deca" pitchFamily="2" charset="0"/>
+              </a:rPr>
+              <a:t> </a:t>
+            </a:r>
+            <a:r>
+              <a:rPr lang="en-US" dirty="0" err="1">
+                <a:latin typeface="Lexend Deca" pitchFamily="2" charset="0"/>
+                <a:cs typeface="Lexend Deca" pitchFamily="2" charset="0"/>
+              </a:rPr>
+              <a:t>để</a:t>
+            </a:r>
+            <a:r>
+              <a:rPr lang="en-US" dirty="0">
+                <a:latin typeface="Lexend Deca" pitchFamily="2" charset="0"/>
+                <a:cs typeface="Lexend Deca" pitchFamily="2" charset="0"/>
+              </a:rPr>
+              <a:t> </a:t>
+            </a:r>
+            <a:r>
+              <a:rPr lang="en-US" dirty="0" err="1">
+                <a:latin typeface="Lexend Deca" pitchFamily="2" charset="0"/>
+                <a:cs typeface="Lexend Deca" pitchFamily="2" charset="0"/>
+              </a:rPr>
+              <a:t>dự</a:t>
+            </a:r>
+            <a:r>
+              <a:rPr lang="en-US" dirty="0">
+                <a:latin typeface="Lexend Deca" pitchFamily="2" charset="0"/>
+                <a:cs typeface="Lexend Deca" pitchFamily="2" charset="0"/>
+              </a:rPr>
+              <a:t> </a:t>
+            </a:r>
+            <a:r>
+              <a:rPr lang="en-US" dirty="0" err="1">
+                <a:latin typeface="Lexend Deca" pitchFamily="2" charset="0"/>
+                <a:cs typeface="Lexend Deca" pitchFamily="2" charset="0"/>
+              </a:rPr>
+              <a:t>đoán</a:t>
+            </a:r>
+            <a:r>
+              <a:rPr lang="en-US" dirty="0">
+                <a:latin typeface="Lexend Deca" pitchFamily="2" charset="0"/>
+                <a:cs typeface="Lexend Deca" pitchFamily="2" charset="0"/>
+              </a:rPr>
+              <a:t> 1 </a:t>
+            </a:r>
+            <a:r>
+              <a:rPr lang="en-US" dirty="0" err="1">
+                <a:latin typeface="Lexend Deca" pitchFamily="2" charset="0"/>
+                <a:cs typeface="Lexend Deca" pitchFamily="2" charset="0"/>
+              </a:rPr>
+              <a:t>mẫu</a:t>
+            </a:r>
+            <a:r>
+              <a:rPr lang="en-US" dirty="0">
+                <a:latin typeface="Lexend Deca" pitchFamily="2" charset="0"/>
+                <a:cs typeface="Lexend Deca" pitchFamily="2" charset="0"/>
+              </a:rPr>
+              <a:t> </a:t>
+            </a:r>
+            <a:r>
+              <a:rPr lang="en-US" dirty="0" err="1">
+                <a:latin typeface="Lexend Deca" pitchFamily="2" charset="0"/>
+                <a:cs typeface="Lexend Deca" pitchFamily="2" charset="0"/>
+              </a:rPr>
+              <a:t>thì</a:t>
+            </a:r>
+            <a:r>
+              <a:rPr lang="en-US" dirty="0">
+                <a:latin typeface="Lexend Deca" pitchFamily="2" charset="0"/>
+                <a:cs typeface="Lexend Deca" pitchFamily="2" charset="0"/>
+              </a:rPr>
+              <a:t> </a:t>
+            </a:r>
+            <a:r>
+              <a:rPr lang="en-US" dirty="0" err="1">
+                <a:latin typeface="Lexend Deca" pitchFamily="2" charset="0"/>
+                <a:cs typeface="Lexend Deca" pitchFamily="2" charset="0"/>
+              </a:rPr>
+              <a:t>mất</a:t>
+            </a:r>
+            <a:r>
+              <a:rPr lang="en-US" dirty="0">
+                <a:latin typeface="Lexend Deca" pitchFamily="2" charset="0"/>
+                <a:cs typeface="Lexend Deca" pitchFamily="2" charset="0"/>
+              </a:rPr>
+              <a:t> 30s (do </a:t>
+            </a:r>
+            <a:r>
+              <a:rPr lang="en-US" dirty="0" err="1">
+                <a:latin typeface="Lexend Deca" pitchFamily="2" charset="0"/>
+                <a:cs typeface="Lexend Deca" pitchFamily="2" charset="0"/>
+              </a:rPr>
+              <a:t>sử</a:t>
+            </a:r>
+            <a:r>
+              <a:rPr lang="en-US" dirty="0">
+                <a:latin typeface="Lexend Deca" pitchFamily="2" charset="0"/>
+                <a:cs typeface="Lexend Deca" pitchFamily="2" charset="0"/>
+              </a:rPr>
+              <a:t> </a:t>
+            </a:r>
+            <a:r>
+              <a:rPr lang="en-US" dirty="0" err="1">
+                <a:latin typeface="Lexend Deca" pitchFamily="2" charset="0"/>
+                <a:cs typeface="Lexend Deca" pitchFamily="2" charset="0"/>
+              </a:rPr>
+              <a:t>dụng</a:t>
+            </a:r>
+            <a:r>
+              <a:rPr lang="en-US" dirty="0">
+                <a:latin typeface="Lexend Deca" pitchFamily="2" charset="0"/>
+                <a:cs typeface="Lexend Deca" pitchFamily="2" charset="0"/>
+              </a:rPr>
+              <a:t> 30 model con)</a:t>
+            </a:r>
+          </a:p>
+        </p:txBody>
+      </p:sp>
+    </p:spTree>
+    <p:extLst>
+      <p:ext uri="{BB962C8B-B14F-4D97-AF65-F5344CB8AC3E}">
+        <p14:creationId xmlns:p14="http://schemas.microsoft.com/office/powerpoint/2010/main" val="154365696"/>
+      </p:ext>
+    </p:extLst>
+  </p:cSld>
+  <p:clrMapOvr>
+    <a:masterClrMapping/>
+  </p:clrMapOvr>
+</p:sld>
+</file>
+
+<file path=ppt/slides/slide41.xml><?xml version="1.0" encoding="utf-8"?>
+<p:sld xmlns:a="http://schemas.openxmlformats.org/drawingml/2006/main" xmlns:r="http://schemas.openxmlformats.org/officeDocument/2006/relationships" xmlns:p="http://schemas.openxmlformats.org/presentationml/2006/main">
+  <p:cSld>
+    <p:spTree>
+      <p:nvGrpSpPr>
+        <p:cNvPr id="1" name=""/>
+        <p:cNvGrpSpPr/>
+        <p:nvPr/>
+      </p:nvGrpSpPr>
+      <p:grpSpPr>
+        <a:xfrm>
+          <a:off x="0" y="0"/>
+          <a:ext cx="0" cy="0"/>
+          <a:chOff x="0" y="0"/>
+          <a:chExt cx="0" cy="0"/>
+        </a:xfrm>
+      </p:grpSpPr>
+      <p:sp>
+        <p:nvSpPr>
+          <p:cNvPr id="2" name="Title 1">
+            <a:extLst>
+              <a:ext uri="{FF2B5EF4-FFF2-40B4-BE49-F238E27FC236}">
+                <a16:creationId xmlns:a16="http://schemas.microsoft.com/office/drawing/2014/main" id="{A8180B1D-52AD-4A13-BA51-BB4BD2E3038A}"/>
+              </a:ext>
+            </a:extLst>
+          </p:cNvPr>
+          <p:cNvSpPr>
+            <a:spLocks noGrp="1"/>
+          </p:cNvSpPr>
+          <p:nvPr>
+            <p:ph type="title"/>
+          </p:nvPr>
+        </p:nvSpPr>
+        <p:spPr/>
+        <p:txBody>
+          <a:bodyPr/>
+          <a:lstStyle/>
+          <a:p>
+            <a:pPr algn="ctr"/>
+            <a:r>
+              <a:rPr lang="en-US" dirty="0"/>
+              <a:t>Demo model </a:t>
+            </a:r>
+            <a:r>
+              <a:rPr lang="en-US" dirty="0" err="1"/>
+              <a:t>cuối</a:t>
+            </a:r>
+            <a:r>
+              <a:rPr lang="en-US" dirty="0"/>
+              <a:t> </a:t>
+            </a:r>
+            <a:r>
+              <a:rPr lang="en-US" dirty="0" err="1"/>
+              <a:t>cùng</a:t>
+            </a:r>
+            <a:br>
+              <a:rPr lang="en-US" dirty="0"/>
+            </a:br>
+            <a:r>
+              <a:rPr lang="en-US" dirty="0"/>
+              <a:t>(train 100% data)</a:t>
+            </a:r>
+            <a:endParaRPr lang="vi-VN" dirty="0"/>
+          </a:p>
+        </p:txBody>
+      </p:sp>
+      <p:sp>
+        <p:nvSpPr>
+          <p:cNvPr id="3" name="Content Placeholder 2">
+            <a:extLst>
+              <a:ext uri="{FF2B5EF4-FFF2-40B4-BE49-F238E27FC236}">
+                <a16:creationId xmlns:a16="http://schemas.microsoft.com/office/drawing/2014/main" id="{FF8215E8-8AD2-4EDF-BCD5-7A5A12E6069E}"/>
+              </a:ext>
+            </a:extLst>
+          </p:cNvPr>
+          <p:cNvSpPr>
+            <a:spLocks noGrp="1"/>
+          </p:cNvSpPr>
+          <p:nvPr>
+            <p:ph idx="1"/>
+          </p:nvPr>
+        </p:nvSpPr>
+        <p:spPr/>
+        <p:txBody>
+          <a:bodyPr>
+            <a:normAutofit fontScale="85000" lnSpcReduction="20000"/>
+          </a:bodyPr>
+          <a:lstStyle/>
+          <a:p>
+            <a:r>
+              <a:rPr lang="en-US" dirty="0"/>
+              <a:t>Test 1: </a:t>
+            </a:r>
+            <a:r>
+              <a:rPr lang="en-US" dirty="0" err="1"/>
+              <a:t>lời</a:t>
+            </a:r>
+            <a:r>
+              <a:rPr lang="en-US" dirty="0"/>
+              <a:t> </a:t>
+            </a:r>
+            <a:r>
+              <a:rPr lang="en-US" dirty="0" err="1"/>
+              <a:t>bài</a:t>
+            </a:r>
+            <a:r>
+              <a:rPr lang="en-US" dirty="0"/>
+              <a:t> </a:t>
+            </a:r>
+            <a:r>
+              <a:rPr lang="en-US" dirty="0" err="1"/>
+              <a:t>hát</a:t>
+            </a:r>
+            <a:r>
+              <a:rPr lang="en-US" dirty="0"/>
+              <a:t> “Có </a:t>
+            </a:r>
+            <a:r>
+              <a:rPr lang="en-US" dirty="0" err="1"/>
+              <a:t>như</a:t>
+            </a:r>
+            <a:r>
+              <a:rPr lang="en-US" dirty="0"/>
+              <a:t> </a:t>
+            </a:r>
+            <a:r>
+              <a:rPr lang="en-US" dirty="0" err="1"/>
+              <a:t>không</a:t>
+            </a:r>
+            <a:r>
+              <a:rPr lang="en-US" dirty="0"/>
+              <a:t> có” </a:t>
+            </a:r>
+            <a:r>
+              <a:rPr lang="en-US" dirty="0" err="1"/>
+              <a:t>của</a:t>
+            </a:r>
+            <a:r>
+              <a:rPr lang="en-US" dirty="0"/>
+              <a:t> </a:t>
+            </a:r>
+            <a:r>
+              <a:rPr lang="en-US" dirty="0" err="1"/>
+              <a:t>Hiền</a:t>
+            </a:r>
+            <a:r>
+              <a:rPr lang="en-US" dirty="0"/>
+              <a:t> </a:t>
+            </a:r>
+            <a:r>
+              <a:rPr lang="en-US" dirty="0" err="1"/>
+              <a:t>Hồ</a:t>
+            </a:r>
+            <a:endParaRPr lang="en-US" dirty="0"/>
+          </a:p>
+          <a:p>
+            <a:endParaRPr lang="en-US" dirty="0"/>
+          </a:p>
+          <a:p>
+            <a:pPr marL="0" indent="0">
+              <a:buNone/>
+            </a:pPr>
+            <a:r>
+              <a:rPr lang="vi-VN" dirty="0"/>
+              <a:t>Anh lại để lạc mất em rồi</a:t>
+            </a:r>
+          </a:p>
+          <a:p>
+            <a:pPr marL="0" indent="0">
+              <a:buNone/>
+            </a:pPr>
+            <a:r>
+              <a:rPr lang="vi-VN" dirty="0"/>
+              <a:t>Lại để em ở một mình đành lòng anh sao?</a:t>
+            </a:r>
+          </a:p>
+          <a:p>
+            <a:pPr marL="0" indent="0">
+              <a:buNone/>
+            </a:pPr>
+            <a:r>
+              <a:rPr lang="vi-VN" dirty="0"/>
+              <a:t>Lại để cô gái anh yêu phải khóc</a:t>
+            </a:r>
+          </a:p>
+          <a:p>
+            <a:pPr marL="0" indent="0">
+              <a:buNone/>
+            </a:pPr>
+            <a:r>
+              <a:rPr lang="vi-VN" dirty="0"/>
+              <a:t>Em vẫn cam lòng và không than trách nửa lời</a:t>
+            </a:r>
+          </a:p>
+          <a:p>
+            <a:pPr marL="0" indent="0">
+              <a:buNone/>
+            </a:pPr>
+            <a:r>
+              <a:rPr lang="en-US" dirty="0"/>
+              <a:t>...</a:t>
+            </a:r>
+          </a:p>
+          <a:p>
+            <a:pPr marL="0" indent="0">
+              <a:buNone/>
+            </a:pPr>
+            <a:r>
+              <a:rPr lang="vi-VN" dirty="0"/>
+              <a:t>Ừ thì đã có, nhưng có như không mà thôi</a:t>
+            </a:r>
+          </a:p>
+          <a:p>
+            <a:pPr marL="0" indent="0">
+              <a:buNone/>
+            </a:pPr>
+            <a:r>
+              <a:rPr lang="vi-VN" dirty="0"/>
+              <a:t>Nhưng có như không vậy thôi</a:t>
+            </a:r>
+          </a:p>
+          <a:p>
+            <a:pPr marL="0" indent="0">
+              <a:buNone/>
+            </a:pPr>
+            <a:r>
+              <a:rPr lang="vi-VN" dirty="0"/>
+              <a:t>Anh chăm lo người ta mất rồi</a:t>
+            </a:r>
+          </a:p>
+          <a:p>
+            <a:pPr marL="0" indent="0">
+              <a:buNone/>
+            </a:pPr>
+            <a:r>
+              <a:rPr lang="vi-VN" dirty="0"/>
+              <a:t>Thật lòng...</a:t>
+            </a:r>
+          </a:p>
+        </p:txBody>
+      </p:sp>
+    </p:spTree>
+    <p:extLst>
+      <p:ext uri="{BB962C8B-B14F-4D97-AF65-F5344CB8AC3E}">
+        <p14:creationId xmlns:p14="http://schemas.microsoft.com/office/powerpoint/2010/main" val="1746133109"/>
+      </p:ext>
+    </p:extLst>
+  </p:cSld>
+  <p:clrMapOvr>
+    <a:masterClrMapping/>
+  </p:clrMapOvr>
+</p:sld>
+</file>
+
+<file path=ppt/slides/slide42.xml><?xml version="1.0" encoding="utf-8"?>
+<p:sld xmlns:a="http://schemas.openxmlformats.org/drawingml/2006/main" xmlns:r="http://schemas.openxmlformats.org/officeDocument/2006/relationships" xmlns:p="http://schemas.openxmlformats.org/presentationml/2006/main">
+  <p:cSld>
+    <p:spTree>
+      <p:nvGrpSpPr>
+        <p:cNvPr id="1" name=""/>
+        <p:cNvGrpSpPr/>
+        <p:nvPr/>
+      </p:nvGrpSpPr>
+      <p:grpSpPr>
+        <a:xfrm>
+          <a:off x="0" y="0"/>
+          <a:ext cx="0" cy="0"/>
+          <a:chOff x="0" y="0"/>
+          <a:chExt cx="0" cy="0"/>
+        </a:xfrm>
+      </p:grpSpPr>
+      <p:sp>
+        <p:nvSpPr>
+          <p:cNvPr id="2" name="Title 1">
+            <a:extLst>
+              <a:ext uri="{FF2B5EF4-FFF2-40B4-BE49-F238E27FC236}">
+                <a16:creationId xmlns:a16="http://schemas.microsoft.com/office/drawing/2014/main" id="{938617CB-349E-4BB4-9681-BC6864DF6DA3}"/>
+              </a:ext>
+            </a:extLst>
+          </p:cNvPr>
+          <p:cNvSpPr>
+            <a:spLocks noGrp="1"/>
+          </p:cNvSpPr>
+          <p:nvPr>
+            <p:ph type="title"/>
+          </p:nvPr>
+        </p:nvSpPr>
+        <p:spPr/>
+        <p:txBody>
+          <a:bodyPr/>
+          <a:lstStyle/>
+          <a:p>
+            <a:pPr algn="ctr"/>
+            <a:r>
+              <a:rPr lang="en-US" dirty="0"/>
+              <a:t>Naive Bayes (Gud 👌)</a:t>
+            </a:r>
+            <a:endParaRPr lang="vi-VN" dirty="0"/>
+          </a:p>
+        </p:txBody>
+      </p:sp>
+      <p:pic>
+        <p:nvPicPr>
+          <p:cNvPr id="5" name="Content Placeholder 4">
+            <a:extLst>
+              <a:ext uri="{FF2B5EF4-FFF2-40B4-BE49-F238E27FC236}">
+                <a16:creationId xmlns:a16="http://schemas.microsoft.com/office/drawing/2014/main" id="{0F69A9AA-CBBC-4300-81FB-33AAF860C447}"/>
+              </a:ext>
+            </a:extLst>
+          </p:cNvPr>
+          <p:cNvPicPr>
+            <a:picLocks noGrp="1" noChangeAspect="1"/>
+          </p:cNvPicPr>
+          <p:nvPr>
+            <p:ph idx="1"/>
+          </p:nvPr>
+        </p:nvPicPr>
+        <p:blipFill>
+          <a:blip r:embed="rId2"/>
+          <a:stretch>
+            <a:fillRect/>
+          </a:stretch>
+        </p:blipFill>
+        <p:spPr>
+          <a:xfrm>
+            <a:off x="1361414" y="2291318"/>
+            <a:ext cx="9469171" cy="3419952"/>
+          </a:xfrm>
+        </p:spPr>
+      </p:pic>
+    </p:spTree>
+    <p:extLst>
+      <p:ext uri="{BB962C8B-B14F-4D97-AF65-F5344CB8AC3E}">
+        <p14:creationId xmlns:p14="http://schemas.microsoft.com/office/powerpoint/2010/main" val="46661726"/>
+      </p:ext>
+    </p:extLst>
+  </p:cSld>
+  <p:clrMapOvr>
+    <a:masterClrMapping/>
+  </p:clrMapOvr>
+</p:sld>
+</file>
+
+<file path=ppt/slides/slide43.xml><?xml version="1.0" encoding="utf-8"?>
+<p:sld xmlns:a="http://schemas.openxmlformats.org/drawingml/2006/main" xmlns:r="http://schemas.openxmlformats.org/officeDocument/2006/relationships" xmlns:p="http://schemas.openxmlformats.org/presentationml/2006/main">
+  <p:cSld>
+    <p:spTree>
+      <p:nvGrpSpPr>
+        <p:cNvPr id="1" name=""/>
+        <p:cNvGrpSpPr/>
+        <p:nvPr/>
+      </p:nvGrpSpPr>
+      <p:grpSpPr>
+        <a:xfrm>
+          <a:off x="0" y="0"/>
+          <a:ext cx="0" cy="0"/>
+          <a:chOff x="0" y="0"/>
+          <a:chExt cx="0" cy="0"/>
+        </a:xfrm>
+      </p:grpSpPr>
+      <p:sp>
+        <p:nvSpPr>
+          <p:cNvPr id="2" name="Title 1">
+            <a:extLst>
+              <a:ext uri="{FF2B5EF4-FFF2-40B4-BE49-F238E27FC236}">
+                <a16:creationId xmlns:a16="http://schemas.microsoft.com/office/drawing/2014/main" id="{D4EF14A5-9369-4799-9A59-DEB376199EE1}"/>
+              </a:ext>
+            </a:extLst>
+          </p:cNvPr>
+          <p:cNvSpPr>
+            <a:spLocks noGrp="1"/>
+          </p:cNvSpPr>
+          <p:nvPr>
+            <p:ph type="title"/>
+          </p:nvPr>
+        </p:nvSpPr>
+        <p:spPr/>
+        <p:txBody>
+          <a:bodyPr/>
+          <a:lstStyle/>
+          <a:p>
+            <a:pPr algn="ctr"/>
+            <a:r>
+              <a:rPr lang="en-US" dirty="0"/>
+              <a:t>Logistic Regression (🤡)</a:t>
+            </a:r>
+            <a:endParaRPr lang="vi-VN" dirty="0"/>
+          </a:p>
+        </p:txBody>
+      </p:sp>
+      <p:pic>
+        <p:nvPicPr>
+          <p:cNvPr id="7" name="Content Placeholder 6">
+            <a:extLst>
+              <a:ext uri="{FF2B5EF4-FFF2-40B4-BE49-F238E27FC236}">
+                <a16:creationId xmlns:a16="http://schemas.microsoft.com/office/drawing/2014/main" id="{3FB49029-0B1E-479E-BC4E-3F45A16EF032}"/>
+              </a:ext>
+            </a:extLst>
+          </p:cNvPr>
+          <p:cNvPicPr>
+            <a:picLocks noGrp="1" noChangeAspect="1"/>
+          </p:cNvPicPr>
+          <p:nvPr>
+            <p:ph idx="1"/>
+          </p:nvPr>
+        </p:nvPicPr>
+        <p:blipFill>
+          <a:blip r:embed="rId2"/>
+          <a:stretch>
+            <a:fillRect/>
+          </a:stretch>
+        </p:blipFill>
+        <p:spPr>
+          <a:xfrm>
+            <a:off x="1270914" y="2286554"/>
+            <a:ext cx="9650172" cy="3429479"/>
+          </a:xfrm>
+        </p:spPr>
+      </p:pic>
+    </p:spTree>
+    <p:extLst>
+      <p:ext uri="{BB962C8B-B14F-4D97-AF65-F5344CB8AC3E}">
+        <p14:creationId xmlns:p14="http://schemas.microsoft.com/office/powerpoint/2010/main" val="979220208"/>
+      </p:ext>
+    </p:extLst>
+  </p:cSld>
+  <p:clrMapOvr>
+    <a:masterClrMapping/>
+  </p:clrMapOvr>
+</p:sld>
+</file>
+
+<file path=ppt/slides/slide44.xml><?xml version="1.0" encoding="utf-8"?>
+<p:sld xmlns:a="http://schemas.openxmlformats.org/drawingml/2006/main" xmlns:r="http://schemas.openxmlformats.org/officeDocument/2006/relationships" xmlns:p="http://schemas.openxmlformats.org/presentationml/2006/main">
+  <p:cSld>
+    <p:spTree>
+      <p:nvGrpSpPr>
+        <p:cNvPr id="1" name=""/>
+        <p:cNvGrpSpPr/>
+        <p:nvPr/>
+      </p:nvGrpSpPr>
+      <p:grpSpPr>
+        <a:xfrm>
+          <a:off x="0" y="0"/>
+          <a:ext cx="0" cy="0"/>
+          <a:chOff x="0" y="0"/>
+          <a:chExt cx="0" cy="0"/>
+        </a:xfrm>
+      </p:grpSpPr>
+      <p:sp>
+        <p:nvSpPr>
+          <p:cNvPr id="2" name="Title 1">
+            <a:extLst>
+              <a:ext uri="{FF2B5EF4-FFF2-40B4-BE49-F238E27FC236}">
+                <a16:creationId xmlns:a16="http://schemas.microsoft.com/office/drawing/2014/main" id="{D4EF14A5-9369-4799-9A59-DEB376199EE1}"/>
+              </a:ext>
+            </a:extLst>
+          </p:cNvPr>
+          <p:cNvSpPr>
+            <a:spLocks noGrp="1"/>
+          </p:cNvSpPr>
+          <p:nvPr>
+            <p:ph type="title"/>
+          </p:nvPr>
+        </p:nvSpPr>
+        <p:spPr/>
+        <p:txBody>
+          <a:bodyPr/>
+          <a:lstStyle/>
+          <a:p>
+            <a:pPr algn="ctr"/>
+            <a:r>
+              <a:rPr lang="en-US" dirty="0"/>
+              <a:t>Bagging NN (🤡x30 &gt; 🤡)</a:t>
+            </a:r>
+            <a:endParaRPr lang="vi-VN" dirty="0"/>
+          </a:p>
+        </p:txBody>
+      </p:sp>
+      <p:pic>
+        <p:nvPicPr>
+          <p:cNvPr id="6" name="Content Placeholder 5">
+            <a:extLst>
+              <a:ext uri="{FF2B5EF4-FFF2-40B4-BE49-F238E27FC236}">
+                <a16:creationId xmlns:a16="http://schemas.microsoft.com/office/drawing/2014/main" id="{F23F6405-C464-4E1C-8F8F-2730B1C5C074}"/>
+              </a:ext>
+            </a:extLst>
+          </p:cNvPr>
+          <p:cNvPicPr>
+            <a:picLocks noGrp="1" noChangeAspect="1"/>
+          </p:cNvPicPr>
+          <p:nvPr>
+            <p:ph idx="1"/>
+          </p:nvPr>
+        </p:nvPicPr>
+        <p:blipFill>
+          <a:blip r:embed="rId2"/>
+          <a:stretch>
+            <a:fillRect/>
+          </a:stretch>
+        </p:blipFill>
+        <p:spPr>
+          <a:xfrm>
+            <a:off x="1313782" y="2286554"/>
+            <a:ext cx="9564435" cy="3429479"/>
+          </a:xfrm>
+        </p:spPr>
+      </p:pic>
+    </p:spTree>
+    <p:extLst>
+      <p:ext uri="{BB962C8B-B14F-4D97-AF65-F5344CB8AC3E}">
+        <p14:creationId xmlns:p14="http://schemas.microsoft.com/office/powerpoint/2010/main" val="2151105609"/>
+      </p:ext>
+    </p:extLst>
+  </p:cSld>
+  <p:clrMapOvr>
+    <a:masterClrMapping/>
+  </p:clrMapOvr>
+</p:sld>
+</file>
+
+<file path=ppt/slides/slide45.xml><?xml version="1.0" encoding="utf-8"?>
+<p:sld xmlns:a="http://schemas.openxmlformats.org/drawingml/2006/main" xmlns:r="http://schemas.openxmlformats.org/officeDocument/2006/relationships" xmlns:p="http://schemas.openxmlformats.org/presentationml/2006/main">
+  <p:cSld>
+    <p:spTree>
+      <p:nvGrpSpPr>
+        <p:cNvPr id="1" name=""/>
+        <p:cNvGrpSpPr/>
+        <p:nvPr/>
+      </p:nvGrpSpPr>
+      <p:grpSpPr>
+        <a:xfrm>
+          <a:off x="0" y="0"/>
+          <a:ext cx="0" cy="0"/>
+          <a:chOff x="0" y="0"/>
+          <a:chExt cx="0" cy="0"/>
+        </a:xfrm>
+      </p:grpSpPr>
+      <p:sp>
+        <p:nvSpPr>
+          <p:cNvPr id="2" name="Title 1">
+            <a:extLst>
+              <a:ext uri="{FF2B5EF4-FFF2-40B4-BE49-F238E27FC236}">
+                <a16:creationId xmlns:a16="http://schemas.microsoft.com/office/drawing/2014/main" id="{A8180B1D-52AD-4A13-BA51-BB4BD2E3038A}"/>
+              </a:ext>
+            </a:extLst>
+          </p:cNvPr>
+          <p:cNvSpPr>
+            <a:spLocks noGrp="1"/>
+          </p:cNvSpPr>
+          <p:nvPr>
+            <p:ph type="title"/>
+          </p:nvPr>
+        </p:nvSpPr>
+        <p:spPr/>
+        <p:txBody>
+          <a:bodyPr/>
+          <a:lstStyle/>
+          <a:p>
+            <a:pPr algn="ctr"/>
+            <a:r>
+              <a:rPr lang="en-US" dirty="0"/>
+              <a:t>Demo model </a:t>
+            </a:r>
+            <a:r>
+              <a:rPr lang="en-US" dirty="0" err="1"/>
+              <a:t>cuối</a:t>
+            </a:r>
+            <a:r>
+              <a:rPr lang="en-US" dirty="0"/>
+              <a:t> </a:t>
+            </a:r>
+            <a:r>
+              <a:rPr lang="en-US" dirty="0" err="1"/>
+              <a:t>cùng</a:t>
+            </a:r>
+            <a:br>
+              <a:rPr lang="en-US" dirty="0"/>
+            </a:br>
+            <a:r>
+              <a:rPr lang="en-US" dirty="0"/>
+              <a:t>(train 100% data)</a:t>
+            </a:r>
+            <a:endParaRPr lang="vi-VN" dirty="0"/>
+          </a:p>
+        </p:txBody>
+      </p:sp>
+      <p:sp>
+        <p:nvSpPr>
+          <p:cNvPr id="3" name="Content Placeholder 2">
+            <a:extLst>
+              <a:ext uri="{FF2B5EF4-FFF2-40B4-BE49-F238E27FC236}">
+                <a16:creationId xmlns:a16="http://schemas.microsoft.com/office/drawing/2014/main" id="{FF8215E8-8AD2-4EDF-BCD5-7A5A12E6069E}"/>
+              </a:ext>
+            </a:extLst>
+          </p:cNvPr>
+          <p:cNvSpPr>
+            <a:spLocks noGrp="1"/>
+          </p:cNvSpPr>
+          <p:nvPr>
+            <p:ph idx="1"/>
+          </p:nvPr>
+        </p:nvSpPr>
+        <p:spPr>
+          <a:xfrm>
+            <a:off x="838200" y="1825625"/>
+            <a:ext cx="5562600" cy="4351338"/>
+          </a:xfrm>
+        </p:spPr>
+        <p:txBody>
+          <a:bodyPr>
+            <a:normAutofit/>
+          </a:bodyPr>
+          <a:lstStyle/>
+          <a:p>
+            <a:r>
+              <a:rPr lang="en-US" dirty="0"/>
+              <a:t>Test 3: </a:t>
+            </a:r>
+            <a:r>
+              <a:rPr lang="en-US" dirty="0" err="1"/>
+              <a:t>bài</a:t>
+            </a:r>
+            <a:r>
+              <a:rPr lang="en-US" dirty="0"/>
+              <a:t> post anti </a:t>
+            </a:r>
+            <a:br>
+              <a:rPr lang="en-US" dirty="0"/>
+            </a:br>
+            <a:r>
+              <a:rPr lang="en-US" dirty="0"/>
+              <a:t>(</a:t>
+            </a:r>
+            <a:r>
+              <a:rPr lang="en-US" dirty="0" err="1"/>
+              <a:t>lấy</a:t>
+            </a:r>
+            <a:r>
+              <a:rPr lang="en-US" dirty="0"/>
+              <a:t> </a:t>
+            </a:r>
+            <a:r>
+              <a:rPr lang="en-US" dirty="0" err="1"/>
+              <a:t>từ</a:t>
+            </a:r>
+            <a:r>
+              <a:rPr lang="en-US" dirty="0"/>
+              <a:t> group “</a:t>
+            </a:r>
+            <a:r>
+              <a:rPr lang="en-US" dirty="0" err="1"/>
+              <a:t>Nói</a:t>
+            </a:r>
+            <a:r>
+              <a:rPr lang="en-US" dirty="0"/>
+              <a:t> </a:t>
+            </a:r>
+            <a:r>
+              <a:rPr lang="en-US" dirty="0" err="1"/>
+              <a:t>Không</a:t>
+            </a:r>
+            <a:r>
+              <a:rPr lang="en-US" dirty="0"/>
+              <a:t> </a:t>
+            </a:r>
+            <a:r>
+              <a:rPr lang="en-US" dirty="0" err="1"/>
+              <a:t>Với</a:t>
+            </a:r>
+            <a:r>
+              <a:rPr lang="en-US" dirty="0"/>
+              <a:t> </a:t>
+            </a:r>
+            <a:r>
+              <a:rPr lang="en-US" dirty="0" err="1"/>
+              <a:t>Hoa</a:t>
+            </a:r>
+            <a:r>
+              <a:rPr lang="en-US" dirty="0"/>
+              <a:t> </a:t>
+            </a:r>
+            <a:r>
+              <a:rPr lang="en-US" dirty="0" err="1"/>
+              <a:t>Hậu</a:t>
+            </a:r>
+            <a:r>
+              <a:rPr lang="en-US" dirty="0"/>
+              <a:t> </a:t>
+            </a:r>
+            <a:r>
+              <a:rPr lang="en-US" dirty="0" err="1"/>
+              <a:t>Đạo</a:t>
+            </a:r>
+            <a:r>
+              <a:rPr lang="en-US" dirty="0"/>
+              <a:t> </a:t>
+            </a:r>
+            <a:r>
+              <a:rPr lang="en-US" dirty="0" err="1"/>
+              <a:t>Lý</a:t>
+            </a:r>
+            <a:r>
+              <a:rPr lang="en-US" dirty="0"/>
+              <a:t>” </a:t>
+            </a:r>
+            <a:r>
+              <a:rPr lang="en-US" dirty="0" err="1"/>
+              <a:t>trên</a:t>
+            </a:r>
+            <a:r>
+              <a:rPr lang="en-US" dirty="0"/>
+              <a:t> Facebook)</a:t>
+            </a:r>
+          </a:p>
+          <a:p>
+            <a:endParaRPr lang="en-US" dirty="0"/>
+          </a:p>
+        </p:txBody>
+      </p:sp>
+      <p:pic>
+        <p:nvPicPr>
+          <p:cNvPr id="7" name="Picture 6">
+            <a:extLst>
+              <a:ext uri="{FF2B5EF4-FFF2-40B4-BE49-F238E27FC236}">
+                <a16:creationId xmlns:a16="http://schemas.microsoft.com/office/drawing/2014/main" id="{40BA6384-5BAD-41B9-90B2-051F25CBB3A6}"/>
+              </a:ext>
+            </a:extLst>
+          </p:cNvPr>
+          <p:cNvPicPr>
+            <a:picLocks noChangeAspect="1"/>
+          </p:cNvPicPr>
+          <p:nvPr/>
+        </p:nvPicPr>
+        <p:blipFill>
+          <a:blip r:embed="rId2"/>
+          <a:stretch>
+            <a:fillRect/>
+          </a:stretch>
+        </p:blipFill>
+        <p:spPr>
+          <a:xfrm>
+            <a:off x="6968517" y="1825625"/>
+            <a:ext cx="4572638" cy="5830114"/>
+          </a:xfrm>
+          <a:prstGeom prst="rect">
+            <a:avLst/>
+          </a:prstGeom>
+        </p:spPr>
+      </p:pic>
+    </p:spTree>
+    <p:extLst>
+      <p:ext uri="{BB962C8B-B14F-4D97-AF65-F5344CB8AC3E}">
+        <p14:creationId xmlns:p14="http://schemas.microsoft.com/office/powerpoint/2010/main" val="1983969482"/>
+      </p:ext>
+    </p:extLst>
+  </p:cSld>
+  <p:clrMapOvr>
+    <a:masterClrMapping/>
+  </p:clrMapOvr>
+</p:sld>
+</file>
+
+<file path=ppt/slides/slide46.xml><?xml version="1.0" encoding="utf-8"?>
+<p:sld xmlns:a="http://schemas.openxmlformats.org/drawingml/2006/main" xmlns:r="http://schemas.openxmlformats.org/officeDocument/2006/relationships" xmlns:p="http://schemas.openxmlformats.org/presentationml/2006/main">
+  <p:cSld>
+    <p:spTree>
+      <p:nvGrpSpPr>
+        <p:cNvPr id="1" name=""/>
+        <p:cNvGrpSpPr/>
+        <p:nvPr/>
+      </p:nvGrpSpPr>
+      <p:grpSpPr>
+        <a:xfrm>
+          <a:off x="0" y="0"/>
+          <a:ext cx="0" cy="0"/>
+          <a:chOff x="0" y="0"/>
+          <a:chExt cx="0" cy="0"/>
+        </a:xfrm>
+      </p:grpSpPr>
+      <p:sp>
+        <p:nvSpPr>
+          <p:cNvPr id="2" name="Title 1">
+            <a:extLst>
+              <a:ext uri="{FF2B5EF4-FFF2-40B4-BE49-F238E27FC236}">
+                <a16:creationId xmlns:a16="http://schemas.microsoft.com/office/drawing/2014/main" id="{938617CB-349E-4BB4-9681-BC6864DF6DA3}"/>
+              </a:ext>
+            </a:extLst>
+          </p:cNvPr>
+          <p:cNvSpPr>
+            <a:spLocks noGrp="1"/>
+          </p:cNvSpPr>
+          <p:nvPr>
+            <p:ph type="title"/>
+          </p:nvPr>
+        </p:nvSpPr>
+        <p:spPr/>
+        <p:txBody>
+          <a:bodyPr/>
+          <a:lstStyle/>
+          <a:p>
+            <a:pPr algn="ctr"/>
+            <a:r>
+              <a:rPr lang="en-US" dirty="0"/>
+              <a:t>Naive Bayes (Hmm 😶)</a:t>
+            </a:r>
+            <a:endParaRPr lang="vi-VN" dirty="0"/>
+          </a:p>
+        </p:txBody>
+      </p:sp>
+      <p:pic>
+        <p:nvPicPr>
+          <p:cNvPr id="11" name="Content Placeholder 10">
+            <a:extLst>
+              <a:ext uri="{FF2B5EF4-FFF2-40B4-BE49-F238E27FC236}">
+                <a16:creationId xmlns:a16="http://schemas.microsoft.com/office/drawing/2014/main" id="{F9B1B594-57A6-4F7F-93D0-F4F0422D3C6B}"/>
+              </a:ext>
+            </a:extLst>
+          </p:cNvPr>
+          <p:cNvPicPr>
+            <a:picLocks noGrp="1" noChangeAspect="1"/>
+          </p:cNvPicPr>
+          <p:nvPr>
+            <p:ph idx="1"/>
+          </p:nvPr>
+        </p:nvPicPr>
+        <p:blipFill>
+          <a:blip r:embed="rId2"/>
+          <a:stretch>
+            <a:fillRect/>
+          </a:stretch>
+        </p:blipFill>
+        <p:spPr>
+          <a:xfrm>
+            <a:off x="1328072" y="2343712"/>
+            <a:ext cx="9535856" cy="3315163"/>
+          </a:xfrm>
+        </p:spPr>
+      </p:pic>
+    </p:spTree>
+    <p:extLst>
+      <p:ext uri="{BB962C8B-B14F-4D97-AF65-F5344CB8AC3E}">
+        <p14:creationId xmlns:p14="http://schemas.microsoft.com/office/powerpoint/2010/main" val="108669584"/>
+      </p:ext>
+    </p:extLst>
+  </p:cSld>
+  <p:clrMapOvr>
+    <a:masterClrMapping/>
+  </p:clrMapOvr>
+</p:sld>
+</file>
+
+<file path=ppt/slides/slide47.xml><?xml version="1.0" encoding="utf-8"?>
+<p:sld xmlns:a="http://schemas.openxmlformats.org/drawingml/2006/main" xmlns:r="http://schemas.openxmlformats.org/officeDocument/2006/relationships" xmlns:p="http://schemas.openxmlformats.org/presentationml/2006/main">
+  <p:cSld>
+    <p:spTree>
+      <p:nvGrpSpPr>
+        <p:cNvPr id="1" name=""/>
+        <p:cNvGrpSpPr/>
+        <p:nvPr/>
+      </p:nvGrpSpPr>
+      <p:grpSpPr>
+        <a:xfrm>
+          <a:off x="0" y="0"/>
+          <a:ext cx="0" cy="0"/>
+          <a:chOff x="0" y="0"/>
+          <a:chExt cx="0" cy="0"/>
+        </a:xfrm>
+      </p:grpSpPr>
+      <p:sp>
+        <p:nvSpPr>
+          <p:cNvPr id="2" name="Title 1">
+            <a:extLst>
+              <a:ext uri="{FF2B5EF4-FFF2-40B4-BE49-F238E27FC236}">
+                <a16:creationId xmlns:a16="http://schemas.microsoft.com/office/drawing/2014/main" id="{D4EF14A5-9369-4799-9A59-DEB376199EE1}"/>
+              </a:ext>
+            </a:extLst>
+          </p:cNvPr>
+          <p:cNvSpPr>
+            <a:spLocks noGrp="1"/>
+          </p:cNvSpPr>
+          <p:nvPr>
+            <p:ph type="title"/>
+          </p:nvPr>
+        </p:nvSpPr>
+        <p:spPr/>
+        <p:txBody>
+          <a:bodyPr/>
+          <a:lstStyle/>
+          <a:p>
+            <a:pPr algn="ctr"/>
+            <a:r>
+              <a:rPr lang="en-US" dirty="0"/>
+              <a:t>Logistic Regression (🤷‍♀️)</a:t>
+            </a:r>
+            <a:endParaRPr lang="vi-VN" dirty="0"/>
+          </a:p>
+        </p:txBody>
+      </p:sp>
+      <p:pic>
+        <p:nvPicPr>
+          <p:cNvPr id="11" name="Content Placeholder 10">
+            <a:extLst>
+              <a:ext uri="{FF2B5EF4-FFF2-40B4-BE49-F238E27FC236}">
+                <a16:creationId xmlns:a16="http://schemas.microsoft.com/office/drawing/2014/main" id="{2A797F1A-793B-49DF-999F-49FC3B28CD61}"/>
+              </a:ext>
+            </a:extLst>
+          </p:cNvPr>
+          <p:cNvPicPr>
+            <a:picLocks noGrp="1" noChangeAspect="1"/>
+          </p:cNvPicPr>
+          <p:nvPr>
+            <p:ph idx="1"/>
+          </p:nvPr>
+        </p:nvPicPr>
+        <p:blipFill>
+          <a:blip r:embed="rId2"/>
+          <a:stretch>
+            <a:fillRect/>
+          </a:stretch>
+        </p:blipFill>
+        <p:spPr>
+          <a:xfrm>
+            <a:off x="1247098" y="2281791"/>
+            <a:ext cx="9697803" cy="3439005"/>
+          </a:xfrm>
+        </p:spPr>
+      </p:pic>
+    </p:spTree>
+    <p:extLst>
+      <p:ext uri="{BB962C8B-B14F-4D97-AF65-F5344CB8AC3E}">
+        <p14:creationId xmlns:p14="http://schemas.microsoft.com/office/powerpoint/2010/main" val="1774980071"/>
+      </p:ext>
+    </p:extLst>
+  </p:cSld>
+  <p:clrMapOvr>
+    <a:masterClrMapping/>
+  </p:clrMapOvr>
+</p:sld>
+</file>
+
+<file path=ppt/slides/slide48.xml><?xml version="1.0" encoding="utf-8"?>
+<p:sld xmlns:a="http://schemas.openxmlformats.org/drawingml/2006/main" xmlns:r="http://schemas.openxmlformats.org/officeDocument/2006/relationships" xmlns:p="http://schemas.openxmlformats.org/presentationml/2006/main">
+  <p:cSld>
+    <p:spTree>
+      <p:nvGrpSpPr>
+        <p:cNvPr id="1" name=""/>
+        <p:cNvGrpSpPr/>
+        <p:nvPr/>
+      </p:nvGrpSpPr>
+      <p:grpSpPr>
+        <a:xfrm>
+          <a:off x="0" y="0"/>
+          <a:ext cx="0" cy="0"/>
+          <a:chOff x="0" y="0"/>
+          <a:chExt cx="0" cy="0"/>
+        </a:xfrm>
+      </p:grpSpPr>
+      <p:sp>
+        <p:nvSpPr>
+          <p:cNvPr id="2" name="Title 1">
+            <a:extLst>
+              <a:ext uri="{FF2B5EF4-FFF2-40B4-BE49-F238E27FC236}">
+                <a16:creationId xmlns:a16="http://schemas.microsoft.com/office/drawing/2014/main" id="{D4EF14A5-9369-4799-9A59-DEB376199EE1}"/>
+              </a:ext>
+            </a:extLst>
+          </p:cNvPr>
+          <p:cNvSpPr>
+            <a:spLocks noGrp="1"/>
+          </p:cNvSpPr>
+          <p:nvPr>
+            <p:ph type="title"/>
+          </p:nvPr>
+        </p:nvSpPr>
+        <p:spPr/>
+        <p:txBody>
+          <a:bodyPr/>
+          <a:lstStyle/>
+          <a:p>
+            <a:pPr algn="ctr"/>
+            <a:r>
+              <a:rPr lang="en-US" dirty="0"/>
+              <a:t>Bagging NN </a:t>
+            </a:r>
+            <a:r>
+              <a:rPr lang="en-US"/>
+              <a:t>(Yeah 🤙)</a:t>
+            </a:r>
+            <a:endParaRPr lang="vi-VN" dirty="0"/>
+          </a:p>
+        </p:txBody>
+      </p:sp>
+      <p:pic>
+        <p:nvPicPr>
+          <p:cNvPr id="11" name="Content Placeholder 10">
+            <a:extLst>
+              <a:ext uri="{FF2B5EF4-FFF2-40B4-BE49-F238E27FC236}">
+                <a16:creationId xmlns:a16="http://schemas.microsoft.com/office/drawing/2014/main" id="{0B9632E7-893A-4DD0-825F-9360A3EE003A}"/>
+              </a:ext>
+            </a:extLst>
+          </p:cNvPr>
+          <p:cNvPicPr>
+            <a:picLocks noGrp="1" noChangeAspect="1"/>
+          </p:cNvPicPr>
+          <p:nvPr>
+            <p:ph idx="1"/>
+          </p:nvPr>
+        </p:nvPicPr>
+        <p:blipFill>
+          <a:blip r:embed="rId2"/>
+          <a:stretch>
+            <a:fillRect/>
+          </a:stretch>
+        </p:blipFill>
+        <p:spPr>
+          <a:xfrm>
+            <a:off x="1313782" y="2296081"/>
+            <a:ext cx="9564435" cy="3410426"/>
+          </a:xfrm>
+        </p:spPr>
+      </p:pic>
+    </p:spTree>
+    <p:extLst>
+      <p:ext uri="{BB962C8B-B14F-4D97-AF65-F5344CB8AC3E}">
+        <p14:creationId xmlns:p14="http://schemas.microsoft.com/office/powerpoint/2010/main" val="2586978152"/>
+      </p:ext>
+    </p:extLst>
+  </p:cSld>
+  <p:clrMapOvr>
+    <a:masterClrMapping/>
+  </p:clrMapOvr>
+</p:sld>
+</file>
+
+<file path=ppt/slides/slide49.xml><?xml version="1.0" encoding="utf-8"?>
+<p:sld xmlns:a="http://schemas.openxmlformats.org/drawingml/2006/main" xmlns:r="http://schemas.openxmlformats.org/officeDocument/2006/relationships" xmlns:p="http://schemas.openxmlformats.org/presentationml/2006/main">
+  <p:cSld>
+    <p:spTree>
+      <p:nvGrpSpPr>
+        <p:cNvPr id="1" name=""/>
+        <p:cNvGrpSpPr/>
+        <p:nvPr/>
+      </p:nvGrpSpPr>
+      <p:grpSpPr>
+        <a:xfrm>
+          <a:off x="0" y="0"/>
+          <a:ext cx="0" cy="0"/>
+          <a:chOff x="0" y="0"/>
+          <a:chExt cx="0" cy="0"/>
+        </a:xfrm>
+      </p:grpSpPr>
+      <p:sp>
+        <p:nvSpPr>
+          <p:cNvPr id="2" name="Title 1">
+            <a:extLst>
+              <a:ext uri="{FF2B5EF4-FFF2-40B4-BE49-F238E27FC236}">
+                <a16:creationId xmlns:a16="http://schemas.microsoft.com/office/drawing/2014/main" id="{07A80883-2B13-4A49-B552-25325EC20374}"/>
+              </a:ext>
+            </a:extLst>
+          </p:cNvPr>
+          <p:cNvSpPr>
+            <a:spLocks noGrp="1"/>
+          </p:cNvSpPr>
+          <p:nvPr>
+            <p:ph type="title"/>
+          </p:nvPr>
+        </p:nvSpPr>
+        <p:spPr/>
+        <p:txBody>
+          <a:bodyPr/>
+          <a:lstStyle/>
+          <a:p>
+            <a:r>
+              <a:rPr lang="en-US" dirty="0" err="1"/>
+              <a:t>Tổng</a:t>
+            </a:r>
+            <a:r>
+              <a:rPr lang="en-US" dirty="0"/>
+              <a:t> </a:t>
+            </a:r>
+            <a:r>
+              <a:rPr lang="en-US" dirty="0" err="1"/>
+              <a:t>kết</a:t>
+            </a:r>
+            <a:endParaRPr lang="vi-VN" dirty="0"/>
+          </a:p>
+        </p:txBody>
+      </p:sp>
+      <p:sp>
+        <p:nvSpPr>
+          <p:cNvPr id="3" name="Text Placeholder 2">
+            <a:extLst>
+              <a:ext uri="{FF2B5EF4-FFF2-40B4-BE49-F238E27FC236}">
+                <a16:creationId xmlns:a16="http://schemas.microsoft.com/office/drawing/2014/main" id="{CE18A342-537F-4A53-AD53-14D01F922E4F}"/>
+              </a:ext>
+            </a:extLst>
+          </p:cNvPr>
+          <p:cNvSpPr>
+            <a:spLocks noGrp="1"/>
+          </p:cNvSpPr>
+          <p:nvPr>
+            <p:ph type="body" idx="1"/>
+          </p:nvPr>
+        </p:nvSpPr>
+        <p:spPr/>
+        <p:txBody>
+          <a:bodyPr/>
+          <a:lstStyle/>
+          <a:p>
+            <a:endParaRPr lang="vi-VN"/>
+          </a:p>
+        </p:txBody>
+      </p:sp>
+    </p:spTree>
+    <p:extLst>
+      <p:ext uri="{BB962C8B-B14F-4D97-AF65-F5344CB8AC3E}">
+        <p14:creationId xmlns:p14="http://schemas.microsoft.com/office/powerpoint/2010/main" val="334925204"/>
+      </p:ext>
+    </p:extLst>
+  </p:cSld>
+  <p:clrMapOvr>
+    <a:masterClrMapping/>
+  </p:clrMapOvr>
+</p:sld>
+</file>
+
+<file path=ppt/slides/slide5.xml><?xml version="1.0" encoding="utf-8"?>
+<p:sld xmlns:a="http://schemas.openxmlformats.org/drawingml/2006/main" xmlns:r="http://schemas.openxmlformats.org/officeDocument/2006/relationships" xmlns:p="http://schemas.openxmlformats.org/presentationml/2006/main">
+  <p:cSld>
+    <p:spTree>
+      <p:nvGrpSpPr>
+        <p:cNvPr id="1" name=""/>
+        <p:cNvGrpSpPr/>
+        <p:nvPr/>
+      </p:nvGrpSpPr>
+      <p:grpSpPr>
+        <a:xfrm>
+          <a:off x="0" y="0"/>
+          <a:ext cx="0" cy="0"/>
+          <a:chOff x="0" y="0"/>
+          <a:chExt cx="0" cy="0"/>
+        </a:xfrm>
+      </p:grpSpPr>
+      <p:sp>
+        <p:nvSpPr>
+          <p:cNvPr id="2" name="Title 1">
+            <a:extLst>
+              <a:ext uri="{FF2B5EF4-FFF2-40B4-BE49-F238E27FC236}">
+                <a16:creationId xmlns:a16="http://schemas.microsoft.com/office/drawing/2014/main" id="{45FF1C7A-6A78-43D7-A3C2-48E7E9387963}"/>
+              </a:ext>
+            </a:extLst>
+          </p:cNvPr>
+          <p:cNvSpPr>
+            <a:spLocks noGrp="1"/>
+          </p:cNvSpPr>
+          <p:nvPr>
+            <p:ph type="title"/>
+          </p:nvPr>
+        </p:nvSpPr>
+        <p:spPr/>
+        <p:txBody>
+          <a:bodyPr/>
+          <a:lstStyle/>
+          <a:p>
+            <a:endParaRPr lang="vi-VN"/>
+          </a:p>
+        </p:txBody>
+      </p:sp>
+      <p:sp>
+        <p:nvSpPr>
+          <p:cNvPr id="3" name="Content Placeholder 2">
+            <a:extLst>
+              <a:ext uri="{FF2B5EF4-FFF2-40B4-BE49-F238E27FC236}">
+                <a16:creationId xmlns:a16="http://schemas.microsoft.com/office/drawing/2014/main" id="{087A3FA0-0C27-479B-970E-CA1E29636218}"/>
+              </a:ext>
+            </a:extLst>
+          </p:cNvPr>
+          <p:cNvSpPr>
+            <a:spLocks noGrp="1"/>
+          </p:cNvSpPr>
+          <p:nvPr>
+            <p:ph idx="1"/>
+          </p:nvPr>
+        </p:nvSpPr>
+        <p:spPr/>
+        <p:txBody>
+          <a:bodyPr/>
+          <a:lstStyle/>
+          <a:p>
+            <a:endParaRPr lang="vi-VN"/>
+          </a:p>
+        </p:txBody>
+      </p:sp>
+      <p:pic>
+        <p:nvPicPr>
+          <p:cNvPr id="4" name="Picture 3">
+            <a:extLst>
+              <a:ext uri="{FF2B5EF4-FFF2-40B4-BE49-F238E27FC236}">
+                <a16:creationId xmlns:a16="http://schemas.microsoft.com/office/drawing/2014/main" id="{F54C5F7F-4A6E-433C-8874-DE5525A3FB2A}"/>
+              </a:ext>
+            </a:extLst>
+          </p:cNvPr>
+          <p:cNvPicPr>
+            <a:picLocks noChangeAspect="1"/>
+          </p:cNvPicPr>
+          <p:nvPr/>
+        </p:nvPicPr>
+        <p:blipFill>
+          <a:blip r:embed="rId2"/>
+          <a:stretch>
+            <a:fillRect/>
+          </a:stretch>
+        </p:blipFill>
+        <p:spPr>
+          <a:xfrm>
+            <a:off x="580138" y="0"/>
+            <a:ext cx="11031723" cy="6858000"/>
+          </a:xfrm>
+          <a:prstGeom prst="rect">
+            <a:avLst/>
+          </a:prstGeom>
+        </p:spPr>
+      </p:pic>
+    </p:spTree>
+    <p:extLst>
+      <p:ext uri="{BB962C8B-B14F-4D97-AF65-F5344CB8AC3E}">
+        <p14:creationId xmlns:p14="http://schemas.microsoft.com/office/powerpoint/2010/main" val="426237587"/>
+      </p:ext>
+    </p:extLst>
+  </p:cSld>
+  <p:clrMapOvr>
+    <a:masterClrMapping/>
+  </p:clrMapOvr>
+</p:sld>
+</file>
+
+<file path=ppt/slides/slide50.xml><?xml version="1.0" encoding="utf-8"?>
+<p:sld xmlns:a="http://schemas.openxmlformats.org/drawingml/2006/main" xmlns:r="http://schemas.openxmlformats.org/officeDocument/2006/relationships" xmlns:p="http://schemas.openxmlformats.org/presentationml/2006/main">
+  <p:cSld>
+    <p:spTree>
+      <p:nvGrpSpPr>
+        <p:cNvPr id="1" name=""/>
+        <p:cNvGrpSpPr/>
+        <p:nvPr/>
+      </p:nvGrpSpPr>
+      <p:grpSpPr>
+        <a:xfrm>
+          <a:off x="0" y="0"/>
+          <a:ext cx="0" cy="0"/>
+          <a:chOff x="0" y="0"/>
+          <a:chExt cx="0" cy="0"/>
+        </a:xfrm>
+      </p:grpSpPr>
+      <p:sp>
+        <p:nvSpPr>
+          <p:cNvPr id="2" name="Title 1">
+            <a:extLst>
+              <a:ext uri="{FF2B5EF4-FFF2-40B4-BE49-F238E27FC236}">
+                <a16:creationId xmlns:a16="http://schemas.microsoft.com/office/drawing/2014/main" id="{4AD106DC-1A60-44EA-9B45-87C7691BCE09}"/>
+              </a:ext>
+            </a:extLst>
+          </p:cNvPr>
+          <p:cNvSpPr>
+            <a:spLocks noGrp="1"/>
+          </p:cNvSpPr>
+          <p:nvPr>
+            <p:ph type="title"/>
+          </p:nvPr>
+        </p:nvSpPr>
+        <p:spPr/>
+        <p:txBody>
+          <a:bodyPr/>
+          <a:lstStyle/>
+          <a:p>
+            <a:pPr algn="ctr"/>
+            <a:r>
+              <a:rPr lang="en-US" dirty="0" err="1"/>
+              <a:t>Đánh</a:t>
+            </a:r>
+            <a:r>
+              <a:rPr lang="en-US" dirty="0"/>
+              <a:t> </a:t>
+            </a:r>
+            <a:r>
+              <a:rPr lang="en-US" dirty="0" err="1"/>
+              <a:t>giá</a:t>
+            </a:r>
+            <a:r>
+              <a:rPr lang="en-US" dirty="0"/>
+              <a:t> </a:t>
+            </a:r>
+            <a:r>
+              <a:rPr lang="en-US" dirty="0" err="1"/>
+              <a:t>mô</a:t>
+            </a:r>
+            <a:r>
+              <a:rPr lang="en-US" dirty="0"/>
+              <a:t> </a:t>
+            </a:r>
+            <a:r>
+              <a:rPr lang="en-US" dirty="0" err="1"/>
+              <a:t>hình</a:t>
+            </a:r>
+            <a:endParaRPr lang="vi-VN" dirty="0"/>
+          </a:p>
+        </p:txBody>
+      </p:sp>
+      <p:sp>
+        <p:nvSpPr>
+          <p:cNvPr id="3" name="Content Placeholder 2">
+            <a:extLst>
+              <a:ext uri="{FF2B5EF4-FFF2-40B4-BE49-F238E27FC236}">
+                <a16:creationId xmlns:a16="http://schemas.microsoft.com/office/drawing/2014/main" id="{36B77C27-FE88-4214-8173-C40E2F3F9948}"/>
+              </a:ext>
+            </a:extLst>
+          </p:cNvPr>
+          <p:cNvSpPr>
+            <a:spLocks noGrp="1"/>
+          </p:cNvSpPr>
+          <p:nvPr>
+            <p:ph idx="1"/>
+          </p:nvPr>
+        </p:nvSpPr>
+        <p:spPr/>
+        <p:txBody>
+          <a:bodyPr>
+            <a:normAutofit/>
+          </a:bodyPr>
+          <a:lstStyle/>
+          <a:p>
+            <a:r>
+              <a:rPr lang="vi-VN" dirty="0"/>
+              <a:t>Độ chính xác không cao </a:t>
+            </a:r>
+            <a:r>
+              <a:rPr lang="en-US" dirty="0" err="1"/>
+              <a:t>nhưng</a:t>
+            </a:r>
+            <a:r>
+              <a:rPr lang="en-US" dirty="0"/>
+              <a:t> </a:t>
+            </a:r>
+            <a:r>
+              <a:rPr lang="en-US" dirty="0" err="1"/>
+              <a:t>cũng</a:t>
+            </a:r>
+            <a:r>
+              <a:rPr lang="en-US" dirty="0"/>
+              <a:t> </a:t>
+            </a:r>
+            <a:r>
+              <a:rPr lang="en-US" dirty="0" err="1"/>
+              <a:t>đủ</a:t>
+            </a:r>
+            <a:r>
+              <a:rPr lang="en-US" dirty="0"/>
+              <a:t> </a:t>
+            </a:r>
+            <a:r>
+              <a:rPr lang="en-US" dirty="0" err="1"/>
+              <a:t>tốt</a:t>
+            </a:r>
+            <a:br>
+              <a:rPr lang="en-US" dirty="0"/>
+            </a:br>
+            <a:r>
+              <a:rPr lang="vi-VN" dirty="0"/>
+              <a:t>(khoảng 75-80%)</a:t>
+            </a:r>
+          </a:p>
+          <a:p>
+            <a:r>
+              <a:rPr lang="vi-VN" dirty="0"/>
+              <a:t>Sử dụng phương pháp </a:t>
+            </a:r>
+            <a:r>
+              <a:rPr lang="vi-VN" dirty="0" err="1"/>
+              <a:t>bagging</a:t>
+            </a:r>
+            <a:r>
+              <a:rPr lang="vi-VN" dirty="0"/>
+              <a:t> để tăng tốc độ chạy mô hình </a:t>
+            </a:r>
+            <a:r>
+              <a:rPr lang="vi-VN" dirty="0" err="1"/>
+              <a:t>neuron</a:t>
+            </a:r>
+            <a:r>
+              <a:rPr lang="vi-VN" dirty="0"/>
+              <a:t> </a:t>
+            </a:r>
+            <a:r>
+              <a:rPr lang="vi-VN" dirty="0" err="1"/>
+              <a:t>network</a:t>
+            </a:r>
+            <a:r>
+              <a:rPr lang="vi-VN" dirty="0"/>
+              <a:t> mà lại giảm </a:t>
+            </a:r>
+            <a:r>
+              <a:rPr lang="vi-VN" dirty="0" err="1"/>
+              <a:t>overfit</a:t>
+            </a:r>
+            <a:r>
+              <a:rPr lang="en-US" dirty="0"/>
+              <a:t>, </a:t>
+            </a:r>
+            <a:r>
+              <a:rPr lang="en-US" dirty="0" err="1"/>
+              <a:t>giúp</a:t>
+            </a:r>
+            <a:r>
+              <a:rPr lang="en-US" dirty="0"/>
+              <a:t> </a:t>
+            </a:r>
+            <a:r>
+              <a:rPr lang="en-US" dirty="0" err="1"/>
+              <a:t>mô</a:t>
+            </a:r>
+            <a:r>
+              <a:rPr lang="en-US" dirty="0"/>
+              <a:t> </a:t>
+            </a:r>
+            <a:r>
+              <a:rPr lang="en-US" dirty="0" err="1"/>
+              <a:t>hình</a:t>
+            </a:r>
+            <a:r>
+              <a:rPr lang="en-US" dirty="0"/>
+              <a:t> </a:t>
+            </a:r>
+            <a:r>
+              <a:rPr lang="en-US" dirty="0" err="1"/>
+              <a:t>này</a:t>
+            </a:r>
+            <a:r>
+              <a:rPr lang="en-US" dirty="0"/>
+              <a:t> </a:t>
+            </a:r>
+            <a:r>
+              <a:rPr lang="en-US" dirty="0" err="1"/>
+              <a:t>đủ</a:t>
+            </a:r>
+            <a:r>
+              <a:rPr lang="en-US" dirty="0"/>
+              <a:t> </a:t>
+            </a:r>
+            <a:r>
+              <a:rPr lang="en-US" dirty="0" err="1"/>
+              <a:t>sức</a:t>
+            </a:r>
+            <a:r>
+              <a:rPr lang="en-US" dirty="0"/>
+              <a:t> </a:t>
+            </a:r>
+            <a:r>
+              <a:rPr lang="en-US" dirty="0" err="1"/>
+              <a:t>chạy</a:t>
+            </a:r>
+            <a:r>
+              <a:rPr lang="en-US" dirty="0"/>
+              <a:t> </a:t>
+            </a:r>
+            <a:r>
+              <a:rPr lang="en-US" dirty="0" err="1"/>
+              <a:t>trên</a:t>
+            </a:r>
+            <a:r>
+              <a:rPr lang="en-US" dirty="0"/>
+              <a:t> </a:t>
+            </a:r>
+            <a:r>
+              <a:rPr lang="en-US" dirty="0" err="1"/>
+              <a:t>toàn</a:t>
+            </a:r>
+            <a:r>
+              <a:rPr lang="en-US" dirty="0"/>
+              <a:t> </a:t>
+            </a:r>
+            <a:r>
+              <a:rPr lang="en-US" dirty="0" err="1"/>
+              <a:t>dữ</a:t>
+            </a:r>
+            <a:r>
+              <a:rPr lang="en-US" dirty="0"/>
+              <a:t> </a:t>
+            </a:r>
+            <a:r>
+              <a:rPr lang="en-US" dirty="0" err="1"/>
+              <a:t>liệu</a:t>
+            </a:r>
+            <a:r>
+              <a:rPr lang="en-US" dirty="0"/>
+              <a:t> </a:t>
+            </a:r>
+            <a:r>
+              <a:rPr lang="en-US" dirty="0" err="1"/>
+              <a:t>trong</a:t>
+            </a:r>
+            <a:r>
+              <a:rPr lang="en-US" dirty="0"/>
+              <a:t> </a:t>
+            </a:r>
+            <a:r>
+              <a:rPr lang="en-US" dirty="0" err="1"/>
+              <a:t>thời</a:t>
+            </a:r>
+            <a:r>
+              <a:rPr lang="en-US" dirty="0"/>
+              <a:t> </a:t>
+            </a:r>
+            <a:r>
+              <a:rPr lang="en-US" dirty="0" err="1"/>
+              <a:t>gian</a:t>
+            </a:r>
+            <a:r>
+              <a:rPr lang="en-US" dirty="0"/>
+              <a:t> </a:t>
+            </a:r>
+            <a:r>
+              <a:rPr lang="en-US" dirty="0" err="1"/>
+              <a:t>cho</a:t>
+            </a:r>
+            <a:r>
+              <a:rPr lang="en-US" dirty="0"/>
+              <a:t> </a:t>
+            </a:r>
+            <a:r>
+              <a:rPr lang="en-US" dirty="0" err="1"/>
+              <a:t>phép</a:t>
+            </a:r>
+            <a:br>
+              <a:rPr lang="en-US" dirty="0"/>
+            </a:br>
+            <a:r>
+              <a:rPr lang="en-US" dirty="0"/>
+              <a:t>(&lt; 20 </a:t>
+            </a:r>
+            <a:r>
+              <a:rPr lang="en-US" dirty="0" err="1"/>
+              <a:t>phút</a:t>
+            </a:r>
+            <a:r>
+              <a:rPr lang="en-US" dirty="0"/>
+              <a:t>)</a:t>
+            </a:r>
+            <a:endParaRPr lang="vi-VN" dirty="0"/>
+          </a:p>
+          <a:p>
+            <a:r>
+              <a:rPr lang="vi-VN" dirty="0"/>
+              <a:t>Không đủ khả năng </a:t>
+            </a:r>
+            <a:r>
+              <a:rPr lang="en-US" dirty="0" err="1"/>
+              <a:t>thử</a:t>
+            </a:r>
+            <a:r>
+              <a:rPr lang="en-US" dirty="0"/>
+              <a:t> </a:t>
+            </a:r>
+            <a:r>
+              <a:rPr lang="en-US" dirty="0" err="1"/>
+              <a:t>nghiệm</a:t>
+            </a:r>
+            <a:r>
+              <a:rPr lang="en-US" dirty="0"/>
+              <a:t> </a:t>
+            </a:r>
+            <a:r>
+              <a:rPr lang="vi-VN" dirty="0"/>
+              <a:t>toàn bộ dữ liệu do thời gian xử lý khá lâu</a:t>
+            </a:r>
+            <a:endParaRPr lang="en-US" dirty="0"/>
+          </a:p>
+        </p:txBody>
+      </p:sp>
+    </p:spTree>
+    <p:extLst>
+      <p:ext uri="{BB962C8B-B14F-4D97-AF65-F5344CB8AC3E}">
+        <p14:creationId xmlns:p14="http://schemas.microsoft.com/office/powerpoint/2010/main" val="3473368064"/>
+      </p:ext>
+    </p:extLst>
+  </p:cSld>
+  <p:clrMapOvr>
+    <a:masterClrMapping/>
+  </p:clrMapOvr>
+</p:sld>
+</file>
+
+<file path=ppt/slides/slide51.xml><?xml version="1.0" encoding="utf-8"?>
+<p:sld xmlns:a="http://schemas.openxmlformats.org/drawingml/2006/main" xmlns:r="http://schemas.openxmlformats.org/officeDocument/2006/relationships" xmlns:p="http://schemas.openxmlformats.org/presentationml/2006/main">
+  <p:cSld>
+    <p:spTree>
+      <p:nvGrpSpPr>
+        <p:cNvPr id="1" name=""/>
+        <p:cNvGrpSpPr/>
+        <p:nvPr/>
+      </p:nvGrpSpPr>
+      <p:grpSpPr>
+        <a:xfrm>
+          <a:off x="0" y="0"/>
+          <a:ext cx="0" cy="0"/>
+          <a:chOff x="0" y="0"/>
+          <a:chExt cx="0" cy="0"/>
+        </a:xfrm>
+      </p:grpSpPr>
+      <p:sp>
+        <p:nvSpPr>
+          <p:cNvPr id="2" name="Title 1">
+            <a:extLst>
+              <a:ext uri="{FF2B5EF4-FFF2-40B4-BE49-F238E27FC236}">
+                <a16:creationId xmlns:a16="http://schemas.microsoft.com/office/drawing/2014/main" id="{4AD106DC-1A60-44EA-9B45-87C7691BCE09}"/>
+              </a:ext>
+            </a:extLst>
+          </p:cNvPr>
+          <p:cNvSpPr>
+            <a:spLocks noGrp="1"/>
+          </p:cNvSpPr>
+          <p:nvPr>
+            <p:ph type="title"/>
+          </p:nvPr>
+        </p:nvSpPr>
+        <p:spPr/>
+        <p:txBody>
+          <a:bodyPr/>
+          <a:lstStyle/>
+          <a:p>
+            <a:pPr algn="ctr"/>
+            <a:r>
+              <a:rPr lang="en-US" dirty="0" err="1"/>
+              <a:t>Đánh</a:t>
+            </a:r>
+            <a:r>
+              <a:rPr lang="en-US" dirty="0"/>
+              <a:t> </a:t>
+            </a:r>
+            <a:r>
+              <a:rPr lang="en-US" dirty="0" err="1"/>
+              <a:t>giá</a:t>
+            </a:r>
+            <a:r>
+              <a:rPr lang="en-US" dirty="0"/>
+              <a:t> </a:t>
+            </a:r>
+            <a:r>
+              <a:rPr lang="en-US" dirty="0" err="1"/>
+              <a:t>đồ</a:t>
+            </a:r>
+            <a:r>
+              <a:rPr lang="en-US" dirty="0"/>
+              <a:t> </a:t>
+            </a:r>
+            <a:r>
+              <a:rPr lang="en-US" dirty="0" err="1"/>
+              <a:t>án</a:t>
+            </a:r>
+            <a:r>
+              <a:rPr lang="en-US" dirty="0"/>
+              <a:t> (</a:t>
+            </a:r>
+            <a:r>
+              <a:rPr lang="en-US" dirty="0" err="1"/>
+              <a:t>chiêm</a:t>
+            </a:r>
+            <a:r>
+              <a:rPr lang="en-US" dirty="0"/>
+              <a:t> </a:t>
+            </a:r>
+            <a:r>
+              <a:rPr lang="en-US" dirty="0" err="1"/>
+              <a:t>nghiệm</a:t>
+            </a:r>
+            <a:r>
+              <a:rPr lang="en-US" dirty="0"/>
+              <a:t>)</a:t>
+            </a:r>
+            <a:endParaRPr lang="vi-VN" dirty="0"/>
+          </a:p>
+        </p:txBody>
+      </p:sp>
+      <p:sp>
+        <p:nvSpPr>
+          <p:cNvPr id="3" name="Content Placeholder 2">
+            <a:extLst>
+              <a:ext uri="{FF2B5EF4-FFF2-40B4-BE49-F238E27FC236}">
+                <a16:creationId xmlns:a16="http://schemas.microsoft.com/office/drawing/2014/main" id="{36B77C27-FE88-4214-8173-C40E2F3F9948}"/>
+              </a:ext>
+            </a:extLst>
+          </p:cNvPr>
+          <p:cNvSpPr>
+            <a:spLocks noGrp="1"/>
+          </p:cNvSpPr>
+          <p:nvPr>
+            <p:ph idx="1"/>
+          </p:nvPr>
+        </p:nvSpPr>
+        <p:spPr/>
+        <p:txBody>
+          <a:bodyPr>
+            <a:normAutofit/>
+          </a:bodyPr>
+          <a:lstStyle/>
+          <a:p>
+            <a:pPr marL="0" indent="0">
+              <a:buNone/>
+            </a:pPr>
+            <a:r>
+              <a:rPr lang="vi-VN" dirty="0"/>
+              <a:t>Chưa tốt</a:t>
+            </a:r>
+            <a:r>
+              <a:rPr lang="en-US" dirty="0"/>
+              <a:t> 🙃</a:t>
+            </a:r>
+            <a:endParaRPr lang="vi-VN" dirty="0"/>
+          </a:p>
+          <a:p>
+            <a:r>
+              <a:rPr lang="vi-VN" dirty="0"/>
+              <a:t>Thời gian làm khá gấp rút do suy nghĩ đề tài muộn</a:t>
+            </a:r>
+          </a:p>
+          <a:p>
+            <a:r>
+              <a:rPr lang="vi-VN" dirty="0"/>
+              <a:t>Không hoàn thành sớm </a:t>
+            </a:r>
+            <a:r>
+              <a:rPr lang="en-US" dirty="0" err="1"/>
+              <a:t>được</a:t>
+            </a:r>
+            <a:r>
+              <a:rPr lang="vi-VN" dirty="0"/>
+              <a:t> đồ án</a:t>
+            </a:r>
+          </a:p>
+          <a:p>
+            <a:r>
+              <a:rPr lang="vi-VN" dirty="0"/>
+              <a:t>Không tìm được nguồn dữ liệu chuyên cho đề tài của nhóm</a:t>
+            </a:r>
+          </a:p>
+          <a:p>
+            <a:r>
+              <a:rPr lang="vi-VN" dirty="0"/>
+              <a:t>Chưa có </a:t>
+            </a:r>
+            <a:r>
+              <a:rPr lang="vi-VN" dirty="0" err="1"/>
+              <a:t>pipeline</a:t>
+            </a:r>
+            <a:r>
+              <a:rPr lang="vi-VN" dirty="0"/>
+              <a:t> tổng quát.</a:t>
+            </a:r>
+            <a:endParaRPr lang="en-US" dirty="0"/>
+          </a:p>
+        </p:txBody>
+      </p:sp>
+    </p:spTree>
+    <p:extLst>
+      <p:ext uri="{BB962C8B-B14F-4D97-AF65-F5344CB8AC3E}">
+        <p14:creationId xmlns:p14="http://schemas.microsoft.com/office/powerpoint/2010/main" val="3068223525"/>
+      </p:ext>
+    </p:extLst>
+  </p:cSld>
+  <p:clrMapOvr>
+    <a:masterClrMapping/>
+  </p:clrMapOvr>
+</p:sld>
+</file>
+
+<file path=ppt/slides/slide52.xml><?xml version="1.0" encoding="utf-8"?>
+<p:sld xmlns:a="http://schemas.openxmlformats.org/drawingml/2006/main" xmlns:r="http://schemas.openxmlformats.org/officeDocument/2006/relationships" xmlns:p="http://schemas.openxmlformats.org/presentationml/2006/main">
+  <p:cSld>
+    <p:spTree>
+      <p:nvGrpSpPr>
+        <p:cNvPr id="1" name=""/>
+        <p:cNvGrpSpPr/>
+        <p:nvPr/>
+      </p:nvGrpSpPr>
+      <p:grpSpPr>
+        <a:xfrm>
+          <a:off x="0" y="0"/>
+          <a:ext cx="0" cy="0"/>
+          <a:chOff x="0" y="0"/>
+          <a:chExt cx="0" cy="0"/>
+        </a:xfrm>
+      </p:grpSpPr>
+      <p:sp>
+        <p:nvSpPr>
+          <p:cNvPr id="2" name="Title 1">
+            <a:extLst>
+              <a:ext uri="{FF2B5EF4-FFF2-40B4-BE49-F238E27FC236}">
+                <a16:creationId xmlns:a16="http://schemas.microsoft.com/office/drawing/2014/main" id="{4AD106DC-1A60-44EA-9B45-87C7691BCE09}"/>
+              </a:ext>
+            </a:extLst>
+          </p:cNvPr>
+          <p:cNvSpPr>
+            <a:spLocks noGrp="1"/>
+          </p:cNvSpPr>
+          <p:nvPr>
+            <p:ph type="title"/>
+          </p:nvPr>
+        </p:nvSpPr>
+        <p:spPr/>
+        <p:txBody>
+          <a:bodyPr/>
+          <a:lstStyle/>
+          <a:p>
+            <a:pPr algn="ctr"/>
+            <a:r>
+              <a:rPr lang="en-US" dirty="0" err="1"/>
+              <a:t>Đánh</a:t>
+            </a:r>
+            <a:r>
+              <a:rPr lang="en-US" dirty="0"/>
+              <a:t> </a:t>
+            </a:r>
+            <a:r>
+              <a:rPr lang="en-US" dirty="0" err="1"/>
+              <a:t>giá</a:t>
+            </a:r>
+            <a:r>
+              <a:rPr lang="en-US" dirty="0"/>
+              <a:t> </a:t>
+            </a:r>
+            <a:r>
+              <a:rPr lang="en-US" dirty="0" err="1"/>
+              <a:t>đồ</a:t>
+            </a:r>
+            <a:r>
+              <a:rPr lang="en-US" dirty="0"/>
+              <a:t> </a:t>
+            </a:r>
+            <a:r>
+              <a:rPr lang="en-US" dirty="0" err="1"/>
+              <a:t>án</a:t>
+            </a:r>
+            <a:r>
+              <a:rPr lang="en-US" dirty="0"/>
+              <a:t> (</a:t>
+            </a:r>
+            <a:r>
+              <a:rPr lang="en-US" dirty="0" err="1"/>
+              <a:t>chiêm</a:t>
+            </a:r>
+            <a:r>
+              <a:rPr lang="en-US" dirty="0"/>
+              <a:t> </a:t>
+            </a:r>
+            <a:r>
+              <a:rPr lang="en-US" dirty="0" err="1"/>
+              <a:t>nghiệm</a:t>
+            </a:r>
+            <a:r>
+              <a:rPr lang="en-US" dirty="0"/>
+              <a:t>)</a:t>
+            </a:r>
+            <a:endParaRPr lang="vi-VN" dirty="0"/>
+          </a:p>
+        </p:txBody>
+      </p:sp>
+      <p:sp>
+        <p:nvSpPr>
+          <p:cNvPr id="3" name="Content Placeholder 2">
+            <a:extLst>
+              <a:ext uri="{FF2B5EF4-FFF2-40B4-BE49-F238E27FC236}">
+                <a16:creationId xmlns:a16="http://schemas.microsoft.com/office/drawing/2014/main" id="{36B77C27-FE88-4214-8173-C40E2F3F9948}"/>
+              </a:ext>
+            </a:extLst>
+          </p:cNvPr>
+          <p:cNvSpPr>
+            <a:spLocks noGrp="1"/>
+          </p:cNvSpPr>
+          <p:nvPr>
+            <p:ph idx="1"/>
+          </p:nvPr>
+        </p:nvSpPr>
+        <p:spPr>
+          <a:xfrm>
+            <a:off x="838200" y="1825625"/>
+            <a:ext cx="10655300" cy="4351338"/>
+          </a:xfrm>
+        </p:spPr>
+        <p:txBody>
+          <a:bodyPr>
+            <a:normAutofit/>
+          </a:bodyPr>
+          <a:lstStyle/>
+          <a:p>
+            <a:pPr marL="0" indent="0">
+              <a:buNone/>
+            </a:pPr>
+            <a:r>
+              <a:rPr lang="vi-VN" dirty="0"/>
+              <a:t>Tốt</a:t>
+            </a:r>
+            <a:r>
+              <a:rPr lang="en-US" dirty="0"/>
+              <a:t> 👍</a:t>
+            </a:r>
+            <a:endParaRPr lang="vi-VN" dirty="0"/>
+          </a:p>
+          <a:p>
+            <a:r>
+              <a:rPr lang="vi-VN" dirty="0"/>
+              <a:t>Thu thập được lượng lớn dữ liệu.</a:t>
+            </a:r>
+          </a:p>
+          <a:p>
+            <a:r>
+              <a:rPr lang="vi-VN" dirty="0"/>
+              <a:t>Có khả năng tìm hiểu được các kiến thức cần thiết.</a:t>
+            </a:r>
+          </a:p>
+          <a:p>
+            <a:r>
+              <a:rPr lang="en-US" dirty="0"/>
+              <a:t>P</a:t>
+            </a:r>
+            <a:r>
+              <a:rPr lang="vi-VN" dirty="0"/>
+              <a:t>hân chi</a:t>
+            </a:r>
+            <a:r>
+              <a:rPr lang="en-US" dirty="0"/>
+              <a:t>a</a:t>
+            </a:r>
+            <a:r>
+              <a:rPr lang="vi-VN" dirty="0"/>
+              <a:t> ra các quy trình khoa học dữ liệu riêng biệt và phân công mỗi thành viên nắm một quy trình riêng chứ không </a:t>
+            </a:r>
+            <a:r>
+              <a:rPr lang="en-US" dirty="0" err="1"/>
+              <a:t>cùng</a:t>
+            </a:r>
+            <a:r>
+              <a:rPr lang="en-US" dirty="0"/>
+              <a:t> </a:t>
+            </a:r>
+            <a:r>
+              <a:rPr lang="en-US" dirty="0" err="1"/>
+              <a:t>làm</a:t>
+            </a:r>
+            <a:r>
+              <a:rPr lang="vi-VN" dirty="0"/>
+              <a:t> chung (phần này nhóm không biết là điều xấu hay điều tốt</a:t>
+            </a:r>
+            <a:r>
+              <a:rPr lang="en-US" dirty="0"/>
+              <a:t>, </a:t>
+            </a:r>
+            <a:r>
+              <a:rPr lang="en-US" dirty="0" err="1"/>
+              <a:t>nhưng</a:t>
+            </a:r>
+            <a:r>
+              <a:rPr lang="en-US" dirty="0"/>
+              <a:t> </a:t>
+            </a:r>
+            <a:r>
+              <a:rPr lang="en-US" dirty="0" err="1"/>
+              <a:t>nhóm</a:t>
+            </a:r>
+            <a:r>
+              <a:rPr lang="en-US" dirty="0"/>
+              <a:t> </a:t>
+            </a:r>
+            <a:r>
+              <a:rPr lang="en-US" dirty="0" err="1"/>
+              <a:t>nghĩ</a:t>
+            </a:r>
+            <a:r>
+              <a:rPr lang="en-US" dirty="0"/>
+              <a:t> </a:t>
+            </a:r>
+            <a:r>
+              <a:rPr lang="en-US" dirty="0" err="1"/>
+              <a:t>khả</a:t>
+            </a:r>
+            <a:r>
+              <a:rPr lang="en-US" dirty="0"/>
+              <a:t> </a:t>
+            </a:r>
+            <a:r>
+              <a:rPr lang="en-US" dirty="0" err="1"/>
+              <a:t>năng</a:t>
+            </a:r>
+            <a:r>
+              <a:rPr lang="en-US" dirty="0"/>
+              <a:t> </a:t>
+            </a:r>
+            <a:r>
+              <a:rPr lang="en-US" dirty="0" err="1"/>
+              <a:t>cao</a:t>
+            </a:r>
+            <a:r>
+              <a:rPr lang="en-US" dirty="0"/>
+              <a:t> </a:t>
+            </a:r>
+            <a:r>
+              <a:rPr lang="en-US" dirty="0" err="1"/>
+              <a:t>là</a:t>
+            </a:r>
+            <a:r>
+              <a:rPr lang="en-US" dirty="0"/>
+              <a:t> </a:t>
+            </a:r>
+            <a:r>
+              <a:rPr lang="en-US" dirty="0" err="1"/>
+              <a:t>tốt</a:t>
+            </a:r>
+            <a:r>
+              <a:rPr lang="en-US" dirty="0"/>
+              <a:t> 👍</a:t>
+            </a:r>
+            <a:r>
+              <a:rPr lang="vi-VN" dirty="0"/>
+              <a:t>).</a:t>
+            </a:r>
+          </a:p>
+        </p:txBody>
+      </p:sp>
+    </p:spTree>
+    <p:extLst>
+      <p:ext uri="{BB962C8B-B14F-4D97-AF65-F5344CB8AC3E}">
+        <p14:creationId xmlns:p14="http://schemas.microsoft.com/office/powerpoint/2010/main" val="2622201153"/>
+      </p:ext>
+    </p:extLst>
+  </p:cSld>
+  <p:clrMapOvr>
+    <a:masterClrMapping/>
+  </p:clrMapOvr>
+</p:sld>
+</file>
+
+<file path=ppt/slides/slide53.xml><?xml version="1.0" encoding="utf-8"?>
 <p:sld xmlns:a="http://schemas.openxmlformats.org/drawingml/2006/main" xmlns:r="http://schemas.openxmlformats.org/officeDocument/2006/relationships" xmlns:p="http://schemas.openxmlformats.org/presentationml/2006/main">
   <p:cSld>
     <p:spTree>
@@ -14919,7 +20215,7 @@
 </p:sld>
 </file>
 
-<file path=ppt/slides/slide41.xml><?xml version="1.0" encoding="utf-8"?>
+<file path=ppt/slides/slide54.xml><?xml version="1.0" encoding="utf-8"?>
 <p:sld xmlns:a="http://schemas.openxmlformats.org/drawingml/2006/main" xmlns:r="http://schemas.openxmlformats.org/officeDocument/2006/relationships" xmlns:p="http://schemas.openxmlformats.org/presentationml/2006/main">
   <p:cSld>
     <p:spTree>
@@ -15019,7 +20315,7 @@
 </p:sld>
 </file>
 
-<file path=ppt/slides/slide42.xml><?xml version="1.0" encoding="utf-8"?>
+<file path=ppt/slides/slide55.xml><?xml version="1.0" encoding="utf-8"?>
 <p:sld xmlns:a="http://schemas.openxmlformats.org/drawingml/2006/main" xmlns:r="http://schemas.openxmlformats.org/officeDocument/2006/relationships" xmlns:p="http://schemas.openxmlformats.org/presentationml/2006/main">
   <p:cSld>
     <p:spTree>
@@ -15265,116 +20561,6 @@
     <p:extLst>
       <p:ext uri="{BB962C8B-B14F-4D97-AF65-F5344CB8AC3E}">
         <p14:creationId xmlns:p14="http://schemas.microsoft.com/office/powerpoint/2010/main" val="1981201201"/>
-      </p:ext>
-    </p:extLst>
-  </p:cSld>
-  <p:clrMapOvr>
-    <a:masterClrMapping/>
-  </p:clrMapOvr>
-</p:sld>
-</file>
-
-<file path=ppt/slides/slide5.xml><?xml version="1.0" encoding="utf-8"?>
-<p:sld xmlns:a="http://schemas.openxmlformats.org/drawingml/2006/main" xmlns:r="http://schemas.openxmlformats.org/officeDocument/2006/relationships" xmlns:p="http://schemas.openxmlformats.org/presentationml/2006/main">
-  <p:cSld>
-    <p:spTree>
-      <p:nvGrpSpPr>
-        <p:cNvPr id="1" name=""/>
-        <p:cNvGrpSpPr/>
-        <p:nvPr/>
-      </p:nvGrpSpPr>
-      <p:grpSpPr>
-        <a:xfrm>
-          <a:off x="0" y="0"/>
-          <a:ext cx="0" cy="0"/>
-          <a:chOff x="0" y="0"/>
-          <a:chExt cx="0" cy="0"/>
-        </a:xfrm>
-      </p:grpSpPr>
-      <p:sp>
-        <p:nvSpPr>
-          <p:cNvPr id="2" name="Title 1">
-            <a:extLst>
-              <a:ext uri="{FF2B5EF4-FFF2-40B4-BE49-F238E27FC236}">
-                <a16:creationId xmlns:a16="http://schemas.microsoft.com/office/drawing/2014/main" id="{45FF1C7A-6A78-43D7-A3C2-48E7E9387963}"/>
-              </a:ext>
-            </a:extLst>
-          </p:cNvPr>
-          <p:cNvSpPr>
-            <a:spLocks noGrp="1"/>
-          </p:cNvSpPr>
-          <p:nvPr>
-            <p:ph type="title"/>
-          </p:nvPr>
-        </p:nvSpPr>
-        <p:spPr/>
-        <p:txBody>
-          <a:bodyPr/>
-          <a:lstStyle/>
-          <a:p>
-            <a:endParaRPr lang="vi-VN"/>
-          </a:p>
-        </p:txBody>
-      </p:sp>
-      <p:sp>
-        <p:nvSpPr>
-          <p:cNvPr id="3" name="Content Placeholder 2">
-            <a:extLst>
-              <a:ext uri="{FF2B5EF4-FFF2-40B4-BE49-F238E27FC236}">
-                <a16:creationId xmlns:a16="http://schemas.microsoft.com/office/drawing/2014/main" id="{087A3FA0-0C27-479B-970E-CA1E29636218}"/>
-              </a:ext>
-            </a:extLst>
-          </p:cNvPr>
-          <p:cNvSpPr>
-            <a:spLocks noGrp="1"/>
-          </p:cNvSpPr>
-          <p:nvPr>
-            <p:ph idx="1"/>
-          </p:nvPr>
-        </p:nvSpPr>
-        <p:spPr/>
-        <p:txBody>
-          <a:bodyPr/>
-          <a:lstStyle/>
-          <a:p>
-            <a:endParaRPr lang="vi-VN"/>
-          </a:p>
-        </p:txBody>
-      </p:sp>
-      <p:pic>
-        <p:nvPicPr>
-          <p:cNvPr id="4" name="Picture 3">
-            <a:extLst>
-              <a:ext uri="{FF2B5EF4-FFF2-40B4-BE49-F238E27FC236}">
-                <a16:creationId xmlns:a16="http://schemas.microsoft.com/office/drawing/2014/main" id="{F54C5F7F-4A6E-433C-8874-DE5525A3FB2A}"/>
-              </a:ext>
-            </a:extLst>
-          </p:cNvPr>
-          <p:cNvPicPr>
-            <a:picLocks noChangeAspect="1"/>
-          </p:cNvPicPr>
-          <p:nvPr/>
-        </p:nvPicPr>
-        <p:blipFill>
-          <a:blip r:embed="rId2"/>
-          <a:stretch>
-            <a:fillRect/>
-          </a:stretch>
-        </p:blipFill>
-        <p:spPr>
-          <a:xfrm>
-            <a:off x="580138" y="0"/>
-            <a:ext cx="11031723" cy="6858000"/>
-          </a:xfrm>
-          <a:prstGeom prst="rect">
-            <a:avLst/>
-          </a:prstGeom>
-        </p:spPr>
-      </p:pic>
-    </p:spTree>
-    <p:extLst>
-      <p:ext uri="{BB962C8B-B14F-4D97-AF65-F5344CB8AC3E}">
-        <p14:creationId xmlns:p14="http://schemas.microsoft.com/office/powerpoint/2010/main" val="426237587"/>
       </p:ext>
     </p:extLst>
   </p:cSld>
